--- a/client_output.pptx
+++ b/client_output.pptx
@@ -5,17 +5,16 @@
     <p:sldMasterId id="2147483648" r:id="rId4"/>
   </p:sldMasterIdLst>
   <p:notesMasterIdLst>
-    <p:notesMasterId r:id="rId10"/>
+    <p:notesMasterId r:id="rId9"/>
   </p:notesMasterIdLst>
   <p:handoutMasterIdLst>
-    <p:handoutMasterId r:id="rId11"/>
+    <p:handoutMasterId r:id="rId10"/>
   </p:handoutMasterIdLst>
   <p:sldIdLst>
     <p:sldId id="289" r:id="rId5"/>
     <p:sldId id="458" r:id="rId6"/>
     <p:sldId id="463" r:id="rId7"/>
-    <p:sldId id="464" r:id="rId8"/>
-    <p:sldId id="276" r:id="rId9"/>
+    <p:sldId id="276" r:id="rId8"/>
   </p:sldIdLst>
   <p:sldSz cx="12192000" cy="6858000"/>
   <p:notesSz cx="6858000" cy="9144000"/>
@@ -754,36 +753,15 @@
             <c:numRef>
               <c:numCache>
                 <c:formatCode>"£"#,##0</c:formatCode>
-                <c:ptCount val="10"/>
-                <c:pt idx="0">
-                  <c:v>0</c:v>
-                </c:pt>
-                <c:pt idx="1">
-                  <c:v>0</c:v>
-                </c:pt>
-                <c:pt idx="2">
-                  <c:v>0</c:v>
-                </c:pt>
+                <c:ptCount val="3"/>
                 <c:pt idx="3">
                   <c:v>44463</c:v>
-                </c:pt>
-                <c:pt idx="4">
-                  <c:v>0</c:v>
                 </c:pt>
                 <c:pt idx="5">
                   <c:v>1213</c:v>
                 </c:pt>
                 <c:pt idx="6">
                   <c:v>14085</c:v>
-                </c:pt>
-                <c:pt idx="7">
-                  <c:v>0</c:v>
-                </c:pt>
-                <c:pt idx="8">
-                  <c:v>0</c:v>
-                </c:pt>
-                <c:pt idx="9">
-                  <c:v>0</c:v>
                 </c:pt>
               </c:numCache>
             </c:numRef>
@@ -1501,7 +1479,7 @@
           <a:p>
             <a:fld id="{22EE6207-6821-4DAB-B818-E4F4F6AB12F5}" type="datetimeFigureOut">
               <a:rPr lang="en-GB" smtClean="0"/>
-              <a:t>01/10/2024</a:t>
+              <a:t>02/10/2024</a:t>
             </a:fld>
             <a:endParaRPr lang="en-GB"/>
           </a:p>
@@ -1694,7 +1672,7 @@
           <a:p>
             <a:fld id="{5B936EE0-4F6D-274D-8902-95CDFEF84C8C}" type="datetimeFigureOut">
               <a:rPr lang="en-US" smtClean="0"/>
-              <a:t>10/1/2024</a:t>
+              <a:t>10/2/2024</a:t>
             </a:fld>
             <a:endParaRPr lang="en-US"/>
           </a:p>
@@ -2130,90 +2108,6 @@
 </p:notes>
 </file>
 
-<file path=ppt/notesSlides/notesSlide3.xml><?xml version="1.0" encoding="utf-8"?>
-<p:notes xmlns:a="http://schemas.openxmlformats.org/drawingml/2006/main" xmlns:r="http://schemas.openxmlformats.org/officeDocument/2006/relationships" xmlns:p="http://schemas.openxmlformats.org/presentationml/2006/main">
-  <p:cSld>
-    <p:spTree>
-      <p:nvGrpSpPr>
-        <p:cNvPr id="1" name=""/>
-        <p:cNvGrpSpPr/>
-        <p:nvPr/>
-      </p:nvGrpSpPr>
-      <p:grpSpPr>
-        <a:xfrm>
-          <a:off x="0" y="0"/>
-          <a:ext cx="0" cy="0"/>
-          <a:chOff x="0" y="0"/>
-          <a:chExt cx="0" cy="0"/>
-        </a:xfrm>
-      </p:grpSpPr>
-      <p:sp>
-        <p:nvSpPr>
-          <p:cNvPr id="2" name="Slide Image Placeholder 1"/>
-          <p:cNvSpPr>
-            <a:spLocks noGrp="1" noRot="1" noChangeAspect="1"/>
-          </p:cNvSpPr>
-          <p:nvPr>
-            <p:ph type="sldImg"/>
-          </p:nvPr>
-        </p:nvSpPr>
-        <p:spPr/>
-      </p:sp>
-      <p:sp>
-        <p:nvSpPr>
-          <p:cNvPr id="3" name="Notes Placeholder 2"/>
-          <p:cNvSpPr>
-            <a:spLocks noGrp="1"/>
-          </p:cNvSpPr>
-          <p:nvPr>
-            <p:ph type="body" idx="1"/>
-          </p:nvPr>
-        </p:nvSpPr>
-        <p:spPr/>
-        <p:txBody>
-          <a:bodyPr/>
-          <a:lstStyle/>
-          <a:p>
-            <a:endParaRPr lang="en-GB" dirty="0"/>
-          </a:p>
-        </p:txBody>
-      </p:sp>
-      <p:sp>
-        <p:nvSpPr>
-          <p:cNvPr id="4" name="Slide Number Placeholder 3"/>
-          <p:cNvSpPr>
-            <a:spLocks noGrp="1"/>
-          </p:cNvSpPr>
-          <p:nvPr>
-            <p:ph type="sldNum" sz="quarter" idx="5"/>
-          </p:nvPr>
-        </p:nvSpPr>
-        <p:spPr/>
-        <p:txBody>
-          <a:bodyPr/>
-          <a:lstStyle/>
-          <a:p>
-            <a:fld id="{9E6F5981-AC5E-AE4D-852B-DAB06874D7E5}" type="slidenum">
-              <a:rPr lang="en-US" smtClean="0"/>
-              <a:t>4</a:t>
-            </a:fld>
-            <a:endParaRPr lang="en-US"/>
-          </a:p>
-        </p:txBody>
-      </p:sp>
-    </p:spTree>
-    <p:extLst>
-      <p:ext uri="{BB962C8B-B14F-4D97-AF65-F5344CB8AC3E}">
-        <p14:creationId xmlns:p14="http://schemas.microsoft.com/office/powerpoint/2010/main" val="2462885113"/>
-      </p:ext>
-    </p:extLst>
-  </p:cSld>
-  <p:clrMapOvr>
-    <a:masterClrMapping/>
-  </p:clrMapOvr>
-</p:notes>
-</file>
-
 <file path=ppt/slideLayouts/slideLayout1.xml><?xml version="1.0" encoding="utf-8"?>
 <p:sldLayout xmlns:a="http://schemas.openxmlformats.org/drawingml/2006/main" xmlns:r="http://schemas.openxmlformats.org/officeDocument/2006/relationships" xmlns:p="http://schemas.openxmlformats.org/presentationml/2006/main" showMasterSp="0" preserve="1" userDrawn="1">
   <p:cSld name="Title Slide 1">
@@ -2418,7 +2312,7 @@
           <a:p>
             <a:fld id="{98FAEBFC-AF3F-6E47-9766-48C2D7B36252}" type="datetime1">
               <a:rPr lang="en-GB" smtClean="0"/>
-              <a:t>01/10/2024</a:t>
+              <a:t>02/10/2024</a:t>
             </a:fld>
             <a:endParaRPr lang="en-GB"/>
           </a:p>
@@ -2733,7 +2627,7 @@
           <a:p>
             <a:fld id="{C7EFF3D0-6BED-D444-BEB4-872DDA21BA8D}" type="datetime1">
               <a:rPr lang="en-GB" smtClean="0"/>
-              <a:t>01/10/2024</a:t>
+              <a:t>02/10/2024</a:t>
             </a:fld>
             <a:endParaRPr lang="en-US"/>
           </a:p>
@@ -3851,7 +3745,7 @@
           <a:p>
             <a:fld id="{C7EFF3D0-6BED-D444-BEB4-872DDA21BA8D}" type="datetime1">
               <a:rPr lang="en-GB" smtClean="0"/>
-              <a:t>01/10/2024</a:t>
+              <a:t>02/10/2024</a:t>
             </a:fld>
             <a:endParaRPr lang="en-US"/>
           </a:p>
@@ -4318,7 +4212,7 @@
           <a:p>
             <a:fld id="{C7EFF3D0-6BED-D444-BEB4-872DDA21BA8D}" type="datetime1">
               <a:rPr lang="en-GB" smtClean="0"/>
-              <a:t>01/10/2024</a:t>
+              <a:t>02/10/2024</a:t>
             </a:fld>
             <a:endParaRPr lang="en-US"/>
           </a:p>
@@ -4969,7 +4863,7 @@
           <a:p>
             <a:fld id="{C7EFF3D0-6BED-D444-BEB4-872DDA21BA8D}" type="datetime1">
               <a:rPr lang="en-GB" smtClean="0"/>
-              <a:t>01/10/2024</a:t>
+              <a:t>02/10/2024</a:t>
             </a:fld>
             <a:endParaRPr lang="en-US"/>
           </a:p>
@@ -5380,7 +5274,7 @@
           <a:p>
             <a:fld id="{C7EFF3D0-6BED-D444-BEB4-872DDA21BA8D}" type="datetime1">
               <a:rPr lang="en-GB" smtClean="0"/>
-              <a:t>01/10/2024</a:t>
+              <a:t>02/10/2024</a:t>
             </a:fld>
             <a:endParaRPr lang="en-US"/>
           </a:p>
@@ -5881,7 +5775,7 @@
           <a:p>
             <a:fld id="{C7EFF3D0-6BED-D444-BEB4-872DDA21BA8D}" type="datetime1">
               <a:rPr lang="en-GB" smtClean="0"/>
-              <a:t>01/10/2024</a:t>
+              <a:t>02/10/2024</a:t>
             </a:fld>
             <a:endParaRPr lang="en-US"/>
           </a:p>
@@ -6611,7 +6505,7 @@
           <a:p>
             <a:fld id="{C7EFF3D0-6BED-D444-BEB4-872DDA21BA8D}" type="datetime1">
               <a:rPr lang="en-GB" smtClean="0"/>
-              <a:t>01/10/2024</a:t>
+              <a:t>02/10/2024</a:t>
             </a:fld>
             <a:endParaRPr lang="en-US"/>
           </a:p>
@@ -7437,7 +7331,7 @@
           <a:p>
             <a:fld id="{C7EFF3D0-6BED-D444-BEB4-872DDA21BA8D}" type="datetime1">
               <a:rPr lang="en-GB" smtClean="0"/>
-              <a:t>01/10/2024</a:t>
+              <a:t>02/10/2024</a:t>
             </a:fld>
             <a:endParaRPr lang="en-US"/>
           </a:p>
@@ -9460,7 +9354,7 @@
           <a:p>
             <a:fld id="{C7EFF3D0-6BED-D444-BEB4-872DDA21BA8D}" type="datetime1">
               <a:rPr lang="en-GB" smtClean="0"/>
-              <a:t>01/10/2024</a:t>
+              <a:t>02/10/2024</a:t>
             </a:fld>
             <a:endParaRPr lang="en-US"/>
           </a:p>
@@ -10086,7 +9980,7 @@
           <a:p>
             <a:fld id="{C7EFF3D0-6BED-D444-BEB4-872DDA21BA8D}" type="datetime1">
               <a:rPr lang="en-GB" smtClean="0"/>
-              <a:t>01/10/2024</a:t>
+              <a:t>02/10/2024</a:t>
             </a:fld>
             <a:endParaRPr lang="en-US"/>
           </a:p>
@@ -11059,7 +10953,7 @@
           <a:p>
             <a:fld id="{98FAEBFC-AF3F-6E47-9766-48C2D7B36252}" type="datetime1">
               <a:rPr lang="en-GB" smtClean="0"/>
-              <a:t>01/10/2024</a:t>
+              <a:t>02/10/2024</a:t>
             </a:fld>
             <a:endParaRPr lang="en-GB"/>
           </a:p>
@@ -11778,7 +11672,7 @@
           <a:p>
             <a:fld id="{C7EFF3D0-6BED-D444-BEB4-872DDA21BA8D}" type="datetime1">
               <a:rPr lang="en-GB" smtClean="0"/>
-              <a:t>01/10/2024</a:t>
+              <a:t>02/10/2024</a:t>
             </a:fld>
             <a:endParaRPr lang="en-US"/>
           </a:p>
@@ -12598,7 +12492,7 @@
           <a:p>
             <a:fld id="{C7EFF3D0-6BED-D444-BEB4-872DDA21BA8D}" type="datetime1">
               <a:rPr lang="en-GB" smtClean="0"/>
-              <a:t>01/10/2024</a:t>
+              <a:t>02/10/2024</a:t>
             </a:fld>
             <a:endParaRPr lang="en-US"/>
           </a:p>
@@ -13397,7 +13291,7 @@
           <a:p>
             <a:fld id="{C7EFF3D0-6BED-D444-BEB4-872DDA21BA8D}" type="datetime1">
               <a:rPr lang="en-GB" smtClean="0"/>
-              <a:t>01/10/2024</a:t>
+              <a:t>02/10/2024</a:t>
             </a:fld>
             <a:endParaRPr lang="en-US"/>
           </a:p>
@@ -14164,7 +14058,7 @@
           <a:p>
             <a:fld id="{C7EFF3D0-6BED-D444-BEB4-872DDA21BA8D}" type="datetime1">
               <a:rPr lang="en-GB" smtClean="0"/>
-              <a:t>01/10/2024</a:t>
+              <a:t>02/10/2024</a:t>
             </a:fld>
             <a:endParaRPr lang="en-US"/>
           </a:p>
@@ -14731,7 +14625,7 @@
           <a:p>
             <a:fld id="{C7EFF3D0-6BED-D444-BEB4-872DDA21BA8D}" type="datetime1">
               <a:rPr lang="en-GB" smtClean="0"/>
-              <a:t>01/10/2024</a:t>
+              <a:t>02/10/2024</a:t>
             </a:fld>
             <a:endParaRPr lang="en-US"/>
           </a:p>
@@ -15295,7 +15189,7 @@
           <a:p>
             <a:fld id="{C7EFF3D0-6BED-D444-BEB4-872DDA21BA8D}" type="datetime1">
               <a:rPr lang="en-GB" smtClean="0"/>
-              <a:t>01/10/2024</a:t>
+              <a:t>02/10/2024</a:t>
             </a:fld>
             <a:endParaRPr lang="en-US"/>
           </a:p>
@@ -15906,7 +15800,7 @@
           <a:p>
             <a:fld id="{C7EFF3D0-6BED-D444-BEB4-872DDA21BA8D}" type="datetime1">
               <a:rPr lang="en-GB" smtClean="0"/>
-              <a:t>01/10/2024</a:t>
+              <a:t>02/10/2024</a:t>
             </a:fld>
             <a:endParaRPr lang="en-US"/>
           </a:p>
@@ -16642,7 +16536,7 @@
           <a:p>
             <a:fld id="{C7EFF3D0-6BED-D444-BEB4-872DDA21BA8D}" type="datetime1">
               <a:rPr lang="en-GB" smtClean="0"/>
-              <a:t>01/10/2024</a:t>
+              <a:t>02/10/2024</a:t>
             </a:fld>
             <a:endParaRPr lang="en-US"/>
           </a:p>
@@ -17013,7 +16907,7 @@
           <a:p>
             <a:fld id="{C7EFF3D0-6BED-D444-BEB4-872DDA21BA8D}" type="datetime1">
               <a:rPr lang="en-GB" smtClean="0"/>
-              <a:t>01/10/2024</a:t>
+              <a:t>02/10/2024</a:t>
             </a:fld>
             <a:endParaRPr lang="en-US"/>
           </a:p>
@@ -17413,7 +17307,7 @@
           <a:p>
             <a:fld id="{C7EFF3D0-6BED-D444-BEB4-872DDA21BA8D}" type="datetime1">
               <a:rPr lang="en-GB" smtClean="0"/>
-              <a:t>01/10/2024</a:t>
+              <a:t>02/10/2024</a:t>
             </a:fld>
             <a:endParaRPr lang="en-US"/>
           </a:p>
@@ -18411,7 +18305,7 @@
           <a:p>
             <a:fld id="{98FAEBFC-AF3F-6E47-9766-48C2D7B36252}" type="datetime1">
               <a:rPr lang="en-GB" smtClean="0"/>
-              <a:t>01/10/2024</a:t>
+              <a:t>02/10/2024</a:t>
             </a:fld>
             <a:endParaRPr lang="en-GB"/>
           </a:p>
@@ -18965,7 +18859,7 @@
           <a:p>
             <a:fld id="{C7EFF3D0-6BED-D444-BEB4-872DDA21BA8D}" type="datetime1">
               <a:rPr lang="en-GB" smtClean="0"/>
-              <a:t>01/10/2024</a:t>
+              <a:t>02/10/2024</a:t>
             </a:fld>
             <a:endParaRPr lang="en-US"/>
           </a:p>
@@ -19707,7 +19601,7 @@
           <a:p>
             <a:fld id="{C7EFF3D0-6BED-D444-BEB4-872DDA21BA8D}" type="datetime1">
               <a:rPr lang="en-GB" smtClean="0"/>
-              <a:t>01/10/2024</a:t>
+              <a:t>02/10/2024</a:t>
             </a:fld>
             <a:endParaRPr lang="en-US"/>
           </a:p>
@@ -20650,7 +20544,7 @@
           <a:p>
             <a:fld id="{C7EFF3D0-6BED-D444-BEB4-872DDA21BA8D}" type="datetime1">
               <a:rPr lang="en-GB" smtClean="0"/>
-              <a:t>01/10/2024</a:t>
+              <a:t>02/10/2024</a:t>
             </a:fld>
             <a:endParaRPr lang="en-US"/>
           </a:p>
@@ -21206,7 +21100,7 @@
           <a:p>
             <a:fld id="{C7EFF3D0-6BED-D444-BEB4-872DDA21BA8D}" type="datetime1">
               <a:rPr lang="en-GB" smtClean="0"/>
-              <a:t>01/10/2024</a:t>
+              <a:t>02/10/2024</a:t>
             </a:fld>
             <a:endParaRPr lang="en-US"/>
           </a:p>
@@ -21756,7 +21650,7 @@
           <a:p>
             <a:fld id="{C7EFF3D0-6BED-D444-BEB4-872DDA21BA8D}" type="datetime1">
               <a:rPr lang="en-GB" smtClean="0"/>
-              <a:t>01/10/2024</a:t>
+              <a:t>02/10/2024</a:t>
             </a:fld>
             <a:endParaRPr lang="en-US"/>
           </a:p>
@@ -22541,7 +22435,7 @@
           <a:p>
             <a:fld id="{C7EFF3D0-6BED-D444-BEB4-872DDA21BA8D}" type="datetime1">
               <a:rPr lang="en-GB" smtClean="0"/>
-              <a:t>01/10/2024</a:t>
+              <a:t>02/10/2024</a:t>
             </a:fld>
             <a:endParaRPr lang="en-US"/>
           </a:p>
@@ -23305,7 +23199,7 @@
           <a:p>
             <a:fld id="{C7EFF3D0-6BED-D444-BEB4-872DDA21BA8D}" type="datetime1">
               <a:rPr lang="en-GB" smtClean="0"/>
-              <a:t>01/10/2024</a:t>
+              <a:t>02/10/2024</a:t>
             </a:fld>
             <a:endParaRPr lang="en-US"/>
           </a:p>
@@ -24021,7 +23915,7 @@
           <a:p>
             <a:fld id="{C7EFF3D0-6BED-D444-BEB4-872DDA21BA8D}" type="datetime1">
               <a:rPr lang="en-GB" smtClean="0"/>
-              <a:t>01/10/2024</a:t>
+              <a:t>02/10/2024</a:t>
             </a:fld>
             <a:endParaRPr lang="en-US"/>
           </a:p>
@@ -24420,7 +24314,7 @@
           <a:p>
             <a:fld id="{C7EFF3D0-6BED-D444-BEB4-872DDA21BA8D}" type="datetime1">
               <a:rPr lang="en-GB" smtClean="0"/>
-              <a:t>01/10/2024</a:t>
+              <a:t>02/10/2024</a:t>
             </a:fld>
             <a:endParaRPr lang="en-US"/>
           </a:p>
@@ -24732,7 +24626,7 @@
           <a:p>
             <a:fld id="{C7EFF3D0-6BED-D444-BEB4-872DDA21BA8D}" type="datetime1">
               <a:rPr lang="en-GB" smtClean="0"/>
-              <a:t>01/10/2024</a:t>
+              <a:t>02/10/2024</a:t>
             </a:fld>
             <a:endParaRPr lang="en-US"/>
           </a:p>
@@ -25202,7 +25096,7 @@
           <a:p>
             <a:fld id="{D3ECCBB8-735C-914B-8E67-7852CBBDF7EA}" type="datetime1">
               <a:rPr lang="en-GB" smtClean="0"/>
-              <a:t>01/10/2024</a:t>
+              <a:t>02/10/2024</a:t>
             </a:fld>
             <a:endParaRPr lang="en-GB"/>
           </a:p>
@@ -25888,7 +25782,7 @@
           <a:p>
             <a:fld id="{C7EFF3D0-6BED-D444-BEB4-872DDA21BA8D}" type="datetime1">
               <a:rPr lang="en-GB" smtClean="0"/>
-              <a:t>01/10/2024</a:t>
+              <a:t>02/10/2024</a:t>
             </a:fld>
             <a:endParaRPr lang="en-US"/>
           </a:p>
@@ -26161,7 +26055,7 @@
           <a:p>
             <a:fld id="{C7EFF3D0-6BED-D444-BEB4-872DDA21BA8D}" type="datetime1">
               <a:rPr lang="en-GB" smtClean="0"/>
-              <a:t>01/10/2024</a:t>
+              <a:t>02/10/2024</a:t>
             </a:fld>
             <a:endParaRPr lang="en-US"/>
           </a:p>
@@ -26426,7 +26320,7 @@
           <a:p>
             <a:fld id="{C7EFF3D0-6BED-D444-BEB4-872DDA21BA8D}" type="datetime1">
               <a:rPr lang="en-GB" smtClean="0"/>
-              <a:t>01/10/2024</a:t>
+              <a:t>02/10/2024</a:t>
             </a:fld>
             <a:endParaRPr lang="en-US"/>
           </a:p>
@@ -26818,7 +26712,7 @@
           <a:p>
             <a:fld id="{C7EFF3D0-6BED-D444-BEB4-872DDA21BA8D}" type="datetime1">
               <a:rPr lang="en-GB" smtClean="0"/>
-              <a:t>01/10/2024</a:t>
+              <a:t>02/10/2024</a:t>
             </a:fld>
             <a:endParaRPr lang="en-US"/>
           </a:p>
@@ -27210,7 +27104,7 @@
           <a:p>
             <a:fld id="{C7EFF3D0-6BED-D444-BEB4-872DDA21BA8D}" type="datetime1">
               <a:rPr lang="en-GB" smtClean="0"/>
-              <a:t>01/10/2024</a:t>
+              <a:t>02/10/2024</a:t>
             </a:fld>
             <a:endParaRPr lang="en-US"/>
           </a:p>
@@ -28091,7 +27985,7 @@
           <a:p>
             <a:fld id="{C7EFF3D0-6BED-D444-BEB4-872DDA21BA8D}" type="datetime1">
               <a:rPr lang="en-GB" smtClean="0"/>
-              <a:t>01/10/2024</a:t>
+              <a:t>02/10/2024</a:t>
             </a:fld>
             <a:endParaRPr lang="en-US"/>
           </a:p>
@@ -28252,7 +28146,7 @@
           <a:p>
             <a:fld id="{C7EFF3D0-6BED-D444-BEB4-872DDA21BA8D}" type="datetime1">
               <a:rPr lang="en-GB" smtClean="0"/>
-              <a:t>01/10/2024</a:t>
+              <a:t>02/10/2024</a:t>
             </a:fld>
             <a:endParaRPr lang="en-US"/>
           </a:p>
@@ -29009,7 +28903,7 @@
           <a:p>
             <a:fld id="{C7EFF3D0-6BED-D444-BEB4-872DDA21BA8D}" type="datetime1">
               <a:rPr lang="en-GB" smtClean="0"/>
-              <a:t>01/10/2024</a:t>
+              <a:t>02/10/2024</a:t>
             </a:fld>
             <a:endParaRPr lang="en-US"/>
           </a:p>
@@ -29295,7 +29189,7 @@
           <a:p>
             <a:fld id="{C7EFF3D0-6BED-D444-BEB4-872DDA21BA8D}" type="datetime1">
               <a:rPr lang="en-GB" smtClean="0"/>
-              <a:t>01/10/2024</a:t>
+              <a:t>02/10/2024</a:t>
             </a:fld>
             <a:endParaRPr lang="en-US"/>
           </a:p>
@@ -30061,7 +29955,7 @@
           <a:p>
             <a:fld id="{C7EFF3D0-6BED-D444-BEB4-872DDA21BA8D}" type="datetime1">
               <a:rPr lang="en-GB" smtClean="0"/>
-              <a:t>01/10/2024</a:t>
+              <a:t>02/10/2024</a:t>
             </a:fld>
             <a:endParaRPr lang="en-US"/>
           </a:p>
@@ -30984,7 +30878,7 @@
           <a:p>
             <a:fld id="{D3ECCBB8-735C-914B-8E67-7852CBBDF7EA}" type="datetime1">
               <a:rPr lang="en-GB" smtClean="0"/>
-              <a:t>01/10/2024</a:t>
+              <a:t>02/10/2024</a:t>
             </a:fld>
             <a:endParaRPr lang="en-GB"/>
           </a:p>
@@ -31922,7 +31816,7 @@
           <a:p>
             <a:fld id="{D3ECCBB8-735C-914B-8E67-7852CBBDF7EA}" type="datetime1">
               <a:rPr lang="en-GB" smtClean="0"/>
-              <a:t>01/10/2024</a:t>
+              <a:t>02/10/2024</a:t>
             </a:fld>
             <a:endParaRPr lang="en-GB"/>
           </a:p>
@@ -32868,7 +32762,7 @@
           <a:p>
             <a:fld id="{D3ECCBB8-735C-914B-8E67-7852CBBDF7EA}" type="datetime1">
               <a:rPr lang="en-GB" smtClean="0"/>
-              <a:t>01/10/2024</a:t>
+              <a:t>02/10/2024</a:t>
             </a:fld>
             <a:endParaRPr lang="en-GB"/>
           </a:p>
@@ -33579,7 +33473,7 @@
           <a:p>
             <a:fld id="{C7EFF3D0-6BED-D444-BEB4-872DDA21BA8D}" type="datetime1">
               <a:rPr lang="en-GB" smtClean="0"/>
-              <a:t>01/10/2024</a:t>
+              <a:t>02/10/2024</a:t>
             </a:fld>
             <a:endParaRPr lang="en-US"/>
           </a:p>
@@ -35583,7 +35477,7 @@
           <a:p>
             <a:fld id="{C7EFF3D0-6BED-D444-BEB4-872DDA21BA8D}" type="datetime1">
               <a:rPr lang="en-GB" smtClean="0"/>
-              <a:t>01/10/2024</a:t>
+              <a:t>02/10/2024</a:t>
             </a:fld>
             <a:endParaRPr lang="en-US"/>
           </a:p>
@@ -38688,7 +38582,7 @@
           <a:p>
             <a:fld id="{D63005AE-A14B-7B48-9AF5-01E333747121}" type="datetime1">
               <a:rPr lang="en-GB" smtClean="0"/>
-              <a:t>01/10/2024</a:t>
+              <a:t>02/10/2024</a:t>
             </a:fld>
             <a:endParaRPr lang="en-GB"/>
           </a:p>
@@ -39583,1797 +39477,6 @@
       </ns0:sp>
       <ns0:grpSp>
         <ns0:nvGrpSpPr>
-          <ns0:cNvPr id="23" name="Grup 22">
-            <ns1:extLst>
-              <ns1:ext uri="{FF2B5EF4-FFF2-40B4-BE49-F238E27FC236}">
-                <ns2:creationId id="{3D309B6B-7791-6CF2-0569-C70256165209}"/>
-              </ns1:ext>
-            </ns1:extLst>
-          </ns0:cNvPr>
-          <ns0:cNvGrpSpPr/>
-          <ns0:nvPr/>
-        </ns0:nvGrpSpPr>
-        <ns0:grpSpPr>
-          <ns1:xfrm>
-            <ns1:off x="5018915" y="1556836"/>
-            <ns1:ext cx="1946626" cy="3991330"/>
-            <ns1:chOff x="4961745" y="1556836"/>
-            <ns1:chExt cx="1946626" cy="3991330"/>
-          </ns1:xfrm>
-        </ns0:grpSpPr>
-        <ns0:sp>
-          <ns0:nvSpPr>
-            <ns0:cNvPr id="59" name="Rectangle: Rounded Corners 58">
-              <ns1:extLst>
-                <ns1:ext uri="{FF2B5EF4-FFF2-40B4-BE49-F238E27FC236}">
-                  <ns2:creationId id="{483145D9-A5D5-4A29-9000-3FD97569E5F5}"/>
-                </ns1:ext>
-              </ns1:extLst>
-            </ns0:cNvPr>
-            <ns0:cNvSpPr/>
-            <ns0:nvPr/>
-          </ns0:nvSpPr>
-          <ns0:spPr>
-            <ns1:xfrm>
-              <ns1:off x="4970154" y="4999173"/>
-              <ns1:ext cx="1930036" cy="548993"/>
-            </ns1:xfrm>
-            <ns1:prstGeom prst="roundRect">
-              <ns1:avLst/>
-            </ns1:prstGeom>
-            <ns1:solidFill>
-              <ns1:schemeClr val="accent2">
-                <ns1:alpha val="26000"/>
-              </ns1:schemeClr>
-            </ns1:solidFill>
-            <ns1:ln>
-              <ns1:solidFill>
-                <ns1:schemeClr val="accent1"/>
-              </ns1:solidFill>
-            </ns1:ln>
-          </ns0:spPr>
-          <ns0:style>
-            <ns1:lnRef idx="2">
-              <ns1:schemeClr val="accent1">
-                <ns1:shade val="50000"/>
-              </ns1:schemeClr>
-            </ns1:lnRef>
-            <ns1:fillRef idx="1">
-              <ns1:schemeClr val="accent1"/>
-            </ns1:fillRef>
-            <ns1:effectRef idx="0">
-              <ns1:schemeClr val="accent1"/>
-            </ns1:effectRef>
-            <ns1:fontRef idx="minor">
-              <ns1:schemeClr val="lt1"/>
-            </ns1:fontRef>
-          </ns0:style>
-          <ns0:txBody>
-            <ns1:bodyPr rtlCol="0" anchor="ctr"/>
-            <ns1:lstStyle/>
-            <ns1:p>
-              <ns1:pPr algn="ctr"/>
-              <ns1:endParaRPr lang="en-GB"/>
-            </ns1:p>
-          </ns0:txBody>
-        </ns0:sp>
-        <ns0:sp>
-          <ns0:nvSpPr>
-            <ns0:cNvPr id="49" name="Off-page Connector 9">
-              <ns1:extLst>
-                <ns1:ext uri="{FF2B5EF4-FFF2-40B4-BE49-F238E27FC236}">
-                  <ns2:creationId id="{A97AE63F-0C53-AB7A-E6A8-5650E994B32B}"/>
-                </ns1:ext>
-              </ns1:extLst>
-            </ns0:cNvPr>
-            <ns0:cNvSpPr/>
-            <ns0:nvPr/>
-          </ns0:nvSpPr>
-          <ns0:spPr>
-            <ns1:xfrm>
-              <ns1:off x="4978335" y="1903894"/>
-              <ns1:ext cx="1930036" cy="2548563"/>
-            </ns1:xfrm>
-            <ns1:prstGeom prst="roundRect">
-              <ns1:avLst/>
-            </ns1:prstGeom>
-            <ns1:solidFill>
-              <ns1:schemeClr val="accent4">
-                <ns1:alpha val="10000"/>
-              </ns1:schemeClr>
-            </ns1:solidFill>
-            <ns1:ln>
-              <ns1:noFill/>
-            </ns1:ln>
-          </ns0:spPr>
-          <ns0:style>
-            <ns1:lnRef idx="2">
-              <ns1:schemeClr val="accent1">
-                <ns1:shade val="50000"/>
-              </ns1:schemeClr>
-            </ns1:lnRef>
-            <ns1:fillRef idx="1">
-              <ns1:schemeClr val="accent1"/>
-            </ns1:fillRef>
-            <ns1:effectRef idx="0">
-              <ns1:schemeClr val="accent1"/>
-            </ns1:effectRef>
-            <ns1:fontRef idx="minor">
-              <ns1:schemeClr val="lt1"/>
-            </ns1:fontRef>
-          </ns0:style>
-          <ns0:txBody>
-            <ns1:bodyPr rtlCol="0" anchor="ctr"/>
-            <ns1:lstStyle/>
-            <ns1:p>
-              <ns1:pPr marL="171450" indent="-171450" algn="ctr">
-                <ns1:lnSpc>
-                  <ns1:spcPct val="107000"/>
-                </ns1:lnSpc>
-                <ns1:spcAft>
-                  <ns1:spcPts val="800"/>
-                </ns1:spcAft>
-                <ns1:buFont typeface="Wingdings" panose="05000000000000000000" pitchFamily="2" charset="2"/>
-                <ns1:buChar char="ü"/>
-              </ns1:pPr>
-              <ns1:endParaRPr lang="en-GB" sz="900" dirty="0">
-                <ns1:solidFill>
-                  <ns1:schemeClr val="tx1">
-                    <ns1:lumMod val="75000"/>
-                    <ns1:lumOff val="25000"/>
-                  </ns1:schemeClr>
-                </ns1:solidFill>
-                <ns1:latin typeface="Open Sans" panose="020B0606030504020204" pitchFamily="34" charset="0"/>
-                <ns1:ea typeface="Open Sans" panose="020B0606030504020204" pitchFamily="34" charset="0"/>
-                <ns1:cs typeface="Open Sans" panose="020B0606030504020204" pitchFamily="34" charset="0"/>
-              </ns1:endParaRPr>
-            </ns1:p>
-            <ns1:p>
-              <ns1:pPr marL="171450" indent="-171450" algn="ctr">
-                <ns1:lnSpc>
-                  <ns1:spcPct val="107000"/>
-                </ns1:lnSpc>
-                <ns1:spcAft>
-                  <ns1:spcPts val="800"/>
-                </ns1:spcAft>
-                <ns1:buFont typeface="Wingdings" panose="05000000000000000000" pitchFamily="2" charset="2"/>
-                <ns1:buChar char="ü"/>
-              </ns1:pPr>
-              <ns1:endParaRPr lang="en-GB" sz="900" dirty="0">
-                <ns1:solidFill>
-                  <ns1:schemeClr val="tx1">
-                    <ns1:lumMod val="75000"/>
-                    <ns1:lumOff val="25000"/>
-                  </ns1:schemeClr>
-                </ns1:solidFill>
-                <ns1:latin typeface="Open Sans" panose="020B0606030504020204" pitchFamily="34" charset="0"/>
-                <ns1:ea typeface="Open Sans" panose="020B0606030504020204" pitchFamily="34" charset="0"/>
-                <ns1:cs typeface="Open Sans" panose="020B0606030504020204" pitchFamily="34" charset="0"/>
-              </ns1:endParaRPr>
-            </ns1:p>
-            <ns1:p>
-              <ns1:pPr marL="171450" indent="-171450" algn="ctr">
-                <ns1:lnSpc>
-                  <ns1:spcPct val="107000"/>
-                </ns1:lnSpc>
-                <ns1:spcAft>
-                  <ns1:spcPts val="800"/>
-                </ns1:spcAft>
-                <ns1:buFont typeface="Wingdings" panose="05000000000000000000" pitchFamily="2" charset="2"/>
-                <ns1:buChar char="ü"/>
-              </ns1:pPr>
-              <ns1:r>
-                <ns1:rPr lang="en-GB" sz="900" dirty="0">
-                  <ns1:solidFill>
-                    <ns1:schemeClr val="tx1">
-                      <ns1:lumMod val="75000"/>
-                      <ns1:lumOff val="25000"/>
-                    </ns1:schemeClr>
-                  </ns1:solidFill>
-                  <ns1:latin typeface="Open Sans" panose="020B0606030504020204" pitchFamily="34" charset="0"/>
-                  <ns1:ea typeface="Open Sans" panose="020B0606030504020204" pitchFamily="34" charset="0"/>
-                  <ns1:cs typeface="Open Sans" panose="020B0606030504020204" pitchFamily="34" charset="0"/>
-                </ns1:rPr>
-                <ns1:t>Inefficient processes </ns1:t>
-              </ns1:r>
-            </ns1:p>
-            <ns1:p>
-              <ns1:pPr marL="171450" indent="-171450" algn="ctr">
-                <ns1:lnSpc>
-                  <ns1:spcPct val="107000"/>
-                </ns1:lnSpc>
-                <ns1:spcAft>
-                  <ns1:spcPts val="800"/>
-                </ns1:spcAft>
-                <ns1:buFont typeface="Wingdings" panose="05000000000000000000" pitchFamily="2" charset="2"/>
-                <ns1:buChar char="ü"/>
-              </ns1:pPr>
-              <ns1:r>
-                <ns1:rPr lang="en-GB" sz="900" dirty="0">
-                  <ns1:solidFill>
-                    <ns1:schemeClr val="tx1">
-                      <ns1:lumMod val="75000"/>
-                      <ns1:lumOff val="25000"/>
-                    </ns1:schemeClr>
-                  </ns1:solidFill>
-                  <ns1:latin typeface="Open Sans" panose="020B0606030504020204" pitchFamily="34" charset="0"/>
-                  <ns1:ea typeface="Open Sans" panose="020B0606030504020204" pitchFamily="34" charset="0"/>
-                  <ns1:cs typeface="Open Sans" panose="020B0606030504020204" pitchFamily="34" charset="0"/>
-                </ns1:rPr>
-                <ns1:t>Lack of self-serve solutions</ns1:t>
-              </ns1:r>
-            </ns1:p>
-          </ns0:txBody>
-        </ns0:sp>
-        <ns0:sp>
-          <ns0:nvSpPr>
-            <ns0:cNvPr id="48" name="Freeform 50">
-              <ns1:extLst>
-                <ns1:ext uri="{FF2B5EF4-FFF2-40B4-BE49-F238E27FC236}">
-                  <ns2:creationId id="{13C7AA69-72E1-AD20-DD7E-436E6E31F470}"/>
-                </ns1:ext>
-              </ns1:extLst>
-            </ns0:cNvPr>
-            <ns0:cNvSpPr/>
-            <ns0:nvPr/>
-          </ns0:nvSpPr>
-          <ns0:spPr>
-            <ns1:xfrm rot="10800000">
-              <ns1:off x="4961745" y="2139161"/>
-              <ns1:ext cx="1944972" cy="2971025"/>
-            </ns1:xfrm>
-            <ns1:custGeom>
-              <ns1:avLst/>
-              <ns1:gdLst>
-                <ns1:gd name="connsiteX0" fmla="*/ 0 w 4855912"/>
-                <ns1:gd name="connsiteY0" fmla="*/ 9143998 h 9144000"/>
-                <ns1:gd name="connsiteX1" fmla="*/ 4855912 w 4855912"/>
-                <ns1:gd name="connsiteY1" fmla="*/ 9143998 h 9144000"/>
-                <ns1:gd name="connsiteX2" fmla="*/ 4855912 w 4855912"/>
-                <ns1:gd name="connsiteY2" fmla="*/ 9144000 h 9144000"/>
-                <ns1:gd name="connsiteX3" fmla="*/ 0 w 4855912"/>
-                <ns1:gd name="connsiteY3" fmla="*/ 9144000 h 9144000"/>
-                <ns1:gd name="connsiteX4" fmla="*/ 0 w 4855912"/>
-                <ns1:gd name="connsiteY4" fmla="*/ 0 h 9144000"/>
-                <ns1:gd name="connsiteX5" fmla="*/ 4855912 w 4855912"/>
-                <ns1:gd name="connsiteY5" fmla="*/ 0 h 9144000"/>
-                <ns1:gd name="connsiteX6" fmla="*/ 4855912 w 4855912"/>
-                <ns1:gd name="connsiteY6" fmla="*/ 4215866 h 9144000"/>
-                <ns1:gd name="connsiteX7" fmla="*/ 2427956 w 4855912"/>
-                <ns1:gd name="connsiteY7" fmla="*/ 2983833 h 9144000"/>
-                <ns1:gd name="connsiteX8" fmla="*/ 0 w 4855912"/>
-                <ns1:gd name="connsiteY8" fmla="*/ 4215866 h 9144000"/>
-                <ns1:gd name="connsiteX0" fmla="*/ 0 w 4855912"/>
-                <ns1:gd name="connsiteY0" fmla="*/ 9143998 h 9144000"/>
-                <ns1:gd name="connsiteX1" fmla="*/ 4855912 w 4855912"/>
-                <ns1:gd name="connsiteY1" fmla="*/ 9143998 h 9144000"/>
-                <ns1:gd name="connsiteX2" fmla="*/ 4855912 w 4855912"/>
-                <ns1:gd name="connsiteY2" fmla="*/ 9144000 h 9144000"/>
-                <ns1:gd name="connsiteX3" fmla="*/ 0 w 4855912"/>
-                <ns1:gd name="connsiteY3" fmla="*/ 9144000 h 9144000"/>
-                <ns1:gd name="connsiteX4" fmla="*/ 0 w 4855912"/>
-                <ns1:gd name="connsiteY4" fmla="*/ 9143998 h 9144000"/>
-                <ns1:gd name="connsiteX5" fmla="*/ 0 w 4855912"/>
-                <ns1:gd name="connsiteY5" fmla="*/ 794048 h 9144000"/>
-                <ns1:gd name="connsiteX6" fmla="*/ 4855912 w 4855912"/>
-                <ns1:gd name="connsiteY6" fmla="*/ 0 h 9144000"/>
-                <ns1:gd name="connsiteX7" fmla="*/ 4855912 w 4855912"/>
-                <ns1:gd name="connsiteY7" fmla="*/ 4215866 h 9144000"/>
-                <ns1:gd name="connsiteX8" fmla="*/ 2427956 w 4855912"/>
-                <ns1:gd name="connsiteY8" fmla="*/ 2983833 h 9144000"/>
-                <ns1:gd name="connsiteX9" fmla="*/ 0 w 4855912"/>
-                <ns1:gd name="connsiteY9" fmla="*/ 4215866 h 9144000"/>
-                <ns1:gd name="connsiteX10" fmla="*/ 0 w 4855912"/>
-                <ns1:gd name="connsiteY10" fmla="*/ 794048 h 9144000"/>
-                <ns1:gd name="connsiteX0" fmla="*/ 0 w 4855912"/>
-                <ns1:gd name="connsiteY0" fmla="*/ 8366845 h 8366847"/>
-                <ns1:gd name="connsiteX1" fmla="*/ 4855912 w 4855912"/>
-                <ns1:gd name="connsiteY1" fmla="*/ 8366845 h 8366847"/>
-                <ns1:gd name="connsiteX2" fmla="*/ 4855912 w 4855912"/>
-                <ns1:gd name="connsiteY2" fmla="*/ 8366847 h 8366847"/>
-                <ns1:gd name="connsiteX3" fmla="*/ 0 w 4855912"/>
-                <ns1:gd name="connsiteY3" fmla="*/ 8366847 h 8366847"/>
-                <ns1:gd name="connsiteX4" fmla="*/ 0 w 4855912"/>
-                <ns1:gd name="connsiteY4" fmla="*/ 8366845 h 8366847"/>
-                <ns1:gd name="connsiteX5" fmla="*/ 0 w 4855912"/>
-                <ns1:gd name="connsiteY5" fmla="*/ 16895 h 8366847"/>
-                <ns1:gd name="connsiteX6" fmla="*/ 4839134 w 4855912"/>
-                <ns1:gd name="connsiteY6" fmla="*/ 0 h 8366847"/>
-                <ns1:gd name="connsiteX7" fmla="*/ 4855912 w 4855912"/>
-                <ns1:gd name="connsiteY7" fmla="*/ 3438713 h 8366847"/>
-                <ns1:gd name="connsiteX8" fmla="*/ 2427956 w 4855912"/>
-                <ns1:gd name="connsiteY8" fmla="*/ 2206680 h 8366847"/>
-                <ns1:gd name="connsiteX9" fmla="*/ 0 w 4855912"/>
-                <ns1:gd name="connsiteY9" fmla="*/ 3438713 h 8366847"/>
-                <ns1:gd name="connsiteX10" fmla="*/ 0 w 4855912"/>
-                <ns1:gd name="connsiteY10" fmla="*/ 16895 h 8366847"/>
-                <ns1:gd name="connsiteX0" fmla="*/ 0 w 4857526"/>
-                <ns1:gd name="connsiteY0" fmla="*/ 8349950 h 8349952"/>
-                <ns1:gd name="connsiteX1" fmla="*/ 4855912 w 4857526"/>
-                <ns1:gd name="connsiteY1" fmla="*/ 8349950 h 8349952"/>
-                <ns1:gd name="connsiteX2" fmla="*/ 4855912 w 4857526"/>
-                <ns1:gd name="connsiteY2" fmla="*/ 8349952 h 8349952"/>
-                <ns1:gd name="connsiteX3" fmla="*/ 0 w 4857526"/>
-                <ns1:gd name="connsiteY3" fmla="*/ 8349952 h 8349952"/>
-                <ns1:gd name="connsiteX4" fmla="*/ 0 w 4857526"/>
-                <ns1:gd name="connsiteY4" fmla="*/ 8349950 h 8349952"/>
-                <ns1:gd name="connsiteX5" fmla="*/ 0 w 4857526"/>
-                <ns1:gd name="connsiteY5" fmla="*/ 0 h 8349952"/>
-                <ns1:gd name="connsiteX6" fmla="*/ 4855912 w 4857526"/>
-                <ns1:gd name="connsiteY6" fmla="*/ 0 h 8349952"/>
-                <ns1:gd name="connsiteX7" fmla="*/ 4855912 w 4857526"/>
-                <ns1:gd name="connsiteY7" fmla="*/ 3421818 h 8349952"/>
-                <ns1:gd name="connsiteX8" fmla="*/ 2427956 w 4857526"/>
-                <ns1:gd name="connsiteY8" fmla="*/ 2189785 h 8349952"/>
-                <ns1:gd name="connsiteX9" fmla="*/ 0 w 4857526"/>
-                <ns1:gd name="connsiteY9" fmla="*/ 3421818 h 8349952"/>
-                <ns1:gd name="connsiteX10" fmla="*/ 0 w 4857526"/>
-                <ns1:gd name="connsiteY10" fmla="*/ 0 h 8349952"/>
-              </ns1:gdLst>
-              <ns1:ahLst/>
-              <ns1:cxnLst>
-                <ns1:cxn ang="0">
-                  <ns1:pos x="connsiteX0" y="connsiteY0"/>
-                </ns1:cxn>
-                <ns1:cxn ang="0">
-                  <ns1:pos x="connsiteX1" y="connsiteY1"/>
-                </ns1:cxn>
-                <ns1:cxn ang="0">
-                  <ns1:pos x="connsiteX2" y="connsiteY2"/>
-                </ns1:cxn>
-                <ns1:cxn ang="0">
-                  <ns1:pos x="connsiteX3" y="connsiteY3"/>
-                </ns1:cxn>
-                <ns1:cxn ang="0">
-                  <ns1:pos x="connsiteX4" y="connsiteY4"/>
-                </ns1:cxn>
-                <ns1:cxn ang="0">
-                  <ns1:pos x="connsiteX5" y="connsiteY5"/>
-                </ns1:cxn>
-                <ns1:cxn ang="0">
-                  <ns1:pos x="connsiteX6" y="connsiteY6"/>
-                </ns1:cxn>
-                <ns1:cxn ang="0">
-                  <ns1:pos x="connsiteX7" y="connsiteY7"/>
-                </ns1:cxn>
-                <ns1:cxn ang="0">
-                  <ns1:pos x="connsiteX8" y="connsiteY8"/>
-                </ns1:cxn>
-                <ns1:cxn ang="0">
-                  <ns1:pos x="connsiteX9" y="connsiteY9"/>
-                </ns1:cxn>
-                <ns1:cxn ang="0">
-                  <ns1:pos x="connsiteX10" y="connsiteY10"/>
-                </ns1:cxn>
-              </ns1:cxnLst>
-              <ns1:rect l="l" t="t" r="r" b="b"/>
-              <ns1:pathLst>
-                <ns1:path w="4857526" h="8349952">
-                  <ns1:moveTo>
-                    <ns1:pt x="0" y="8349950"/>
-                  </ns1:moveTo>
-                  <ns1:lnTo>
-                    <ns1:pt x="4855912" y="8349950"/>
-                  </ns1:lnTo>
-                  <ns1:lnTo>
-                    <ns1:pt x="4855912" y="8349952"/>
-                  </ns1:lnTo>
-                  <ns1:lnTo>
-                    <ns1:pt x="0" y="8349952"/>
-                  </ns1:lnTo>
-                  <ns1:lnTo>
-                    <ns1:pt x="0" y="8349950"/>
-                  </ns1:lnTo>
-                  <ns1:close/>
-                  <ns1:moveTo>
-                    <ns1:pt x="0" y="0"/>
-                  </ns1:moveTo>
-                  <ns1:lnTo>
-                    <ns1:pt x="4855912" y="0"/>
-                  </ns1:lnTo>
-                  <ns1:cubicBezTo>
-                    <ns1:pt x="4861505" y="1146238"/>
-                    <ns1:pt x="4850319" y="2275580"/>
-                    <ns1:pt x="4855912" y="3421818"/>
-                  </ns1:cubicBezTo>
-                  <ns1:lnTo>
-                    <ns1:pt x="2427956" y="2189785"/>
-                  </ns1:lnTo>
-                  <ns1:lnTo>
-                    <ns1:pt x="0" y="3421818"/>
-                  </ns1:lnTo>
-                  <ns1:lnTo>
-                    <ns1:pt x="0" y="0"/>
-                  </ns1:lnTo>
-                  <ns1:close/>
-                </ns1:path>
-              </ns1:pathLst>
-            </ns1:custGeom>
-            <ns1:solidFill>
-              <ns1:schemeClr val="accent2"/>
-            </ns1:solidFill>
-            <ns1:ln>
-              <ns1:noFill/>
-            </ns1:ln>
-          </ns0:spPr>
-          <ns0:style>
-            <ns1:lnRef idx="2">
-              <ns1:schemeClr val="accent1">
-                <ns1:shade val="50000"/>
-              </ns1:schemeClr>
-            </ns1:lnRef>
-            <ns1:fillRef idx="1">
-              <ns1:schemeClr val="accent1"/>
-            </ns1:fillRef>
-            <ns1:effectRef idx="0">
-              <ns1:schemeClr val="accent1"/>
-            </ns1:effectRef>
-            <ns1:fontRef idx="minor">
-              <ns1:schemeClr val="lt1"/>
-            </ns1:fontRef>
-          </ns0:style>
-          <ns0:txBody>
-            <ns1:bodyPr rtlCol="0" anchor="ctr"/>
-            <ns1:lstStyle/>
-            <ns1:p>
-              <ns1:pPr algn="ctr"/>
-              <ns1:endParaRPr lang="en-US" sz="900"/>
-            </ns1:p>
-          </ns0:txBody>
-        </ns0:sp>
-        <ns0:sp>
-          <ns0:nvSpPr>
-            <ns0:cNvPr id="50" name="TextBox 49">
-              <ns1:extLst>
-                <ns1:ext uri="{FF2B5EF4-FFF2-40B4-BE49-F238E27FC236}">
-                  <ns2:creationId id="{7B34D05C-D2DC-8FEC-1A30-2541B1BBDE4B}"/>
-                </ns1:ext>
-              </ns1:extLst>
-            </ns0:cNvPr>
-            <ns0:cNvSpPr txBox="1"/>
-            <ns0:nvPr/>
-          </ns0:nvSpPr>
-          <ns0:spPr>
-            <ns1:xfrm>
-              <ns1:off x="4986193" y="1590252"/>
-              <ns1:ext cx="1914319" cy="1323439"/>
-            </ns1:xfrm>
-            <ns1:prstGeom prst="rect">
-              <ns1:avLst/>
-            </ns1:prstGeom>
-            <ns1:noFill/>
-          </ns0:spPr>
-          <ns0:txBody>
-            <ns1:bodyPr wrap="square" rtlCol="0" anchor="b" anchorCtr="0">
-              <ns1:spAutoFit/>
-            </ns1:bodyPr>
-            <ns1:lstStyle/>
-            <ns1:p>
-              <ns1:pPr algn="ctr"/>
-              <ns1:endParaRPr lang="en-US" sz="1600" b="1" dirty="0">
-                <ns1:latin typeface="Montserrat SemiBold" panose="00000700000000000000" pitchFamily="2" charset="0"/>
-                <ns1:ea typeface="League Spartan" charset="0"/>
-                <ns1:cs typeface="Poppins" pitchFamily="2" charset="77"/>
-              </ns1:endParaRPr>
-            </ns1:p>
-            <ns1:p>
-              <ns1:pPr algn="ctr"/>
-              <ns1:endParaRPr lang="en-US" sz="1600" b="1" dirty="0">
-                <ns1:latin typeface="Montserrat SemiBold" panose="00000700000000000000" pitchFamily="2" charset="0"/>
-                <ns1:ea typeface="League Spartan" charset="0"/>
-                <ns1:cs typeface="Poppins" pitchFamily="2" charset="77"/>
-              </ns1:endParaRPr>
-            </ns1:p>
-            <ns1:p>
-              <ns1:pPr algn="ctr"/>
-              <ns1:r>
-                <ns1:rPr lang="en-US" sz="1600" b="1" dirty="0">
-                  <ns1:latin typeface="Montserrat SemiBold" panose="00000700000000000000" pitchFamily="2" charset="0"/>
-                  <ns1:ea typeface="League Spartan" charset="0"/>
-                  <ns1:cs typeface="Poppins" pitchFamily="2" charset="77"/>
-                </ns1:rPr>
-                <ns1:t>Debt collection administration processes</ns1:t>
-              </ns1:r>
-            </ns1:p>
-          </ns0:txBody>
-        </ns0:sp>
-        <ns0:sp>
-          <ns0:nvSpPr>
-            <ns0:cNvPr id="51" name="Freeform 1015">
-              <ns1:extLst>
-                <ns1:ext uri="{FF2B5EF4-FFF2-40B4-BE49-F238E27FC236}">
-                  <ns2:creationId id="{063F48A3-FD39-6FB1-4A70-698D0FF8C694}"/>
-                </ns1:ext>
-              </ns1:extLst>
-            </ns0:cNvPr>
-            <ns0:cNvSpPr>
-              <ns1:spLocks noChangeAspect="1"/>
-            </ns0:cNvSpPr>
-            <ns0:nvPr/>
-          </ns0:nvSpPr>
-          <ns0:spPr bwMode="auto">
-            <ns1:xfrm>
-              <ns1:off x="5676016" y="1556836"/>
-              <ns1:ext cx="495898" cy="495898"/>
-            </ns1:xfrm>
-            <ns1:custGeom>
-              <ns1:avLst/>
-              <ns1:gdLst>
-                <ns1:gd name="T0" fmla="*/ 7726423 w 293329"/>
-                <ns1:gd name="T1" fmla="*/ 9850932 h 293332"/>
-                <ns1:gd name="T2" fmla="*/ 2935958 w 293329"/>
-                <ns1:gd name="T3" fmla="*/ 9676341 h 293332"/>
-                <ns1:gd name="T4" fmla="*/ 8633732 w 293329"/>
-                <ns1:gd name="T5" fmla="*/ 8887648 h 293332"/>
-                <ns1:gd name="T6" fmla="*/ 8503163 w 293329"/>
-                <ns1:gd name="T7" fmla="*/ 10333017 h 293332"/>
-                <ns1:gd name="T8" fmla="*/ 10187033 w 293329"/>
-                <ns1:gd name="T9" fmla="*/ 9107071 h 293332"/>
-                <ns1:gd name="T10" fmla="*/ 10656909 w 293329"/>
-                <ns1:gd name="T11" fmla="*/ 9507104 h 293332"/>
-                <ns1:gd name="T12" fmla="*/ 8346597 w 293329"/>
-                <ns1:gd name="T13" fmla="*/ 10655613 h 293332"/>
-                <ns1:gd name="T14" fmla="*/ 8398777 w 293329"/>
-                <ns1:gd name="T15" fmla="*/ 8900613 h 293332"/>
-                <ns1:gd name="T16" fmla="*/ 456778 w 293329"/>
-                <ns1:gd name="T17" fmla="*/ 9107071 h 293332"/>
-                <ns1:gd name="T18" fmla="*/ 2153785 w 293329"/>
-                <ns1:gd name="T19" fmla="*/ 10333017 h 293332"/>
-                <ns1:gd name="T20" fmla="*/ 2023134 w 293329"/>
-                <ns1:gd name="T21" fmla="*/ 8887648 h 293332"/>
-                <ns1:gd name="T22" fmla="*/ 2466970 w 293329"/>
-                <ns1:gd name="T23" fmla="*/ 10500789 h 293332"/>
-                <ns1:gd name="T24" fmla="*/ 0 w 293329"/>
-                <ns1:gd name="T25" fmla="*/ 10500789 h 293332"/>
-                <ns1:gd name="T26" fmla="*/ 443780 w 293329"/>
-                <ns1:gd name="T27" fmla="*/ 8887648 h 293332"/>
-                <ns1:gd name="T28" fmla="*/ 9388267 w 293329"/>
-                <ns1:gd name="T29" fmla="*/ 8605304 h 293332"/>
-                <ns1:gd name="T30" fmla="*/ 1198367 w 293329"/>
-                <ns1:gd name="T31" fmla="*/ 7874844 h 293332"/>
-                <ns1:gd name="T32" fmla="*/ 1570072 w 293329"/>
-                <ns1:gd name="T33" fmla="*/ 8233637 h 293332"/>
-                <ns1:gd name="T34" fmla="*/ 10080391 w 293329"/>
-                <ns1:gd name="T35" fmla="*/ 8233637 h 293332"/>
-                <ns1:gd name="T36" fmla="*/ 9388267 w 293329"/>
-                <ns1:gd name="T37" fmla="*/ 7554479 h 293332"/>
-                <ns1:gd name="T38" fmla="*/ 1198367 w 293329"/>
-                <ns1:gd name="T39" fmla="*/ 8925645 h 293332"/>
-                <ns1:gd name="T40" fmla="*/ 5130248 w 293329"/>
-                <ns1:gd name="T41" fmla="*/ 6689459 h 293332"/>
-                <ns1:gd name="T42" fmla="*/ 6635580 w 293329"/>
-                <ns1:gd name="T43" fmla="*/ 7022186 h 293332"/>
-                <ns1:gd name="T44" fmla="*/ 5130248 w 293329"/>
-                <ns1:gd name="T45" fmla="*/ 6689459 h 293332"/>
-                <ns1:gd name="T46" fmla="*/ 6792622 w 293329"/>
-                <ns1:gd name="T47" fmla="*/ 5753460 h 293332"/>
-                <ns1:gd name="T48" fmla="*/ 4960060 w 293329"/>
-                <ns1:gd name="T49" fmla="*/ 5753460 h 293332"/>
-                <ns1:gd name="T50" fmla="*/ 4394049 w 293329"/>
-                <ns1:gd name="T51" fmla="*/ 8425350 h 293332"/>
-                <ns1:gd name="T52" fmla="*/ 4394049 w 293329"/>
-                <ns1:gd name="T53" fmla="*/ 4434924 h 293332"/>
-                <ns1:gd name="T54" fmla="*/ 3801866 w 293329"/>
-                <ns1:gd name="T55" fmla="*/ 8425350 h 293332"/>
-                <ns1:gd name="T56" fmla="*/ 3801866 w 293329"/>
-                <ns1:gd name="T57" fmla="*/ 4434924 h 293332"/>
-                <ns1:gd name="T58" fmla="*/ 10173087 w 293329"/>
-                <ns1:gd name="T59" fmla="*/ 3648251 h 293332"/>
-                <ns1:gd name="T60" fmla="*/ 9880272 w 293329"/>
-                <ns1:gd name="T61" fmla="*/ 7355373 h 293332"/>
-                <ns1:gd name="T62" fmla="*/ 9960128 w 293329"/>
-                <ns1:gd name="T63" fmla="*/ 3543768 h 293332"/>
-                <ns1:gd name="T64" fmla="*/ 882485 w 293329"/>
-                <ns1:gd name="T65" fmla="*/ 7043025 h 293332"/>
-                <ns1:gd name="T66" fmla="*/ 572838 w 293329"/>
-                <ns1:gd name="T67" fmla="*/ 7161164 h 293332"/>
-                <ns1:gd name="T68" fmla="*/ 3801866 w 293329"/>
-                <ns1:gd name="T69" fmla="*/ 3139719 h 293332"/>
-                <ns1:gd name="T70" fmla="*/ 6999706 w 293329"/>
-                <ns1:gd name="T71" fmla="*/ 4120936 h 293332"/>
-                <ns1:gd name="T72" fmla="*/ 3801866 w 293329"/>
-                <ns1:gd name="T73" fmla="*/ 2825664 h 293332"/>
-                <ns1:gd name="T74" fmla="*/ 7486601 w 293329"/>
-                <ns1:gd name="T75" fmla="*/ 3139719 h 293332"/>
-                <ns1:gd name="T76" fmla="*/ 7486601 w 293329"/>
-                <ns1:gd name="T77" fmla="*/ 4120936 h 293332"/>
-                <ns1:gd name="T78" fmla="*/ 7486601 w 293329"/>
-                <ns1:gd name="T79" fmla="*/ 8752426 h 293332"/>
-                <ns1:gd name="T80" fmla="*/ 2999112 w 293329"/>
-                <ns1:gd name="T81" fmla="*/ 3623786 h 293332"/>
-                <ns1:gd name="T82" fmla="*/ 8646767 w 293329"/>
-                <ns1:gd name="T83" fmla="*/ 1554601 h 293332"/>
-                <ns1:gd name="T84" fmla="*/ 10330586 w 293329"/>
-                <ns1:gd name="T85" fmla="*/ 2789136 h 293332"/>
-                <ns1:gd name="T86" fmla="*/ 10213098 w 293329"/>
-                <ns1:gd name="T87" fmla="*/ 1333651 h 293332"/>
-                <ns1:gd name="T88" fmla="*/ 10656909 w 293329"/>
-                <ns1:gd name="T89" fmla="*/ 2945074 h 293332"/>
-                <ns1:gd name="T90" fmla="*/ 8189923 w 293329"/>
-                <ns1:gd name="T91" fmla="*/ 2945074 h 293332"/>
-                <ns1:gd name="T92" fmla="*/ 8633732 w 293329"/>
-                <ns1:gd name="T93" fmla="*/ 1333651 h 293332"/>
-                <ns1:gd name="T94" fmla="*/ 313320 w 293329"/>
-                <ns1:gd name="T95" fmla="*/ 1957394 h 293332"/>
-                <ns1:gd name="T96" fmla="*/ 2153785 w 293329"/>
-                <ns1:gd name="T97" fmla="*/ 1957394 h 293332"/>
-                <ns1:gd name="T98" fmla="*/ 2245154 w 293329"/>
-                <ns1:gd name="T99" fmla="*/ 1346649 h 293332"/>
-                <ns1:gd name="T100" fmla="*/ 2310348 w 293329"/>
-                <ns1:gd name="T101" fmla="*/ 3101058 h 293332"/>
-                <ns1:gd name="T102" fmla="*/ 0 w 293329"/>
-                <ns1:gd name="T103" fmla="*/ 1957394 h 293332"/>
-                <ns1:gd name="T104" fmla="*/ 9388267 w 293329"/>
-                <ns1:gd name="T105" fmla="*/ 307485 h 293332"/>
-                <ns1:gd name="T106" fmla="*/ 9759991 w 293329"/>
-                <ns1:gd name="T107" fmla="*/ 679246 h 293332"/>
-                <ns1:gd name="T108" fmla="*/ 826690 w 293329"/>
-                <ns1:gd name="T109" fmla="*/ 679246 h 293332"/>
-                <ns1:gd name="T110" fmla="*/ 1198367 w 293329"/>
-                <ns1:gd name="T111" fmla="*/ 307485 h 293332"/>
-                <ns1:gd name="T112" fmla="*/ 8022361 w 293329"/>
-                <ns1:gd name="T113" fmla="*/ 1208071 h 293332"/>
-                <ns1:gd name="T114" fmla="*/ 2720558 w 293329"/>
-                <ns1:gd name="T115" fmla="*/ 1286932 h 293332"/>
-                <ns1:gd name="T116" fmla="*/ 5293109 w 293329"/>
-                <ns1:gd name="T117" fmla="*/ 246183 h 293332"/>
-                <ns1:gd name="T118" fmla="*/ 9388267 w 293329"/>
-                <ns1:gd name="T119" fmla="*/ 1371250 h 293332"/>
-                <ns1:gd name="T120" fmla="*/ 1198367 w 293329"/>
-                <ns1:gd name="T121" fmla="*/ 0 h 293332"/>
-                <ns1:gd name="T122" fmla="*/ 519153 w 293329"/>
-                <ns1:gd name="T123" fmla="*/ 679246 h 293332"/>
-                <ns1:gd name="T124" fmla="*/ 0 60000 65536"/>
-                <ns1:gd name="T125" fmla="*/ 0 60000 65536"/>
-                <ns1:gd name="T126" fmla="*/ 0 60000 65536"/>
-                <ns1:gd name="T127" fmla="*/ 0 60000 65536"/>
-                <ns1:gd name="T128" fmla="*/ 0 60000 65536"/>
-                <ns1:gd name="T129" fmla="*/ 0 60000 65536"/>
-                <ns1:gd name="T130" fmla="*/ 0 60000 65536"/>
-                <ns1:gd name="T131" fmla="*/ 0 60000 65536"/>
-                <ns1:gd name="T132" fmla="*/ 0 60000 65536"/>
-                <ns1:gd name="T133" fmla="*/ 0 60000 65536"/>
-                <ns1:gd name="T134" fmla="*/ 0 60000 65536"/>
-                <ns1:gd name="T135" fmla="*/ 0 60000 65536"/>
-                <ns1:gd name="T136" fmla="*/ 0 60000 65536"/>
-                <ns1:gd name="T137" fmla="*/ 0 60000 65536"/>
-                <ns1:gd name="T138" fmla="*/ 0 60000 65536"/>
-                <ns1:gd name="T139" fmla="*/ 0 60000 65536"/>
-                <ns1:gd name="T140" fmla="*/ 0 60000 65536"/>
-                <ns1:gd name="T141" fmla="*/ 0 60000 65536"/>
-                <ns1:gd name="T142" fmla="*/ 0 60000 65536"/>
-                <ns1:gd name="T143" fmla="*/ 0 60000 65536"/>
-                <ns1:gd name="T144" fmla="*/ 0 60000 65536"/>
-                <ns1:gd name="T145" fmla="*/ 0 60000 65536"/>
-                <ns1:gd name="T146" fmla="*/ 0 60000 65536"/>
-                <ns1:gd name="T147" fmla="*/ 0 60000 65536"/>
-                <ns1:gd name="T148" fmla="*/ 0 60000 65536"/>
-                <ns1:gd name="T149" fmla="*/ 0 60000 65536"/>
-                <ns1:gd name="T150" fmla="*/ 0 60000 65536"/>
-                <ns1:gd name="T151" fmla="*/ 0 60000 65536"/>
-                <ns1:gd name="T152" fmla="*/ 0 60000 65536"/>
-                <ns1:gd name="T153" fmla="*/ 0 60000 65536"/>
-                <ns1:gd name="T154" fmla="*/ 0 60000 65536"/>
-                <ns1:gd name="T155" fmla="*/ 0 60000 65536"/>
-                <ns1:gd name="T156" fmla="*/ 0 60000 65536"/>
-                <ns1:gd name="T157" fmla="*/ 0 60000 65536"/>
-                <ns1:gd name="T158" fmla="*/ 0 60000 65536"/>
-                <ns1:gd name="T159" fmla="*/ 0 60000 65536"/>
-                <ns1:gd name="T160" fmla="*/ 0 60000 65536"/>
-                <ns1:gd name="T161" fmla="*/ 0 60000 65536"/>
-                <ns1:gd name="T162" fmla="*/ 0 60000 65536"/>
-                <ns1:gd name="T163" fmla="*/ 0 60000 65536"/>
-                <ns1:gd name="T164" fmla="*/ 0 60000 65536"/>
-                <ns1:gd name="T165" fmla="*/ 0 60000 65536"/>
-                <ns1:gd name="T166" fmla="*/ 0 60000 65536"/>
-                <ns1:gd name="T167" fmla="*/ 0 60000 65536"/>
-                <ns1:gd name="T168" fmla="*/ 0 60000 65536"/>
-                <ns1:gd name="T169" fmla="*/ 0 60000 65536"/>
-                <ns1:gd name="T170" fmla="*/ 0 60000 65536"/>
-                <ns1:gd name="T171" fmla="*/ 0 60000 65536"/>
-                <ns1:gd name="T172" fmla="*/ 0 60000 65536"/>
-                <ns1:gd name="T173" fmla="*/ 0 60000 65536"/>
-                <ns1:gd name="T174" fmla="*/ 0 60000 65536"/>
-                <ns1:gd name="T175" fmla="*/ 0 60000 65536"/>
-                <ns1:gd name="T176" fmla="*/ 0 60000 65536"/>
-                <ns1:gd name="T177" fmla="*/ 0 60000 65536"/>
-                <ns1:gd name="T178" fmla="*/ 0 60000 65536"/>
-                <ns1:gd name="T179" fmla="*/ 0 60000 65536"/>
-                <ns1:gd name="T180" fmla="*/ 0 60000 65536"/>
-                <ns1:gd name="T181" fmla="*/ 0 60000 65536"/>
-                <ns1:gd name="T182" fmla="*/ 0 60000 65536"/>
-                <ns1:gd name="T183" fmla="*/ 0 60000 65536"/>
-                <ns1:gd name="T184" fmla="*/ 0 60000 65536"/>
-                <ns1:gd name="T185" fmla="*/ 0 60000 65536"/>
-              </ns1:gdLst>
-              <ns1:ahLst/>
-              <ns1:cxnLst>
-                <ns1:cxn ang="T124">
-                  <ns1:pos x="T0" y="T1"/>
-                </ns1:cxn>
-                <ns1:cxn ang="T125">
-                  <ns1:pos x="T2" y="T3"/>
-                </ns1:cxn>
-                <ns1:cxn ang="T126">
-                  <ns1:pos x="T4" y="T5"/>
-                </ns1:cxn>
-                <ns1:cxn ang="T127">
-                  <ns1:pos x="T6" y="T7"/>
-                </ns1:cxn>
-                <ns1:cxn ang="T128">
-                  <ns1:pos x="T8" y="T9"/>
-                </ns1:cxn>
-                <ns1:cxn ang="T129">
-                  <ns1:pos x="T10" y="T11"/>
-                </ns1:cxn>
-                <ns1:cxn ang="T130">
-                  <ns1:pos x="T12" y="T13"/>
-                </ns1:cxn>
-                <ns1:cxn ang="T131">
-                  <ns1:pos x="T14" y="T15"/>
-                </ns1:cxn>
-                <ns1:cxn ang="T132">
-                  <ns1:pos x="T16" y="T17"/>
-                </ns1:cxn>
-                <ns1:cxn ang="T133">
-                  <ns1:pos x="T18" y="T19"/>
-                </ns1:cxn>
-                <ns1:cxn ang="T134">
-                  <ns1:pos x="T20" y="T21"/>
-                </ns1:cxn>
-                <ns1:cxn ang="T135">
-                  <ns1:pos x="T22" y="T23"/>
-                </ns1:cxn>
-                <ns1:cxn ang="T136">
-                  <ns1:pos x="T24" y="T25"/>
-                </ns1:cxn>
-                <ns1:cxn ang="T137">
-                  <ns1:pos x="T26" y="T27"/>
-                </ns1:cxn>
-                <ns1:cxn ang="T138">
-                  <ns1:pos x="T28" y="T29"/>
-                </ns1:cxn>
-                <ns1:cxn ang="T139">
-                  <ns1:pos x="T30" y="T31"/>
-                </ns1:cxn>
-                <ns1:cxn ang="T140">
-                  <ns1:pos x="T32" y="T33"/>
-                </ns1:cxn>
-                <ns1:cxn ang="T141">
-                  <ns1:pos x="T34" y="T35"/>
-                </ns1:cxn>
-                <ns1:cxn ang="T142">
-                  <ns1:pos x="T36" y="T37"/>
-                </ns1:cxn>
-                <ns1:cxn ang="T143">
-                  <ns1:pos x="T38" y="T39"/>
-                </ns1:cxn>
-                <ns1:cxn ang="T144">
-                  <ns1:pos x="T40" y="T41"/>
-                </ns1:cxn>
-                <ns1:cxn ang="T145">
-                  <ns1:pos x="T42" y="T43"/>
-                </ns1:cxn>
-                <ns1:cxn ang="T146">
-                  <ns1:pos x="T44" y="T45"/>
-                </ns1:cxn>
-                <ns1:cxn ang="T147">
-                  <ns1:pos x="T46" y="T47"/>
-                </ns1:cxn>
-                <ns1:cxn ang="T148">
-                  <ns1:pos x="T48" y="T49"/>
-                </ns1:cxn>
-                <ns1:cxn ang="T149">
-                  <ns1:pos x="T50" y="T51"/>
-                </ns1:cxn>
-                <ns1:cxn ang="T150">
-                  <ns1:pos x="T52" y="T53"/>
-                </ns1:cxn>
-                <ns1:cxn ang="T151">
-                  <ns1:pos x="T54" y="T55"/>
-                </ns1:cxn>
-                <ns1:cxn ang="T152">
-                  <ns1:pos x="T56" y="T57"/>
-                </ns1:cxn>
-                <ns1:cxn ang="T153">
-                  <ns1:pos x="T58" y="T59"/>
-                </ns1:cxn>
-                <ns1:cxn ang="T154">
-                  <ns1:pos x="T60" y="T61"/>
-                </ns1:cxn>
-                <ns1:cxn ang="T155">
-                  <ns1:pos x="T62" y="T63"/>
-                </ns1:cxn>
-                <ns1:cxn ang="T156">
-                  <ns1:pos x="T64" y="T65"/>
-                </ns1:cxn>
-                <ns1:cxn ang="T157">
-                  <ns1:pos x="T66" y="T67"/>
-                </ns1:cxn>
-                <ns1:cxn ang="T158">
-                  <ns1:pos x="T68" y="T69"/>
-                </ns1:cxn>
-                <ns1:cxn ang="T159">
-                  <ns1:pos x="T70" y="T71"/>
-                </ns1:cxn>
-                <ns1:cxn ang="T160">
-                  <ns1:pos x="T72" y="T73"/>
-                </ns1:cxn>
-                <ns1:cxn ang="T161">
-                  <ns1:pos x="T74" y="T75"/>
-                </ns1:cxn>
-                <ns1:cxn ang="T162">
-                  <ns1:pos x="T76" y="T77"/>
-                </ns1:cxn>
-                <ns1:cxn ang="T163">
-                  <ns1:pos x="T78" y="T79"/>
-                </ns1:cxn>
-                <ns1:cxn ang="T164">
-                  <ns1:pos x="T80" y="T81"/>
-                </ns1:cxn>
-                <ns1:cxn ang="T165">
-                  <ns1:pos x="T82" y="T83"/>
-                </ns1:cxn>
-                <ns1:cxn ang="T166">
-                  <ns1:pos x="T84" y="T85"/>
-                </ns1:cxn>
-                <ns1:cxn ang="T167">
-                  <ns1:pos x="T86" y="T87"/>
-                </ns1:cxn>
-                <ns1:cxn ang="T168">
-                  <ns1:pos x="T88" y="T89"/>
-                </ns1:cxn>
-                <ns1:cxn ang="T169">
-                  <ns1:pos x="T90" y="T91"/>
-                </ns1:cxn>
-                <ns1:cxn ang="T170">
-                  <ns1:pos x="T92" y="T93"/>
-                </ns1:cxn>
-                <ns1:cxn ang="T171">
-                  <ns1:pos x="T94" y="T95"/>
-                </ns1:cxn>
-                <ns1:cxn ang="T172">
-                  <ns1:pos x="T96" y="T97"/>
-                </ns1:cxn>
-                <ns1:cxn ang="T173">
-                  <ns1:pos x="T98" y="T99"/>
-                </ns1:cxn>
-                <ns1:cxn ang="T174">
-                  <ns1:pos x="T100" y="T101"/>
-                </ns1:cxn>
-                <ns1:cxn ang="T175">
-                  <ns1:pos x="T102" y="T103"/>
-                </ns1:cxn>
-                <ns1:cxn ang="T176">
-                  <ns1:pos x="T104" y="T105"/>
-                </ns1:cxn>
-                <ns1:cxn ang="T177">
-                  <ns1:pos x="T106" y="T107"/>
-                </ns1:cxn>
-                <ns1:cxn ang="T178">
-                  <ns1:pos x="T108" y="T109"/>
-                </ns1:cxn>
-                <ns1:cxn ang="T179">
-                  <ns1:pos x="T110" y="T111"/>
-                </ns1:cxn>
-                <ns1:cxn ang="T180">
-                  <ns1:pos x="T112" y="T113"/>
-                </ns1:cxn>
-                <ns1:cxn ang="T181">
-                  <ns1:pos x="T114" y="T115"/>
-                </ns1:cxn>
-                <ns1:cxn ang="T182">
-                  <ns1:pos x="T116" y="T117"/>
-                </ns1:cxn>
-                <ns1:cxn ang="T183">
-                  <ns1:pos x="T118" y="T119"/>
-                </ns1:cxn>
-                <ns1:cxn ang="T184">
-                  <ns1:pos x="T120" y="T121"/>
-                </ns1:cxn>
-                <ns1:cxn ang="T185">
-                  <ns1:pos x="T122" y="T123"/>
-                </ns1:cxn>
-              </ns1:cxnLst>
-              <ns1:rect l="0" t="0" r="r" b="b"/>
-              <ns1:pathLst>
-                <ns1:path w="293329" h="293332">
-                  <ns1:moveTo>
-                    <ns1:pt x="208355" y="263416"/>
-                  </ns1:moveTo>
-                  <ns1:cubicBezTo>
-                    <ns1:pt x="210511" y="261937"/>
-                    <ns1:pt x="213385" y="262677"/>
-                    <ns1:pt x="214822" y="264895"/>
-                  </ns1:cubicBezTo>
-                  <ns1:cubicBezTo>
-                    <ns1:pt x="215541" y="267483"/>
-                    <ns1:pt x="214822" y="270071"/>
-                    <ns1:pt x="212667" y="271180"/>
-                  </ns1:cubicBezTo>
-                  <ns1:cubicBezTo>
-                    <ns1:pt x="192188" y="282640"/>
-                    <ns1:pt x="169194" y="288556"/>
-                    <ns1:pt x="146201" y="288556"/>
-                  </ns1:cubicBezTo>
-                  <ns1:cubicBezTo>
-                    <ns1:pt x="124284" y="288556"/>
-                    <ns1:pt x="102728" y="283010"/>
-                    <ns1:pt x="82608" y="272659"/>
-                  </ns1:cubicBezTo>
-                  <ns1:cubicBezTo>
-                    <ns1:pt x="80093" y="271549"/>
-                    <ns1:pt x="79375" y="268592"/>
-                    <ns1:pt x="80812" y="266374"/>
-                  </ns1:cubicBezTo>
-                  <ns1:cubicBezTo>
-                    <ns1:pt x="81530" y="264155"/>
-                    <ns1:pt x="84405" y="263416"/>
-                    <ns1:pt x="86560" y="264525"/>
-                  </ns1:cubicBezTo>
-                  <ns1:cubicBezTo>
-                    <ns1:pt x="125003" y="284859"/>
-                    <ns1:pt x="170631" y="284119"/>
-                    <ns1:pt x="208355" y="263416"/>
-                  </ns1:cubicBezTo>
-                  <ns1:close/>
-                  <ns1:moveTo>
-                    <ns1:pt x="237641" y="244663"/>
-                  </ns1:moveTo>
-                  <ns1:cubicBezTo>
-                    <ns1:pt x="239437" y="246084"/>
-                    <ns1:pt x="239796" y="248926"/>
-                    <ns1:pt x="238000" y="250703"/>
-                  </ns1:cubicBezTo>
-                  <ns1:cubicBezTo>
-                    <ns1:pt x="235485" y="253900"/>
-                    <ns1:pt x="234048" y="257808"/>
-                    <ns1:pt x="234048" y="261715"/>
-                  </ns1:cubicBezTo>
-                  <ns1:lnTo>
-                    <ns1:pt x="234048" y="284451"/>
-                  </ns1:lnTo>
-                  <ns1:lnTo>
-                    <ns1:pt x="284347" y="284451"/>
-                  </ns1:lnTo>
-                  <ns1:lnTo>
-                    <ns1:pt x="284347" y="261715"/>
-                  </ns1:lnTo>
-                  <ns1:cubicBezTo>
-                    <ns1:pt x="284347" y="257808"/>
-                    <ns1:pt x="283269" y="253900"/>
-                    <ns1:pt x="280395" y="250703"/>
-                  </ns1:cubicBezTo>
-                  <ns1:cubicBezTo>
-                    <ns1:pt x="278958" y="248926"/>
-                    <ns1:pt x="278958" y="246084"/>
-                    <ns1:pt x="281113" y="244663"/>
-                  </ns1:cubicBezTo>
-                  <ns1:cubicBezTo>
-                    <ns1:pt x="282910" y="242887"/>
-                    <ns1:pt x="285784" y="243242"/>
-                    <ns1:pt x="287221" y="245019"/>
-                  </ns1:cubicBezTo>
-                  <ns1:cubicBezTo>
-                    <ns1:pt x="291173" y="249992"/>
-                    <ns1:pt x="293329" y="255676"/>
-                    <ns1:pt x="293329" y="261715"/>
-                  </ns1:cubicBezTo>
-                  <ns1:lnTo>
-                    <ns1:pt x="293329" y="289069"/>
-                  </ns1:lnTo>
-                  <ns1:cubicBezTo>
-                    <ns1:pt x="293329" y="291201"/>
-                    <ns1:pt x="291533" y="293332"/>
-                    <ns1:pt x="288658" y="293332"/>
-                  </ns1:cubicBezTo>
-                  <ns1:lnTo>
-                    <ns1:pt x="229737" y="293332"/>
-                  </ns1:lnTo>
-                  <ns1:cubicBezTo>
-                    <ns1:pt x="227222" y="293332"/>
-                    <ns1:pt x="225425" y="291201"/>
-                    <ns1:pt x="225425" y="289069"/>
-                  </ns1:cubicBezTo>
-                  <ns1:lnTo>
-                    <ns1:pt x="225425" y="261715"/>
-                  </ns1:lnTo>
-                  <ns1:cubicBezTo>
-                    <ns1:pt x="225425" y="255676"/>
-                    <ns1:pt x="227222" y="249992"/>
-                    <ns1:pt x="231174" y="245019"/>
-                  </ns1:cubicBezTo>
-                  <ns1:cubicBezTo>
-                    <ns1:pt x="232611" y="243242"/>
-                    <ns1:pt x="235844" y="242887"/>
-                    <ns1:pt x="237641" y="244663"/>
-                  </ns1:cubicBezTo>
-                  <ns1:close/>
-                  <ns1:moveTo>
-                    <ns1:pt x="12215" y="244663"/>
-                  </ns1:moveTo>
-                  <ns1:cubicBezTo>
-                    <ns1:pt x="14012" y="246084"/>
-                    <ns1:pt x="14371" y="248926"/>
-                    <ns1:pt x="12575" y="250703"/>
-                  </ns1:cubicBezTo>
-                  <ns1:cubicBezTo>
-                    <ns1:pt x="10419" y="253900"/>
-                    <ns1:pt x="8622" y="257808"/>
-                    <ns1:pt x="8622" y="261715"/>
-                  </ns1:cubicBezTo>
-                  <ns1:lnTo>
-                    <ns1:pt x="8622" y="284451"/>
-                  </ns1:lnTo>
-                  <ns1:lnTo>
-                    <ns1:pt x="59281" y="284451"/>
-                  </ns1:lnTo>
-                  <ns1:lnTo>
-                    <ns1:pt x="59281" y="261715"/>
-                  </ns1:lnTo>
-                  <ns1:cubicBezTo>
-                    <ns1:pt x="59281" y="257808"/>
-                    <ns1:pt x="57844" y="253900"/>
-                    <ns1:pt x="54969" y="250703"/>
-                  </ns1:cubicBezTo>
-                  <ns1:cubicBezTo>
-                    <ns1:pt x="53532" y="248926"/>
-                    <ns1:pt x="53892" y="246084"/>
-                    <ns1:pt x="55688" y="244663"/>
-                  </ns1:cubicBezTo>
-                  <ns1:cubicBezTo>
-                    <ns1:pt x="57844" y="242887"/>
-                    <ns1:pt x="60359" y="243242"/>
-                    <ns1:pt x="61796" y="245019"/>
-                  </ns1:cubicBezTo>
-                  <ns1:cubicBezTo>
-                    <ns1:pt x="65748" y="249992"/>
-                    <ns1:pt x="67903" y="255676"/>
-                    <ns1:pt x="67903" y="261715"/>
-                  </ns1:cubicBezTo>
-                  <ns1:lnTo>
-                    <ns1:pt x="67903" y="289069"/>
-                  </ns1:lnTo>
-                  <ns1:cubicBezTo>
-                    <ns1:pt x="67903" y="291201"/>
-                    <ns1:pt x="65748" y="293332"/>
-                    <ns1:pt x="63592" y="293332"/>
-                  </ns1:cubicBezTo>
-                  <ns1:lnTo>
-                    <ns1:pt x="4311" y="293332"/>
-                  </ns1:lnTo>
-                  <ns1:cubicBezTo>
-                    <ns1:pt x="1796" y="293332"/>
-                    <ns1:pt x="0" y="291201"/>
-                    <ns1:pt x="0" y="289069"/>
-                  </ns1:cubicBezTo>
-                  <ns1:lnTo>
-                    <ns1:pt x="0" y="261715"/>
-                  </ns1:lnTo>
-                  <ns1:cubicBezTo>
-                    <ns1:pt x="0" y="255676"/>
-                    <ns1:pt x="1796" y="249992"/>
-                    <ns1:pt x="6107" y="245019"/>
-                  </ns1:cubicBezTo>
-                  <ns1:cubicBezTo>
-                    <ns1:pt x="7545" y="243242"/>
-                    <ns1:pt x="10419" y="242887"/>
-                    <ns1:pt x="12215" y="244663"/>
-                  </ns1:cubicBezTo>
-                  <ns1:close/>
-                  <ns1:moveTo>
-                    <ns1:pt x="258410" y="216782"/>
-                  </ns1:moveTo>
-                  <ns1:cubicBezTo>
-                    <ns1:pt x="252766" y="216782"/>
-                    <ns1:pt x="248180" y="221368"/>
-                    <ns1:pt x="248180" y="226659"/>
-                  </ns1:cubicBezTo>
-                  <ns1:cubicBezTo>
-                    <ns1:pt x="248180" y="232304"/>
-                    <ns1:pt x="252766" y="236890"/>
-                    <ns1:pt x="258410" y="236890"/>
-                  </ns1:cubicBezTo>
-                  <ns1:cubicBezTo>
-                    <ns1:pt x="264055" y="236890"/>
-                    <ns1:pt x="268641" y="232304"/>
-                    <ns1:pt x="268641" y="226659"/>
-                  </ns1:cubicBezTo>
-                  <ns1:cubicBezTo>
-                    <ns1:pt x="268641" y="221368"/>
-                    <ns1:pt x="264055" y="216782"/>
-                    <ns1:pt x="258410" y="216782"/>
-                  </ns1:cubicBezTo>
-                  <ns1:close/>
-                  <ns1:moveTo>
-                    <ns1:pt x="32985" y="216782"/>
-                  </ns1:moveTo>
-                  <ns1:cubicBezTo>
-                    <ns1:pt x="27341" y="216782"/>
-                    <ns1:pt x="22754" y="221368"/>
-                    <ns1:pt x="22754" y="226659"/>
-                  </ns1:cubicBezTo>
-                  <ns1:cubicBezTo>
-                    <ns1:pt x="22754" y="232304"/>
-                    <ns1:pt x="27341" y="236890"/>
-                    <ns1:pt x="32985" y="236890"/>
-                  </ns1:cubicBezTo>
-                  <ns1:cubicBezTo>
-                    <ns1:pt x="38629" y="236890"/>
-                    <ns1:pt x="43216" y="232304"/>
-                    <ns1:pt x="43216" y="226659"/>
-                  </ns1:cubicBezTo>
-                  <ns1:cubicBezTo>
-                    <ns1:pt x="43216" y="221368"/>
-                    <ns1:pt x="38629" y="216782"/>
-                    <ns1:pt x="32985" y="216782"/>
-                  </ns1:cubicBezTo>
-                  <ns1:close/>
-                  <ns1:moveTo>
-                    <ns1:pt x="258410" y="207962"/>
-                  </ns1:moveTo>
-                  <ns1:cubicBezTo>
-                    <ns1:pt x="268994" y="207962"/>
-                    <ns1:pt x="277460" y="216429"/>
-                    <ns1:pt x="277460" y="226659"/>
-                  </ns1:cubicBezTo>
-                  <ns1:cubicBezTo>
-                    <ns1:pt x="277460" y="237243"/>
-                    <ns1:pt x="268994" y="245709"/>
-                    <ns1:pt x="258410" y="245709"/>
-                  </ns1:cubicBezTo>
-                  <ns1:cubicBezTo>
-                    <ns1:pt x="248180" y="245709"/>
-                    <ns1:pt x="239713" y="237243"/>
-                    <ns1:pt x="239713" y="226659"/>
-                  </ns1:cubicBezTo>
-                  <ns1:cubicBezTo>
-                    <ns1:pt x="239713" y="216429"/>
-                    <ns1:pt x="248180" y="207962"/>
-                    <ns1:pt x="258410" y="207962"/>
-                  </ns1:cubicBezTo>
-                  <ns1:close/>
-                  <ns1:moveTo>
-                    <ns1:pt x="32985" y="207962"/>
-                  </ns1:moveTo>
-                  <ns1:cubicBezTo>
-                    <ns1:pt x="43568" y="207962"/>
-                    <ns1:pt x="52035" y="216429"/>
-                    <ns1:pt x="52035" y="226659"/>
-                  </ns1:cubicBezTo>
-                  <ns1:cubicBezTo>
-                    <ns1:pt x="52035" y="237243"/>
-                    <ns1:pt x="43568" y="245709"/>
-                    <ns1:pt x="32985" y="245709"/>
-                  </ns1:cubicBezTo>
-                  <ns1:cubicBezTo>
-                    <ns1:pt x="22754" y="245709"/>
-                    <ns1:pt x="14288" y="237243"/>
-                    <ns1:pt x="14288" y="226659"/>
-                  </ns1:cubicBezTo>
-                  <ns1:cubicBezTo>
-                    <ns1:pt x="14288" y="216429"/>
-                    <ns1:pt x="22754" y="207962"/>
-                    <ns1:pt x="32985" y="207962"/>
-                  </ns1:cubicBezTo>
-                  <ns1:close/>
-                  <ns1:moveTo>
-                    <ns1:pt x="141209" y="184150"/>
-                  </ns1:moveTo>
-                  <ns1:lnTo>
-                    <ns1:pt x="182642" y="184150"/>
-                  </ns1:lnTo>
-                  <ns1:cubicBezTo>
-                    <ns1:pt x="185164" y="184150"/>
-                    <ns1:pt x="186965" y="186348"/>
-                    <ns1:pt x="186965" y="188913"/>
-                  </ns1:cubicBezTo>
-                  <ns1:cubicBezTo>
-                    <ns1:pt x="186965" y="191477"/>
-                    <ns1:pt x="185164" y="193309"/>
-                    <ns1:pt x="182642" y="193309"/>
-                  </ns1:cubicBezTo>
-                  <ns1:lnTo>
-                    <ns1:pt x="141209" y="193309"/>
-                  </ns1:lnTo>
-                  <ns1:cubicBezTo>
-                    <ns1:pt x="138687" y="193309"/>
-                    <ns1:pt x="136525" y="191477"/>
-                    <ns1:pt x="136525" y="188913"/>
-                  </ns1:cubicBezTo>
-                  <ns1:cubicBezTo>
-                    <ns1:pt x="136525" y="186348"/>
-                    <ns1:pt x="138687" y="184150"/>
-                    <ns1:pt x="141209" y="184150"/>
-                  </ns1:cubicBezTo>
-                  <ns1:close/>
-                  <ns1:moveTo>
-                    <ns1:pt x="141209" y="153987"/>
-                  </ns1:moveTo>
-                  <ns1:lnTo>
-                    <ns1:pt x="182642" y="153987"/>
-                  </ns1:lnTo>
-                  <ns1:cubicBezTo>
-                    <ns1:pt x="185164" y="153987"/>
-                    <ns1:pt x="186965" y="155818"/>
-                    <ns1:pt x="186965" y="158383"/>
-                  </ns1:cubicBezTo>
-                  <ns1:cubicBezTo>
-                    <ns1:pt x="186965" y="160947"/>
-                    <ns1:pt x="185164" y="163145"/>
-                    <ns1:pt x="182642" y="163145"/>
-                  </ns1:cubicBezTo>
-                  <ns1:lnTo>
-                    <ns1:pt x="141209" y="163145"/>
-                  </ns1:lnTo>
-                  <ns1:cubicBezTo>
-                    <ns1:pt x="138687" y="163145"/>
-                    <ns1:pt x="136525" y="160947"/>
-                    <ns1:pt x="136525" y="158383"/>
-                  </ns1:cubicBezTo>
-                  <ns1:cubicBezTo>
-                    <ns1:pt x="136525" y="155818"/>
-                    <ns1:pt x="138687" y="153987"/>
-                    <ns1:pt x="141209" y="153987"/>
-                  </ns1:cubicBezTo>
-                  <ns1:close/>
-                  <ns1:moveTo>
-                    <ns1:pt x="120945" y="122087"/>
-                  </ns1:moveTo>
-                  <ns1:lnTo>
-                    <ns1:pt x="120945" y="231936"/>
-                  </ns1:lnTo>
-                  <ns1:lnTo>
-                    <ns1:pt x="201721" y="231936"/>
-                  </ns1:lnTo>
-                  <ns1:lnTo>
-                    <ns1:pt x="201721" y="122087"/>
-                  </ns1:lnTo>
-                  <ns1:lnTo>
-                    <ns1:pt x="120945" y="122087"/>
-                  </ns1:lnTo>
-                  <ns1:close/>
-                  <ns1:moveTo>
-                    <ns1:pt x="91243" y="117765"/>
-                  </ns1:moveTo>
-                  <ns1:lnTo>
-                    <ns1:pt x="91243" y="218610"/>
-                  </ns1:lnTo>
-                  <ns1:cubicBezTo>
-                    <ns1:pt x="91243" y="225813"/>
-                    <ns1:pt x="97401" y="231936"/>
-                    <ns1:pt x="104645" y="231936"/>
-                  </ns1:cubicBezTo>
-                  <ns1:lnTo>
-                    <ns1:pt x="112252" y="231936"/>
-                  </ns1:lnTo>
-                  <ns1:lnTo>
-                    <ns1:pt x="112252" y="122087"/>
-                  </ns1:lnTo>
-                  <ns1:lnTo>
-                    <ns1:pt x="104645" y="122087"/>
-                  </ns1:lnTo>
-                  <ns1:cubicBezTo>
-                    <ns1:pt x="99574" y="122087"/>
-                    <ns1:pt x="94865" y="120286"/>
-                    <ns1:pt x="91243" y="117765"/>
-                  </ns1:cubicBezTo>
-                  <ns1:close/>
-                  <ns1:moveTo>
-                    <ns1:pt x="274150" y="97555"/>
-                  </ns1:moveTo>
-                  <ns1:cubicBezTo>
-                    <ns1:pt x="276714" y="96837"/>
-                    <ns1:pt x="279278" y="98274"/>
-                    <ns1:pt x="280011" y="100430"/>
-                  </ns1:cubicBezTo>
-                  <ns1:cubicBezTo>
-                    <ns1:pt x="291734" y="132770"/>
-                    <ns1:pt x="291001" y="168344"/>
-                    <ns1:pt x="277813" y="199966"/>
-                  </ns1:cubicBezTo>
-                  <ns1:cubicBezTo>
-                    <ns1:pt x="277080" y="201763"/>
-                    <ns1:pt x="275249" y="202841"/>
-                    <ns1:pt x="273783" y="202841"/>
-                  </ns1:cubicBezTo>
-                  <ns1:cubicBezTo>
-                    <ns1:pt x="273051" y="202841"/>
-                    <ns1:pt x="272684" y="202841"/>
-                    <ns1:pt x="271952" y="202482"/>
-                  </ns1:cubicBezTo>
-                  <ns1:cubicBezTo>
-                    <ns1:pt x="269387" y="201404"/>
-                    <ns1:pt x="268288" y="198888"/>
-                    <ns1:pt x="269387" y="196732"/>
-                  </ns1:cubicBezTo>
-                  <ns1:cubicBezTo>
-                    <ns1:pt x="281843" y="166907"/>
-                    <ns1:pt x="282209" y="133848"/>
-                    <ns1:pt x="271585" y="103305"/>
-                  </ns1:cubicBezTo>
-                  <ns1:cubicBezTo>
-                    <ns1:pt x="270853" y="101149"/>
-                    <ns1:pt x="271952" y="98633"/>
-                    <ns1:pt x="274150" y="97555"/>
-                  </ns1:cubicBezTo>
-                  <ns1:close/>
-                  <ns1:moveTo>
-                    <ns1:pt x="20584" y="95972"/>
-                  </ns1:moveTo>
-                  <ns1:cubicBezTo>
-                    <ns1:pt x="22807" y="96695"/>
-                    <ns1:pt x="24289" y="99224"/>
-                    <ns1:pt x="23177" y="101753"/>
-                  </ns1:cubicBezTo>
-                  <ns1:cubicBezTo>
-                    <ns1:pt x="12435" y="131379"/>
-                    <ns1:pt x="12806" y="164257"/>
-                    <ns1:pt x="24289" y="193883"/>
-                  </ns1:cubicBezTo>
-                  <ns1:cubicBezTo>
-                    <ns1:pt x="25029" y="196051"/>
-                    <ns1:pt x="23918" y="198580"/>
-                    <ns1:pt x="21696" y="199664"/>
-                  </ns1:cubicBezTo>
-                  <ns1:cubicBezTo>
-                    <ns1:pt x="20955" y="199664"/>
-                    <ns1:pt x="20584" y="199664"/>
-                    <ns1:pt x="19844" y="199664"/>
-                  </ns1:cubicBezTo>
-                  <ns1:cubicBezTo>
-                    <ns1:pt x="17991" y="199664"/>
-                    <ns1:pt x="16510" y="198580"/>
-                    <ns1:pt x="15769" y="197135"/>
-                  </ns1:cubicBezTo>
-                  <ns1:cubicBezTo>
-                    <ns1:pt x="3545" y="165341"/>
-                    <ns1:pt x="3175" y="130656"/>
-                    <ns1:pt x="14658" y="98863"/>
-                  </ns1:cubicBezTo>
-                  <ns1:cubicBezTo>
-                    <ns1:pt x="15399" y="96334"/>
-                    <ns1:pt x="17991" y="95250"/>
-                    <ns1:pt x="20584" y="95972"/>
-                  </ns1:cubicBezTo>
-                  <ns1:close/>
-                  <ns1:moveTo>
-                    <ns1:pt x="104645" y="86431"/>
-                  </ns1:moveTo>
-                  <ns1:cubicBezTo>
-                    <ns1:pt x="97401" y="86431"/>
-                    <ns1:pt x="91243" y="92553"/>
-                    <ns1:pt x="91243" y="99757"/>
-                  </ns1:cubicBezTo>
-                  <ns1:cubicBezTo>
-                    <ns1:pt x="91243" y="107320"/>
-                    <ns1:pt x="97401" y="113443"/>
-                    <ns1:pt x="104645" y="113443"/>
-                  </ns1:cubicBezTo>
-                  <ns1:lnTo>
-                    <ns1:pt x="192665" y="113443"/>
-                  </ns1:lnTo>
-                  <ns1:cubicBezTo>
-                    <ns1:pt x="189405" y="104799"/>
-                    <ns1:pt x="189405" y="95435"/>
-                    <ns1:pt x="192665" y="86431"/>
-                  </ns1:cubicBezTo>
-                  <ns1:lnTo>
-                    <ns1:pt x="104645" y="86431"/>
-                  </ns1:lnTo>
-                  <ns1:close/>
-                  <ns1:moveTo>
-                    <ns1:pt x="104645" y="77787"/>
-                  </ns1:moveTo>
-                  <ns1:lnTo>
-                    <ns1:pt x="206067" y="77787"/>
-                  </ns1:lnTo>
-                  <ns1:cubicBezTo>
-                    <ns1:pt x="208603" y="77787"/>
-                    <ns1:pt x="210776" y="79948"/>
-                    <ns1:pt x="210776" y="82109"/>
-                  </ns1:cubicBezTo>
-                  <ns1:cubicBezTo>
-                    <ns1:pt x="210776" y="84630"/>
-                    <ns1:pt x="208603" y="86431"/>
-                    <ns1:pt x="206067" y="86431"/>
-                  </ns1:cubicBezTo>
-                  <ns1:lnTo>
-                    <ns1:pt x="202807" y="86431"/>
-                  </ns1:lnTo>
-                  <ns1:cubicBezTo>
-                    <ns1:pt x="198098" y="95074"/>
-                    <ns1:pt x="198098" y="104799"/>
-                    <ns1:pt x="202807" y="113443"/>
-                  </ns1:cubicBezTo>
-                  <ns1:lnTo>
-                    <ns1:pt x="206067" y="113443"/>
-                  </ns1:lnTo>
-                  <ns1:cubicBezTo>
-                    <ns1:pt x="208603" y="113443"/>
-                    <ns1:pt x="210776" y="115243"/>
-                    <ns1:pt x="210776" y="117765"/>
-                  </ns1:cubicBezTo>
-                  <ns1:lnTo>
-                    <ns1:pt x="210776" y="236258"/>
-                  </ns1:lnTo>
-                  <ns1:cubicBezTo>
-                    <ns1:pt x="210776" y="238779"/>
-                    <ns1:pt x="208603" y="240940"/>
-                    <ns1:pt x="206067" y="240940"/>
-                  </ns1:cubicBezTo>
-                  <ns1:lnTo>
-                    <ns1:pt x="104645" y="240940"/>
-                  </ns1:lnTo>
-                  <ns1:cubicBezTo>
-                    <ns1:pt x="92330" y="240940"/>
-                    <ns1:pt x="82550" y="230856"/>
-                    <ns1:pt x="82550" y="218610"/>
-                  </ns1:cubicBezTo>
-                  <ns1:lnTo>
-                    <ns1:pt x="82550" y="99757"/>
-                  </ns1:lnTo>
-                  <ns1:cubicBezTo>
-                    <ns1:pt x="82550" y="87511"/>
-                    <ns1:pt x="92330" y="77787"/>
-                    <ns1:pt x="104645" y="77787"/>
-                  </ns1:cubicBezTo>
-                  <ns1:close/>
-                  <ns1:moveTo>
-                    <ns1:pt x="237641" y="36713"/>
-                  </ns1:moveTo>
-                  <ns1:cubicBezTo>
-                    <ns1:pt x="239437" y="37787"/>
-                    <ns1:pt x="239796" y="40649"/>
-                    <ns1:pt x="238000" y="42795"/>
-                  </ns1:cubicBezTo>
-                  <ns1:cubicBezTo>
-                    <ns1:pt x="235485" y="45657"/>
-                    <ns1:pt x="234048" y="49950"/>
-                    <ns1:pt x="234048" y="53885"/>
-                  </ns1:cubicBezTo>
-                  <ns1:lnTo>
-                    <ns1:pt x="234048" y="76781"/>
-                  </ns1:lnTo>
-                  <ns1:lnTo>
-                    <ns1:pt x="284347" y="76781"/>
-                  </ns1:lnTo>
-                  <ns1:lnTo>
-                    <ns1:pt x="284347" y="53885"/>
-                  </ns1:lnTo>
-                  <ns1:cubicBezTo>
-                    <ns1:pt x="284347" y="49950"/>
-                    <ns1:pt x="282910" y="45657"/>
-                    <ns1:pt x="280395" y="42795"/>
-                  </ns1:cubicBezTo>
-                  <ns1:cubicBezTo>
-                    <ns1:pt x="278958" y="40649"/>
-                    <ns1:pt x="278958" y="37787"/>
-                    <ns1:pt x="281113" y="36713"/>
-                  </ns1:cubicBezTo>
-                  <ns1:cubicBezTo>
-                    <ns1:pt x="282910" y="34925"/>
-                    <ns1:pt x="285784" y="35282"/>
-                    <ns1:pt x="287221" y="37071"/>
-                  </ns1:cubicBezTo>
-                  <ns1:cubicBezTo>
-                    <ns1:pt x="291173" y="41722"/>
-                    <ns1:pt x="293329" y="47804"/>
-                    <ns1:pt x="293329" y="53885"/>
-                  </ns1:cubicBezTo>
-                  <ns1:lnTo>
-                    <ns1:pt x="293329" y="81074"/>
-                  </ns1:lnTo>
-                  <ns1:cubicBezTo>
-                    <ns1:pt x="293329" y="83578"/>
-                    <ns1:pt x="291533" y="85367"/>
-                    <ns1:pt x="288658" y="85367"/>
-                  </ns1:cubicBezTo>
-                  <ns1:lnTo>
-                    <ns1:pt x="229737" y="85367"/>
-                  </ns1:lnTo>
-                  <ns1:cubicBezTo>
-                    <ns1:pt x="227222" y="85367"/>
-                    <ns1:pt x="225425" y="83578"/>
-                    <ns1:pt x="225425" y="81074"/>
-                  </ns1:cubicBezTo>
-                  <ns1:lnTo>
-                    <ns1:pt x="225425" y="53885"/>
-                  </ns1:lnTo>
-                  <ns1:cubicBezTo>
-                    <ns1:pt x="225425" y="47804"/>
-                    <ns1:pt x="227222" y="41722"/>
-                    <ns1:pt x="231174" y="37071"/>
-                  </ns1:cubicBezTo>
-                  <ns1:cubicBezTo>
-                    <ns1:pt x="232970" y="35282"/>
-                    <ns1:pt x="235844" y="34925"/>
-                    <ns1:pt x="237641" y="36713"/>
-                  </ns1:cubicBezTo>
-                  <ns1:close/>
-                  <ns1:moveTo>
-                    <ns1:pt x="12215" y="36713"/>
-                  </ns1:moveTo>
-                  <ns1:cubicBezTo>
-                    <ns1:pt x="14012" y="37787"/>
-                    <ns1:pt x="14371" y="40649"/>
-                    <ns1:pt x="12575" y="42795"/>
-                  </ns1:cubicBezTo>
-                  <ns1:cubicBezTo>
-                    <ns1:pt x="10419" y="45657"/>
-                    <ns1:pt x="8622" y="49950"/>
-                    <ns1:pt x="8622" y="53885"/>
-                  </ns1:cubicBezTo>
-                  <ns1:lnTo>
-                    <ns1:pt x="8622" y="76781"/>
-                  </ns1:lnTo>
-                  <ns1:lnTo>
-                    <ns1:pt x="59281" y="76781"/>
-                  </ns1:lnTo>
-                  <ns1:lnTo>
-                    <ns1:pt x="59281" y="53885"/>
-                  </ns1:lnTo>
-                  <ns1:cubicBezTo>
-                    <ns1:pt x="59281" y="49950"/>
-                    <ns1:pt x="57844" y="45657"/>
-                    <ns1:pt x="54969" y="42795"/>
-                  </ns1:cubicBezTo>
-                  <ns1:cubicBezTo>
-                    <ns1:pt x="53532" y="40649"/>
-                    <ns1:pt x="53892" y="37787"/>
-                    <ns1:pt x="55688" y="36713"/>
-                  </ns1:cubicBezTo>
-                  <ns1:cubicBezTo>
-                    <ns1:pt x="57844" y="34925"/>
-                    <ns1:pt x="60359" y="35282"/>
-                    <ns1:pt x="61796" y="37071"/>
-                  </ns1:cubicBezTo>
-                  <ns1:cubicBezTo>
-                    <ns1:pt x="65748" y="41722"/>
-                    <ns1:pt x="67903" y="47804"/>
-                    <ns1:pt x="67903" y="53885"/>
-                  </ns1:cubicBezTo>
-                  <ns1:lnTo>
-                    <ns1:pt x="67903" y="81074"/>
-                  </ns1:lnTo>
-                  <ns1:cubicBezTo>
-                    <ns1:pt x="67903" y="83578"/>
-                    <ns1:pt x="65748" y="85367"/>
-                    <ns1:pt x="63592" y="85367"/>
-                  </ns1:cubicBezTo>
-                  <ns1:lnTo>
-                    <ns1:pt x="4311" y="85367"/>
-                  </ns1:lnTo>
-                  <ns1:cubicBezTo>
-                    <ns1:pt x="1796" y="85367"/>
-                    <ns1:pt x="0" y="83578"/>
-                    <ns1:pt x="0" y="81074"/>
-                  </ns1:cubicBezTo>
-                  <ns1:lnTo>
-                    <ns1:pt x="0" y="53885"/>
-                  </ns1:lnTo>
-                  <ns1:cubicBezTo>
-                    <ns1:pt x="0" y="47804"/>
-                    <ns1:pt x="1796" y="41722"/>
-                    <ns1:pt x="6107" y="37071"/>
-                  </ns1:cubicBezTo>
-                  <ns1:cubicBezTo>
-                    <ns1:pt x="7545" y="35282"/>
-                    <ns1:pt x="10419" y="34925"/>
-                    <ns1:pt x="12215" y="36713"/>
-                  </ns1:cubicBezTo>
-                  <ns1:close/>
-                  <ns1:moveTo>
-                    <ns1:pt x="258410" y="8466"/>
-                  </ns1:moveTo>
-                  <ns1:cubicBezTo>
-                    <ns1:pt x="252766" y="8466"/>
-                    <ns1:pt x="248180" y="13405"/>
-                    <ns1:pt x="248180" y="18697"/>
-                  </ns1:cubicBezTo>
-                  <ns1:cubicBezTo>
-                    <ns1:pt x="248180" y="24341"/>
-                    <ns1:pt x="252766" y="28928"/>
-                    <ns1:pt x="258410" y="28928"/>
-                  </ns1:cubicBezTo>
-                  <ns1:cubicBezTo>
-                    <ns1:pt x="264055" y="28928"/>
-                    <ns1:pt x="268641" y="24341"/>
-                    <ns1:pt x="268641" y="18697"/>
-                  </ns1:cubicBezTo>
-                  <ns1:cubicBezTo>
-                    <ns1:pt x="268641" y="13405"/>
-                    <ns1:pt x="264055" y="8466"/>
-                    <ns1:pt x="258410" y="8466"/>
-                  </ns1:cubicBezTo>
-                  <ns1:close/>
-                  <ns1:moveTo>
-                    <ns1:pt x="32985" y="8466"/>
-                  </ns1:moveTo>
-                  <ns1:cubicBezTo>
-                    <ns1:pt x="27341" y="8466"/>
-                    <ns1:pt x="22754" y="13405"/>
-                    <ns1:pt x="22754" y="18697"/>
-                  </ns1:cubicBezTo>
-                  <ns1:cubicBezTo>
-                    <ns1:pt x="22754" y="24341"/>
-                    <ns1:pt x="27341" y="28928"/>
-                    <ns1:pt x="32985" y="28928"/>
-                  </ns1:cubicBezTo>
-                  <ns1:cubicBezTo>
-                    <ns1:pt x="38629" y="28928"/>
-                    <ns1:pt x="43216" y="24341"/>
-                    <ns1:pt x="43216" y="18697"/>
-                  </ns1:cubicBezTo>
-                  <ns1:cubicBezTo>
-                    <ns1:pt x="43216" y="13405"/>
-                    <ns1:pt x="38629" y="8466"/>
-                    <ns1:pt x="32985" y="8466"/>
-                  </ns1:cubicBezTo>
-                  <ns1:close/>
-                  <ns1:moveTo>
-                    <ns1:pt x="145691" y="6778"/>
-                  </ns1:moveTo>
-                  <ns1:cubicBezTo>
-                    <ns1:pt x="171211" y="6778"/>
-                    <ns1:pt x="196731" y="13556"/>
-                    <ns1:pt x="219015" y="27113"/>
-                  </ns1:cubicBezTo>
-                  <ns1:cubicBezTo>
-                    <ns1:pt x="221531" y="28559"/>
-                    <ns1:pt x="221891" y="31089"/>
-                    <ns1:pt x="220813" y="33258"/>
-                  </ns1:cubicBezTo>
-                  <ns1:cubicBezTo>
-                    <ns1:pt x="219015" y="35427"/>
-                    <ns1:pt x="216499" y="36150"/>
-                    <ns1:pt x="214702" y="34704"/>
-                  </ns1:cubicBezTo>
-                  <ns1:cubicBezTo>
-                    <ns1:pt x="172648" y="9037"/>
-                    <ns1:pt x="118733" y="9037"/>
-                    <ns1:pt x="77038" y="34704"/>
-                  </ns1:cubicBezTo>
-                  <ns1:cubicBezTo>
-                    <ns1:pt x="76320" y="35427"/>
-                    <ns1:pt x="75601" y="35427"/>
-                    <ns1:pt x="74882" y="35427"/>
-                  </ns1:cubicBezTo>
-                  <ns1:cubicBezTo>
-                    <ns1:pt x="73444" y="35427"/>
-                    <ns1:pt x="72006" y="34704"/>
-                    <ns1:pt x="70928" y="33258"/>
-                  </ns1:cubicBezTo>
-                  <ns1:cubicBezTo>
-                    <ns1:pt x="69850" y="31089"/>
-                    <ns1:pt x="70209" y="28559"/>
-                    <ns1:pt x="72366" y="27113"/>
-                  </ns1:cubicBezTo>
-                  <ns1:cubicBezTo>
-                    <ns1:pt x="94651" y="13556"/>
-                    <ns1:pt x="120171" y="6778"/>
-                    <ns1:pt x="145691" y="6778"/>
-                  </ns1:cubicBezTo>
-                  <ns1:close/>
-                  <ns1:moveTo>
-                    <ns1:pt x="258410" y="0"/>
-                  </ns1:moveTo>
-                  <ns1:cubicBezTo>
-                    <ns1:pt x="268994" y="0"/>
-                    <ns1:pt x="277460" y="8466"/>
-                    <ns1:pt x="277460" y="18697"/>
-                  </ns1:cubicBezTo>
-                  <ns1:cubicBezTo>
-                    <ns1:pt x="277460" y="29280"/>
-                    <ns1:pt x="268994" y="37747"/>
-                    <ns1:pt x="258410" y="37747"/>
-                  </ns1:cubicBezTo>
-                  <ns1:cubicBezTo>
-                    <ns1:pt x="248180" y="37747"/>
-                    <ns1:pt x="239713" y="29280"/>
-                    <ns1:pt x="239713" y="18697"/>
-                  </ns1:cubicBezTo>
-                  <ns1:cubicBezTo>
-                    <ns1:pt x="239713" y="8466"/>
-                    <ns1:pt x="248180" y="0"/>
-                    <ns1:pt x="258410" y="0"/>
-                  </ns1:cubicBezTo>
-                  <ns1:close/>
-                  <ns1:moveTo>
-                    <ns1:pt x="32985" y="0"/>
-                  </ns1:moveTo>
-                  <ns1:cubicBezTo>
-                    <ns1:pt x="43568" y="0"/>
-                    <ns1:pt x="52035" y="8466"/>
-                    <ns1:pt x="52035" y="18697"/>
-                  </ns1:cubicBezTo>
-                  <ns1:cubicBezTo>
-                    <ns1:pt x="52035" y="29280"/>
-                    <ns1:pt x="43568" y="37747"/>
-                    <ns1:pt x="32985" y="37747"/>
-                  </ns1:cubicBezTo>
-                  <ns1:cubicBezTo>
-                    <ns1:pt x="22754" y="37747"/>
-                    <ns1:pt x="14288" y="29280"/>
-                    <ns1:pt x="14288" y="18697"/>
-                  </ns1:cubicBezTo>
-                  <ns1:cubicBezTo>
-                    <ns1:pt x="14288" y="8466"/>
-                    <ns1:pt x="22754" y="0"/>
-                    <ns1:pt x="32985" y="0"/>
-                  </ns1:cubicBezTo>
-                  <ns1:close/>
-                </ns1:path>
-              </ns1:pathLst>
-            </ns1:custGeom>
-            <ns1:solidFill>
-              <ns1:srgbClr val="ED8B00"/>
-            </ns1:solidFill>
-            <ns1:ln>
-              <ns1:noFill/>
-            </ns1:ln>
-          </ns0:spPr>
-          <ns0:txBody>
-            <ns1:bodyPr anchor="ctr"/>
-            <ns1:lstStyle/>
-            <ns1:p>
-              <ns1:endParaRPr lang="en-US" sz="900"/>
-            </ns1:p>
-          </ns0:txBody>
-        </ns0:sp>
-        <ns0:sp>
-          <ns0:nvSpPr>
-            <ns0:cNvPr id="65" name="TextBox 64">
-              <ns1:extLst>
-                <ns1:ext uri="{FF2B5EF4-FFF2-40B4-BE49-F238E27FC236}">
-                  <ns2:creationId id="{CCDBA8E2-2E49-D3DC-8F70-3EBC50517161}"/>
-                </ns1:ext>
-              </ns1:extLst>
-            </ns0:cNvPr>
-            <ns0:cNvSpPr txBox="1"/>
-            <ns0:nvPr/>
-          </ns0:nvSpPr>
-          <ns0:spPr>
-            <ns1:xfrm>
-              <ns1:off x="4974332" y="4365181"/>
-              <ns1:ext cx="1914319" cy="675570"/>
-            </ns1:xfrm>
-            <ns1:prstGeom prst="rect">
-              <ns1:avLst/>
-            </ns1:prstGeom>
-            <ns1:noFill/>
-          </ns0:spPr>
-          <ns0:txBody>
-            <ns1:bodyPr wrap="square" rtlCol="0">
-              <ns1:spAutoFit/>
-            </ns1:bodyPr>
-            <ns1:lstStyle/>
-            <ns1:p>
-              <ns1:pPr algn="ctr">
-                <ns1:lnSpc>
-                  <ns1:spcPct val="107000"/>
-                </ns1:lnSpc>
-                <ns1:spcAft>
-                  <ns1:spcPts val="800"/>
-                </ns1:spcAft>
-              </ns1:pPr>
-              <ns1:r>
-                <ns1:rPr lang="en-GB" sz="1200" dirty="0">
-                  <ns1:solidFill>
-                    <ns1:schemeClr val="bg1"/>
-                  </ns1:solidFill>
-                  <ns1:latin typeface="Open Sans" panose="020B0606030504020204" pitchFamily="34" charset="0"/>
-                  <ns1:ea typeface="Open Sans" panose="020B0606030504020204" pitchFamily="34" charset="0"/>
-                  <ns1:cs typeface="Open Sans" panose="020B0606030504020204" pitchFamily="34" charset="0"/>
-                </ns1:rPr>
-                <ns1:t>Debt collection processes could be costing you</ns1:t>
-              </ns1:r>
-            </ns1:p>
-          </ns0:txBody>
-        </ns0:sp>
-      </ns0:grpSp>
-      <ns0:grpSp>
-        <ns0:nvGrpSpPr>
           <ns0:cNvPr id="22" name="Grup 21">
             <ns1:extLst>
               <ns1:ext uri="{FF2B5EF4-FFF2-40B4-BE49-F238E27FC236}">
@@ -41386,7 +39489,7 @@
         </ns0:nvGrpSpPr>
         <ns0:grpSpPr>
           <ns1:xfrm>
-            <ns1:off x="2861471" y="1556836"/>
+            <ns1:off x="5155200" y="1508400"/>
             <ns1:ext cx="1960575" cy="4157426"/>
             <ns1:chOff x="711457" y="1552929"/>
             <ns1:chExt cx="1960575" cy="4157426"/>
@@ -43330,82 +41433,1894 @@
           </ns0:txBody>
         </ns0:sp>
       </ns0:grpSp>
-      <ns0:sp>
-        <ns0:nvSpPr>
-          <ns0:cNvPr id="69" name="TextBox 68">
+      <ns0:grpSp>
+        <ns0:nvGrpSpPr>
+          <ns0:cNvPr id="5" name="Grup 4">
             <ns1:extLst>
               <ns1:ext uri="{FF2B5EF4-FFF2-40B4-BE49-F238E27FC236}">
-                <ns2:creationId id="{3C634A47-D927-FE8D-6324-130A75E52781}"/>
+                <ns2:creationId id="{2CC8DEE5-26D6-A15C-CB5C-661C8D83F5AF}"/>
               </ns1:ext>
             </ns1:extLst>
           </ns0:cNvPr>
-          <ns0:cNvSpPr txBox="1"/>
+          <ns0:cNvGrpSpPr/>
           <ns0:nvPr/>
-        </ns0:nvSpPr>
-        <ns0:spPr>
+        </ns0:nvGrpSpPr>
+        <ns0:grpSpPr>
           <ns1:xfrm>
-            <ns1:off x="5007860" y="5093095"/>
-            <ns1:ext cx="1891272" cy="600164"/>
+            <ns1:off x="7732800" y="1508400"/>
+            <ns1:ext cx="1957681" cy="4201867"/>
+            <ns1:chOff x="7305186" y="1508400"/>
+            <ns1:chExt cx="1957681" cy="4201867"/>
           </ns1:xfrm>
-          <ns1:prstGeom prst="rect">
-            <ns1:avLst/>
-          </ns1:prstGeom>
-          <ns1:noFill/>
-        </ns0:spPr>
-        <ns0:txBody>
-          <ns1:bodyPr wrap="square" rtlCol="0">
-            <ns1:spAutoFit/>
-          </ns1:bodyPr>
-          <ns1:lstStyle/>
-          <ns1:p>
-            <ns1:pPr algn="ctr"/>
-            <ns1:r>
-              <ns1:rPr lang="en-GB" sz="2400" dirty="0">
+        </ns0:grpSpPr>
+        <ns0:grpSp>
+          <ns0:nvGrpSpPr>
+            <ns0:cNvPr id="23" name="Grup 22">
+              <ns1:extLst>
+                <ns1:ext uri="{FF2B5EF4-FFF2-40B4-BE49-F238E27FC236}">
+                  <ns2:creationId id="{3D309B6B-7791-6CF2-0569-C70256165209}"/>
+                </ns1:ext>
+              </ns1:extLst>
+            </ns0:cNvPr>
+            <ns0:cNvGrpSpPr/>
+            <ns0:nvPr/>
+          </ns0:nvGrpSpPr>
+          <ns0:grpSpPr>
+            <ns1:xfrm>
+              <ns1:off x="7316241" y="1508400"/>
+              <ns1:ext cx="1946626" cy="3991330"/>
+              <ns1:chOff x="4961745" y="1556836"/>
+              <ns1:chExt cx="1946626" cy="3991330"/>
+            </ns1:xfrm>
+          </ns0:grpSpPr>
+          <ns0:sp>
+            <ns0:nvSpPr>
+              <ns0:cNvPr id="59" name="Rectangle: Rounded Corners 58">
+                <ns1:extLst>
+                  <ns1:ext uri="{FF2B5EF4-FFF2-40B4-BE49-F238E27FC236}">
+                    <ns2:creationId id="{483145D9-A5D5-4A29-9000-3FD97569E5F5}"/>
+                  </ns1:ext>
+                </ns1:extLst>
+              </ns0:cNvPr>
+              <ns0:cNvSpPr/>
+              <ns0:nvPr/>
+            </ns0:nvSpPr>
+            <ns0:spPr>
+              <ns1:xfrm>
+                <ns1:off x="4970154" y="4999173"/>
+                <ns1:ext cx="1930036" cy="548993"/>
+              </ns1:xfrm>
+              <ns1:prstGeom prst="roundRect">
+                <ns1:avLst/>
+              </ns1:prstGeom>
+              <ns1:solidFill>
+                <ns1:schemeClr val="accent2">
+                  <ns1:alpha val="26000"/>
+                </ns1:schemeClr>
+              </ns1:solidFill>
+              <ns1:ln>
                 <ns1:solidFill>
-                  <ns1:schemeClr val="accent2"/>
+                  <ns1:schemeClr val="accent1"/>
                 </ns1:solidFill>
-                <ns1:latin typeface="Open Sans" panose="020B0606030504020204" pitchFamily="34" charset="0"/>
-                <ns1:ea typeface="Open Sans" panose="020B0606030504020204" pitchFamily="34" charset="0"/>
-                <ns1:cs typeface="Open Sans" panose="020B0606030504020204" pitchFamily="34" charset="0"/>
-              </ns1:rPr>
-              <ns1:t>£</ns1:t>
-            </ns1:r>
-            <ns1:r>
-              <ns1:rPr lang="tr-TR" sz="2400" dirty="0" err="1">
-                <ns1:solidFill>
-                  <ns1:schemeClr val="accent2"/>
-                </ns1:solidFill>
-                <ns1:latin typeface="Open Sans" panose="020B0606030504020204" pitchFamily="34" charset="0"/>
-                <ns1:ea typeface="Open Sans" panose="020B0606030504020204" pitchFamily="34" charset="0"/>
-                <ns1:cs typeface="Open Sans" panose="020B0606030504020204" pitchFamily="34" charset="0"/>
-              </ns1:rPr>
-              <ns1:t>25,153</ns1:t>
-            </ns1:r>
-            <ns1:r>
-              <ns1:rPr lang="en-GB" sz="2400" dirty="0">
-                <ns1:solidFill>
-                  <ns1:schemeClr val="accent2"/>
-                </ns1:solidFill>
-                <ns1:latin typeface="Open Sans" panose="020B0606030504020204" pitchFamily="34" charset="0"/>
-                <ns1:ea typeface="Open Sans" panose="020B0606030504020204" pitchFamily="34" charset="0"/>
-                <ns1:cs typeface="Open Sans" panose="020B0606030504020204" pitchFamily="34" charset="0"/>
-              </ns1:rPr>
-              <ns1:t> </ns1:t>
-            </ns1:r>
-            <ns1:r>
-              <ns1:rPr lang="en-GB" sz="900" dirty="0">
-                <ns1:solidFill>
-                  <ns1:schemeClr val="accent2"/>
-                </ns1:solidFill>
-                <ns1:latin typeface="Open Sans" panose="020B0606030504020204" pitchFamily="34" charset="0"/>
-                <ns1:ea typeface="Open Sans" panose="020B0606030504020204" pitchFamily="34" charset="0"/>
-                <ns1:cs typeface="Open Sans" panose="020B0606030504020204" pitchFamily="34" charset="0"/>
-              </ns1:rPr>
-              <ns1:t>annually</ns1:t>
-            </ns1:r>
-          </ns1:p>
-        </ns0:txBody>
-      </ns0:sp>
+              </ns1:ln>
+            </ns0:spPr>
+            <ns0:style>
+              <ns1:lnRef idx="2">
+                <ns1:schemeClr val="accent1">
+                  <ns1:shade val="50000"/>
+                </ns1:schemeClr>
+              </ns1:lnRef>
+              <ns1:fillRef idx="1">
+                <ns1:schemeClr val="accent1"/>
+              </ns1:fillRef>
+              <ns1:effectRef idx="0">
+                <ns1:schemeClr val="accent1"/>
+              </ns1:effectRef>
+              <ns1:fontRef idx="minor">
+                <ns1:schemeClr val="lt1"/>
+              </ns1:fontRef>
+            </ns0:style>
+            <ns0:txBody>
+              <ns1:bodyPr rtlCol="0" anchor="ctr"/>
+              <ns1:lstStyle/>
+              <ns1:p>
+                <ns1:pPr algn="ctr"/>
+                <ns1:endParaRPr lang="en-GB"/>
+              </ns1:p>
+            </ns0:txBody>
+          </ns0:sp>
+          <ns0:sp>
+            <ns0:nvSpPr>
+              <ns0:cNvPr id="49" name="Off-page Connector 9">
+                <ns1:extLst>
+                  <ns1:ext uri="{FF2B5EF4-FFF2-40B4-BE49-F238E27FC236}">
+                    <ns2:creationId id="{A97AE63F-0C53-AB7A-E6A8-5650E994B32B}"/>
+                  </ns1:ext>
+                </ns1:extLst>
+              </ns0:cNvPr>
+              <ns0:cNvSpPr/>
+              <ns0:nvPr/>
+            </ns0:nvSpPr>
+            <ns0:spPr>
+              <ns1:xfrm>
+                <ns1:off x="4978335" y="1903894"/>
+                <ns1:ext cx="1930036" cy="2548563"/>
+              </ns1:xfrm>
+              <ns1:prstGeom prst="roundRect">
+                <ns1:avLst/>
+              </ns1:prstGeom>
+              <ns1:solidFill>
+                <ns1:schemeClr val="accent4">
+                  <ns1:alpha val="10000"/>
+                </ns1:schemeClr>
+              </ns1:solidFill>
+              <ns1:ln>
+                <ns1:noFill/>
+              </ns1:ln>
+            </ns0:spPr>
+            <ns0:style>
+              <ns1:lnRef idx="2">
+                <ns1:schemeClr val="accent1">
+                  <ns1:shade val="50000"/>
+                </ns1:schemeClr>
+              </ns1:lnRef>
+              <ns1:fillRef idx="1">
+                <ns1:schemeClr val="accent1"/>
+              </ns1:fillRef>
+              <ns1:effectRef idx="0">
+                <ns1:schemeClr val="accent1"/>
+              </ns1:effectRef>
+              <ns1:fontRef idx="minor">
+                <ns1:schemeClr val="lt1"/>
+              </ns1:fontRef>
+            </ns0:style>
+            <ns0:txBody>
+              <ns1:bodyPr rtlCol="0" anchor="ctr"/>
+              <ns1:lstStyle/>
+              <ns1:p>
+                <ns1:pPr marL="171450" indent="-171450" algn="ctr">
+                  <ns1:lnSpc>
+                    <ns1:spcPct val="107000"/>
+                  </ns1:lnSpc>
+                  <ns1:spcAft>
+                    <ns1:spcPts val="800"/>
+                  </ns1:spcAft>
+                  <ns1:buFont typeface="Wingdings" panose="05000000000000000000" pitchFamily="2" charset="2"/>
+                  <ns1:buChar char="ü"/>
+                </ns1:pPr>
+                <ns1:endParaRPr lang="en-GB" sz="900" dirty="0">
+                  <ns1:solidFill>
+                    <ns1:schemeClr val="tx1">
+                      <ns1:lumMod val="75000"/>
+                      <ns1:lumOff val="25000"/>
+                    </ns1:schemeClr>
+                  </ns1:solidFill>
+                  <ns1:latin typeface="Open Sans" panose="020B0606030504020204" pitchFamily="34" charset="0"/>
+                  <ns1:ea typeface="Open Sans" panose="020B0606030504020204" pitchFamily="34" charset="0"/>
+                  <ns1:cs typeface="Open Sans" panose="020B0606030504020204" pitchFamily="34" charset="0"/>
+                </ns1:endParaRPr>
+              </ns1:p>
+              <ns1:p>
+                <ns1:pPr marL="171450" indent="-171450" algn="ctr">
+                  <ns1:lnSpc>
+                    <ns1:spcPct val="107000"/>
+                  </ns1:lnSpc>
+                  <ns1:spcAft>
+                    <ns1:spcPts val="800"/>
+                  </ns1:spcAft>
+                  <ns1:buFont typeface="Wingdings" panose="05000000000000000000" pitchFamily="2" charset="2"/>
+                  <ns1:buChar char="ü"/>
+                </ns1:pPr>
+                <ns1:endParaRPr lang="en-GB" sz="900" dirty="0">
+                  <ns1:solidFill>
+                    <ns1:schemeClr val="tx1">
+                      <ns1:lumMod val="75000"/>
+                      <ns1:lumOff val="25000"/>
+                    </ns1:schemeClr>
+                  </ns1:solidFill>
+                  <ns1:latin typeface="Open Sans" panose="020B0606030504020204" pitchFamily="34" charset="0"/>
+                  <ns1:ea typeface="Open Sans" panose="020B0606030504020204" pitchFamily="34" charset="0"/>
+                  <ns1:cs typeface="Open Sans" panose="020B0606030504020204" pitchFamily="34" charset="0"/>
+                </ns1:endParaRPr>
+              </ns1:p>
+              <ns1:p>
+                <ns1:pPr marL="171450" indent="-171450" algn="ctr">
+                  <ns1:lnSpc>
+                    <ns1:spcPct val="107000"/>
+                  </ns1:lnSpc>
+                  <ns1:spcAft>
+                    <ns1:spcPts val="800"/>
+                  </ns1:spcAft>
+                  <ns1:buFont typeface="Wingdings" panose="05000000000000000000" pitchFamily="2" charset="2"/>
+                  <ns1:buChar char="ü"/>
+                </ns1:pPr>
+                <ns1:r>
+                  <ns1:rPr lang="en-GB" sz="900" dirty="0">
+                    <ns1:solidFill>
+                      <ns1:schemeClr val="tx1">
+                        <ns1:lumMod val="75000"/>
+                        <ns1:lumOff val="25000"/>
+                      </ns1:schemeClr>
+                    </ns1:solidFill>
+                    <ns1:latin typeface="Open Sans" panose="020B0606030504020204" pitchFamily="34" charset="0"/>
+                    <ns1:ea typeface="Open Sans" panose="020B0606030504020204" pitchFamily="34" charset="0"/>
+                    <ns1:cs typeface="Open Sans" panose="020B0606030504020204" pitchFamily="34" charset="0"/>
+                  </ns1:rPr>
+                  <ns1:t>Inefficient processes </ns1:t>
+                </ns1:r>
+              </ns1:p>
+              <ns1:p>
+                <ns1:pPr marL="171450" indent="-171450" algn="ctr">
+                  <ns1:lnSpc>
+                    <ns1:spcPct val="107000"/>
+                  </ns1:lnSpc>
+                  <ns1:spcAft>
+                    <ns1:spcPts val="800"/>
+                  </ns1:spcAft>
+                  <ns1:buFont typeface="Wingdings" panose="05000000000000000000" pitchFamily="2" charset="2"/>
+                  <ns1:buChar char="ü"/>
+                </ns1:pPr>
+                <ns1:r>
+                  <ns1:rPr lang="en-GB" sz="900" dirty="0">
+                    <ns1:solidFill>
+                      <ns1:schemeClr val="tx1">
+                        <ns1:lumMod val="75000"/>
+                        <ns1:lumOff val="25000"/>
+                      </ns1:schemeClr>
+                    </ns1:solidFill>
+                    <ns1:latin typeface="Open Sans" panose="020B0606030504020204" pitchFamily="34" charset="0"/>
+                    <ns1:ea typeface="Open Sans" panose="020B0606030504020204" pitchFamily="34" charset="0"/>
+                    <ns1:cs typeface="Open Sans" panose="020B0606030504020204" pitchFamily="34" charset="0"/>
+                  </ns1:rPr>
+                  <ns1:t>Lack of self-serve solutions</ns1:t>
+                </ns1:r>
+              </ns1:p>
+            </ns0:txBody>
+          </ns0:sp>
+          <ns0:sp>
+            <ns0:nvSpPr>
+              <ns0:cNvPr id="48" name="Freeform 50">
+                <ns1:extLst>
+                  <ns1:ext uri="{FF2B5EF4-FFF2-40B4-BE49-F238E27FC236}">
+                    <ns2:creationId id="{13C7AA69-72E1-AD20-DD7E-436E6E31F470}"/>
+                  </ns1:ext>
+                </ns1:extLst>
+              </ns0:cNvPr>
+              <ns0:cNvSpPr/>
+              <ns0:nvPr/>
+            </ns0:nvSpPr>
+            <ns0:spPr>
+              <ns1:xfrm rot="10800000">
+                <ns1:off x="4961745" y="2139161"/>
+                <ns1:ext cx="1944972" cy="2971025"/>
+              </ns1:xfrm>
+              <ns1:custGeom>
+                <ns1:avLst/>
+                <ns1:gdLst>
+                  <ns1:gd name="connsiteX0" fmla="*/ 0 w 4855912"/>
+                  <ns1:gd name="connsiteY0" fmla="*/ 9143998 h 9144000"/>
+                  <ns1:gd name="connsiteX1" fmla="*/ 4855912 w 4855912"/>
+                  <ns1:gd name="connsiteY1" fmla="*/ 9143998 h 9144000"/>
+                  <ns1:gd name="connsiteX2" fmla="*/ 4855912 w 4855912"/>
+                  <ns1:gd name="connsiteY2" fmla="*/ 9144000 h 9144000"/>
+                  <ns1:gd name="connsiteX3" fmla="*/ 0 w 4855912"/>
+                  <ns1:gd name="connsiteY3" fmla="*/ 9144000 h 9144000"/>
+                  <ns1:gd name="connsiteX4" fmla="*/ 0 w 4855912"/>
+                  <ns1:gd name="connsiteY4" fmla="*/ 0 h 9144000"/>
+                  <ns1:gd name="connsiteX5" fmla="*/ 4855912 w 4855912"/>
+                  <ns1:gd name="connsiteY5" fmla="*/ 0 h 9144000"/>
+                  <ns1:gd name="connsiteX6" fmla="*/ 4855912 w 4855912"/>
+                  <ns1:gd name="connsiteY6" fmla="*/ 4215866 h 9144000"/>
+                  <ns1:gd name="connsiteX7" fmla="*/ 2427956 w 4855912"/>
+                  <ns1:gd name="connsiteY7" fmla="*/ 2983833 h 9144000"/>
+                  <ns1:gd name="connsiteX8" fmla="*/ 0 w 4855912"/>
+                  <ns1:gd name="connsiteY8" fmla="*/ 4215866 h 9144000"/>
+                  <ns1:gd name="connsiteX0" fmla="*/ 0 w 4855912"/>
+                  <ns1:gd name="connsiteY0" fmla="*/ 9143998 h 9144000"/>
+                  <ns1:gd name="connsiteX1" fmla="*/ 4855912 w 4855912"/>
+                  <ns1:gd name="connsiteY1" fmla="*/ 9143998 h 9144000"/>
+                  <ns1:gd name="connsiteX2" fmla="*/ 4855912 w 4855912"/>
+                  <ns1:gd name="connsiteY2" fmla="*/ 9144000 h 9144000"/>
+                  <ns1:gd name="connsiteX3" fmla="*/ 0 w 4855912"/>
+                  <ns1:gd name="connsiteY3" fmla="*/ 9144000 h 9144000"/>
+                  <ns1:gd name="connsiteX4" fmla="*/ 0 w 4855912"/>
+                  <ns1:gd name="connsiteY4" fmla="*/ 9143998 h 9144000"/>
+                  <ns1:gd name="connsiteX5" fmla="*/ 0 w 4855912"/>
+                  <ns1:gd name="connsiteY5" fmla="*/ 794048 h 9144000"/>
+                  <ns1:gd name="connsiteX6" fmla="*/ 4855912 w 4855912"/>
+                  <ns1:gd name="connsiteY6" fmla="*/ 0 h 9144000"/>
+                  <ns1:gd name="connsiteX7" fmla="*/ 4855912 w 4855912"/>
+                  <ns1:gd name="connsiteY7" fmla="*/ 4215866 h 9144000"/>
+                  <ns1:gd name="connsiteX8" fmla="*/ 2427956 w 4855912"/>
+                  <ns1:gd name="connsiteY8" fmla="*/ 2983833 h 9144000"/>
+                  <ns1:gd name="connsiteX9" fmla="*/ 0 w 4855912"/>
+                  <ns1:gd name="connsiteY9" fmla="*/ 4215866 h 9144000"/>
+                  <ns1:gd name="connsiteX10" fmla="*/ 0 w 4855912"/>
+                  <ns1:gd name="connsiteY10" fmla="*/ 794048 h 9144000"/>
+                  <ns1:gd name="connsiteX0" fmla="*/ 0 w 4855912"/>
+                  <ns1:gd name="connsiteY0" fmla="*/ 8366845 h 8366847"/>
+                  <ns1:gd name="connsiteX1" fmla="*/ 4855912 w 4855912"/>
+                  <ns1:gd name="connsiteY1" fmla="*/ 8366845 h 8366847"/>
+                  <ns1:gd name="connsiteX2" fmla="*/ 4855912 w 4855912"/>
+                  <ns1:gd name="connsiteY2" fmla="*/ 8366847 h 8366847"/>
+                  <ns1:gd name="connsiteX3" fmla="*/ 0 w 4855912"/>
+                  <ns1:gd name="connsiteY3" fmla="*/ 8366847 h 8366847"/>
+                  <ns1:gd name="connsiteX4" fmla="*/ 0 w 4855912"/>
+                  <ns1:gd name="connsiteY4" fmla="*/ 8366845 h 8366847"/>
+                  <ns1:gd name="connsiteX5" fmla="*/ 0 w 4855912"/>
+                  <ns1:gd name="connsiteY5" fmla="*/ 16895 h 8366847"/>
+                  <ns1:gd name="connsiteX6" fmla="*/ 4839134 w 4855912"/>
+                  <ns1:gd name="connsiteY6" fmla="*/ 0 h 8366847"/>
+                  <ns1:gd name="connsiteX7" fmla="*/ 4855912 w 4855912"/>
+                  <ns1:gd name="connsiteY7" fmla="*/ 3438713 h 8366847"/>
+                  <ns1:gd name="connsiteX8" fmla="*/ 2427956 w 4855912"/>
+                  <ns1:gd name="connsiteY8" fmla="*/ 2206680 h 8366847"/>
+                  <ns1:gd name="connsiteX9" fmla="*/ 0 w 4855912"/>
+                  <ns1:gd name="connsiteY9" fmla="*/ 3438713 h 8366847"/>
+                  <ns1:gd name="connsiteX10" fmla="*/ 0 w 4855912"/>
+                  <ns1:gd name="connsiteY10" fmla="*/ 16895 h 8366847"/>
+                  <ns1:gd name="connsiteX0" fmla="*/ 0 w 4857526"/>
+                  <ns1:gd name="connsiteY0" fmla="*/ 8349950 h 8349952"/>
+                  <ns1:gd name="connsiteX1" fmla="*/ 4855912 w 4857526"/>
+                  <ns1:gd name="connsiteY1" fmla="*/ 8349950 h 8349952"/>
+                  <ns1:gd name="connsiteX2" fmla="*/ 4855912 w 4857526"/>
+                  <ns1:gd name="connsiteY2" fmla="*/ 8349952 h 8349952"/>
+                  <ns1:gd name="connsiteX3" fmla="*/ 0 w 4857526"/>
+                  <ns1:gd name="connsiteY3" fmla="*/ 8349952 h 8349952"/>
+                  <ns1:gd name="connsiteX4" fmla="*/ 0 w 4857526"/>
+                  <ns1:gd name="connsiteY4" fmla="*/ 8349950 h 8349952"/>
+                  <ns1:gd name="connsiteX5" fmla="*/ 0 w 4857526"/>
+                  <ns1:gd name="connsiteY5" fmla="*/ 0 h 8349952"/>
+                  <ns1:gd name="connsiteX6" fmla="*/ 4855912 w 4857526"/>
+                  <ns1:gd name="connsiteY6" fmla="*/ 0 h 8349952"/>
+                  <ns1:gd name="connsiteX7" fmla="*/ 4855912 w 4857526"/>
+                  <ns1:gd name="connsiteY7" fmla="*/ 3421818 h 8349952"/>
+                  <ns1:gd name="connsiteX8" fmla="*/ 2427956 w 4857526"/>
+                  <ns1:gd name="connsiteY8" fmla="*/ 2189785 h 8349952"/>
+                  <ns1:gd name="connsiteX9" fmla="*/ 0 w 4857526"/>
+                  <ns1:gd name="connsiteY9" fmla="*/ 3421818 h 8349952"/>
+                  <ns1:gd name="connsiteX10" fmla="*/ 0 w 4857526"/>
+                  <ns1:gd name="connsiteY10" fmla="*/ 0 h 8349952"/>
+                </ns1:gdLst>
+                <ns1:ahLst/>
+                <ns1:cxnLst>
+                  <ns1:cxn ang="0">
+                    <ns1:pos x="connsiteX0" y="connsiteY0"/>
+                  </ns1:cxn>
+                  <ns1:cxn ang="0">
+                    <ns1:pos x="connsiteX1" y="connsiteY1"/>
+                  </ns1:cxn>
+                  <ns1:cxn ang="0">
+                    <ns1:pos x="connsiteX2" y="connsiteY2"/>
+                  </ns1:cxn>
+                  <ns1:cxn ang="0">
+                    <ns1:pos x="connsiteX3" y="connsiteY3"/>
+                  </ns1:cxn>
+                  <ns1:cxn ang="0">
+                    <ns1:pos x="connsiteX4" y="connsiteY4"/>
+                  </ns1:cxn>
+                  <ns1:cxn ang="0">
+                    <ns1:pos x="connsiteX5" y="connsiteY5"/>
+                  </ns1:cxn>
+                  <ns1:cxn ang="0">
+                    <ns1:pos x="connsiteX6" y="connsiteY6"/>
+                  </ns1:cxn>
+                  <ns1:cxn ang="0">
+                    <ns1:pos x="connsiteX7" y="connsiteY7"/>
+                  </ns1:cxn>
+                  <ns1:cxn ang="0">
+                    <ns1:pos x="connsiteX8" y="connsiteY8"/>
+                  </ns1:cxn>
+                  <ns1:cxn ang="0">
+                    <ns1:pos x="connsiteX9" y="connsiteY9"/>
+                  </ns1:cxn>
+                  <ns1:cxn ang="0">
+                    <ns1:pos x="connsiteX10" y="connsiteY10"/>
+                  </ns1:cxn>
+                </ns1:cxnLst>
+                <ns1:rect l="l" t="t" r="r" b="b"/>
+                <ns1:pathLst>
+                  <ns1:path w="4857526" h="8349952">
+                    <ns1:moveTo>
+                      <ns1:pt x="0" y="8349950"/>
+                    </ns1:moveTo>
+                    <ns1:lnTo>
+                      <ns1:pt x="4855912" y="8349950"/>
+                    </ns1:lnTo>
+                    <ns1:lnTo>
+                      <ns1:pt x="4855912" y="8349952"/>
+                    </ns1:lnTo>
+                    <ns1:lnTo>
+                      <ns1:pt x="0" y="8349952"/>
+                    </ns1:lnTo>
+                    <ns1:lnTo>
+                      <ns1:pt x="0" y="8349950"/>
+                    </ns1:lnTo>
+                    <ns1:close/>
+                    <ns1:moveTo>
+                      <ns1:pt x="0" y="0"/>
+                    </ns1:moveTo>
+                    <ns1:lnTo>
+                      <ns1:pt x="4855912" y="0"/>
+                    </ns1:lnTo>
+                    <ns1:cubicBezTo>
+                      <ns1:pt x="4861505" y="1146238"/>
+                      <ns1:pt x="4850319" y="2275580"/>
+                      <ns1:pt x="4855912" y="3421818"/>
+                    </ns1:cubicBezTo>
+                    <ns1:lnTo>
+                      <ns1:pt x="2427956" y="2189785"/>
+                    </ns1:lnTo>
+                    <ns1:lnTo>
+                      <ns1:pt x="0" y="3421818"/>
+                    </ns1:lnTo>
+                    <ns1:lnTo>
+                      <ns1:pt x="0" y="0"/>
+                    </ns1:lnTo>
+                    <ns1:close/>
+                  </ns1:path>
+                </ns1:pathLst>
+              </ns1:custGeom>
+              <ns1:solidFill>
+                <ns1:schemeClr val="accent2"/>
+              </ns1:solidFill>
+              <ns1:ln>
+                <ns1:noFill/>
+              </ns1:ln>
+            </ns0:spPr>
+            <ns0:style>
+              <ns1:lnRef idx="2">
+                <ns1:schemeClr val="accent1">
+                  <ns1:shade val="50000"/>
+                </ns1:schemeClr>
+              </ns1:lnRef>
+              <ns1:fillRef idx="1">
+                <ns1:schemeClr val="accent1"/>
+              </ns1:fillRef>
+              <ns1:effectRef idx="0">
+                <ns1:schemeClr val="accent1"/>
+              </ns1:effectRef>
+              <ns1:fontRef idx="minor">
+                <ns1:schemeClr val="lt1"/>
+              </ns1:fontRef>
+            </ns0:style>
+            <ns0:txBody>
+              <ns1:bodyPr rtlCol="0" anchor="ctr"/>
+              <ns1:lstStyle/>
+              <ns1:p>
+                <ns1:pPr algn="ctr"/>
+                <ns1:endParaRPr lang="en-US" sz="900"/>
+              </ns1:p>
+            </ns0:txBody>
+          </ns0:sp>
+          <ns0:sp>
+            <ns0:nvSpPr>
+              <ns0:cNvPr id="50" name="TextBox 49">
+                <ns1:extLst>
+                  <ns1:ext uri="{FF2B5EF4-FFF2-40B4-BE49-F238E27FC236}">
+                    <ns2:creationId id="{7B34D05C-D2DC-8FEC-1A30-2541B1BBDE4B}"/>
+                  </ns1:ext>
+                </ns1:extLst>
+              </ns0:cNvPr>
+              <ns0:cNvSpPr txBox="1"/>
+              <ns0:nvPr/>
+            </ns0:nvSpPr>
+            <ns0:spPr>
+              <ns1:xfrm>
+                <ns1:off x="4986193" y="1590252"/>
+                <ns1:ext cx="1914319" cy="1323439"/>
+              </ns1:xfrm>
+              <ns1:prstGeom prst="rect">
+                <ns1:avLst/>
+              </ns1:prstGeom>
+              <ns1:noFill/>
+            </ns0:spPr>
+            <ns0:txBody>
+              <ns1:bodyPr wrap="square" rtlCol="0" anchor="b" anchorCtr="0">
+                <ns1:spAutoFit/>
+              </ns1:bodyPr>
+              <ns1:lstStyle/>
+              <ns1:p>
+                <ns1:pPr algn="ctr"/>
+                <ns1:endParaRPr lang="en-US" sz="1600" b="1" dirty="0">
+                  <ns1:latin typeface="Montserrat SemiBold" panose="00000700000000000000" pitchFamily="2" charset="0"/>
+                  <ns1:ea typeface="League Spartan" charset="0"/>
+                  <ns1:cs typeface="Poppins" pitchFamily="2" charset="77"/>
+                </ns1:endParaRPr>
+              </ns1:p>
+              <ns1:p>
+                <ns1:pPr algn="ctr"/>
+                <ns1:endParaRPr lang="en-US" sz="1600" b="1" dirty="0">
+                  <ns1:latin typeface="Montserrat SemiBold" panose="00000700000000000000" pitchFamily="2" charset="0"/>
+                  <ns1:ea typeface="League Spartan" charset="0"/>
+                  <ns1:cs typeface="Poppins" pitchFamily="2" charset="77"/>
+                </ns1:endParaRPr>
+              </ns1:p>
+              <ns1:p>
+                <ns1:pPr algn="ctr"/>
+                <ns1:r>
+                  <ns1:rPr lang="en-US" sz="1600" b="1" dirty="0">
+                    <ns1:latin typeface="Montserrat SemiBold" panose="00000700000000000000" pitchFamily="2" charset="0"/>
+                    <ns1:ea typeface="League Spartan" charset="0"/>
+                    <ns1:cs typeface="Poppins" pitchFamily="2" charset="77"/>
+                  </ns1:rPr>
+                  <ns1:t>Debt collection administration processes</ns1:t>
+                </ns1:r>
+              </ns1:p>
+            </ns0:txBody>
+          </ns0:sp>
+          <ns0:sp>
+            <ns0:nvSpPr>
+              <ns0:cNvPr id="51" name="Freeform 1015">
+                <ns1:extLst>
+                  <ns1:ext uri="{FF2B5EF4-FFF2-40B4-BE49-F238E27FC236}">
+                    <ns2:creationId id="{063F48A3-FD39-6FB1-4A70-698D0FF8C694}"/>
+                  </ns1:ext>
+                </ns1:extLst>
+              </ns0:cNvPr>
+              <ns0:cNvSpPr>
+                <ns1:spLocks noChangeAspect="1"/>
+              </ns0:cNvSpPr>
+              <ns0:nvPr/>
+            </ns0:nvSpPr>
+            <ns0:spPr bwMode="auto">
+              <ns1:xfrm>
+                <ns1:off x="5676016" y="1556836"/>
+                <ns1:ext cx="495898" cy="495898"/>
+              </ns1:xfrm>
+              <ns1:custGeom>
+                <ns1:avLst/>
+                <ns1:gdLst>
+                  <ns1:gd name="T0" fmla="*/ 7726423 w 293329"/>
+                  <ns1:gd name="T1" fmla="*/ 9850932 h 293332"/>
+                  <ns1:gd name="T2" fmla="*/ 2935958 w 293329"/>
+                  <ns1:gd name="T3" fmla="*/ 9676341 h 293332"/>
+                  <ns1:gd name="T4" fmla="*/ 8633732 w 293329"/>
+                  <ns1:gd name="T5" fmla="*/ 8887648 h 293332"/>
+                  <ns1:gd name="T6" fmla="*/ 8503163 w 293329"/>
+                  <ns1:gd name="T7" fmla="*/ 10333017 h 293332"/>
+                  <ns1:gd name="T8" fmla="*/ 10187033 w 293329"/>
+                  <ns1:gd name="T9" fmla="*/ 9107071 h 293332"/>
+                  <ns1:gd name="T10" fmla="*/ 10656909 w 293329"/>
+                  <ns1:gd name="T11" fmla="*/ 9507104 h 293332"/>
+                  <ns1:gd name="T12" fmla="*/ 8346597 w 293329"/>
+                  <ns1:gd name="T13" fmla="*/ 10655613 h 293332"/>
+                  <ns1:gd name="T14" fmla="*/ 8398777 w 293329"/>
+                  <ns1:gd name="T15" fmla="*/ 8900613 h 293332"/>
+                  <ns1:gd name="T16" fmla="*/ 456778 w 293329"/>
+                  <ns1:gd name="T17" fmla="*/ 9107071 h 293332"/>
+                  <ns1:gd name="T18" fmla="*/ 2153785 w 293329"/>
+                  <ns1:gd name="T19" fmla="*/ 10333017 h 293332"/>
+                  <ns1:gd name="T20" fmla="*/ 2023134 w 293329"/>
+                  <ns1:gd name="T21" fmla="*/ 8887648 h 293332"/>
+                  <ns1:gd name="T22" fmla="*/ 2466970 w 293329"/>
+                  <ns1:gd name="T23" fmla="*/ 10500789 h 293332"/>
+                  <ns1:gd name="T24" fmla="*/ 0 w 293329"/>
+                  <ns1:gd name="T25" fmla="*/ 10500789 h 293332"/>
+                  <ns1:gd name="T26" fmla="*/ 443780 w 293329"/>
+                  <ns1:gd name="T27" fmla="*/ 8887648 h 293332"/>
+                  <ns1:gd name="T28" fmla="*/ 9388267 w 293329"/>
+                  <ns1:gd name="T29" fmla="*/ 8605304 h 293332"/>
+                  <ns1:gd name="T30" fmla="*/ 1198367 w 293329"/>
+                  <ns1:gd name="T31" fmla="*/ 7874844 h 293332"/>
+                  <ns1:gd name="T32" fmla="*/ 1570072 w 293329"/>
+                  <ns1:gd name="T33" fmla="*/ 8233637 h 293332"/>
+                  <ns1:gd name="T34" fmla="*/ 10080391 w 293329"/>
+                  <ns1:gd name="T35" fmla="*/ 8233637 h 293332"/>
+                  <ns1:gd name="T36" fmla="*/ 9388267 w 293329"/>
+                  <ns1:gd name="T37" fmla="*/ 7554479 h 293332"/>
+                  <ns1:gd name="T38" fmla="*/ 1198367 w 293329"/>
+                  <ns1:gd name="T39" fmla="*/ 8925645 h 293332"/>
+                  <ns1:gd name="T40" fmla="*/ 5130248 w 293329"/>
+                  <ns1:gd name="T41" fmla="*/ 6689459 h 293332"/>
+                  <ns1:gd name="T42" fmla="*/ 6635580 w 293329"/>
+                  <ns1:gd name="T43" fmla="*/ 7022186 h 293332"/>
+                  <ns1:gd name="T44" fmla="*/ 5130248 w 293329"/>
+                  <ns1:gd name="T45" fmla="*/ 6689459 h 293332"/>
+                  <ns1:gd name="T46" fmla="*/ 6792622 w 293329"/>
+                  <ns1:gd name="T47" fmla="*/ 5753460 h 293332"/>
+                  <ns1:gd name="T48" fmla="*/ 4960060 w 293329"/>
+                  <ns1:gd name="T49" fmla="*/ 5753460 h 293332"/>
+                  <ns1:gd name="T50" fmla="*/ 4394049 w 293329"/>
+                  <ns1:gd name="T51" fmla="*/ 8425350 h 293332"/>
+                  <ns1:gd name="T52" fmla="*/ 4394049 w 293329"/>
+                  <ns1:gd name="T53" fmla="*/ 4434924 h 293332"/>
+                  <ns1:gd name="T54" fmla="*/ 3801866 w 293329"/>
+                  <ns1:gd name="T55" fmla="*/ 8425350 h 293332"/>
+                  <ns1:gd name="T56" fmla="*/ 3801866 w 293329"/>
+                  <ns1:gd name="T57" fmla="*/ 4434924 h 293332"/>
+                  <ns1:gd name="T58" fmla="*/ 10173087 w 293329"/>
+                  <ns1:gd name="T59" fmla="*/ 3648251 h 293332"/>
+                  <ns1:gd name="T60" fmla="*/ 9880272 w 293329"/>
+                  <ns1:gd name="T61" fmla="*/ 7355373 h 293332"/>
+                  <ns1:gd name="T62" fmla="*/ 9960128 w 293329"/>
+                  <ns1:gd name="T63" fmla="*/ 3543768 h 293332"/>
+                  <ns1:gd name="T64" fmla="*/ 882485 w 293329"/>
+                  <ns1:gd name="T65" fmla="*/ 7043025 h 293332"/>
+                  <ns1:gd name="T66" fmla="*/ 572838 w 293329"/>
+                  <ns1:gd name="T67" fmla="*/ 7161164 h 293332"/>
+                  <ns1:gd name="T68" fmla="*/ 3801866 w 293329"/>
+                  <ns1:gd name="T69" fmla="*/ 3139719 h 293332"/>
+                  <ns1:gd name="T70" fmla="*/ 6999706 w 293329"/>
+                  <ns1:gd name="T71" fmla="*/ 4120936 h 293332"/>
+                  <ns1:gd name="T72" fmla="*/ 3801866 w 293329"/>
+                  <ns1:gd name="T73" fmla="*/ 2825664 h 293332"/>
+                  <ns1:gd name="T74" fmla="*/ 7486601 w 293329"/>
+                  <ns1:gd name="T75" fmla="*/ 3139719 h 293332"/>
+                  <ns1:gd name="T76" fmla="*/ 7486601 w 293329"/>
+                  <ns1:gd name="T77" fmla="*/ 4120936 h 293332"/>
+                  <ns1:gd name="T78" fmla="*/ 7486601 w 293329"/>
+                  <ns1:gd name="T79" fmla="*/ 8752426 h 293332"/>
+                  <ns1:gd name="T80" fmla="*/ 2999112 w 293329"/>
+                  <ns1:gd name="T81" fmla="*/ 3623786 h 293332"/>
+                  <ns1:gd name="T82" fmla="*/ 8646767 w 293329"/>
+                  <ns1:gd name="T83" fmla="*/ 1554601 h 293332"/>
+                  <ns1:gd name="T84" fmla="*/ 10330586 w 293329"/>
+                  <ns1:gd name="T85" fmla="*/ 2789136 h 293332"/>
+                  <ns1:gd name="T86" fmla="*/ 10213098 w 293329"/>
+                  <ns1:gd name="T87" fmla="*/ 1333651 h 293332"/>
+                  <ns1:gd name="T88" fmla="*/ 10656909 w 293329"/>
+                  <ns1:gd name="T89" fmla="*/ 2945074 h 293332"/>
+                  <ns1:gd name="T90" fmla="*/ 8189923 w 293329"/>
+                  <ns1:gd name="T91" fmla="*/ 2945074 h 293332"/>
+                  <ns1:gd name="T92" fmla="*/ 8633732 w 293329"/>
+                  <ns1:gd name="T93" fmla="*/ 1333651 h 293332"/>
+                  <ns1:gd name="T94" fmla="*/ 313320 w 293329"/>
+                  <ns1:gd name="T95" fmla="*/ 1957394 h 293332"/>
+                  <ns1:gd name="T96" fmla="*/ 2153785 w 293329"/>
+                  <ns1:gd name="T97" fmla="*/ 1957394 h 293332"/>
+                  <ns1:gd name="T98" fmla="*/ 2245154 w 293329"/>
+                  <ns1:gd name="T99" fmla="*/ 1346649 h 293332"/>
+                  <ns1:gd name="T100" fmla="*/ 2310348 w 293329"/>
+                  <ns1:gd name="T101" fmla="*/ 3101058 h 293332"/>
+                  <ns1:gd name="T102" fmla="*/ 0 w 293329"/>
+                  <ns1:gd name="T103" fmla="*/ 1957394 h 293332"/>
+                  <ns1:gd name="T104" fmla="*/ 9388267 w 293329"/>
+                  <ns1:gd name="T105" fmla="*/ 307485 h 293332"/>
+                  <ns1:gd name="T106" fmla="*/ 9759991 w 293329"/>
+                  <ns1:gd name="T107" fmla="*/ 679246 h 293332"/>
+                  <ns1:gd name="T108" fmla="*/ 826690 w 293329"/>
+                  <ns1:gd name="T109" fmla="*/ 679246 h 293332"/>
+                  <ns1:gd name="T110" fmla="*/ 1198367 w 293329"/>
+                  <ns1:gd name="T111" fmla="*/ 307485 h 293332"/>
+                  <ns1:gd name="T112" fmla="*/ 8022361 w 293329"/>
+                  <ns1:gd name="T113" fmla="*/ 1208071 h 293332"/>
+                  <ns1:gd name="T114" fmla="*/ 2720558 w 293329"/>
+                  <ns1:gd name="T115" fmla="*/ 1286932 h 293332"/>
+                  <ns1:gd name="T116" fmla="*/ 5293109 w 293329"/>
+                  <ns1:gd name="T117" fmla="*/ 246183 h 293332"/>
+                  <ns1:gd name="T118" fmla="*/ 9388267 w 293329"/>
+                  <ns1:gd name="T119" fmla="*/ 1371250 h 293332"/>
+                  <ns1:gd name="T120" fmla="*/ 1198367 w 293329"/>
+                  <ns1:gd name="T121" fmla="*/ 0 h 293332"/>
+                  <ns1:gd name="T122" fmla="*/ 519153 w 293329"/>
+                  <ns1:gd name="T123" fmla="*/ 679246 h 293332"/>
+                  <ns1:gd name="T124" fmla="*/ 0 60000 65536"/>
+                  <ns1:gd name="T125" fmla="*/ 0 60000 65536"/>
+                  <ns1:gd name="T126" fmla="*/ 0 60000 65536"/>
+                  <ns1:gd name="T127" fmla="*/ 0 60000 65536"/>
+                  <ns1:gd name="T128" fmla="*/ 0 60000 65536"/>
+                  <ns1:gd name="T129" fmla="*/ 0 60000 65536"/>
+                  <ns1:gd name="T130" fmla="*/ 0 60000 65536"/>
+                  <ns1:gd name="T131" fmla="*/ 0 60000 65536"/>
+                  <ns1:gd name="T132" fmla="*/ 0 60000 65536"/>
+                  <ns1:gd name="T133" fmla="*/ 0 60000 65536"/>
+                  <ns1:gd name="T134" fmla="*/ 0 60000 65536"/>
+                  <ns1:gd name="T135" fmla="*/ 0 60000 65536"/>
+                  <ns1:gd name="T136" fmla="*/ 0 60000 65536"/>
+                  <ns1:gd name="T137" fmla="*/ 0 60000 65536"/>
+                  <ns1:gd name="T138" fmla="*/ 0 60000 65536"/>
+                  <ns1:gd name="T139" fmla="*/ 0 60000 65536"/>
+                  <ns1:gd name="T140" fmla="*/ 0 60000 65536"/>
+                  <ns1:gd name="T141" fmla="*/ 0 60000 65536"/>
+                  <ns1:gd name="T142" fmla="*/ 0 60000 65536"/>
+                  <ns1:gd name="T143" fmla="*/ 0 60000 65536"/>
+                  <ns1:gd name="T144" fmla="*/ 0 60000 65536"/>
+                  <ns1:gd name="T145" fmla="*/ 0 60000 65536"/>
+                  <ns1:gd name="T146" fmla="*/ 0 60000 65536"/>
+                  <ns1:gd name="T147" fmla="*/ 0 60000 65536"/>
+                  <ns1:gd name="T148" fmla="*/ 0 60000 65536"/>
+                  <ns1:gd name="T149" fmla="*/ 0 60000 65536"/>
+                  <ns1:gd name="T150" fmla="*/ 0 60000 65536"/>
+                  <ns1:gd name="T151" fmla="*/ 0 60000 65536"/>
+                  <ns1:gd name="T152" fmla="*/ 0 60000 65536"/>
+                  <ns1:gd name="T153" fmla="*/ 0 60000 65536"/>
+                  <ns1:gd name="T154" fmla="*/ 0 60000 65536"/>
+                  <ns1:gd name="T155" fmla="*/ 0 60000 65536"/>
+                  <ns1:gd name="T156" fmla="*/ 0 60000 65536"/>
+                  <ns1:gd name="T157" fmla="*/ 0 60000 65536"/>
+                  <ns1:gd name="T158" fmla="*/ 0 60000 65536"/>
+                  <ns1:gd name="T159" fmla="*/ 0 60000 65536"/>
+                  <ns1:gd name="T160" fmla="*/ 0 60000 65536"/>
+                  <ns1:gd name="T161" fmla="*/ 0 60000 65536"/>
+                  <ns1:gd name="T162" fmla="*/ 0 60000 65536"/>
+                  <ns1:gd name="T163" fmla="*/ 0 60000 65536"/>
+                  <ns1:gd name="T164" fmla="*/ 0 60000 65536"/>
+                  <ns1:gd name="T165" fmla="*/ 0 60000 65536"/>
+                  <ns1:gd name="T166" fmla="*/ 0 60000 65536"/>
+                  <ns1:gd name="T167" fmla="*/ 0 60000 65536"/>
+                  <ns1:gd name="T168" fmla="*/ 0 60000 65536"/>
+                  <ns1:gd name="T169" fmla="*/ 0 60000 65536"/>
+                  <ns1:gd name="T170" fmla="*/ 0 60000 65536"/>
+                  <ns1:gd name="T171" fmla="*/ 0 60000 65536"/>
+                  <ns1:gd name="T172" fmla="*/ 0 60000 65536"/>
+                  <ns1:gd name="T173" fmla="*/ 0 60000 65536"/>
+                  <ns1:gd name="T174" fmla="*/ 0 60000 65536"/>
+                  <ns1:gd name="T175" fmla="*/ 0 60000 65536"/>
+                  <ns1:gd name="T176" fmla="*/ 0 60000 65536"/>
+                  <ns1:gd name="T177" fmla="*/ 0 60000 65536"/>
+                  <ns1:gd name="T178" fmla="*/ 0 60000 65536"/>
+                  <ns1:gd name="T179" fmla="*/ 0 60000 65536"/>
+                  <ns1:gd name="T180" fmla="*/ 0 60000 65536"/>
+                  <ns1:gd name="T181" fmla="*/ 0 60000 65536"/>
+                  <ns1:gd name="T182" fmla="*/ 0 60000 65536"/>
+                  <ns1:gd name="T183" fmla="*/ 0 60000 65536"/>
+                  <ns1:gd name="T184" fmla="*/ 0 60000 65536"/>
+                  <ns1:gd name="T185" fmla="*/ 0 60000 65536"/>
+                </ns1:gdLst>
+                <ns1:ahLst/>
+                <ns1:cxnLst>
+                  <ns1:cxn ang="T124">
+                    <ns1:pos x="T0" y="T1"/>
+                  </ns1:cxn>
+                  <ns1:cxn ang="T125">
+                    <ns1:pos x="T2" y="T3"/>
+                  </ns1:cxn>
+                  <ns1:cxn ang="T126">
+                    <ns1:pos x="T4" y="T5"/>
+                  </ns1:cxn>
+                  <ns1:cxn ang="T127">
+                    <ns1:pos x="T6" y="T7"/>
+                  </ns1:cxn>
+                  <ns1:cxn ang="T128">
+                    <ns1:pos x="T8" y="T9"/>
+                  </ns1:cxn>
+                  <ns1:cxn ang="T129">
+                    <ns1:pos x="T10" y="T11"/>
+                  </ns1:cxn>
+                  <ns1:cxn ang="T130">
+                    <ns1:pos x="T12" y="T13"/>
+                  </ns1:cxn>
+                  <ns1:cxn ang="T131">
+                    <ns1:pos x="T14" y="T15"/>
+                  </ns1:cxn>
+                  <ns1:cxn ang="T132">
+                    <ns1:pos x="T16" y="T17"/>
+                  </ns1:cxn>
+                  <ns1:cxn ang="T133">
+                    <ns1:pos x="T18" y="T19"/>
+                  </ns1:cxn>
+                  <ns1:cxn ang="T134">
+                    <ns1:pos x="T20" y="T21"/>
+                  </ns1:cxn>
+                  <ns1:cxn ang="T135">
+                    <ns1:pos x="T22" y="T23"/>
+                  </ns1:cxn>
+                  <ns1:cxn ang="T136">
+                    <ns1:pos x="T24" y="T25"/>
+                  </ns1:cxn>
+                  <ns1:cxn ang="T137">
+                    <ns1:pos x="T26" y="T27"/>
+                  </ns1:cxn>
+                  <ns1:cxn ang="T138">
+                    <ns1:pos x="T28" y="T29"/>
+                  </ns1:cxn>
+                  <ns1:cxn ang="T139">
+                    <ns1:pos x="T30" y="T31"/>
+                  </ns1:cxn>
+                  <ns1:cxn ang="T140">
+                    <ns1:pos x="T32" y="T33"/>
+                  </ns1:cxn>
+                  <ns1:cxn ang="T141">
+                    <ns1:pos x="T34" y="T35"/>
+                  </ns1:cxn>
+                  <ns1:cxn ang="T142">
+                    <ns1:pos x="T36" y="T37"/>
+                  </ns1:cxn>
+                  <ns1:cxn ang="T143">
+                    <ns1:pos x="T38" y="T39"/>
+                  </ns1:cxn>
+                  <ns1:cxn ang="T144">
+                    <ns1:pos x="T40" y="T41"/>
+                  </ns1:cxn>
+                  <ns1:cxn ang="T145">
+                    <ns1:pos x="T42" y="T43"/>
+                  </ns1:cxn>
+                  <ns1:cxn ang="T146">
+                    <ns1:pos x="T44" y="T45"/>
+                  </ns1:cxn>
+                  <ns1:cxn ang="T147">
+                    <ns1:pos x="T46" y="T47"/>
+                  </ns1:cxn>
+                  <ns1:cxn ang="T148">
+                    <ns1:pos x="T48" y="T49"/>
+                  </ns1:cxn>
+                  <ns1:cxn ang="T149">
+                    <ns1:pos x="T50" y="T51"/>
+                  </ns1:cxn>
+                  <ns1:cxn ang="T150">
+                    <ns1:pos x="T52" y="T53"/>
+                  </ns1:cxn>
+                  <ns1:cxn ang="T151">
+                    <ns1:pos x="T54" y="T55"/>
+                  </ns1:cxn>
+                  <ns1:cxn ang="T152">
+                    <ns1:pos x="T56" y="T57"/>
+                  </ns1:cxn>
+                  <ns1:cxn ang="T153">
+                    <ns1:pos x="T58" y="T59"/>
+                  </ns1:cxn>
+                  <ns1:cxn ang="T154">
+                    <ns1:pos x="T60" y="T61"/>
+                  </ns1:cxn>
+                  <ns1:cxn ang="T155">
+                    <ns1:pos x="T62" y="T63"/>
+                  </ns1:cxn>
+                  <ns1:cxn ang="T156">
+                    <ns1:pos x="T64" y="T65"/>
+                  </ns1:cxn>
+                  <ns1:cxn ang="T157">
+                    <ns1:pos x="T66" y="T67"/>
+                  </ns1:cxn>
+                  <ns1:cxn ang="T158">
+                    <ns1:pos x="T68" y="T69"/>
+                  </ns1:cxn>
+                  <ns1:cxn ang="T159">
+                    <ns1:pos x="T70" y="T71"/>
+                  </ns1:cxn>
+                  <ns1:cxn ang="T160">
+                    <ns1:pos x="T72" y="T73"/>
+                  </ns1:cxn>
+                  <ns1:cxn ang="T161">
+                    <ns1:pos x="T74" y="T75"/>
+                  </ns1:cxn>
+                  <ns1:cxn ang="T162">
+                    <ns1:pos x="T76" y="T77"/>
+                  </ns1:cxn>
+                  <ns1:cxn ang="T163">
+                    <ns1:pos x="T78" y="T79"/>
+                  </ns1:cxn>
+                  <ns1:cxn ang="T164">
+                    <ns1:pos x="T80" y="T81"/>
+                  </ns1:cxn>
+                  <ns1:cxn ang="T165">
+                    <ns1:pos x="T82" y="T83"/>
+                  </ns1:cxn>
+                  <ns1:cxn ang="T166">
+                    <ns1:pos x="T84" y="T85"/>
+                  </ns1:cxn>
+                  <ns1:cxn ang="T167">
+                    <ns1:pos x="T86" y="T87"/>
+                  </ns1:cxn>
+                  <ns1:cxn ang="T168">
+                    <ns1:pos x="T88" y="T89"/>
+                  </ns1:cxn>
+                  <ns1:cxn ang="T169">
+                    <ns1:pos x="T90" y="T91"/>
+                  </ns1:cxn>
+                  <ns1:cxn ang="T170">
+                    <ns1:pos x="T92" y="T93"/>
+                  </ns1:cxn>
+                  <ns1:cxn ang="T171">
+                    <ns1:pos x="T94" y="T95"/>
+                  </ns1:cxn>
+                  <ns1:cxn ang="T172">
+                    <ns1:pos x="T96" y="T97"/>
+                  </ns1:cxn>
+                  <ns1:cxn ang="T173">
+                    <ns1:pos x="T98" y="T99"/>
+                  </ns1:cxn>
+                  <ns1:cxn ang="T174">
+                    <ns1:pos x="T100" y="T101"/>
+                  </ns1:cxn>
+                  <ns1:cxn ang="T175">
+                    <ns1:pos x="T102" y="T103"/>
+                  </ns1:cxn>
+                  <ns1:cxn ang="T176">
+                    <ns1:pos x="T104" y="T105"/>
+                  </ns1:cxn>
+                  <ns1:cxn ang="T177">
+                    <ns1:pos x="T106" y="T107"/>
+                  </ns1:cxn>
+                  <ns1:cxn ang="T178">
+                    <ns1:pos x="T108" y="T109"/>
+                  </ns1:cxn>
+                  <ns1:cxn ang="T179">
+                    <ns1:pos x="T110" y="T111"/>
+                  </ns1:cxn>
+                  <ns1:cxn ang="T180">
+                    <ns1:pos x="T112" y="T113"/>
+                  </ns1:cxn>
+                  <ns1:cxn ang="T181">
+                    <ns1:pos x="T114" y="T115"/>
+                  </ns1:cxn>
+                  <ns1:cxn ang="T182">
+                    <ns1:pos x="T116" y="T117"/>
+                  </ns1:cxn>
+                  <ns1:cxn ang="T183">
+                    <ns1:pos x="T118" y="T119"/>
+                  </ns1:cxn>
+                  <ns1:cxn ang="T184">
+                    <ns1:pos x="T120" y="T121"/>
+                  </ns1:cxn>
+                  <ns1:cxn ang="T185">
+                    <ns1:pos x="T122" y="T123"/>
+                  </ns1:cxn>
+                </ns1:cxnLst>
+                <ns1:rect l="0" t="0" r="r" b="b"/>
+                <ns1:pathLst>
+                  <ns1:path w="293329" h="293332">
+                    <ns1:moveTo>
+                      <ns1:pt x="208355" y="263416"/>
+                    </ns1:moveTo>
+                    <ns1:cubicBezTo>
+                      <ns1:pt x="210511" y="261937"/>
+                      <ns1:pt x="213385" y="262677"/>
+                      <ns1:pt x="214822" y="264895"/>
+                    </ns1:cubicBezTo>
+                    <ns1:cubicBezTo>
+                      <ns1:pt x="215541" y="267483"/>
+                      <ns1:pt x="214822" y="270071"/>
+                      <ns1:pt x="212667" y="271180"/>
+                    </ns1:cubicBezTo>
+                    <ns1:cubicBezTo>
+                      <ns1:pt x="192188" y="282640"/>
+                      <ns1:pt x="169194" y="288556"/>
+                      <ns1:pt x="146201" y="288556"/>
+                    </ns1:cubicBezTo>
+                    <ns1:cubicBezTo>
+                      <ns1:pt x="124284" y="288556"/>
+                      <ns1:pt x="102728" y="283010"/>
+                      <ns1:pt x="82608" y="272659"/>
+                    </ns1:cubicBezTo>
+                    <ns1:cubicBezTo>
+                      <ns1:pt x="80093" y="271549"/>
+                      <ns1:pt x="79375" y="268592"/>
+                      <ns1:pt x="80812" y="266374"/>
+                    </ns1:cubicBezTo>
+                    <ns1:cubicBezTo>
+                      <ns1:pt x="81530" y="264155"/>
+                      <ns1:pt x="84405" y="263416"/>
+                      <ns1:pt x="86560" y="264525"/>
+                    </ns1:cubicBezTo>
+                    <ns1:cubicBezTo>
+                      <ns1:pt x="125003" y="284859"/>
+                      <ns1:pt x="170631" y="284119"/>
+                      <ns1:pt x="208355" y="263416"/>
+                    </ns1:cubicBezTo>
+                    <ns1:close/>
+                    <ns1:moveTo>
+                      <ns1:pt x="237641" y="244663"/>
+                    </ns1:moveTo>
+                    <ns1:cubicBezTo>
+                      <ns1:pt x="239437" y="246084"/>
+                      <ns1:pt x="239796" y="248926"/>
+                      <ns1:pt x="238000" y="250703"/>
+                    </ns1:cubicBezTo>
+                    <ns1:cubicBezTo>
+                      <ns1:pt x="235485" y="253900"/>
+                      <ns1:pt x="234048" y="257808"/>
+                      <ns1:pt x="234048" y="261715"/>
+                    </ns1:cubicBezTo>
+                    <ns1:lnTo>
+                      <ns1:pt x="234048" y="284451"/>
+                    </ns1:lnTo>
+                    <ns1:lnTo>
+                      <ns1:pt x="284347" y="284451"/>
+                    </ns1:lnTo>
+                    <ns1:lnTo>
+                      <ns1:pt x="284347" y="261715"/>
+                    </ns1:lnTo>
+                    <ns1:cubicBezTo>
+                      <ns1:pt x="284347" y="257808"/>
+                      <ns1:pt x="283269" y="253900"/>
+                      <ns1:pt x="280395" y="250703"/>
+                    </ns1:cubicBezTo>
+                    <ns1:cubicBezTo>
+                      <ns1:pt x="278958" y="248926"/>
+                      <ns1:pt x="278958" y="246084"/>
+                      <ns1:pt x="281113" y="244663"/>
+                    </ns1:cubicBezTo>
+                    <ns1:cubicBezTo>
+                      <ns1:pt x="282910" y="242887"/>
+                      <ns1:pt x="285784" y="243242"/>
+                      <ns1:pt x="287221" y="245019"/>
+                    </ns1:cubicBezTo>
+                    <ns1:cubicBezTo>
+                      <ns1:pt x="291173" y="249992"/>
+                      <ns1:pt x="293329" y="255676"/>
+                      <ns1:pt x="293329" y="261715"/>
+                    </ns1:cubicBezTo>
+                    <ns1:lnTo>
+                      <ns1:pt x="293329" y="289069"/>
+                    </ns1:lnTo>
+                    <ns1:cubicBezTo>
+                      <ns1:pt x="293329" y="291201"/>
+                      <ns1:pt x="291533" y="293332"/>
+                      <ns1:pt x="288658" y="293332"/>
+                    </ns1:cubicBezTo>
+                    <ns1:lnTo>
+                      <ns1:pt x="229737" y="293332"/>
+                    </ns1:lnTo>
+                    <ns1:cubicBezTo>
+                      <ns1:pt x="227222" y="293332"/>
+                      <ns1:pt x="225425" y="291201"/>
+                      <ns1:pt x="225425" y="289069"/>
+                    </ns1:cubicBezTo>
+                    <ns1:lnTo>
+                      <ns1:pt x="225425" y="261715"/>
+                    </ns1:lnTo>
+                    <ns1:cubicBezTo>
+                      <ns1:pt x="225425" y="255676"/>
+                      <ns1:pt x="227222" y="249992"/>
+                      <ns1:pt x="231174" y="245019"/>
+                    </ns1:cubicBezTo>
+                    <ns1:cubicBezTo>
+                      <ns1:pt x="232611" y="243242"/>
+                      <ns1:pt x="235844" y="242887"/>
+                      <ns1:pt x="237641" y="244663"/>
+                    </ns1:cubicBezTo>
+                    <ns1:close/>
+                    <ns1:moveTo>
+                      <ns1:pt x="12215" y="244663"/>
+                    </ns1:moveTo>
+                    <ns1:cubicBezTo>
+                      <ns1:pt x="14012" y="246084"/>
+                      <ns1:pt x="14371" y="248926"/>
+                      <ns1:pt x="12575" y="250703"/>
+                    </ns1:cubicBezTo>
+                    <ns1:cubicBezTo>
+                      <ns1:pt x="10419" y="253900"/>
+                      <ns1:pt x="8622" y="257808"/>
+                      <ns1:pt x="8622" y="261715"/>
+                    </ns1:cubicBezTo>
+                    <ns1:lnTo>
+                      <ns1:pt x="8622" y="284451"/>
+                    </ns1:lnTo>
+                    <ns1:lnTo>
+                      <ns1:pt x="59281" y="284451"/>
+                    </ns1:lnTo>
+                    <ns1:lnTo>
+                      <ns1:pt x="59281" y="261715"/>
+                    </ns1:lnTo>
+                    <ns1:cubicBezTo>
+                      <ns1:pt x="59281" y="257808"/>
+                      <ns1:pt x="57844" y="253900"/>
+                      <ns1:pt x="54969" y="250703"/>
+                    </ns1:cubicBezTo>
+                    <ns1:cubicBezTo>
+                      <ns1:pt x="53532" y="248926"/>
+                      <ns1:pt x="53892" y="246084"/>
+                      <ns1:pt x="55688" y="244663"/>
+                    </ns1:cubicBezTo>
+                    <ns1:cubicBezTo>
+                      <ns1:pt x="57844" y="242887"/>
+                      <ns1:pt x="60359" y="243242"/>
+                      <ns1:pt x="61796" y="245019"/>
+                    </ns1:cubicBezTo>
+                    <ns1:cubicBezTo>
+                      <ns1:pt x="65748" y="249992"/>
+                      <ns1:pt x="67903" y="255676"/>
+                      <ns1:pt x="67903" y="261715"/>
+                    </ns1:cubicBezTo>
+                    <ns1:lnTo>
+                      <ns1:pt x="67903" y="289069"/>
+                    </ns1:lnTo>
+                    <ns1:cubicBezTo>
+                      <ns1:pt x="67903" y="291201"/>
+                      <ns1:pt x="65748" y="293332"/>
+                      <ns1:pt x="63592" y="293332"/>
+                    </ns1:cubicBezTo>
+                    <ns1:lnTo>
+                      <ns1:pt x="4311" y="293332"/>
+                    </ns1:lnTo>
+                    <ns1:cubicBezTo>
+                      <ns1:pt x="1796" y="293332"/>
+                      <ns1:pt x="0" y="291201"/>
+                      <ns1:pt x="0" y="289069"/>
+                    </ns1:cubicBezTo>
+                    <ns1:lnTo>
+                      <ns1:pt x="0" y="261715"/>
+                    </ns1:lnTo>
+                    <ns1:cubicBezTo>
+                      <ns1:pt x="0" y="255676"/>
+                      <ns1:pt x="1796" y="249992"/>
+                      <ns1:pt x="6107" y="245019"/>
+                    </ns1:cubicBezTo>
+                    <ns1:cubicBezTo>
+                      <ns1:pt x="7545" y="243242"/>
+                      <ns1:pt x="10419" y="242887"/>
+                      <ns1:pt x="12215" y="244663"/>
+                    </ns1:cubicBezTo>
+                    <ns1:close/>
+                    <ns1:moveTo>
+                      <ns1:pt x="258410" y="216782"/>
+                    </ns1:moveTo>
+                    <ns1:cubicBezTo>
+                      <ns1:pt x="252766" y="216782"/>
+                      <ns1:pt x="248180" y="221368"/>
+                      <ns1:pt x="248180" y="226659"/>
+                    </ns1:cubicBezTo>
+                    <ns1:cubicBezTo>
+                      <ns1:pt x="248180" y="232304"/>
+                      <ns1:pt x="252766" y="236890"/>
+                      <ns1:pt x="258410" y="236890"/>
+                    </ns1:cubicBezTo>
+                    <ns1:cubicBezTo>
+                      <ns1:pt x="264055" y="236890"/>
+                      <ns1:pt x="268641" y="232304"/>
+                      <ns1:pt x="268641" y="226659"/>
+                    </ns1:cubicBezTo>
+                    <ns1:cubicBezTo>
+                      <ns1:pt x="268641" y="221368"/>
+                      <ns1:pt x="264055" y="216782"/>
+                      <ns1:pt x="258410" y="216782"/>
+                    </ns1:cubicBezTo>
+                    <ns1:close/>
+                    <ns1:moveTo>
+                      <ns1:pt x="32985" y="216782"/>
+                    </ns1:moveTo>
+                    <ns1:cubicBezTo>
+                      <ns1:pt x="27341" y="216782"/>
+                      <ns1:pt x="22754" y="221368"/>
+                      <ns1:pt x="22754" y="226659"/>
+                    </ns1:cubicBezTo>
+                    <ns1:cubicBezTo>
+                      <ns1:pt x="22754" y="232304"/>
+                      <ns1:pt x="27341" y="236890"/>
+                      <ns1:pt x="32985" y="236890"/>
+                    </ns1:cubicBezTo>
+                    <ns1:cubicBezTo>
+                      <ns1:pt x="38629" y="236890"/>
+                      <ns1:pt x="43216" y="232304"/>
+                      <ns1:pt x="43216" y="226659"/>
+                    </ns1:cubicBezTo>
+                    <ns1:cubicBezTo>
+                      <ns1:pt x="43216" y="221368"/>
+                      <ns1:pt x="38629" y="216782"/>
+                      <ns1:pt x="32985" y="216782"/>
+                    </ns1:cubicBezTo>
+                    <ns1:close/>
+                    <ns1:moveTo>
+                      <ns1:pt x="258410" y="207962"/>
+                    </ns1:moveTo>
+                    <ns1:cubicBezTo>
+                      <ns1:pt x="268994" y="207962"/>
+                      <ns1:pt x="277460" y="216429"/>
+                      <ns1:pt x="277460" y="226659"/>
+                    </ns1:cubicBezTo>
+                    <ns1:cubicBezTo>
+                      <ns1:pt x="277460" y="237243"/>
+                      <ns1:pt x="268994" y="245709"/>
+                      <ns1:pt x="258410" y="245709"/>
+                    </ns1:cubicBezTo>
+                    <ns1:cubicBezTo>
+                      <ns1:pt x="248180" y="245709"/>
+                      <ns1:pt x="239713" y="237243"/>
+                      <ns1:pt x="239713" y="226659"/>
+                    </ns1:cubicBezTo>
+                    <ns1:cubicBezTo>
+                      <ns1:pt x="239713" y="216429"/>
+                      <ns1:pt x="248180" y="207962"/>
+                      <ns1:pt x="258410" y="207962"/>
+                    </ns1:cubicBezTo>
+                    <ns1:close/>
+                    <ns1:moveTo>
+                      <ns1:pt x="32985" y="207962"/>
+                    </ns1:moveTo>
+                    <ns1:cubicBezTo>
+                      <ns1:pt x="43568" y="207962"/>
+                      <ns1:pt x="52035" y="216429"/>
+                      <ns1:pt x="52035" y="226659"/>
+                    </ns1:cubicBezTo>
+                    <ns1:cubicBezTo>
+                      <ns1:pt x="52035" y="237243"/>
+                      <ns1:pt x="43568" y="245709"/>
+                      <ns1:pt x="32985" y="245709"/>
+                    </ns1:cubicBezTo>
+                    <ns1:cubicBezTo>
+                      <ns1:pt x="22754" y="245709"/>
+                      <ns1:pt x="14288" y="237243"/>
+                      <ns1:pt x="14288" y="226659"/>
+                    </ns1:cubicBezTo>
+                    <ns1:cubicBezTo>
+                      <ns1:pt x="14288" y="216429"/>
+                      <ns1:pt x="22754" y="207962"/>
+                      <ns1:pt x="32985" y="207962"/>
+                    </ns1:cubicBezTo>
+                    <ns1:close/>
+                    <ns1:moveTo>
+                      <ns1:pt x="141209" y="184150"/>
+                    </ns1:moveTo>
+                    <ns1:lnTo>
+                      <ns1:pt x="182642" y="184150"/>
+                    </ns1:lnTo>
+                    <ns1:cubicBezTo>
+                      <ns1:pt x="185164" y="184150"/>
+                      <ns1:pt x="186965" y="186348"/>
+                      <ns1:pt x="186965" y="188913"/>
+                    </ns1:cubicBezTo>
+                    <ns1:cubicBezTo>
+                      <ns1:pt x="186965" y="191477"/>
+                      <ns1:pt x="185164" y="193309"/>
+                      <ns1:pt x="182642" y="193309"/>
+                    </ns1:cubicBezTo>
+                    <ns1:lnTo>
+                      <ns1:pt x="141209" y="193309"/>
+                    </ns1:lnTo>
+                    <ns1:cubicBezTo>
+                      <ns1:pt x="138687" y="193309"/>
+                      <ns1:pt x="136525" y="191477"/>
+                      <ns1:pt x="136525" y="188913"/>
+                    </ns1:cubicBezTo>
+                    <ns1:cubicBezTo>
+                      <ns1:pt x="136525" y="186348"/>
+                      <ns1:pt x="138687" y="184150"/>
+                      <ns1:pt x="141209" y="184150"/>
+                    </ns1:cubicBezTo>
+                    <ns1:close/>
+                    <ns1:moveTo>
+                      <ns1:pt x="141209" y="153987"/>
+                    </ns1:moveTo>
+                    <ns1:lnTo>
+                      <ns1:pt x="182642" y="153987"/>
+                    </ns1:lnTo>
+                    <ns1:cubicBezTo>
+                      <ns1:pt x="185164" y="153987"/>
+                      <ns1:pt x="186965" y="155818"/>
+                      <ns1:pt x="186965" y="158383"/>
+                    </ns1:cubicBezTo>
+                    <ns1:cubicBezTo>
+                      <ns1:pt x="186965" y="160947"/>
+                      <ns1:pt x="185164" y="163145"/>
+                      <ns1:pt x="182642" y="163145"/>
+                    </ns1:cubicBezTo>
+                    <ns1:lnTo>
+                      <ns1:pt x="141209" y="163145"/>
+                    </ns1:lnTo>
+                    <ns1:cubicBezTo>
+                      <ns1:pt x="138687" y="163145"/>
+                      <ns1:pt x="136525" y="160947"/>
+                      <ns1:pt x="136525" y="158383"/>
+                    </ns1:cubicBezTo>
+                    <ns1:cubicBezTo>
+                      <ns1:pt x="136525" y="155818"/>
+                      <ns1:pt x="138687" y="153987"/>
+                      <ns1:pt x="141209" y="153987"/>
+                    </ns1:cubicBezTo>
+                    <ns1:close/>
+                    <ns1:moveTo>
+                      <ns1:pt x="120945" y="122087"/>
+                    </ns1:moveTo>
+                    <ns1:lnTo>
+                      <ns1:pt x="120945" y="231936"/>
+                    </ns1:lnTo>
+                    <ns1:lnTo>
+                      <ns1:pt x="201721" y="231936"/>
+                    </ns1:lnTo>
+                    <ns1:lnTo>
+                      <ns1:pt x="201721" y="122087"/>
+                    </ns1:lnTo>
+                    <ns1:lnTo>
+                      <ns1:pt x="120945" y="122087"/>
+                    </ns1:lnTo>
+                    <ns1:close/>
+                    <ns1:moveTo>
+                      <ns1:pt x="91243" y="117765"/>
+                    </ns1:moveTo>
+                    <ns1:lnTo>
+                      <ns1:pt x="91243" y="218610"/>
+                    </ns1:lnTo>
+                    <ns1:cubicBezTo>
+                      <ns1:pt x="91243" y="225813"/>
+                      <ns1:pt x="97401" y="231936"/>
+                      <ns1:pt x="104645" y="231936"/>
+                    </ns1:cubicBezTo>
+                    <ns1:lnTo>
+                      <ns1:pt x="112252" y="231936"/>
+                    </ns1:lnTo>
+                    <ns1:lnTo>
+                      <ns1:pt x="112252" y="122087"/>
+                    </ns1:lnTo>
+                    <ns1:lnTo>
+                      <ns1:pt x="104645" y="122087"/>
+                    </ns1:lnTo>
+                    <ns1:cubicBezTo>
+                      <ns1:pt x="99574" y="122087"/>
+                      <ns1:pt x="94865" y="120286"/>
+                      <ns1:pt x="91243" y="117765"/>
+                    </ns1:cubicBezTo>
+                    <ns1:close/>
+                    <ns1:moveTo>
+                      <ns1:pt x="274150" y="97555"/>
+                    </ns1:moveTo>
+                    <ns1:cubicBezTo>
+                      <ns1:pt x="276714" y="96837"/>
+                      <ns1:pt x="279278" y="98274"/>
+                      <ns1:pt x="280011" y="100430"/>
+                    </ns1:cubicBezTo>
+                    <ns1:cubicBezTo>
+                      <ns1:pt x="291734" y="132770"/>
+                      <ns1:pt x="291001" y="168344"/>
+                      <ns1:pt x="277813" y="199966"/>
+                    </ns1:cubicBezTo>
+                    <ns1:cubicBezTo>
+                      <ns1:pt x="277080" y="201763"/>
+                      <ns1:pt x="275249" y="202841"/>
+                      <ns1:pt x="273783" y="202841"/>
+                    </ns1:cubicBezTo>
+                    <ns1:cubicBezTo>
+                      <ns1:pt x="273051" y="202841"/>
+                      <ns1:pt x="272684" y="202841"/>
+                      <ns1:pt x="271952" y="202482"/>
+                    </ns1:cubicBezTo>
+                    <ns1:cubicBezTo>
+                      <ns1:pt x="269387" y="201404"/>
+                      <ns1:pt x="268288" y="198888"/>
+                      <ns1:pt x="269387" y="196732"/>
+                    </ns1:cubicBezTo>
+                    <ns1:cubicBezTo>
+                      <ns1:pt x="281843" y="166907"/>
+                      <ns1:pt x="282209" y="133848"/>
+                      <ns1:pt x="271585" y="103305"/>
+                    </ns1:cubicBezTo>
+                    <ns1:cubicBezTo>
+                      <ns1:pt x="270853" y="101149"/>
+                      <ns1:pt x="271952" y="98633"/>
+                      <ns1:pt x="274150" y="97555"/>
+                    </ns1:cubicBezTo>
+                    <ns1:close/>
+                    <ns1:moveTo>
+                      <ns1:pt x="20584" y="95972"/>
+                    </ns1:moveTo>
+                    <ns1:cubicBezTo>
+                      <ns1:pt x="22807" y="96695"/>
+                      <ns1:pt x="24289" y="99224"/>
+                      <ns1:pt x="23177" y="101753"/>
+                    </ns1:cubicBezTo>
+                    <ns1:cubicBezTo>
+                      <ns1:pt x="12435" y="131379"/>
+                      <ns1:pt x="12806" y="164257"/>
+                      <ns1:pt x="24289" y="193883"/>
+                    </ns1:cubicBezTo>
+                    <ns1:cubicBezTo>
+                      <ns1:pt x="25029" y="196051"/>
+                      <ns1:pt x="23918" y="198580"/>
+                      <ns1:pt x="21696" y="199664"/>
+                    </ns1:cubicBezTo>
+                    <ns1:cubicBezTo>
+                      <ns1:pt x="20955" y="199664"/>
+                      <ns1:pt x="20584" y="199664"/>
+                      <ns1:pt x="19844" y="199664"/>
+                    </ns1:cubicBezTo>
+                    <ns1:cubicBezTo>
+                      <ns1:pt x="17991" y="199664"/>
+                      <ns1:pt x="16510" y="198580"/>
+                      <ns1:pt x="15769" y="197135"/>
+                    </ns1:cubicBezTo>
+                    <ns1:cubicBezTo>
+                      <ns1:pt x="3545" y="165341"/>
+                      <ns1:pt x="3175" y="130656"/>
+                      <ns1:pt x="14658" y="98863"/>
+                    </ns1:cubicBezTo>
+                    <ns1:cubicBezTo>
+                      <ns1:pt x="15399" y="96334"/>
+                      <ns1:pt x="17991" y="95250"/>
+                      <ns1:pt x="20584" y="95972"/>
+                    </ns1:cubicBezTo>
+                    <ns1:close/>
+                    <ns1:moveTo>
+                      <ns1:pt x="104645" y="86431"/>
+                    </ns1:moveTo>
+                    <ns1:cubicBezTo>
+                      <ns1:pt x="97401" y="86431"/>
+                      <ns1:pt x="91243" y="92553"/>
+                      <ns1:pt x="91243" y="99757"/>
+                    </ns1:cubicBezTo>
+                    <ns1:cubicBezTo>
+                      <ns1:pt x="91243" y="107320"/>
+                      <ns1:pt x="97401" y="113443"/>
+                      <ns1:pt x="104645" y="113443"/>
+                    </ns1:cubicBezTo>
+                    <ns1:lnTo>
+                      <ns1:pt x="192665" y="113443"/>
+                    </ns1:lnTo>
+                    <ns1:cubicBezTo>
+                      <ns1:pt x="189405" y="104799"/>
+                      <ns1:pt x="189405" y="95435"/>
+                      <ns1:pt x="192665" y="86431"/>
+                    </ns1:cubicBezTo>
+                    <ns1:lnTo>
+                      <ns1:pt x="104645" y="86431"/>
+                    </ns1:lnTo>
+                    <ns1:close/>
+                    <ns1:moveTo>
+                      <ns1:pt x="104645" y="77787"/>
+                    </ns1:moveTo>
+                    <ns1:lnTo>
+                      <ns1:pt x="206067" y="77787"/>
+                    </ns1:lnTo>
+                    <ns1:cubicBezTo>
+                      <ns1:pt x="208603" y="77787"/>
+                      <ns1:pt x="210776" y="79948"/>
+                      <ns1:pt x="210776" y="82109"/>
+                    </ns1:cubicBezTo>
+                    <ns1:cubicBezTo>
+                      <ns1:pt x="210776" y="84630"/>
+                      <ns1:pt x="208603" y="86431"/>
+                      <ns1:pt x="206067" y="86431"/>
+                    </ns1:cubicBezTo>
+                    <ns1:lnTo>
+                      <ns1:pt x="202807" y="86431"/>
+                    </ns1:lnTo>
+                    <ns1:cubicBezTo>
+                      <ns1:pt x="198098" y="95074"/>
+                      <ns1:pt x="198098" y="104799"/>
+                      <ns1:pt x="202807" y="113443"/>
+                    </ns1:cubicBezTo>
+                    <ns1:lnTo>
+                      <ns1:pt x="206067" y="113443"/>
+                    </ns1:lnTo>
+                    <ns1:cubicBezTo>
+                      <ns1:pt x="208603" y="113443"/>
+                      <ns1:pt x="210776" y="115243"/>
+                      <ns1:pt x="210776" y="117765"/>
+                    </ns1:cubicBezTo>
+                    <ns1:lnTo>
+                      <ns1:pt x="210776" y="236258"/>
+                    </ns1:lnTo>
+                    <ns1:cubicBezTo>
+                      <ns1:pt x="210776" y="238779"/>
+                      <ns1:pt x="208603" y="240940"/>
+                      <ns1:pt x="206067" y="240940"/>
+                    </ns1:cubicBezTo>
+                    <ns1:lnTo>
+                      <ns1:pt x="104645" y="240940"/>
+                    </ns1:lnTo>
+                    <ns1:cubicBezTo>
+                      <ns1:pt x="92330" y="240940"/>
+                      <ns1:pt x="82550" y="230856"/>
+                      <ns1:pt x="82550" y="218610"/>
+                    </ns1:cubicBezTo>
+                    <ns1:lnTo>
+                      <ns1:pt x="82550" y="99757"/>
+                    </ns1:lnTo>
+                    <ns1:cubicBezTo>
+                      <ns1:pt x="82550" y="87511"/>
+                      <ns1:pt x="92330" y="77787"/>
+                      <ns1:pt x="104645" y="77787"/>
+                    </ns1:cubicBezTo>
+                    <ns1:close/>
+                    <ns1:moveTo>
+                      <ns1:pt x="237641" y="36713"/>
+                    </ns1:moveTo>
+                    <ns1:cubicBezTo>
+                      <ns1:pt x="239437" y="37787"/>
+                      <ns1:pt x="239796" y="40649"/>
+                      <ns1:pt x="238000" y="42795"/>
+                    </ns1:cubicBezTo>
+                    <ns1:cubicBezTo>
+                      <ns1:pt x="235485" y="45657"/>
+                      <ns1:pt x="234048" y="49950"/>
+                      <ns1:pt x="234048" y="53885"/>
+                    </ns1:cubicBezTo>
+                    <ns1:lnTo>
+                      <ns1:pt x="234048" y="76781"/>
+                    </ns1:lnTo>
+                    <ns1:lnTo>
+                      <ns1:pt x="284347" y="76781"/>
+                    </ns1:lnTo>
+                    <ns1:lnTo>
+                      <ns1:pt x="284347" y="53885"/>
+                    </ns1:lnTo>
+                    <ns1:cubicBezTo>
+                      <ns1:pt x="284347" y="49950"/>
+                      <ns1:pt x="282910" y="45657"/>
+                      <ns1:pt x="280395" y="42795"/>
+                    </ns1:cubicBezTo>
+                    <ns1:cubicBezTo>
+                      <ns1:pt x="278958" y="40649"/>
+                      <ns1:pt x="278958" y="37787"/>
+                      <ns1:pt x="281113" y="36713"/>
+                    </ns1:cubicBezTo>
+                    <ns1:cubicBezTo>
+                      <ns1:pt x="282910" y="34925"/>
+                      <ns1:pt x="285784" y="35282"/>
+                      <ns1:pt x="287221" y="37071"/>
+                    </ns1:cubicBezTo>
+                    <ns1:cubicBezTo>
+                      <ns1:pt x="291173" y="41722"/>
+                      <ns1:pt x="293329" y="47804"/>
+                      <ns1:pt x="293329" y="53885"/>
+                    </ns1:cubicBezTo>
+                    <ns1:lnTo>
+                      <ns1:pt x="293329" y="81074"/>
+                    </ns1:lnTo>
+                    <ns1:cubicBezTo>
+                      <ns1:pt x="293329" y="83578"/>
+                      <ns1:pt x="291533" y="85367"/>
+                      <ns1:pt x="288658" y="85367"/>
+                    </ns1:cubicBezTo>
+                    <ns1:lnTo>
+                      <ns1:pt x="229737" y="85367"/>
+                    </ns1:lnTo>
+                    <ns1:cubicBezTo>
+                      <ns1:pt x="227222" y="85367"/>
+                      <ns1:pt x="225425" y="83578"/>
+                      <ns1:pt x="225425" y="81074"/>
+                    </ns1:cubicBezTo>
+                    <ns1:lnTo>
+                      <ns1:pt x="225425" y="53885"/>
+                    </ns1:lnTo>
+                    <ns1:cubicBezTo>
+                      <ns1:pt x="225425" y="47804"/>
+                      <ns1:pt x="227222" y="41722"/>
+                      <ns1:pt x="231174" y="37071"/>
+                    </ns1:cubicBezTo>
+                    <ns1:cubicBezTo>
+                      <ns1:pt x="232970" y="35282"/>
+                      <ns1:pt x="235844" y="34925"/>
+                      <ns1:pt x="237641" y="36713"/>
+                    </ns1:cubicBezTo>
+                    <ns1:close/>
+                    <ns1:moveTo>
+                      <ns1:pt x="12215" y="36713"/>
+                    </ns1:moveTo>
+                    <ns1:cubicBezTo>
+                      <ns1:pt x="14012" y="37787"/>
+                      <ns1:pt x="14371" y="40649"/>
+                      <ns1:pt x="12575" y="42795"/>
+                    </ns1:cubicBezTo>
+                    <ns1:cubicBezTo>
+                      <ns1:pt x="10419" y="45657"/>
+                      <ns1:pt x="8622" y="49950"/>
+                      <ns1:pt x="8622" y="53885"/>
+                    </ns1:cubicBezTo>
+                    <ns1:lnTo>
+                      <ns1:pt x="8622" y="76781"/>
+                    </ns1:lnTo>
+                    <ns1:lnTo>
+                      <ns1:pt x="59281" y="76781"/>
+                    </ns1:lnTo>
+                    <ns1:lnTo>
+                      <ns1:pt x="59281" y="53885"/>
+                    </ns1:lnTo>
+                    <ns1:cubicBezTo>
+                      <ns1:pt x="59281" y="49950"/>
+                      <ns1:pt x="57844" y="45657"/>
+                      <ns1:pt x="54969" y="42795"/>
+                    </ns1:cubicBezTo>
+                    <ns1:cubicBezTo>
+                      <ns1:pt x="53532" y="40649"/>
+                      <ns1:pt x="53892" y="37787"/>
+                      <ns1:pt x="55688" y="36713"/>
+                    </ns1:cubicBezTo>
+                    <ns1:cubicBezTo>
+                      <ns1:pt x="57844" y="34925"/>
+                      <ns1:pt x="60359" y="35282"/>
+                      <ns1:pt x="61796" y="37071"/>
+                    </ns1:cubicBezTo>
+                    <ns1:cubicBezTo>
+                      <ns1:pt x="65748" y="41722"/>
+                      <ns1:pt x="67903" y="47804"/>
+                      <ns1:pt x="67903" y="53885"/>
+                    </ns1:cubicBezTo>
+                    <ns1:lnTo>
+                      <ns1:pt x="67903" y="81074"/>
+                    </ns1:lnTo>
+                    <ns1:cubicBezTo>
+                      <ns1:pt x="67903" y="83578"/>
+                      <ns1:pt x="65748" y="85367"/>
+                      <ns1:pt x="63592" y="85367"/>
+                    </ns1:cubicBezTo>
+                    <ns1:lnTo>
+                      <ns1:pt x="4311" y="85367"/>
+                    </ns1:lnTo>
+                    <ns1:cubicBezTo>
+                      <ns1:pt x="1796" y="85367"/>
+                      <ns1:pt x="0" y="83578"/>
+                      <ns1:pt x="0" y="81074"/>
+                    </ns1:cubicBezTo>
+                    <ns1:lnTo>
+                      <ns1:pt x="0" y="53885"/>
+                    </ns1:lnTo>
+                    <ns1:cubicBezTo>
+                      <ns1:pt x="0" y="47804"/>
+                      <ns1:pt x="1796" y="41722"/>
+                      <ns1:pt x="6107" y="37071"/>
+                    </ns1:cubicBezTo>
+                    <ns1:cubicBezTo>
+                      <ns1:pt x="7545" y="35282"/>
+                      <ns1:pt x="10419" y="34925"/>
+                      <ns1:pt x="12215" y="36713"/>
+                    </ns1:cubicBezTo>
+                    <ns1:close/>
+                    <ns1:moveTo>
+                      <ns1:pt x="258410" y="8466"/>
+                    </ns1:moveTo>
+                    <ns1:cubicBezTo>
+                      <ns1:pt x="252766" y="8466"/>
+                      <ns1:pt x="248180" y="13405"/>
+                      <ns1:pt x="248180" y="18697"/>
+                    </ns1:cubicBezTo>
+                    <ns1:cubicBezTo>
+                      <ns1:pt x="248180" y="24341"/>
+                      <ns1:pt x="252766" y="28928"/>
+                      <ns1:pt x="258410" y="28928"/>
+                    </ns1:cubicBezTo>
+                    <ns1:cubicBezTo>
+                      <ns1:pt x="264055" y="28928"/>
+                      <ns1:pt x="268641" y="24341"/>
+                      <ns1:pt x="268641" y="18697"/>
+                    </ns1:cubicBezTo>
+                    <ns1:cubicBezTo>
+                      <ns1:pt x="268641" y="13405"/>
+                      <ns1:pt x="264055" y="8466"/>
+                      <ns1:pt x="258410" y="8466"/>
+                    </ns1:cubicBezTo>
+                    <ns1:close/>
+                    <ns1:moveTo>
+                      <ns1:pt x="32985" y="8466"/>
+                    </ns1:moveTo>
+                    <ns1:cubicBezTo>
+                      <ns1:pt x="27341" y="8466"/>
+                      <ns1:pt x="22754" y="13405"/>
+                      <ns1:pt x="22754" y="18697"/>
+                    </ns1:cubicBezTo>
+                    <ns1:cubicBezTo>
+                      <ns1:pt x="22754" y="24341"/>
+                      <ns1:pt x="27341" y="28928"/>
+                      <ns1:pt x="32985" y="28928"/>
+                    </ns1:cubicBezTo>
+                    <ns1:cubicBezTo>
+                      <ns1:pt x="38629" y="28928"/>
+                      <ns1:pt x="43216" y="24341"/>
+                      <ns1:pt x="43216" y="18697"/>
+                    </ns1:cubicBezTo>
+                    <ns1:cubicBezTo>
+                      <ns1:pt x="43216" y="13405"/>
+                      <ns1:pt x="38629" y="8466"/>
+                      <ns1:pt x="32985" y="8466"/>
+                    </ns1:cubicBezTo>
+                    <ns1:close/>
+                    <ns1:moveTo>
+                      <ns1:pt x="145691" y="6778"/>
+                    </ns1:moveTo>
+                    <ns1:cubicBezTo>
+                      <ns1:pt x="171211" y="6778"/>
+                      <ns1:pt x="196731" y="13556"/>
+                      <ns1:pt x="219015" y="27113"/>
+                    </ns1:cubicBezTo>
+                    <ns1:cubicBezTo>
+                      <ns1:pt x="221531" y="28559"/>
+                      <ns1:pt x="221891" y="31089"/>
+                      <ns1:pt x="220813" y="33258"/>
+                    </ns1:cubicBezTo>
+                    <ns1:cubicBezTo>
+                      <ns1:pt x="219015" y="35427"/>
+                      <ns1:pt x="216499" y="36150"/>
+                      <ns1:pt x="214702" y="34704"/>
+                    </ns1:cubicBezTo>
+                    <ns1:cubicBezTo>
+                      <ns1:pt x="172648" y="9037"/>
+                      <ns1:pt x="118733" y="9037"/>
+                      <ns1:pt x="77038" y="34704"/>
+                    </ns1:cubicBezTo>
+                    <ns1:cubicBezTo>
+                      <ns1:pt x="76320" y="35427"/>
+                      <ns1:pt x="75601" y="35427"/>
+                      <ns1:pt x="74882" y="35427"/>
+                    </ns1:cubicBezTo>
+                    <ns1:cubicBezTo>
+                      <ns1:pt x="73444" y="35427"/>
+                      <ns1:pt x="72006" y="34704"/>
+                      <ns1:pt x="70928" y="33258"/>
+                    </ns1:cubicBezTo>
+                    <ns1:cubicBezTo>
+                      <ns1:pt x="69850" y="31089"/>
+                      <ns1:pt x="70209" y="28559"/>
+                      <ns1:pt x="72366" y="27113"/>
+                    </ns1:cubicBezTo>
+                    <ns1:cubicBezTo>
+                      <ns1:pt x="94651" y="13556"/>
+                      <ns1:pt x="120171" y="6778"/>
+                      <ns1:pt x="145691" y="6778"/>
+                    </ns1:cubicBezTo>
+                    <ns1:close/>
+                    <ns1:moveTo>
+                      <ns1:pt x="258410" y="0"/>
+                    </ns1:moveTo>
+                    <ns1:cubicBezTo>
+                      <ns1:pt x="268994" y="0"/>
+                      <ns1:pt x="277460" y="8466"/>
+                      <ns1:pt x="277460" y="18697"/>
+                    </ns1:cubicBezTo>
+                    <ns1:cubicBezTo>
+                      <ns1:pt x="277460" y="29280"/>
+                      <ns1:pt x="268994" y="37747"/>
+                      <ns1:pt x="258410" y="37747"/>
+                    </ns1:cubicBezTo>
+                    <ns1:cubicBezTo>
+                      <ns1:pt x="248180" y="37747"/>
+                      <ns1:pt x="239713" y="29280"/>
+                      <ns1:pt x="239713" y="18697"/>
+                    </ns1:cubicBezTo>
+                    <ns1:cubicBezTo>
+                      <ns1:pt x="239713" y="8466"/>
+                      <ns1:pt x="248180" y="0"/>
+                      <ns1:pt x="258410" y="0"/>
+                    </ns1:cubicBezTo>
+                    <ns1:close/>
+                    <ns1:moveTo>
+                      <ns1:pt x="32985" y="0"/>
+                    </ns1:moveTo>
+                    <ns1:cubicBezTo>
+                      <ns1:pt x="43568" y="0"/>
+                      <ns1:pt x="52035" y="8466"/>
+                      <ns1:pt x="52035" y="18697"/>
+                    </ns1:cubicBezTo>
+                    <ns1:cubicBezTo>
+                      <ns1:pt x="52035" y="29280"/>
+                      <ns1:pt x="43568" y="37747"/>
+                      <ns1:pt x="32985" y="37747"/>
+                    </ns1:cubicBezTo>
+                    <ns1:cubicBezTo>
+                      <ns1:pt x="22754" y="37747"/>
+                      <ns1:pt x="14288" y="29280"/>
+                      <ns1:pt x="14288" y="18697"/>
+                    </ns1:cubicBezTo>
+                    <ns1:cubicBezTo>
+                      <ns1:pt x="14288" y="8466"/>
+                      <ns1:pt x="22754" y="0"/>
+                      <ns1:pt x="32985" y="0"/>
+                    </ns1:cubicBezTo>
+                    <ns1:close/>
+                  </ns1:path>
+                </ns1:pathLst>
+              </ns1:custGeom>
+              <ns1:solidFill>
+                <ns1:srgbClr val="ED8B00"/>
+              </ns1:solidFill>
+              <ns1:ln>
+                <ns1:noFill/>
+              </ns1:ln>
+            </ns0:spPr>
+            <ns0:txBody>
+              <ns1:bodyPr anchor="ctr"/>
+              <ns1:lstStyle/>
+              <ns1:p>
+                <ns1:endParaRPr lang="en-US" sz="900"/>
+              </ns1:p>
+            </ns0:txBody>
+          </ns0:sp>
+          <ns0:sp>
+            <ns0:nvSpPr>
+              <ns0:cNvPr id="65" name="TextBox 64">
+                <ns1:extLst>
+                  <ns1:ext uri="{FF2B5EF4-FFF2-40B4-BE49-F238E27FC236}">
+                    <ns2:creationId id="{CCDBA8E2-2E49-D3DC-8F70-3EBC50517161}"/>
+                  </ns1:ext>
+                </ns1:extLst>
+              </ns0:cNvPr>
+              <ns0:cNvSpPr txBox="1"/>
+              <ns0:nvPr/>
+            </ns0:nvSpPr>
+            <ns0:spPr>
+              <ns1:xfrm>
+                <ns1:off x="4974332" y="4365181"/>
+                <ns1:ext cx="1914319" cy="675570"/>
+              </ns1:xfrm>
+              <ns1:prstGeom prst="rect">
+                <ns1:avLst/>
+              </ns1:prstGeom>
+              <ns1:noFill/>
+            </ns0:spPr>
+            <ns0:txBody>
+              <ns1:bodyPr wrap="square" rtlCol="0">
+                <ns1:spAutoFit/>
+              </ns1:bodyPr>
+              <ns1:lstStyle/>
+              <ns1:p>
+                <ns1:pPr algn="ctr">
+                  <ns1:lnSpc>
+                    <ns1:spcPct val="107000"/>
+                  </ns1:lnSpc>
+                  <ns1:spcAft>
+                    <ns1:spcPts val="800"/>
+                  </ns1:spcAft>
+                </ns1:pPr>
+                <ns1:r>
+                  <ns1:rPr lang="en-GB" sz="1200" dirty="0">
+                    <ns1:solidFill>
+                      <ns1:schemeClr val="bg1"/>
+                    </ns1:solidFill>
+                    <ns1:latin typeface="Open Sans" panose="020B0606030504020204" pitchFamily="34" charset="0"/>
+                    <ns1:ea typeface="Open Sans" panose="020B0606030504020204" pitchFamily="34" charset="0"/>
+                    <ns1:cs typeface="Open Sans" panose="020B0606030504020204" pitchFamily="34" charset="0"/>
+                  </ns1:rPr>
+                  <ns1:t>Debt collection processes could be costing you</ns1:t>
+                </ns1:r>
+              </ns1:p>
+            </ns0:txBody>
+          </ns0:sp>
+        </ns0:grpSp>
+        <ns0:sp>
+          <ns0:nvSpPr>
+            <ns0:cNvPr id="69" name="TextBox 68">
+              <ns1:extLst>
+                <ns1:ext uri="{FF2B5EF4-FFF2-40B4-BE49-F238E27FC236}">
+                  <ns2:creationId id="{3C634A47-D927-FE8D-6324-130A75E52781}"/>
+                </ns1:ext>
+              </ns1:extLst>
+            </ns0:cNvPr>
+            <ns0:cNvSpPr txBox="1"/>
+            <ns0:nvPr/>
+          </ns0:nvSpPr>
+          <ns0:spPr>
+            <ns1:xfrm>
+              <ns1:off x="7305186" y="5110103"/>
+              <ns1:ext cx="1891272" cy="600164"/>
+            </ns1:xfrm>
+            <ns1:prstGeom prst="rect">
+              <ns1:avLst/>
+            </ns1:prstGeom>
+            <ns1:noFill/>
+          </ns0:spPr>
+          <ns0:txBody>
+            <ns1:bodyPr wrap="square" rtlCol="0">
+              <ns1:spAutoFit/>
+            </ns1:bodyPr>
+            <ns1:lstStyle/>
+            <ns1:p>
+              <ns1:pPr algn="ctr"/>
+              <ns1:r>
+                <ns1:rPr lang="en-GB" sz="2400" dirty="0">
+                  <ns1:solidFill>
+                    <ns1:schemeClr val="accent2"/>
+                  </ns1:solidFill>
+                  <ns1:latin typeface="Open Sans" panose="020B0606030504020204" pitchFamily="34" charset="0"/>
+                  <ns1:ea typeface="Open Sans" panose="020B0606030504020204" pitchFamily="34" charset="0"/>
+                  <ns1:cs typeface="Open Sans" panose="020B0606030504020204" pitchFamily="34" charset="0"/>
+                </ns1:rPr>
+                <ns1:t>£</ns1:t>
+              </ns1:r>
+              <ns1:r>
+                <ns1:rPr lang="tr-TR" sz="2400" dirty="0" err="1">
+                  <ns1:solidFill>
+                    <ns1:schemeClr val="accent2"/>
+                  </ns1:solidFill>
+                  <ns1:latin typeface="Open Sans" panose="020B0606030504020204" pitchFamily="34" charset="0"/>
+                  <ns1:ea typeface="Open Sans" panose="020B0606030504020204" pitchFamily="34" charset="0"/>
+                  <ns1:cs typeface="Open Sans" panose="020B0606030504020204" pitchFamily="34" charset="0"/>
+                </ns1:rPr>
+                <ns1:t>25,153</ns1:t>
+              </ns1:r>
+              <ns1:r>
+                <ns1:rPr lang="en-GB" sz="2400" dirty="0">
+                  <ns1:solidFill>
+                    <ns1:schemeClr val="accent2"/>
+                  </ns1:solidFill>
+                  <ns1:latin typeface="Open Sans" panose="020B0606030504020204" pitchFamily="34" charset="0"/>
+                  <ns1:ea typeface="Open Sans" panose="020B0606030504020204" pitchFamily="34" charset="0"/>
+                  <ns1:cs typeface="Open Sans" panose="020B0606030504020204" pitchFamily="34" charset="0"/>
+                </ns1:rPr>
+                <ns1:t> </ns1:t>
+              </ns1:r>
+              <ns1:r>
+                <ns1:rPr lang="en-GB" sz="900" dirty="0">
+                  <ns1:solidFill>
+                    <ns1:schemeClr val="accent2"/>
+                  </ns1:solidFill>
+                  <ns1:latin typeface="Open Sans" panose="020B0606030504020204" pitchFamily="34" charset="0"/>
+                  <ns1:ea typeface="Open Sans" panose="020B0606030504020204" pitchFamily="34" charset="0"/>
+                  <ns1:cs typeface="Open Sans" panose="020B0606030504020204" pitchFamily="34" charset="0"/>
+                </ns1:rPr>
+                <ns1:t>annually</ns1:t>
+              </ns1:r>
+            </ns1:p>
+          </ns0:txBody>
+        </ns0:sp>
+      </ns0:grpSp>
       <ns0:sp>
         <ns0:nvSpPr>
           <ns0:cNvPr id="71" name="Rectangle 70">
@@ -43571,146 +43486,142 @@
           </ns1:p>
         </ns0:txBody>
       </ns0:sp>
-      <ns0:sp>
-        <ns0:nvSpPr>
-          <ns0:cNvPr id="7" name="Rectangle: Rounded Corners 9">
+      <ns0:grpSp>
+        <ns0:nvGrpSpPr>
+          <ns0:cNvPr id="4" name="Grup 3">
             <ns1:extLst>
               <ns1:ext uri="{FF2B5EF4-FFF2-40B4-BE49-F238E27FC236}">
-                <ns2:creationId id="{01805B4A-2C0D-368E-E75D-FC2CDC15A66B}"/>
+                <ns2:creationId id="{82A8FF3A-1109-D02E-6337-7F8C3FD38D82}"/>
               </ns1:ext>
             </ns1:extLst>
           </ns0:cNvPr>
-          <ns0:cNvSpPr/>
+          <ns0:cNvGrpSpPr/>
           <ns0:nvPr/>
-        </ns0:nvSpPr>
-        <ns0:spPr>
+        </ns0:nvGrpSpPr>
+        <ns0:grpSpPr>
           <ns1:xfrm>
-            <ns1:off x="736837" y="4997659"/>
-            <ns1:ext cx="1930036" cy="548993"/>
+            <ns1:off x="2516400" y="1508400"/>
+            <ns1:ext cx="2094684" cy="4130066"/>
+            <ns1:chOff x="2932830" y="1573844"/>
+            <ns1:chExt cx="2094684" cy="4130066"/>
           </ns1:xfrm>
-          <ns1:prstGeom prst="roundRect">
-            <ns1:avLst/>
-          </ns1:prstGeom>
-          <ns1:solidFill>
-            <ns1:schemeClr val="accent2">
-              <ns1:alpha val="26000"/>
-            </ns1:schemeClr>
-          </ns1:solidFill>
-          <ns1:ln>
+        </ns0:grpSpPr>
+        <ns0:sp>
+          <ns0:nvSpPr>
+            <ns0:cNvPr id="7" name="Rectangle: Rounded Corners 9">
+              <ns1:extLst>
+                <ns1:ext uri="{FF2B5EF4-FFF2-40B4-BE49-F238E27FC236}">
+                  <ns2:creationId id="{01805B4A-2C0D-368E-E75D-FC2CDC15A66B}"/>
+                </ns1:ext>
+              </ns1:extLst>
+            </ns0:cNvPr>
+            <ns0:cNvSpPr/>
+            <ns0:nvPr/>
+          </ns0:nvSpPr>
+          <ns0:spPr>
+            <ns1:xfrm>
+              <ns1:off x="3034163" y="5014667"/>
+              <ns1:ext cx="1930036" cy="548993"/>
+            </ns1:xfrm>
+            <ns1:prstGeom prst="roundRect">
+              <ns1:avLst/>
+            </ns1:prstGeom>
             <ns1:solidFill>
+              <ns1:schemeClr val="accent2">
+                <ns1:alpha val="26000"/>
+              </ns1:schemeClr>
+            </ns1:solidFill>
+            <ns1:ln>
+              <ns1:solidFill>
+                <ns1:schemeClr val="accent1"/>
+              </ns1:solidFill>
+            </ns1:ln>
+          </ns0:spPr>
+          <ns0:style>
+            <ns1:lnRef idx="2">
+              <ns1:schemeClr val="accent1">
+                <ns1:shade val="50000"/>
+              </ns1:schemeClr>
+            </ns1:lnRef>
+            <ns1:fillRef idx="1">
               <ns1:schemeClr val="accent1"/>
+            </ns1:fillRef>
+            <ns1:effectRef idx="0">
+              <ns1:schemeClr val="accent1"/>
+            </ns1:effectRef>
+            <ns1:fontRef idx="minor">
+              <ns1:schemeClr val="lt1"/>
+            </ns1:fontRef>
+          </ns0:style>
+          <ns0:txBody>
+            <ns1:bodyPr rtlCol="0" anchor="ctr"/>
+            <ns1:lstStyle/>
+            <ns1:p>
+              <ns1:pPr algn="ctr"/>
+              <ns1:endParaRPr lang="en-GB"/>
+            </ns1:p>
+          </ns0:txBody>
+        </ns0:sp>
+        <ns0:sp>
+          <ns0:nvSpPr>
+            <ns0:cNvPr id="8" name="Off-page Connector 9">
+              <ns1:extLst>
+                <ns1:ext uri="{FF2B5EF4-FFF2-40B4-BE49-F238E27FC236}">
+                  <ns2:creationId id="{CF4D6202-C07E-1976-8619-E66844709A39}"/>
+                </ns1:ext>
+              </ns1:extLst>
+            </ns0:cNvPr>
+            <ns0:cNvSpPr/>
+            <ns0:nvPr/>
+          </ns0:nvSpPr>
+          <ns0:spPr>
+            <ns1:xfrm>
+              <ns1:off x="3017411" y="1895698"/>
+              <ns1:ext cx="1930036" cy="2544658"/>
+            </ns1:xfrm>
+            <ns1:prstGeom prst="roundRect">
+              <ns1:avLst/>
+            </ns1:prstGeom>
+            <ns1:solidFill>
+              <ns1:schemeClr val="accent4">
+                <ns1:alpha val="10000"/>
+              </ns1:schemeClr>
             </ns1:solidFill>
-          </ns1:ln>
-        </ns0:spPr>
-        <ns0:style>
-          <ns1:lnRef idx="2">
-            <ns1:schemeClr val="accent1">
-              <ns1:shade val="50000"/>
-            </ns1:schemeClr>
-          </ns1:lnRef>
-          <ns1:fillRef idx="1">
-            <ns1:schemeClr val="accent1"/>
-          </ns1:fillRef>
-          <ns1:effectRef idx="0">
-            <ns1:schemeClr val="accent1"/>
-          </ns1:effectRef>
-          <ns1:fontRef idx="minor">
-            <ns1:schemeClr val="lt1"/>
-          </ns1:fontRef>
-        </ns0:style>
-        <ns0:txBody>
-          <ns1:bodyPr rtlCol="0" anchor="ctr"/>
-          <ns1:lstStyle/>
-          <ns1:p>
-            <ns1:pPr algn="ctr"/>
-            <ns1:endParaRPr lang="en-GB"/>
-          </ns1:p>
-        </ns0:txBody>
-      </ns0:sp>
-      <ns0:sp>
-        <ns0:nvSpPr>
-          <ns0:cNvPr id="8" name="Off-page Connector 9">
-            <ns1:extLst>
-              <ns1:ext uri="{FF2B5EF4-FFF2-40B4-BE49-F238E27FC236}">
-                <ns2:creationId id="{CF4D6202-C07E-1976-8619-E66844709A39}"/>
-              </ns1:ext>
-            </ns1:extLst>
-          </ns0:cNvPr>
-          <ns0:cNvSpPr/>
-          <ns0:nvPr/>
-        </ns0:nvSpPr>
-        <ns0:spPr>
-          <ns1:xfrm>
-            <ns1:off x="720085" y="1878690"/>
-            <ns1:ext cx="1930036" cy="2544658"/>
-          </ns1:xfrm>
-          <ns1:prstGeom prst="roundRect">
-            <ns1:avLst/>
-          </ns1:prstGeom>
-          <ns1:solidFill>
-            <ns1:schemeClr val="accent4">
-              <ns1:alpha val="10000"/>
-            </ns1:schemeClr>
-          </ns1:solidFill>
-          <ns1:ln>
-            <ns1:noFill/>
-          </ns1:ln>
-        </ns0:spPr>
-        <ns0:style>
-          <ns1:lnRef idx="2">
-            <ns1:schemeClr val="accent1">
-              <ns1:shade val="50000"/>
-            </ns1:schemeClr>
-          </ns1:lnRef>
-          <ns1:fillRef idx="1">
-            <ns1:schemeClr val="accent1"/>
-          </ns1:fillRef>
-          <ns1:effectRef idx="0">
-            <ns1:schemeClr val="accent1"/>
-          </ns1:effectRef>
-          <ns1:fontRef idx="minor">
-            <ns1:schemeClr val="lt1"/>
-          </ns1:fontRef>
-        </ns0:style>
-        <ns0:txBody>
-          <ns1:bodyPr rtlCol="0" anchor="ctr"/>
-          <ns1:lstStyle/>
-          <ns1:p>
-            <ns1:pPr marL="171450" indent="-171450" algn="ctr">
-              <ns1:lnSpc>
-                <ns1:spcPct val="107000"/>
-              </ns1:lnSpc>
-              <ns1:spcAft>
-                <ns1:spcPts val="800"/>
-              </ns1:spcAft>
-              <ns1:buFont typeface="Wingdings" panose="05000000000000000000" pitchFamily="2" charset="2"/>
-              <ns1:buChar char="ü"/>
-            </ns1:pPr>
-            <ns1:endParaRPr lang="en-GB" sz="900" dirty="0">
-              <ns1:solidFill>
-                <ns1:schemeClr val="tx1">
-                  <ns1:lumMod val="75000"/>
-                  <ns1:lumOff val="25000"/>
-                </ns1:schemeClr>
-              </ns1:solidFill>
-              <ns1:latin typeface="Open Sans" panose="020B0606030504020204" pitchFamily="34" charset="0"/>
-              <ns1:ea typeface="Open Sans" panose="020B0606030504020204" pitchFamily="34" charset="0"/>
-              <ns1:cs typeface="Open Sans" panose="020B0606030504020204" pitchFamily="34" charset="0"/>
-            </ns1:endParaRPr>
-          </ns1:p>
-          <ns1:p>
-            <ns1:pPr marL="171450" indent="-171450" algn="ctr">
-              <ns1:lnSpc>
-                <ns1:spcPct val="107000"/>
-              </ns1:lnSpc>
-              <ns1:spcAft>
-                <ns1:spcPts val="800"/>
-              </ns1:spcAft>
-              <ns1:buFont typeface="Wingdings" panose="05000000000000000000" pitchFamily="2" charset="2"/>
-              <ns1:buChar char="ü"/>
-            </ns1:pPr>
-            <ns1:r>
-              <ns1:rPr lang="en-GB" sz="900" dirty="0">
+            <ns1:ln>
+              <ns1:noFill/>
+            </ns1:ln>
+          </ns0:spPr>
+          <ns0:style>
+            <ns1:lnRef idx="2">
+              <ns1:schemeClr val="accent1">
+                <ns1:shade val="50000"/>
+              </ns1:schemeClr>
+            </ns1:lnRef>
+            <ns1:fillRef idx="1">
+              <ns1:schemeClr val="accent1"/>
+            </ns1:fillRef>
+            <ns1:effectRef idx="0">
+              <ns1:schemeClr val="accent1"/>
+            </ns1:effectRef>
+            <ns1:fontRef idx="minor">
+              <ns1:schemeClr val="lt1"/>
+            </ns1:fontRef>
+          </ns0:style>
+          <ns0:txBody>
+            <ns1:bodyPr rtlCol="0" anchor="ctr"/>
+            <ns1:lstStyle/>
+            <ns1:p>
+              <ns1:pPr marL="171450" indent="-171450" algn="ctr">
+                <ns1:lnSpc>
+                  <ns1:spcPct val="107000"/>
+                </ns1:lnSpc>
+                <ns1:spcAft>
+                  <ns1:spcPts val="800"/>
+                </ns1:spcAft>
+                <ns1:buFont typeface="Wingdings" panose="05000000000000000000" pitchFamily="2" charset="2"/>
+                <ns1:buChar char="ü"/>
+              </ns1:pPr>
+              <ns1:endParaRPr lang="en-GB" sz="900" dirty="0">
                 <ns1:solidFill>
                   <ns1:schemeClr val="tx1">
                     <ns1:lumMod val="75000"/>
@@ -43720,1669 +43631,1694 @@
                 <ns1:latin typeface="Open Sans" panose="020B0606030504020204" pitchFamily="34" charset="0"/>
                 <ns1:ea typeface="Open Sans" panose="020B0606030504020204" pitchFamily="34" charset="0"/>
                 <ns1:cs typeface="Open Sans" panose="020B0606030504020204" pitchFamily="34" charset="0"/>
-              </ns1:rPr>
-              <ns1:t>Limited self-service capabilities</ns1:t>
-            </ns1:r>
-          </ns1:p>
-          <ns1:p>
-            <ns1:pPr marL="171450" indent="-171450" algn="ctr">
-              <ns1:lnSpc>
-                <ns1:spcPct val="107000"/>
-              </ns1:lnSpc>
-              <ns1:spcAft>
-                <ns1:spcPts val="800"/>
-              </ns1:spcAft>
-              <ns1:buFont typeface="Wingdings" panose="05000000000000000000" pitchFamily="2" charset="2"/>
-              <ns1:buChar char="ü"/>
-            </ns1:pPr>
-            <ns1:r>
-              <ns1:rPr lang="en-GB" sz="900" dirty="0">
-                <ns1:solidFill>
-                  <ns1:schemeClr val="tx1">
-                    <ns1:lumMod val="75000"/>
-                    <ns1:lumOff val="25000"/>
-                  </ns1:schemeClr>
-                </ns1:solidFill>
-                <ns1:latin typeface="Open Sans" panose="020B0606030504020204" pitchFamily="34" charset="0"/>
-                <ns1:ea typeface="Open Sans" panose="020B0606030504020204" pitchFamily="34" charset="0"/>
-                <ns1:cs typeface="Open Sans" panose="020B0606030504020204" pitchFamily="34" charset="0"/>
-              </ns1:rPr>
-              <ns1:t>Lack of automation</ns1:t>
-            </ns1:r>
-          </ns1:p>
-        </ns0:txBody>
-      </ns0:sp>
-      <ns0:sp>
-        <ns0:nvSpPr>
-          <ns0:cNvPr id="17" name="TextBox 11">
-            <ns1:extLst>
-              <ns1:ext uri="{FF2B5EF4-FFF2-40B4-BE49-F238E27FC236}">
-                <ns2:creationId id="{7A466DEC-9423-B95B-0DAB-B91A852EC795}"/>
-              </ns1:ext>
-            </ns1:extLst>
-          </ns0:cNvPr>
-          <ns0:cNvSpPr txBox="1"/>
-          <ns0:nvPr/>
-        </ns0:nvSpPr>
-        <ns0:spPr>
-          <ns1:xfrm>
-            <ns1:off x="635504" y="2078393"/>
-            <ns1:ext cx="2094684" cy="830997"/>
-          </ns1:xfrm>
-          <ns1:prstGeom prst="rect">
-            <ns1:avLst/>
-          </ns1:prstGeom>
-          <ns1:noFill/>
-        </ns0:spPr>
-        <ns0:txBody>
-          <ns1:bodyPr wrap="square" rtlCol="0" anchor="b" anchorCtr="0">
-            <ns1:spAutoFit/>
-          </ns1:bodyPr>
-          <ns1:lstStyle/>
-          <ns1:p>
-            <ns1:pPr algn="ctr"/>
-            <ns1:r>
-              <ns1:rPr lang="en-GB" sz="1600" b="1" dirty="0">
+              </ns1:endParaRPr>
+            </ns1:p>
+            <ns1:p>
+              <ns1:pPr marL="171450" indent="-171450" algn="ctr">
+                <ns1:lnSpc>
+                  <ns1:spcPct val="107000"/>
+                </ns1:lnSpc>
+                <ns1:spcAft>
+                  <ns1:spcPts val="800"/>
+                </ns1:spcAft>
+                <ns1:buFont typeface="Wingdings" panose="05000000000000000000" pitchFamily="2" charset="2"/>
+                <ns1:buChar char="ü"/>
+              </ns1:pPr>
+              <ns1:r>
+                <ns1:rPr lang="en-GB" sz="900" dirty="0">
+                  <ns1:solidFill>
+                    <ns1:schemeClr val="tx1">
+                      <ns1:lumMod val="75000"/>
+                      <ns1:lumOff val="25000"/>
+                    </ns1:schemeClr>
+                  </ns1:solidFill>
+                  <ns1:latin typeface="Open Sans" panose="020B0606030504020204" pitchFamily="34" charset="0"/>
+                  <ns1:ea typeface="Open Sans" panose="020B0606030504020204" pitchFamily="34" charset="0"/>
+                  <ns1:cs typeface="Open Sans" panose="020B0606030504020204" pitchFamily="34" charset="0"/>
+                </ns1:rPr>
+                <ns1:t>Limited self-service capabilities</ns1:t>
+              </ns1:r>
+            </ns1:p>
+            <ns1:p>
+              <ns1:pPr marL="171450" indent="-171450" algn="ctr">
+                <ns1:lnSpc>
+                  <ns1:spcPct val="107000"/>
+                </ns1:lnSpc>
+                <ns1:spcAft>
+                  <ns1:spcPts val="800"/>
+                </ns1:spcAft>
+                <ns1:buFont typeface="Wingdings" panose="05000000000000000000" pitchFamily="2" charset="2"/>
+                <ns1:buChar char="ü"/>
+              </ns1:pPr>
+              <ns1:r>
+                <ns1:rPr lang="en-GB" sz="900" dirty="0">
+                  <ns1:solidFill>
+                    <ns1:schemeClr val="tx1">
+                      <ns1:lumMod val="75000"/>
+                      <ns1:lumOff val="25000"/>
+                    </ns1:schemeClr>
+                  </ns1:solidFill>
+                  <ns1:latin typeface="Open Sans" panose="020B0606030504020204" pitchFamily="34" charset="0"/>
+                  <ns1:ea typeface="Open Sans" panose="020B0606030504020204" pitchFamily="34" charset="0"/>
+                  <ns1:cs typeface="Open Sans" panose="020B0606030504020204" pitchFamily="34" charset="0"/>
+                </ns1:rPr>
+                <ns1:t>Lack of automation</ns1:t>
+              </ns1:r>
+            </ns1:p>
+          </ns0:txBody>
+        </ns0:sp>
+        <ns0:sp>
+          <ns0:nvSpPr>
+            <ns0:cNvPr id="17" name="TextBox 11">
+              <ns1:extLst>
+                <ns1:ext uri="{FF2B5EF4-FFF2-40B4-BE49-F238E27FC236}">
+                  <ns2:creationId id="{7A466DEC-9423-B95B-0DAB-B91A852EC795}"/>
+                </ns1:ext>
+              </ns1:extLst>
+            </ns0:cNvPr>
+            <ns0:cNvSpPr txBox="1"/>
+            <ns0:nvPr/>
+          </ns0:nvSpPr>
+          <ns0:spPr>
+            <ns1:xfrm>
+              <ns1:off x="2932830" y="2095401"/>
+              <ns1:ext cx="2094684" cy="830997"/>
+            </ns1:xfrm>
+            <ns1:prstGeom prst="rect">
+              <ns1:avLst/>
+            </ns1:prstGeom>
+            <ns1:noFill/>
+          </ns0:spPr>
+          <ns0:txBody>
+            <ns1:bodyPr wrap="square" rtlCol="0" anchor="b" anchorCtr="0">
+              <ns1:spAutoFit/>
+            </ns1:bodyPr>
+            <ns1:lstStyle/>
+            <ns1:p>
+              <ns1:pPr algn="ctr"/>
+              <ns1:r>
+                <ns1:rPr lang="en-GB" sz="1600" b="1" dirty="0">
+                  <ns1:latin typeface="Montserrat SemiBold" panose="00000700000000000000" pitchFamily="2" charset="0"/>
+                  <ns1:ea typeface="League Spartan" charset="0"/>
+                  <ns1:cs typeface="Poppins" pitchFamily="2" charset="77"/>
+                </ns1:rPr>
+                <ns1:t>Management of supplier and purchase invoices</ns1:t>
+              </ns1:r>
+              <ns1:endParaRPr lang="en-US" sz="1600" b="1" dirty="0">
                 <ns1:latin typeface="Montserrat SemiBold" panose="00000700000000000000" pitchFamily="2" charset="0"/>
                 <ns1:ea typeface="League Spartan" charset="0"/>
                 <ns1:cs typeface="Poppins" pitchFamily="2" charset="77"/>
-              </ns1:rPr>
-              <ns1:t>Management of supplier and purchase invoices</ns1:t>
-            </ns1:r>
-            <ns1:endParaRPr lang="en-US" sz="1600" b="1" dirty="0">
-              <ns1:latin typeface="Montserrat SemiBold" panose="00000700000000000000" pitchFamily="2" charset="0"/>
-              <ns1:ea typeface="League Spartan" charset="0"/>
-              <ns1:cs typeface="Poppins" pitchFamily="2" charset="77"/>
-            </ns1:endParaRPr>
-          </ns1:p>
-        </ns0:txBody>
-      </ns0:sp>
-      <ns0:sp>
-        <ns0:nvSpPr>
-          <ns0:cNvPr id="18" name="Freeform 1015">
-            <ns1:extLst>
-              <ns1:ext uri="{FF2B5EF4-FFF2-40B4-BE49-F238E27FC236}">
-                <ns2:creationId id="{2DFBB6BE-A3C1-C95A-4287-54102AC9E823}"/>
-              </ns1:ext>
-            </ns1:extLst>
-          </ns0:cNvPr>
-          <ns0:cNvSpPr>
-            <ns1:spLocks noChangeAspect="1"/>
-          </ns0:cNvSpPr>
-          <ns0:nvPr/>
-        </ns0:nvSpPr>
-        <ns0:spPr bwMode="auto">
-          <ns1:xfrm>
-            <ns1:off x="1428637" y="1556836"/>
-            <ns1:ext cx="495898" cy="495898"/>
-          </ns1:xfrm>
-          <ns1:custGeom>
-            <ns1:avLst/>
-            <ns1:gdLst>
-              <ns1:gd name="T0" fmla="*/ 7726423 w 293329"/>
-              <ns1:gd name="T1" fmla="*/ 9850932 h 293332"/>
-              <ns1:gd name="T2" fmla="*/ 2935958 w 293329"/>
-              <ns1:gd name="T3" fmla="*/ 9676341 h 293332"/>
-              <ns1:gd name="T4" fmla="*/ 8633732 w 293329"/>
-              <ns1:gd name="T5" fmla="*/ 8887648 h 293332"/>
-              <ns1:gd name="T6" fmla="*/ 8503163 w 293329"/>
-              <ns1:gd name="T7" fmla="*/ 10333017 h 293332"/>
-              <ns1:gd name="T8" fmla="*/ 10187033 w 293329"/>
-              <ns1:gd name="T9" fmla="*/ 9107071 h 293332"/>
-              <ns1:gd name="T10" fmla="*/ 10656909 w 293329"/>
-              <ns1:gd name="T11" fmla="*/ 9507104 h 293332"/>
-              <ns1:gd name="T12" fmla="*/ 8346597 w 293329"/>
-              <ns1:gd name="T13" fmla="*/ 10655613 h 293332"/>
-              <ns1:gd name="T14" fmla="*/ 8398777 w 293329"/>
-              <ns1:gd name="T15" fmla="*/ 8900613 h 293332"/>
-              <ns1:gd name="T16" fmla="*/ 456778 w 293329"/>
-              <ns1:gd name="T17" fmla="*/ 9107071 h 293332"/>
-              <ns1:gd name="T18" fmla="*/ 2153785 w 293329"/>
-              <ns1:gd name="T19" fmla="*/ 10333017 h 293332"/>
-              <ns1:gd name="T20" fmla="*/ 2023134 w 293329"/>
-              <ns1:gd name="T21" fmla="*/ 8887648 h 293332"/>
-              <ns1:gd name="T22" fmla="*/ 2466970 w 293329"/>
-              <ns1:gd name="T23" fmla="*/ 10500789 h 293332"/>
-              <ns1:gd name="T24" fmla="*/ 0 w 293329"/>
-              <ns1:gd name="T25" fmla="*/ 10500789 h 293332"/>
-              <ns1:gd name="T26" fmla="*/ 443780 w 293329"/>
-              <ns1:gd name="T27" fmla="*/ 8887648 h 293332"/>
-              <ns1:gd name="T28" fmla="*/ 9388267 w 293329"/>
-              <ns1:gd name="T29" fmla="*/ 8605304 h 293332"/>
-              <ns1:gd name="T30" fmla="*/ 1198367 w 293329"/>
-              <ns1:gd name="T31" fmla="*/ 7874844 h 293332"/>
-              <ns1:gd name="T32" fmla="*/ 1570072 w 293329"/>
-              <ns1:gd name="T33" fmla="*/ 8233637 h 293332"/>
-              <ns1:gd name="T34" fmla="*/ 10080391 w 293329"/>
-              <ns1:gd name="T35" fmla="*/ 8233637 h 293332"/>
-              <ns1:gd name="T36" fmla="*/ 9388267 w 293329"/>
-              <ns1:gd name="T37" fmla="*/ 7554479 h 293332"/>
-              <ns1:gd name="T38" fmla="*/ 1198367 w 293329"/>
-              <ns1:gd name="T39" fmla="*/ 8925645 h 293332"/>
-              <ns1:gd name="T40" fmla="*/ 5130248 w 293329"/>
-              <ns1:gd name="T41" fmla="*/ 6689459 h 293332"/>
-              <ns1:gd name="T42" fmla="*/ 6635580 w 293329"/>
-              <ns1:gd name="T43" fmla="*/ 7022186 h 293332"/>
-              <ns1:gd name="T44" fmla="*/ 5130248 w 293329"/>
-              <ns1:gd name="T45" fmla="*/ 6689459 h 293332"/>
-              <ns1:gd name="T46" fmla="*/ 6792622 w 293329"/>
-              <ns1:gd name="T47" fmla="*/ 5753460 h 293332"/>
-              <ns1:gd name="T48" fmla="*/ 4960060 w 293329"/>
-              <ns1:gd name="T49" fmla="*/ 5753460 h 293332"/>
-              <ns1:gd name="T50" fmla="*/ 4394049 w 293329"/>
-              <ns1:gd name="T51" fmla="*/ 8425350 h 293332"/>
-              <ns1:gd name="T52" fmla="*/ 4394049 w 293329"/>
-              <ns1:gd name="T53" fmla="*/ 4434924 h 293332"/>
-              <ns1:gd name="T54" fmla="*/ 3801866 w 293329"/>
-              <ns1:gd name="T55" fmla="*/ 8425350 h 293332"/>
-              <ns1:gd name="T56" fmla="*/ 3801866 w 293329"/>
-              <ns1:gd name="T57" fmla="*/ 4434924 h 293332"/>
-              <ns1:gd name="T58" fmla="*/ 10173087 w 293329"/>
-              <ns1:gd name="T59" fmla="*/ 3648251 h 293332"/>
-              <ns1:gd name="T60" fmla="*/ 9880272 w 293329"/>
-              <ns1:gd name="T61" fmla="*/ 7355373 h 293332"/>
-              <ns1:gd name="T62" fmla="*/ 9960128 w 293329"/>
-              <ns1:gd name="T63" fmla="*/ 3543768 h 293332"/>
-              <ns1:gd name="T64" fmla="*/ 882485 w 293329"/>
-              <ns1:gd name="T65" fmla="*/ 7043025 h 293332"/>
-              <ns1:gd name="T66" fmla="*/ 572838 w 293329"/>
-              <ns1:gd name="T67" fmla="*/ 7161164 h 293332"/>
-              <ns1:gd name="T68" fmla="*/ 3801866 w 293329"/>
-              <ns1:gd name="T69" fmla="*/ 3139719 h 293332"/>
-              <ns1:gd name="T70" fmla="*/ 6999706 w 293329"/>
-              <ns1:gd name="T71" fmla="*/ 4120936 h 293332"/>
-              <ns1:gd name="T72" fmla="*/ 3801866 w 293329"/>
-              <ns1:gd name="T73" fmla="*/ 2825664 h 293332"/>
-              <ns1:gd name="T74" fmla="*/ 7486601 w 293329"/>
-              <ns1:gd name="T75" fmla="*/ 3139719 h 293332"/>
-              <ns1:gd name="T76" fmla="*/ 7486601 w 293329"/>
-              <ns1:gd name="T77" fmla="*/ 4120936 h 293332"/>
-              <ns1:gd name="T78" fmla="*/ 7486601 w 293329"/>
-              <ns1:gd name="T79" fmla="*/ 8752426 h 293332"/>
-              <ns1:gd name="T80" fmla="*/ 2999112 w 293329"/>
-              <ns1:gd name="T81" fmla="*/ 3623786 h 293332"/>
-              <ns1:gd name="T82" fmla="*/ 8646767 w 293329"/>
-              <ns1:gd name="T83" fmla="*/ 1554601 h 293332"/>
-              <ns1:gd name="T84" fmla="*/ 10330586 w 293329"/>
-              <ns1:gd name="T85" fmla="*/ 2789136 h 293332"/>
-              <ns1:gd name="T86" fmla="*/ 10213098 w 293329"/>
-              <ns1:gd name="T87" fmla="*/ 1333651 h 293332"/>
-              <ns1:gd name="T88" fmla="*/ 10656909 w 293329"/>
-              <ns1:gd name="T89" fmla="*/ 2945074 h 293332"/>
-              <ns1:gd name="T90" fmla="*/ 8189923 w 293329"/>
-              <ns1:gd name="T91" fmla="*/ 2945074 h 293332"/>
-              <ns1:gd name="T92" fmla="*/ 8633732 w 293329"/>
-              <ns1:gd name="T93" fmla="*/ 1333651 h 293332"/>
-              <ns1:gd name="T94" fmla="*/ 313320 w 293329"/>
-              <ns1:gd name="T95" fmla="*/ 1957394 h 293332"/>
-              <ns1:gd name="T96" fmla="*/ 2153785 w 293329"/>
-              <ns1:gd name="T97" fmla="*/ 1957394 h 293332"/>
-              <ns1:gd name="T98" fmla="*/ 2245154 w 293329"/>
-              <ns1:gd name="T99" fmla="*/ 1346649 h 293332"/>
-              <ns1:gd name="T100" fmla="*/ 2310348 w 293329"/>
-              <ns1:gd name="T101" fmla="*/ 3101058 h 293332"/>
-              <ns1:gd name="T102" fmla="*/ 0 w 293329"/>
-              <ns1:gd name="T103" fmla="*/ 1957394 h 293332"/>
-              <ns1:gd name="T104" fmla="*/ 9388267 w 293329"/>
-              <ns1:gd name="T105" fmla="*/ 307485 h 293332"/>
-              <ns1:gd name="T106" fmla="*/ 9759991 w 293329"/>
-              <ns1:gd name="T107" fmla="*/ 679246 h 293332"/>
-              <ns1:gd name="T108" fmla="*/ 826690 w 293329"/>
-              <ns1:gd name="T109" fmla="*/ 679246 h 293332"/>
-              <ns1:gd name="T110" fmla="*/ 1198367 w 293329"/>
-              <ns1:gd name="T111" fmla="*/ 307485 h 293332"/>
-              <ns1:gd name="T112" fmla="*/ 8022361 w 293329"/>
-              <ns1:gd name="T113" fmla="*/ 1208071 h 293332"/>
-              <ns1:gd name="T114" fmla="*/ 2720558 w 293329"/>
-              <ns1:gd name="T115" fmla="*/ 1286932 h 293332"/>
-              <ns1:gd name="T116" fmla="*/ 5293109 w 293329"/>
-              <ns1:gd name="T117" fmla="*/ 246183 h 293332"/>
-              <ns1:gd name="T118" fmla="*/ 9388267 w 293329"/>
-              <ns1:gd name="T119" fmla="*/ 1371250 h 293332"/>
-              <ns1:gd name="T120" fmla="*/ 1198367 w 293329"/>
-              <ns1:gd name="T121" fmla="*/ 0 h 293332"/>
-              <ns1:gd name="T122" fmla="*/ 519153 w 293329"/>
-              <ns1:gd name="T123" fmla="*/ 679246 h 293332"/>
-              <ns1:gd name="T124" fmla="*/ 0 60000 65536"/>
-              <ns1:gd name="T125" fmla="*/ 0 60000 65536"/>
-              <ns1:gd name="T126" fmla="*/ 0 60000 65536"/>
-              <ns1:gd name="T127" fmla="*/ 0 60000 65536"/>
-              <ns1:gd name="T128" fmla="*/ 0 60000 65536"/>
-              <ns1:gd name="T129" fmla="*/ 0 60000 65536"/>
-              <ns1:gd name="T130" fmla="*/ 0 60000 65536"/>
-              <ns1:gd name="T131" fmla="*/ 0 60000 65536"/>
-              <ns1:gd name="T132" fmla="*/ 0 60000 65536"/>
-              <ns1:gd name="T133" fmla="*/ 0 60000 65536"/>
-              <ns1:gd name="T134" fmla="*/ 0 60000 65536"/>
-              <ns1:gd name="T135" fmla="*/ 0 60000 65536"/>
-              <ns1:gd name="T136" fmla="*/ 0 60000 65536"/>
-              <ns1:gd name="T137" fmla="*/ 0 60000 65536"/>
-              <ns1:gd name="T138" fmla="*/ 0 60000 65536"/>
-              <ns1:gd name="T139" fmla="*/ 0 60000 65536"/>
-              <ns1:gd name="T140" fmla="*/ 0 60000 65536"/>
-              <ns1:gd name="T141" fmla="*/ 0 60000 65536"/>
-              <ns1:gd name="T142" fmla="*/ 0 60000 65536"/>
-              <ns1:gd name="T143" fmla="*/ 0 60000 65536"/>
-              <ns1:gd name="T144" fmla="*/ 0 60000 65536"/>
-              <ns1:gd name="T145" fmla="*/ 0 60000 65536"/>
-              <ns1:gd name="T146" fmla="*/ 0 60000 65536"/>
-              <ns1:gd name="T147" fmla="*/ 0 60000 65536"/>
-              <ns1:gd name="T148" fmla="*/ 0 60000 65536"/>
-              <ns1:gd name="T149" fmla="*/ 0 60000 65536"/>
-              <ns1:gd name="T150" fmla="*/ 0 60000 65536"/>
-              <ns1:gd name="T151" fmla="*/ 0 60000 65536"/>
-              <ns1:gd name="T152" fmla="*/ 0 60000 65536"/>
-              <ns1:gd name="T153" fmla="*/ 0 60000 65536"/>
-              <ns1:gd name="T154" fmla="*/ 0 60000 65536"/>
-              <ns1:gd name="T155" fmla="*/ 0 60000 65536"/>
-              <ns1:gd name="T156" fmla="*/ 0 60000 65536"/>
-              <ns1:gd name="T157" fmla="*/ 0 60000 65536"/>
-              <ns1:gd name="T158" fmla="*/ 0 60000 65536"/>
-              <ns1:gd name="T159" fmla="*/ 0 60000 65536"/>
-              <ns1:gd name="T160" fmla="*/ 0 60000 65536"/>
-              <ns1:gd name="T161" fmla="*/ 0 60000 65536"/>
-              <ns1:gd name="T162" fmla="*/ 0 60000 65536"/>
-              <ns1:gd name="T163" fmla="*/ 0 60000 65536"/>
-              <ns1:gd name="T164" fmla="*/ 0 60000 65536"/>
-              <ns1:gd name="T165" fmla="*/ 0 60000 65536"/>
-              <ns1:gd name="T166" fmla="*/ 0 60000 65536"/>
-              <ns1:gd name="T167" fmla="*/ 0 60000 65536"/>
-              <ns1:gd name="T168" fmla="*/ 0 60000 65536"/>
-              <ns1:gd name="T169" fmla="*/ 0 60000 65536"/>
-              <ns1:gd name="T170" fmla="*/ 0 60000 65536"/>
-              <ns1:gd name="T171" fmla="*/ 0 60000 65536"/>
-              <ns1:gd name="T172" fmla="*/ 0 60000 65536"/>
-              <ns1:gd name="T173" fmla="*/ 0 60000 65536"/>
-              <ns1:gd name="T174" fmla="*/ 0 60000 65536"/>
-              <ns1:gd name="T175" fmla="*/ 0 60000 65536"/>
-              <ns1:gd name="T176" fmla="*/ 0 60000 65536"/>
-              <ns1:gd name="T177" fmla="*/ 0 60000 65536"/>
-              <ns1:gd name="T178" fmla="*/ 0 60000 65536"/>
-              <ns1:gd name="T179" fmla="*/ 0 60000 65536"/>
-              <ns1:gd name="T180" fmla="*/ 0 60000 65536"/>
-              <ns1:gd name="T181" fmla="*/ 0 60000 65536"/>
-              <ns1:gd name="T182" fmla="*/ 0 60000 65536"/>
-              <ns1:gd name="T183" fmla="*/ 0 60000 65536"/>
-              <ns1:gd name="T184" fmla="*/ 0 60000 65536"/>
-              <ns1:gd name="T185" fmla="*/ 0 60000 65536"/>
-            </ns1:gdLst>
-            <ns1:ahLst/>
-            <ns1:cxnLst>
-              <ns1:cxn ang="T124">
-                <ns1:pos x="T0" y="T1"/>
-              </ns1:cxn>
-              <ns1:cxn ang="T125">
-                <ns1:pos x="T2" y="T3"/>
-              </ns1:cxn>
-              <ns1:cxn ang="T126">
-                <ns1:pos x="T4" y="T5"/>
-              </ns1:cxn>
-              <ns1:cxn ang="T127">
-                <ns1:pos x="T6" y="T7"/>
-              </ns1:cxn>
-              <ns1:cxn ang="T128">
-                <ns1:pos x="T8" y="T9"/>
-              </ns1:cxn>
-              <ns1:cxn ang="T129">
-                <ns1:pos x="T10" y="T11"/>
-              </ns1:cxn>
-              <ns1:cxn ang="T130">
-                <ns1:pos x="T12" y="T13"/>
-              </ns1:cxn>
-              <ns1:cxn ang="T131">
-                <ns1:pos x="T14" y="T15"/>
-              </ns1:cxn>
-              <ns1:cxn ang="T132">
-                <ns1:pos x="T16" y="T17"/>
-              </ns1:cxn>
-              <ns1:cxn ang="T133">
-                <ns1:pos x="T18" y="T19"/>
-              </ns1:cxn>
-              <ns1:cxn ang="T134">
-                <ns1:pos x="T20" y="T21"/>
-              </ns1:cxn>
-              <ns1:cxn ang="T135">
-                <ns1:pos x="T22" y="T23"/>
-              </ns1:cxn>
-              <ns1:cxn ang="T136">
-                <ns1:pos x="T24" y="T25"/>
-              </ns1:cxn>
-              <ns1:cxn ang="T137">
-                <ns1:pos x="T26" y="T27"/>
-              </ns1:cxn>
-              <ns1:cxn ang="T138">
-                <ns1:pos x="T28" y="T29"/>
-              </ns1:cxn>
-              <ns1:cxn ang="T139">
-                <ns1:pos x="T30" y="T31"/>
-              </ns1:cxn>
-              <ns1:cxn ang="T140">
-                <ns1:pos x="T32" y="T33"/>
-              </ns1:cxn>
-              <ns1:cxn ang="T141">
-                <ns1:pos x="T34" y="T35"/>
-              </ns1:cxn>
-              <ns1:cxn ang="T142">
-                <ns1:pos x="T36" y="T37"/>
-              </ns1:cxn>
-              <ns1:cxn ang="T143">
-                <ns1:pos x="T38" y="T39"/>
-              </ns1:cxn>
-              <ns1:cxn ang="T144">
-                <ns1:pos x="T40" y="T41"/>
-              </ns1:cxn>
-              <ns1:cxn ang="T145">
-                <ns1:pos x="T42" y="T43"/>
-              </ns1:cxn>
-              <ns1:cxn ang="T146">
-                <ns1:pos x="T44" y="T45"/>
-              </ns1:cxn>
-              <ns1:cxn ang="T147">
-                <ns1:pos x="T46" y="T47"/>
-              </ns1:cxn>
-              <ns1:cxn ang="T148">
-                <ns1:pos x="T48" y="T49"/>
-              </ns1:cxn>
-              <ns1:cxn ang="T149">
-                <ns1:pos x="T50" y="T51"/>
-              </ns1:cxn>
-              <ns1:cxn ang="T150">
-                <ns1:pos x="T52" y="T53"/>
-              </ns1:cxn>
-              <ns1:cxn ang="T151">
-                <ns1:pos x="T54" y="T55"/>
-              </ns1:cxn>
-              <ns1:cxn ang="T152">
-                <ns1:pos x="T56" y="T57"/>
-              </ns1:cxn>
-              <ns1:cxn ang="T153">
-                <ns1:pos x="T58" y="T59"/>
-              </ns1:cxn>
-              <ns1:cxn ang="T154">
-                <ns1:pos x="T60" y="T61"/>
-              </ns1:cxn>
-              <ns1:cxn ang="T155">
-                <ns1:pos x="T62" y="T63"/>
-              </ns1:cxn>
-              <ns1:cxn ang="T156">
-                <ns1:pos x="T64" y="T65"/>
-              </ns1:cxn>
-              <ns1:cxn ang="T157">
-                <ns1:pos x="T66" y="T67"/>
-              </ns1:cxn>
-              <ns1:cxn ang="T158">
-                <ns1:pos x="T68" y="T69"/>
-              </ns1:cxn>
-              <ns1:cxn ang="T159">
-                <ns1:pos x="T70" y="T71"/>
-              </ns1:cxn>
-              <ns1:cxn ang="T160">
-                <ns1:pos x="T72" y="T73"/>
-              </ns1:cxn>
-              <ns1:cxn ang="T161">
-                <ns1:pos x="T74" y="T75"/>
-              </ns1:cxn>
-              <ns1:cxn ang="T162">
-                <ns1:pos x="T76" y="T77"/>
-              </ns1:cxn>
-              <ns1:cxn ang="T163">
-                <ns1:pos x="T78" y="T79"/>
-              </ns1:cxn>
-              <ns1:cxn ang="T164">
-                <ns1:pos x="T80" y="T81"/>
-              </ns1:cxn>
-              <ns1:cxn ang="T165">
-                <ns1:pos x="T82" y="T83"/>
-              </ns1:cxn>
-              <ns1:cxn ang="T166">
-                <ns1:pos x="T84" y="T85"/>
-              </ns1:cxn>
-              <ns1:cxn ang="T167">
-                <ns1:pos x="T86" y="T87"/>
-              </ns1:cxn>
-              <ns1:cxn ang="T168">
-                <ns1:pos x="T88" y="T89"/>
-              </ns1:cxn>
-              <ns1:cxn ang="T169">
-                <ns1:pos x="T90" y="T91"/>
-              </ns1:cxn>
-              <ns1:cxn ang="T170">
-                <ns1:pos x="T92" y="T93"/>
-              </ns1:cxn>
-              <ns1:cxn ang="T171">
-                <ns1:pos x="T94" y="T95"/>
-              </ns1:cxn>
-              <ns1:cxn ang="T172">
-                <ns1:pos x="T96" y="T97"/>
-              </ns1:cxn>
-              <ns1:cxn ang="T173">
-                <ns1:pos x="T98" y="T99"/>
-              </ns1:cxn>
-              <ns1:cxn ang="T174">
-                <ns1:pos x="T100" y="T101"/>
-              </ns1:cxn>
-              <ns1:cxn ang="T175">
-                <ns1:pos x="T102" y="T103"/>
-              </ns1:cxn>
-              <ns1:cxn ang="T176">
-                <ns1:pos x="T104" y="T105"/>
-              </ns1:cxn>
-              <ns1:cxn ang="T177">
-                <ns1:pos x="T106" y="T107"/>
-              </ns1:cxn>
-              <ns1:cxn ang="T178">
-                <ns1:pos x="T108" y="T109"/>
-              </ns1:cxn>
-              <ns1:cxn ang="T179">
-                <ns1:pos x="T110" y="T111"/>
-              </ns1:cxn>
-              <ns1:cxn ang="T180">
-                <ns1:pos x="T112" y="T113"/>
-              </ns1:cxn>
-              <ns1:cxn ang="T181">
-                <ns1:pos x="T114" y="T115"/>
-              </ns1:cxn>
-              <ns1:cxn ang="T182">
-                <ns1:pos x="T116" y="T117"/>
-              </ns1:cxn>
-              <ns1:cxn ang="T183">
-                <ns1:pos x="T118" y="T119"/>
-              </ns1:cxn>
-              <ns1:cxn ang="T184">
-                <ns1:pos x="T120" y="T121"/>
-              </ns1:cxn>
-              <ns1:cxn ang="T185">
-                <ns1:pos x="T122" y="T123"/>
-              </ns1:cxn>
-            </ns1:cxnLst>
-            <ns1:rect l="0" t="0" r="r" b="b"/>
-            <ns1:pathLst>
-              <ns1:path w="293329" h="293332">
-                <ns1:moveTo>
-                  <ns1:pt x="208355" y="263416"/>
-                </ns1:moveTo>
-                <ns1:cubicBezTo>
-                  <ns1:pt x="210511" y="261937"/>
-                  <ns1:pt x="213385" y="262677"/>
-                  <ns1:pt x="214822" y="264895"/>
-                </ns1:cubicBezTo>
-                <ns1:cubicBezTo>
-                  <ns1:pt x="215541" y="267483"/>
-                  <ns1:pt x="214822" y="270071"/>
-                  <ns1:pt x="212667" y="271180"/>
-                </ns1:cubicBezTo>
-                <ns1:cubicBezTo>
-                  <ns1:pt x="192188" y="282640"/>
-                  <ns1:pt x="169194" y="288556"/>
-                  <ns1:pt x="146201" y="288556"/>
-                </ns1:cubicBezTo>
-                <ns1:cubicBezTo>
-                  <ns1:pt x="124284" y="288556"/>
-                  <ns1:pt x="102728" y="283010"/>
-                  <ns1:pt x="82608" y="272659"/>
-                </ns1:cubicBezTo>
-                <ns1:cubicBezTo>
-                  <ns1:pt x="80093" y="271549"/>
-                  <ns1:pt x="79375" y="268592"/>
-                  <ns1:pt x="80812" y="266374"/>
-                </ns1:cubicBezTo>
-                <ns1:cubicBezTo>
-                  <ns1:pt x="81530" y="264155"/>
-                  <ns1:pt x="84405" y="263416"/>
-                  <ns1:pt x="86560" y="264525"/>
-                </ns1:cubicBezTo>
-                <ns1:cubicBezTo>
-                  <ns1:pt x="125003" y="284859"/>
-                  <ns1:pt x="170631" y="284119"/>
-                  <ns1:pt x="208355" y="263416"/>
-                </ns1:cubicBezTo>
-                <ns1:close/>
-                <ns1:moveTo>
-                  <ns1:pt x="237641" y="244663"/>
-                </ns1:moveTo>
-                <ns1:cubicBezTo>
-                  <ns1:pt x="239437" y="246084"/>
-                  <ns1:pt x="239796" y="248926"/>
-                  <ns1:pt x="238000" y="250703"/>
-                </ns1:cubicBezTo>
-                <ns1:cubicBezTo>
-                  <ns1:pt x="235485" y="253900"/>
-                  <ns1:pt x="234048" y="257808"/>
-                  <ns1:pt x="234048" y="261715"/>
-                </ns1:cubicBezTo>
-                <ns1:lnTo>
-                  <ns1:pt x="234048" y="284451"/>
-                </ns1:lnTo>
-                <ns1:lnTo>
-                  <ns1:pt x="284347" y="284451"/>
-                </ns1:lnTo>
-                <ns1:lnTo>
-                  <ns1:pt x="284347" y="261715"/>
-                </ns1:lnTo>
-                <ns1:cubicBezTo>
-                  <ns1:pt x="284347" y="257808"/>
-                  <ns1:pt x="283269" y="253900"/>
-                  <ns1:pt x="280395" y="250703"/>
-                </ns1:cubicBezTo>
-                <ns1:cubicBezTo>
-                  <ns1:pt x="278958" y="248926"/>
-                  <ns1:pt x="278958" y="246084"/>
-                  <ns1:pt x="281113" y="244663"/>
-                </ns1:cubicBezTo>
-                <ns1:cubicBezTo>
-                  <ns1:pt x="282910" y="242887"/>
-                  <ns1:pt x="285784" y="243242"/>
-                  <ns1:pt x="287221" y="245019"/>
-                </ns1:cubicBezTo>
-                <ns1:cubicBezTo>
-                  <ns1:pt x="291173" y="249992"/>
-                  <ns1:pt x="293329" y="255676"/>
-                  <ns1:pt x="293329" y="261715"/>
-                </ns1:cubicBezTo>
-                <ns1:lnTo>
-                  <ns1:pt x="293329" y="289069"/>
-                </ns1:lnTo>
-                <ns1:cubicBezTo>
-                  <ns1:pt x="293329" y="291201"/>
-                  <ns1:pt x="291533" y="293332"/>
-                  <ns1:pt x="288658" y="293332"/>
-                </ns1:cubicBezTo>
-                <ns1:lnTo>
-                  <ns1:pt x="229737" y="293332"/>
-                </ns1:lnTo>
-                <ns1:cubicBezTo>
-                  <ns1:pt x="227222" y="293332"/>
-                  <ns1:pt x="225425" y="291201"/>
-                  <ns1:pt x="225425" y="289069"/>
-                </ns1:cubicBezTo>
-                <ns1:lnTo>
-                  <ns1:pt x="225425" y="261715"/>
-                </ns1:lnTo>
-                <ns1:cubicBezTo>
-                  <ns1:pt x="225425" y="255676"/>
-                  <ns1:pt x="227222" y="249992"/>
-                  <ns1:pt x="231174" y="245019"/>
-                </ns1:cubicBezTo>
-                <ns1:cubicBezTo>
-                  <ns1:pt x="232611" y="243242"/>
-                  <ns1:pt x="235844" y="242887"/>
-                  <ns1:pt x="237641" y="244663"/>
-                </ns1:cubicBezTo>
-                <ns1:close/>
-                <ns1:moveTo>
-                  <ns1:pt x="12215" y="244663"/>
-                </ns1:moveTo>
-                <ns1:cubicBezTo>
-                  <ns1:pt x="14012" y="246084"/>
-                  <ns1:pt x="14371" y="248926"/>
-                  <ns1:pt x="12575" y="250703"/>
-                </ns1:cubicBezTo>
-                <ns1:cubicBezTo>
-                  <ns1:pt x="10419" y="253900"/>
-                  <ns1:pt x="8622" y="257808"/>
-                  <ns1:pt x="8622" y="261715"/>
-                </ns1:cubicBezTo>
-                <ns1:lnTo>
-                  <ns1:pt x="8622" y="284451"/>
-                </ns1:lnTo>
-                <ns1:lnTo>
-                  <ns1:pt x="59281" y="284451"/>
-                </ns1:lnTo>
-                <ns1:lnTo>
-                  <ns1:pt x="59281" y="261715"/>
-                </ns1:lnTo>
-                <ns1:cubicBezTo>
-                  <ns1:pt x="59281" y="257808"/>
-                  <ns1:pt x="57844" y="253900"/>
-                  <ns1:pt x="54969" y="250703"/>
-                </ns1:cubicBezTo>
-                <ns1:cubicBezTo>
-                  <ns1:pt x="53532" y="248926"/>
-                  <ns1:pt x="53892" y="246084"/>
-                  <ns1:pt x="55688" y="244663"/>
-                </ns1:cubicBezTo>
-                <ns1:cubicBezTo>
-                  <ns1:pt x="57844" y="242887"/>
-                  <ns1:pt x="60359" y="243242"/>
-                  <ns1:pt x="61796" y="245019"/>
-                </ns1:cubicBezTo>
-                <ns1:cubicBezTo>
-                  <ns1:pt x="65748" y="249992"/>
-                  <ns1:pt x="67903" y="255676"/>
-                  <ns1:pt x="67903" y="261715"/>
-                </ns1:cubicBezTo>
-                <ns1:lnTo>
-                  <ns1:pt x="67903" y="289069"/>
-                </ns1:lnTo>
-                <ns1:cubicBezTo>
-                  <ns1:pt x="67903" y="291201"/>
-                  <ns1:pt x="65748" y="293332"/>
-                  <ns1:pt x="63592" y="293332"/>
-                </ns1:cubicBezTo>
-                <ns1:lnTo>
-                  <ns1:pt x="4311" y="293332"/>
-                </ns1:lnTo>
-                <ns1:cubicBezTo>
-                  <ns1:pt x="1796" y="293332"/>
-                  <ns1:pt x="0" y="291201"/>
-                  <ns1:pt x="0" y="289069"/>
-                </ns1:cubicBezTo>
-                <ns1:lnTo>
-                  <ns1:pt x="0" y="261715"/>
-                </ns1:lnTo>
-                <ns1:cubicBezTo>
-                  <ns1:pt x="0" y="255676"/>
-                  <ns1:pt x="1796" y="249992"/>
-                  <ns1:pt x="6107" y="245019"/>
-                </ns1:cubicBezTo>
-                <ns1:cubicBezTo>
-                  <ns1:pt x="7545" y="243242"/>
-                  <ns1:pt x="10419" y="242887"/>
-                  <ns1:pt x="12215" y="244663"/>
-                </ns1:cubicBezTo>
-                <ns1:close/>
-                <ns1:moveTo>
-                  <ns1:pt x="258410" y="216782"/>
-                </ns1:moveTo>
-                <ns1:cubicBezTo>
-                  <ns1:pt x="252766" y="216782"/>
-                  <ns1:pt x="248180" y="221368"/>
-                  <ns1:pt x="248180" y="226659"/>
-                </ns1:cubicBezTo>
-                <ns1:cubicBezTo>
-                  <ns1:pt x="248180" y="232304"/>
-                  <ns1:pt x="252766" y="236890"/>
-                  <ns1:pt x="258410" y="236890"/>
-                </ns1:cubicBezTo>
-                <ns1:cubicBezTo>
-                  <ns1:pt x="264055" y="236890"/>
-                  <ns1:pt x="268641" y="232304"/>
-                  <ns1:pt x="268641" y="226659"/>
-                </ns1:cubicBezTo>
-                <ns1:cubicBezTo>
-                  <ns1:pt x="268641" y="221368"/>
-                  <ns1:pt x="264055" y="216782"/>
-                  <ns1:pt x="258410" y="216782"/>
-                </ns1:cubicBezTo>
-                <ns1:close/>
-                <ns1:moveTo>
-                  <ns1:pt x="32985" y="216782"/>
-                </ns1:moveTo>
-                <ns1:cubicBezTo>
-                  <ns1:pt x="27341" y="216782"/>
-                  <ns1:pt x="22754" y="221368"/>
-                  <ns1:pt x="22754" y="226659"/>
-                </ns1:cubicBezTo>
-                <ns1:cubicBezTo>
-                  <ns1:pt x="22754" y="232304"/>
-                  <ns1:pt x="27341" y="236890"/>
-                  <ns1:pt x="32985" y="236890"/>
-                </ns1:cubicBezTo>
-                <ns1:cubicBezTo>
-                  <ns1:pt x="38629" y="236890"/>
-                  <ns1:pt x="43216" y="232304"/>
-                  <ns1:pt x="43216" y="226659"/>
-                </ns1:cubicBezTo>
-                <ns1:cubicBezTo>
-                  <ns1:pt x="43216" y="221368"/>
-                  <ns1:pt x="38629" y="216782"/>
-                  <ns1:pt x="32985" y="216782"/>
-                </ns1:cubicBezTo>
-                <ns1:close/>
-                <ns1:moveTo>
-                  <ns1:pt x="258410" y="207962"/>
-                </ns1:moveTo>
-                <ns1:cubicBezTo>
-                  <ns1:pt x="268994" y="207962"/>
-                  <ns1:pt x="277460" y="216429"/>
-                  <ns1:pt x="277460" y="226659"/>
-                </ns1:cubicBezTo>
-                <ns1:cubicBezTo>
-                  <ns1:pt x="277460" y="237243"/>
-                  <ns1:pt x="268994" y="245709"/>
-                  <ns1:pt x="258410" y="245709"/>
-                </ns1:cubicBezTo>
-                <ns1:cubicBezTo>
-                  <ns1:pt x="248180" y="245709"/>
-                  <ns1:pt x="239713" y="237243"/>
-                  <ns1:pt x="239713" y="226659"/>
-                </ns1:cubicBezTo>
-                <ns1:cubicBezTo>
-                  <ns1:pt x="239713" y="216429"/>
-                  <ns1:pt x="248180" y="207962"/>
-                  <ns1:pt x="258410" y="207962"/>
-                </ns1:cubicBezTo>
-                <ns1:close/>
-                <ns1:moveTo>
-                  <ns1:pt x="32985" y="207962"/>
-                </ns1:moveTo>
-                <ns1:cubicBezTo>
-                  <ns1:pt x="43568" y="207962"/>
-                  <ns1:pt x="52035" y="216429"/>
-                  <ns1:pt x="52035" y="226659"/>
-                </ns1:cubicBezTo>
-                <ns1:cubicBezTo>
-                  <ns1:pt x="52035" y="237243"/>
-                  <ns1:pt x="43568" y="245709"/>
-                  <ns1:pt x="32985" y="245709"/>
-                </ns1:cubicBezTo>
-                <ns1:cubicBezTo>
-                  <ns1:pt x="22754" y="245709"/>
-                  <ns1:pt x="14288" y="237243"/>
-                  <ns1:pt x="14288" y="226659"/>
-                </ns1:cubicBezTo>
-                <ns1:cubicBezTo>
-                  <ns1:pt x="14288" y="216429"/>
-                  <ns1:pt x="22754" y="207962"/>
-                  <ns1:pt x="32985" y="207962"/>
-                </ns1:cubicBezTo>
-                <ns1:close/>
-                <ns1:moveTo>
-                  <ns1:pt x="141209" y="184150"/>
-                </ns1:moveTo>
-                <ns1:lnTo>
-                  <ns1:pt x="182642" y="184150"/>
-                </ns1:lnTo>
-                <ns1:cubicBezTo>
-                  <ns1:pt x="185164" y="184150"/>
-                  <ns1:pt x="186965" y="186348"/>
-                  <ns1:pt x="186965" y="188913"/>
-                </ns1:cubicBezTo>
-                <ns1:cubicBezTo>
-                  <ns1:pt x="186965" y="191477"/>
-                  <ns1:pt x="185164" y="193309"/>
-                  <ns1:pt x="182642" y="193309"/>
-                </ns1:cubicBezTo>
-                <ns1:lnTo>
-                  <ns1:pt x="141209" y="193309"/>
-                </ns1:lnTo>
-                <ns1:cubicBezTo>
-                  <ns1:pt x="138687" y="193309"/>
-                  <ns1:pt x="136525" y="191477"/>
-                  <ns1:pt x="136525" y="188913"/>
-                </ns1:cubicBezTo>
-                <ns1:cubicBezTo>
-                  <ns1:pt x="136525" y="186348"/>
-                  <ns1:pt x="138687" y="184150"/>
-                  <ns1:pt x="141209" y="184150"/>
-                </ns1:cubicBezTo>
-                <ns1:close/>
-                <ns1:moveTo>
-                  <ns1:pt x="141209" y="153987"/>
-                </ns1:moveTo>
-                <ns1:lnTo>
-                  <ns1:pt x="182642" y="153987"/>
-                </ns1:lnTo>
-                <ns1:cubicBezTo>
-                  <ns1:pt x="185164" y="153987"/>
-                  <ns1:pt x="186965" y="155818"/>
-                  <ns1:pt x="186965" y="158383"/>
-                </ns1:cubicBezTo>
-                <ns1:cubicBezTo>
-                  <ns1:pt x="186965" y="160947"/>
-                  <ns1:pt x="185164" y="163145"/>
-                  <ns1:pt x="182642" y="163145"/>
-                </ns1:cubicBezTo>
-                <ns1:lnTo>
-                  <ns1:pt x="141209" y="163145"/>
-                </ns1:lnTo>
-                <ns1:cubicBezTo>
-                  <ns1:pt x="138687" y="163145"/>
-                  <ns1:pt x="136525" y="160947"/>
-                  <ns1:pt x="136525" y="158383"/>
-                </ns1:cubicBezTo>
-                <ns1:cubicBezTo>
-                  <ns1:pt x="136525" y="155818"/>
-                  <ns1:pt x="138687" y="153987"/>
-                  <ns1:pt x="141209" y="153987"/>
-                </ns1:cubicBezTo>
-                <ns1:close/>
-                <ns1:moveTo>
-                  <ns1:pt x="120945" y="122087"/>
-                </ns1:moveTo>
-                <ns1:lnTo>
-                  <ns1:pt x="120945" y="231936"/>
-                </ns1:lnTo>
-                <ns1:lnTo>
-                  <ns1:pt x="201721" y="231936"/>
-                </ns1:lnTo>
-                <ns1:lnTo>
-                  <ns1:pt x="201721" y="122087"/>
-                </ns1:lnTo>
-                <ns1:lnTo>
-                  <ns1:pt x="120945" y="122087"/>
-                </ns1:lnTo>
-                <ns1:close/>
-                <ns1:moveTo>
-                  <ns1:pt x="91243" y="117765"/>
-                </ns1:moveTo>
-                <ns1:lnTo>
-                  <ns1:pt x="91243" y="218610"/>
-                </ns1:lnTo>
-                <ns1:cubicBezTo>
-                  <ns1:pt x="91243" y="225813"/>
-                  <ns1:pt x="97401" y="231936"/>
-                  <ns1:pt x="104645" y="231936"/>
-                </ns1:cubicBezTo>
-                <ns1:lnTo>
-                  <ns1:pt x="112252" y="231936"/>
-                </ns1:lnTo>
-                <ns1:lnTo>
-                  <ns1:pt x="112252" y="122087"/>
-                </ns1:lnTo>
-                <ns1:lnTo>
-                  <ns1:pt x="104645" y="122087"/>
-                </ns1:lnTo>
-                <ns1:cubicBezTo>
-                  <ns1:pt x="99574" y="122087"/>
-                  <ns1:pt x="94865" y="120286"/>
-                  <ns1:pt x="91243" y="117765"/>
-                </ns1:cubicBezTo>
-                <ns1:close/>
-                <ns1:moveTo>
-                  <ns1:pt x="274150" y="97555"/>
-                </ns1:moveTo>
-                <ns1:cubicBezTo>
-                  <ns1:pt x="276714" y="96837"/>
-                  <ns1:pt x="279278" y="98274"/>
-                  <ns1:pt x="280011" y="100430"/>
-                </ns1:cubicBezTo>
-                <ns1:cubicBezTo>
-                  <ns1:pt x="291734" y="132770"/>
-                  <ns1:pt x="291001" y="168344"/>
-                  <ns1:pt x="277813" y="199966"/>
-                </ns1:cubicBezTo>
-                <ns1:cubicBezTo>
-                  <ns1:pt x="277080" y="201763"/>
-                  <ns1:pt x="275249" y="202841"/>
-                  <ns1:pt x="273783" y="202841"/>
-                </ns1:cubicBezTo>
-                <ns1:cubicBezTo>
-                  <ns1:pt x="273051" y="202841"/>
-                  <ns1:pt x="272684" y="202841"/>
-                  <ns1:pt x="271952" y="202482"/>
-                </ns1:cubicBezTo>
-                <ns1:cubicBezTo>
-                  <ns1:pt x="269387" y="201404"/>
-                  <ns1:pt x="268288" y="198888"/>
-                  <ns1:pt x="269387" y="196732"/>
-                </ns1:cubicBezTo>
-                <ns1:cubicBezTo>
-                  <ns1:pt x="281843" y="166907"/>
-                  <ns1:pt x="282209" y="133848"/>
-                  <ns1:pt x="271585" y="103305"/>
-                </ns1:cubicBezTo>
-                <ns1:cubicBezTo>
-                  <ns1:pt x="270853" y="101149"/>
-                  <ns1:pt x="271952" y="98633"/>
-                  <ns1:pt x="274150" y="97555"/>
-                </ns1:cubicBezTo>
-                <ns1:close/>
-                <ns1:moveTo>
-                  <ns1:pt x="20584" y="95972"/>
-                </ns1:moveTo>
-                <ns1:cubicBezTo>
-                  <ns1:pt x="22807" y="96695"/>
-                  <ns1:pt x="24289" y="99224"/>
-                  <ns1:pt x="23177" y="101753"/>
-                </ns1:cubicBezTo>
-                <ns1:cubicBezTo>
-                  <ns1:pt x="12435" y="131379"/>
-                  <ns1:pt x="12806" y="164257"/>
-                  <ns1:pt x="24289" y="193883"/>
-                </ns1:cubicBezTo>
-                <ns1:cubicBezTo>
-                  <ns1:pt x="25029" y="196051"/>
-                  <ns1:pt x="23918" y="198580"/>
-                  <ns1:pt x="21696" y="199664"/>
-                </ns1:cubicBezTo>
-                <ns1:cubicBezTo>
-                  <ns1:pt x="20955" y="199664"/>
-                  <ns1:pt x="20584" y="199664"/>
-                  <ns1:pt x="19844" y="199664"/>
-                </ns1:cubicBezTo>
-                <ns1:cubicBezTo>
-                  <ns1:pt x="17991" y="199664"/>
-                  <ns1:pt x="16510" y="198580"/>
-                  <ns1:pt x="15769" y="197135"/>
-                </ns1:cubicBezTo>
-                <ns1:cubicBezTo>
-                  <ns1:pt x="3545" y="165341"/>
-                  <ns1:pt x="3175" y="130656"/>
-                  <ns1:pt x="14658" y="98863"/>
-                </ns1:cubicBezTo>
-                <ns1:cubicBezTo>
-                  <ns1:pt x="15399" y="96334"/>
-                  <ns1:pt x="17991" y="95250"/>
-                  <ns1:pt x="20584" y="95972"/>
-                </ns1:cubicBezTo>
-                <ns1:close/>
-                <ns1:moveTo>
-                  <ns1:pt x="104645" y="86431"/>
-                </ns1:moveTo>
-                <ns1:cubicBezTo>
-                  <ns1:pt x="97401" y="86431"/>
-                  <ns1:pt x="91243" y="92553"/>
-                  <ns1:pt x="91243" y="99757"/>
-                </ns1:cubicBezTo>
-                <ns1:cubicBezTo>
-                  <ns1:pt x="91243" y="107320"/>
-                  <ns1:pt x="97401" y="113443"/>
-                  <ns1:pt x="104645" y="113443"/>
-                </ns1:cubicBezTo>
-                <ns1:lnTo>
-                  <ns1:pt x="192665" y="113443"/>
-                </ns1:lnTo>
-                <ns1:cubicBezTo>
-                  <ns1:pt x="189405" y="104799"/>
-                  <ns1:pt x="189405" y="95435"/>
-                  <ns1:pt x="192665" y="86431"/>
-                </ns1:cubicBezTo>
-                <ns1:lnTo>
-                  <ns1:pt x="104645" y="86431"/>
-                </ns1:lnTo>
-                <ns1:close/>
-                <ns1:moveTo>
-                  <ns1:pt x="104645" y="77787"/>
-                </ns1:moveTo>
-                <ns1:lnTo>
-                  <ns1:pt x="206067" y="77787"/>
-                </ns1:lnTo>
-                <ns1:cubicBezTo>
-                  <ns1:pt x="208603" y="77787"/>
-                  <ns1:pt x="210776" y="79948"/>
-                  <ns1:pt x="210776" y="82109"/>
-                </ns1:cubicBezTo>
-                <ns1:cubicBezTo>
-                  <ns1:pt x="210776" y="84630"/>
-                  <ns1:pt x="208603" y="86431"/>
-                  <ns1:pt x="206067" y="86431"/>
-                </ns1:cubicBezTo>
-                <ns1:lnTo>
-                  <ns1:pt x="202807" y="86431"/>
-                </ns1:lnTo>
-                <ns1:cubicBezTo>
-                  <ns1:pt x="198098" y="95074"/>
-                  <ns1:pt x="198098" y="104799"/>
-                  <ns1:pt x="202807" y="113443"/>
-                </ns1:cubicBezTo>
-                <ns1:lnTo>
-                  <ns1:pt x="206067" y="113443"/>
-                </ns1:lnTo>
-                <ns1:cubicBezTo>
-                  <ns1:pt x="208603" y="113443"/>
-                  <ns1:pt x="210776" y="115243"/>
-                  <ns1:pt x="210776" y="117765"/>
-                </ns1:cubicBezTo>
-                <ns1:lnTo>
-                  <ns1:pt x="210776" y="236258"/>
-                </ns1:lnTo>
-                <ns1:cubicBezTo>
-                  <ns1:pt x="210776" y="238779"/>
-                  <ns1:pt x="208603" y="240940"/>
-                  <ns1:pt x="206067" y="240940"/>
-                </ns1:cubicBezTo>
-                <ns1:lnTo>
-                  <ns1:pt x="104645" y="240940"/>
-                </ns1:lnTo>
-                <ns1:cubicBezTo>
-                  <ns1:pt x="92330" y="240940"/>
-                  <ns1:pt x="82550" y="230856"/>
-                  <ns1:pt x="82550" y="218610"/>
-                </ns1:cubicBezTo>
-                <ns1:lnTo>
-                  <ns1:pt x="82550" y="99757"/>
-                </ns1:lnTo>
-                <ns1:cubicBezTo>
-                  <ns1:pt x="82550" y="87511"/>
-                  <ns1:pt x="92330" y="77787"/>
-                  <ns1:pt x="104645" y="77787"/>
-                </ns1:cubicBezTo>
-                <ns1:close/>
-                <ns1:moveTo>
-                  <ns1:pt x="237641" y="36713"/>
-                </ns1:moveTo>
-                <ns1:cubicBezTo>
-                  <ns1:pt x="239437" y="37787"/>
-                  <ns1:pt x="239796" y="40649"/>
-                  <ns1:pt x="238000" y="42795"/>
-                </ns1:cubicBezTo>
-                <ns1:cubicBezTo>
-                  <ns1:pt x="235485" y="45657"/>
-                  <ns1:pt x="234048" y="49950"/>
-                  <ns1:pt x="234048" y="53885"/>
-                </ns1:cubicBezTo>
-                <ns1:lnTo>
-                  <ns1:pt x="234048" y="76781"/>
-                </ns1:lnTo>
-                <ns1:lnTo>
-                  <ns1:pt x="284347" y="76781"/>
-                </ns1:lnTo>
-                <ns1:lnTo>
-                  <ns1:pt x="284347" y="53885"/>
-                </ns1:lnTo>
-                <ns1:cubicBezTo>
-                  <ns1:pt x="284347" y="49950"/>
-                  <ns1:pt x="282910" y="45657"/>
-                  <ns1:pt x="280395" y="42795"/>
-                </ns1:cubicBezTo>
-                <ns1:cubicBezTo>
-                  <ns1:pt x="278958" y="40649"/>
-                  <ns1:pt x="278958" y="37787"/>
-                  <ns1:pt x="281113" y="36713"/>
-                </ns1:cubicBezTo>
-                <ns1:cubicBezTo>
-                  <ns1:pt x="282910" y="34925"/>
-                  <ns1:pt x="285784" y="35282"/>
-                  <ns1:pt x="287221" y="37071"/>
-                </ns1:cubicBezTo>
-                <ns1:cubicBezTo>
-                  <ns1:pt x="291173" y="41722"/>
-                  <ns1:pt x="293329" y="47804"/>
-                  <ns1:pt x="293329" y="53885"/>
-                </ns1:cubicBezTo>
-                <ns1:lnTo>
-                  <ns1:pt x="293329" y="81074"/>
-                </ns1:lnTo>
-                <ns1:cubicBezTo>
-                  <ns1:pt x="293329" y="83578"/>
-                  <ns1:pt x="291533" y="85367"/>
-                  <ns1:pt x="288658" y="85367"/>
-                </ns1:cubicBezTo>
-                <ns1:lnTo>
-                  <ns1:pt x="229737" y="85367"/>
-                </ns1:lnTo>
-                <ns1:cubicBezTo>
-                  <ns1:pt x="227222" y="85367"/>
-                  <ns1:pt x="225425" y="83578"/>
-                  <ns1:pt x="225425" y="81074"/>
-                </ns1:cubicBezTo>
-                <ns1:lnTo>
-                  <ns1:pt x="225425" y="53885"/>
-                </ns1:lnTo>
-                <ns1:cubicBezTo>
-                  <ns1:pt x="225425" y="47804"/>
-                  <ns1:pt x="227222" y="41722"/>
-                  <ns1:pt x="231174" y="37071"/>
-                </ns1:cubicBezTo>
-                <ns1:cubicBezTo>
-                  <ns1:pt x="232970" y="35282"/>
-                  <ns1:pt x="235844" y="34925"/>
-                  <ns1:pt x="237641" y="36713"/>
-                </ns1:cubicBezTo>
-                <ns1:close/>
-                <ns1:moveTo>
-                  <ns1:pt x="12215" y="36713"/>
-                </ns1:moveTo>
-                <ns1:cubicBezTo>
-                  <ns1:pt x="14012" y="37787"/>
-                  <ns1:pt x="14371" y="40649"/>
-                  <ns1:pt x="12575" y="42795"/>
-                </ns1:cubicBezTo>
-                <ns1:cubicBezTo>
-                  <ns1:pt x="10419" y="45657"/>
-                  <ns1:pt x="8622" y="49950"/>
-                  <ns1:pt x="8622" y="53885"/>
-                </ns1:cubicBezTo>
-                <ns1:lnTo>
-                  <ns1:pt x="8622" y="76781"/>
-                </ns1:lnTo>
-                <ns1:lnTo>
-                  <ns1:pt x="59281" y="76781"/>
-                </ns1:lnTo>
-                <ns1:lnTo>
-                  <ns1:pt x="59281" y="53885"/>
-                </ns1:lnTo>
-                <ns1:cubicBezTo>
-                  <ns1:pt x="59281" y="49950"/>
-                  <ns1:pt x="57844" y="45657"/>
-                  <ns1:pt x="54969" y="42795"/>
-                </ns1:cubicBezTo>
-                <ns1:cubicBezTo>
-                  <ns1:pt x="53532" y="40649"/>
-                  <ns1:pt x="53892" y="37787"/>
-                  <ns1:pt x="55688" y="36713"/>
-                </ns1:cubicBezTo>
-                <ns1:cubicBezTo>
-                  <ns1:pt x="57844" y="34925"/>
-                  <ns1:pt x="60359" y="35282"/>
-                  <ns1:pt x="61796" y="37071"/>
-                </ns1:cubicBezTo>
-                <ns1:cubicBezTo>
-                  <ns1:pt x="65748" y="41722"/>
-                  <ns1:pt x="67903" y="47804"/>
-                  <ns1:pt x="67903" y="53885"/>
-                </ns1:cubicBezTo>
-                <ns1:lnTo>
-                  <ns1:pt x="67903" y="81074"/>
-                </ns1:lnTo>
-                <ns1:cubicBezTo>
-                  <ns1:pt x="67903" y="83578"/>
-                  <ns1:pt x="65748" y="85367"/>
-                  <ns1:pt x="63592" y="85367"/>
-                </ns1:cubicBezTo>
-                <ns1:lnTo>
-                  <ns1:pt x="4311" y="85367"/>
-                </ns1:lnTo>
-                <ns1:cubicBezTo>
-                  <ns1:pt x="1796" y="85367"/>
-                  <ns1:pt x="0" y="83578"/>
-                  <ns1:pt x="0" y="81074"/>
-                </ns1:cubicBezTo>
-                <ns1:lnTo>
-                  <ns1:pt x="0" y="53885"/>
-                </ns1:lnTo>
-                <ns1:cubicBezTo>
-                  <ns1:pt x="0" y="47804"/>
-                  <ns1:pt x="1796" y="41722"/>
-                  <ns1:pt x="6107" y="37071"/>
-                </ns1:cubicBezTo>
-                <ns1:cubicBezTo>
-                  <ns1:pt x="7545" y="35282"/>
-                  <ns1:pt x="10419" y="34925"/>
-                  <ns1:pt x="12215" y="36713"/>
-                </ns1:cubicBezTo>
-                <ns1:close/>
-                <ns1:moveTo>
-                  <ns1:pt x="258410" y="8466"/>
-                </ns1:moveTo>
-                <ns1:cubicBezTo>
-                  <ns1:pt x="252766" y="8466"/>
-                  <ns1:pt x="248180" y="13405"/>
-                  <ns1:pt x="248180" y="18697"/>
-                </ns1:cubicBezTo>
-                <ns1:cubicBezTo>
-                  <ns1:pt x="248180" y="24341"/>
-                  <ns1:pt x="252766" y="28928"/>
-                  <ns1:pt x="258410" y="28928"/>
-                </ns1:cubicBezTo>
-                <ns1:cubicBezTo>
-                  <ns1:pt x="264055" y="28928"/>
-                  <ns1:pt x="268641" y="24341"/>
-                  <ns1:pt x="268641" y="18697"/>
-                </ns1:cubicBezTo>
-                <ns1:cubicBezTo>
-                  <ns1:pt x="268641" y="13405"/>
-                  <ns1:pt x="264055" y="8466"/>
-                  <ns1:pt x="258410" y="8466"/>
-                </ns1:cubicBezTo>
-                <ns1:close/>
-                <ns1:moveTo>
-                  <ns1:pt x="32985" y="8466"/>
-                </ns1:moveTo>
-                <ns1:cubicBezTo>
-                  <ns1:pt x="27341" y="8466"/>
-                  <ns1:pt x="22754" y="13405"/>
-                  <ns1:pt x="22754" y="18697"/>
-                </ns1:cubicBezTo>
-                <ns1:cubicBezTo>
-                  <ns1:pt x="22754" y="24341"/>
-                  <ns1:pt x="27341" y="28928"/>
-                  <ns1:pt x="32985" y="28928"/>
-                </ns1:cubicBezTo>
-                <ns1:cubicBezTo>
-                  <ns1:pt x="38629" y="28928"/>
-                  <ns1:pt x="43216" y="24341"/>
-                  <ns1:pt x="43216" y="18697"/>
-                </ns1:cubicBezTo>
-                <ns1:cubicBezTo>
-                  <ns1:pt x="43216" y="13405"/>
-                  <ns1:pt x="38629" y="8466"/>
-                  <ns1:pt x="32985" y="8466"/>
-                </ns1:cubicBezTo>
-                <ns1:close/>
-                <ns1:moveTo>
-                  <ns1:pt x="145691" y="6778"/>
-                </ns1:moveTo>
-                <ns1:cubicBezTo>
-                  <ns1:pt x="171211" y="6778"/>
-                  <ns1:pt x="196731" y="13556"/>
-                  <ns1:pt x="219015" y="27113"/>
-                </ns1:cubicBezTo>
-                <ns1:cubicBezTo>
-                  <ns1:pt x="221531" y="28559"/>
-                  <ns1:pt x="221891" y="31089"/>
-                  <ns1:pt x="220813" y="33258"/>
-                </ns1:cubicBezTo>
-                <ns1:cubicBezTo>
-                  <ns1:pt x="219015" y="35427"/>
-                  <ns1:pt x="216499" y="36150"/>
-                  <ns1:pt x="214702" y="34704"/>
-                </ns1:cubicBezTo>
-                <ns1:cubicBezTo>
-                  <ns1:pt x="172648" y="9037"/>
-                  <ns1:pt x="118733" y="9037"/>
-                  <ns1:pt x="77038" y="34704"/>
-                </ns1:cubicBezTo>
-                <ns1:cubicBezTo>
-                  <ns1:pt x="76320" y="35427"/>
-                  <ns1:pt x="75601" y="35427"/>
-                  <ns1:pt x="74882" y="35427"/>
-                </ns1:cubicBezTo>
-                <ns1:cubicBezTo>
-                  <ns1:pt x="73444" y="35427"/>
-                  <ns1:pt x="72006" y="34704"/>
-                  <ns1:pt x="70928" y="33258"/>
-                </ns1:cubicBezTo>
-                <ns1:cubicBezTo>
-                  <ns1:pt x="69850" y="31089"/>
-                  <ns1:pt x="70209" y="28559"/>
-                  <ns1:pt x="72366" y="27113"/>
-                </ns1:cubicBezTo>
-                <ns1:cubicBezTo>
-                  <ns1:pt x="94651" y="13556"/>
-                  <ns1:pt x="120171" y="6778"/>
-                  <ns1:pt x="145691" y="6778"/>
-                </ns1:cubicBezTo>
-                <ns1:close/>
-                <ns1:moveTo>
-                  <ns1:pt x="258410" y="0"/>
-                </ns1:moveTo>
-                <ns1:cubicBezTo>
-                  <ns1:pt x="268994" y="0"/>
-                  <ns1:pt x="277460" y="8466"/>
-                  <ns1:pt x="277460" y="18697"/>
-                </ns1:cubicBezTo>
-                <ns1:cubicBezTo>
-                  <ns1:pt x="277460" y="29280"/>
-                  <ns1:pt x="268994" y="37747"/>
-                  <ns1:pt x="258410" y="37747"/>
-                </ns1:cubicBezTo>
-                <ns1:cubicBezTo>
-                  <ns1:pt x="248180" y="37747"/>
-                  <ns1:pt x="239713" y="29280"/>
-                  <ns1:pt x="239713" y="18697"/>
-                </ns1:cubicBezTo>
-                <ns1:cubicBezTo>
-                  <ns1:pt x="239713" y="8466"/>
-                  <ns1:pt x="248180" y="0"/>
-                  <ns1:pt x="258410" y="0"/>
-                </ns1:cubicBezTo>
-                <ns1:close/>
-                <ns1:moveTo>
-                  <ns1:pt x="32985" y="0"/>
-                </ns1:moveTo>
-                <ns1:cubicBezTo>
-                  <ns1:pt x="43568" y="0"/>
-                  <ns1:pt x="52035" y="8466"/>
-                  <ns1:pt x="52035" y="18697"/>
-                </ns1:cubicBezTo>
-                <ns1:cubicBezTo>
-                  <ns1:pt x="52035" y="29280"/>
-                  <ns1:pt x="43568" y="37747"/>
-                  <ns1:pt x="32985" y="37747"/>
-                </ns1:cubicBezTo>
-                <ns1:cubicBezTo>
-                  <ns1:pt x="22754" y="37747"/>
-                  <ns1:pt x="14288" y="29280"/>
-                  <ns1:pt x="14288" y="18697"/>
-                </ns1:cubicBezTo>
-                <ns1:cubicBezTo>
-                  <ns1:pt x="14288" y="8466"/>
-                  <ns1:pt x="22754" y="0"/>
-                  <ns1:pt x="32985" y="0"/>
-                </ns1:cubicBezTo>
-                <ns1:close/>
-              </ns1:path>
-            </ns1:pathLst>
-          </ns1:custGeom>
-          <ns1:solidFill>
-            <ns1:srgbClr val="ED8B00"/>
-          </ns1:solidFill>
-          <ns1:ln>
+              </ns1:endParaRPr>
+            </ns1:p>
+          </ns0:txBody>
+        </ns0:sp>
+        <ns0:sp>
+          <ns0:nvSpPr>
+            <ns0:cNvPr id="18" name="Freeform 1015">
+              <ns1:extLst>
+                <ns1:ext uri="{FF2B5EF4-FFF2-40B4-BE49-F238E27FC236}">
+                  <ns2:creationId id="{2DFBB6BE-A3C1-C95A-4287-54102AC9E823}"/>
+                </ns1:ext>
+              </ns1:extLst>
+            </ns0:cNvPr>
+            <ns0:cNvSpPr>
+              <ns1:spLocks noChangeAspect="1"/>
+            </ns0:cNvSpPr>
+            <ns0:nvPr/>
+          </ns0:nvSpPr>
+          <ns0:spPr bwMode="auto">
+            <ns1:xfrm>
+              <ns1:off x="3725963" y="1573844"/>
+              <ns1:ext cx="495898" cy="495898"/>
+            </ns1:xfrm>
+            <ns1:custGeom>
+              <ns1:avLst/>
+              <ns1:gdLst>
+                <ns1:gd name="T0" fmla="*/ 7726423 w 293329"/>
+                <ns1:gd name="T1" fmla="*/ 9850932 h 293332"/>
+                <ns1:gd name="T2" fmla="*/ 2935958 w 293329"/>
+                <ns1:gd name="T3" fmla="*/ 9676341 h 293332"/>
+                <ns1:gd name="T4" fmla="*/ 8633732 w 293329"/>
+                <ns1:gd name="T5" fmla="*/ 8887648 h 293332"/>
+                <ns1:gd name="T6" fmla="*/ 8503163 w 293329"/>
+                <ns1:gd name="T7" fmla="*/ 10333017 h 293332"/>
+                <ns1:gd name="T8" fmla="*/ 10187033 w 293329"/>
+                <ns1:gd name="T9" fmla="*/ 9107071 h 293332"/>
+                <ns1:gd name="T10" fmla="*/ 10656909 w 293329"/>
+                <ns1:gd name="T11" fmla="*/ 9507104 h 293332"/>
+                <ns1:gd name="T12" fmla="*/ 8346597 w 293329"/>
+                <ns1:gd name="T13" fmla="*/ 10655613 h 293332"/>
+                <ns1:gd name="T14" fmla="*/ 8398777 w 293329"/>
+                <ns1:gd name="T15" fmla="*/ 8900613 h 293332"/>
+                <ns1:gd name="T16" fmla="*/ 456778 w 293329"/>
+                <ns1:gd name="T17" fmla="*/ 9107071 h 293332"/>
+                <ns1:gd name="T18" fmla="*/ 2153785 w 293329"/>
+                <ns1:gd name="T19" fmla="*/ 10333017 h 293332"/>
+                <ns1:gd name="T20" fmla="*/ 2023134 w 293329"/>
+                <ns1:gd name="T21" fmla="*/ 8887648 h 293332"/>
+                <ns1:gd name="T22" fmla="*/ 2466970 w 293329"/>
+                <ns1:gd name="T23" fmla="*/ 10500789 h 293332"/>
+                <ns1:gd name="T24" fmla="*/ 0 w 293329"/>
+                <ns1:gd name="T25" fmla="*/ 10500789 h 293332"/>
+                <ns1:gd name="T26" fmla="*/ 443780 w 293329"/>
+                <ns1:gd name="T27" fmla="*/ 8887648 h 293332"/>
+                <ns1:gd name="T28" fmla="*/ 9388267 w 293329"/>
+                <ns1:gd name="T29" fmla="*/ 8605304 h 293332"/>
+                <ns1:gd name="T30" fmla="*/ 1198367 w 293329"/>
+                <ns1:gd name="T31" fmla="*/ 7874844 h 293332"/>
+                <ns1:gd name="T32" fmla="*/ 1570072 w 293329"/>
+                <ns1:gd name="T33" fmla="*/ 8233637 h 293332"/>
+                <ns1:gd name="T34" fmla="*/ 10080391 w 293329"/>
+                <ns1:gd name="T35" fmla="*/ 8233637 h 293332"/>
+                <ns1:gd name="T36" fmla="*/ 9388267 w 293329"/>
+                <ns1:gd name="T37" fmla="*/ 7554479 h 293332"/>
+                <ns1:gd name="T38" fmla="*/ 1198367 w 293329"/>
+                <ns1:gd name="T39" fmla="*/ 8925645 h 293332"/>
+                <ns1:gd name="T40" fmla="*/ 5130248 w 293329"/>
+                <ns1:gd name="T41" fmla="*/ 6689459 h 293332"/>
+                <ns1:gd name="T42" fmla="*/ 6635580 w 293329"/>
+                <ns1:gd name="T43" fmla="*/ 7022186 h 293332"/>
+                <ns1:gd name="T44" fmla="*/ 5130248 w 293329"/>
+                <ns1:gd name="T45" fmla="*/ 6689459 h 293332"/>
+                <ns1:gd name="T46" fmla="*/ 6792622 w 293329"/>
+                <ns1:gd name="T47" fmla="*/ 5753460 h 293332"/>
+                <ns1:gd name="T48" fmla="*/ 4960060 w 293329"/>
+                <ns1:gd name="T49" fmla="*/ 5753460 h 293332"/>
+                <ns1:gd name="T50" fmla="*/ 4394049 w 293329"/>
+                <ns1:gd name="T51" fmla="*/ 8425350 h 293332"/>
+                <ns1:gd name="T52" fmla="*/ 4394049 w 293329"/>
+                <ns1:gd name="T53" fmla="*/ 4434924 h 293332"/>
+                <ns1:gd name="T54" fmla="*/ 3801866 w 293329"/>
+                <ns1:gd name="T55" fmla="*/ 8425350 h 293332"/>
+                <ns1:gd name="T56" fmla="*/ 3801866 w 293329"/>
+                <ns1:gd name="T57" fmla="*/ 4434924 h 293332"/>
+                <ns1:gd name="T58" fmla="*/ 10173087 w 293329"/>
+                <ns1:gd name="T59" fmla="*/ 3648251 h 293332"/>
+                <ns1:gd name="T60" fmla="*/ 9880272 w 293329"/>
+                <ns1:gd name="T61" fmla="*/ 7355373 h 293332"/>
+                <ns1:gd name="T62" fmla="*/ 9960128 w 293329"/>
+                <ns1:gd name="T63" fmla="*/ 3543768 h 293332"/>
+                <ns1:gd name="T64" fmla="*/ 882485 w 293329"/>
+                <ns1:gd name="T65" fmla="*/ 7043025 h 293332"/>
+                <ns1:gd name="T66" fmla="*/ 572838 w 293329"/>
+                <ns1:gd name="T67" fmla="*/ 7161164 h 293332"/>
+                <ns1:gd name="T68" fmla="*/ 3801866 w 293329"/>
+                <ns1:gd name="T69" fmla="*/ 3139719 h 293332"/>
+                <ns1:gd name="T70" fmla="*/ 6999706 w 293329"/>
+                <ns1:gd name="T71" fmla="*/ 4120936 h 293332"/>
+                <ns1:gd name="T72" fmla="*/ 3801866 w 293329"/>
+                <ns1:gd name="T73" fmla="*/ 2825664 h 293332"/>
+                <ns1:gd name="T74" fmla="*/ 7486601 w 293329"/>
+                <ns1:gd name="T75" fmla="*/ 3139719 h 293332"/>
+                <ns1:gd name="T76" fmla="*/ 7486601 w 293329"/>
+                <ns1:gd name="T77" fmla="*/ 4120936 h 293332"/>
+                <ns1:gd name="T78" fmla="*/ 7486601 w 293329"/>
+                <ns1:gd name="T79" fmla="*/ 8752426 h 293332"/>
+                <ns1:gd name="T80" fmla="*/ 2999112 w 293329"/>
+                <ns1:gd name="T81" fmla="*/ 3623786 h 293332"/>
+                <ns1:gd name="T82" fmla="*/ 8646767 w 293329"/>
+                <ns1:gd name="T83" fmla="*/ 1554601 h 293332"/>
+                <ns1:gd name="T84" fmla="*/ 10330586 w 293329"/>
+                <ns1:gd name="T85" fmla="*/ 2789136 h 293332"/>
+                <ns1:gd name="T86" fmla="*/ 10213098 w 293329"/>
+                <ns1:gd name="T87" fmla="*/ 1333651 h 293332"/>
+                <ns1:gd name="T88" fmla="*/ 10656909 w 293329"/>
+                <ns1:gd name="T89" fmla="*/ 2945074 h 293332"/>
+                <ns1:gd name="T90" fmla="*/ 8189923 w 293329"/>
+                <ns1:gd name="T91" fmla="*/ 2945074 h 293332"/>
+                <ns1:gd name="T92" fmla="*/ 8633732 w 293329"/>
+                <ns1:gd name="T93" fmla="*/ 1333651 h 293332"/>
+                <ns1:gd name="T94" fmla="*/ 313320 w 293329"/>
+                <ns1:gd name="T95" fmla="*/ 1957394 h 293332"/>
+                <ns1:gd name="T96" fmla="*/ 2153785 w 293329"/>
+                <ns1:gd name="T97" fmla="*/ 1957394 h 293332"/>
+                <ns1:gd name="T98" fmla="*/ 2245154 w 293329"/>
+                <ns1:gd name="T99" fmla="*/ 1346649 h 293332"/>
+                <ns1:gd name="T100" fmla="*/ 2310348 w 293329"/>
+                <ns1:gd name="T101" fmla="*/ 3101058 h 293332"/>
+                <ns1:gd name="T102" fmla="*/ 0 w 293329"/>
+                <ns1:gd name="T103" fmla="*/ 1957394 h 293332"/>
+                <ns1:gd name="T104" fmla="*/ 9388267 w 293329"/>
+                <ns1:gd name="T105" fmla="*/ 307485 h 293332"/>
+                <ns1:gd name="T106" fmla="*/ 9759991 w 293329"/>
+                <ns1:gd name="T107" fmla="*/ 679246 h 293332"/>
+                <ns1:gd name="T108" fmla="*/ 826690 w 293329"/>
+                <ns1:gd name="T109" fmla="*/ 679246 h 293332"/>
+                <ns1:gd name="T110" fmla="*/ 1198367 w 293329"/>
+                <ns1:gd name="T111" fmla="*/ 307485 h 293332"/>
+                <ns1:gd name="T112" fmla="*/ 8022361 w 293329"/>
+                <ns1:gd name="T113" fmla="*/ 1208071 h 293332"/>
+                <ns1:gd name="T114" fmla="*/ 2720558 w 293329"/>
+                <ns1:gd name="T115" fmla="*/ 1286932 h 293332"/>
+                <ns1:gd name="T116" fmla="*/ 5293109 w 293329"/>
+                <ns1:gd name="T117" fmla="*/ 246183 h 293332"/>
+                <ns1:gd name="T118" fmla="*/ 9388267 w 293329"/>
+                <ns1:gd name="T119" fmla="*/ 1371250 h 293332"/>
+                <ns1:gd name="T120" fmla="*/ 1198367 w 293329"/>
+                <ns1:gd name="T121" fmla="*/ 0 h 293332"/>
+                <ns1:gd name="T122" fmla="*/ 519153 w 293329"/>
+                <ns1:gd name="T123" fmla="*/ 679246 h 293332"/>
+                <ns1:gd name="T124" fmla="*/ 0 60000 65536"/>
+                <ns1:gd name="T125" fmla="*/ 0 60000 65536"/>
+                <ns1:gd name="T126" fmla="*/ 0 60000 65536"/>
+                <ns1:gd name="T127" fmla="*/ 0 60000 65536"/>
+                <ns1:gd name="T128" fmla="*/ 0 60000 65536"/>
+                <ns1:gd name="T129" fmla="*/ 0 60000 65536"/>
+                <ns1:gd name="T130" fmla="*/ 0 60000 65536"/>
+                <ns1:gd name="T131" fmla="*/ 0 60000 65536"/>
+                <ns1:gd name="T132" fmla="*/ 0 60000 65536"/>
+                <ns1:gd name="T133" fmla="*/ 0 60000 65536"/>
+                <ns1:gd name="T134" fmla="*/ 0 60000 65536"/>
+                <ns1:gd name="T135" fmla="*/ 0 60000 65536"/>
+                <ns1:gd name="T136" fmla="*/ 0 60000 65536"/>
+                <ns1:gd name="T137" fmla="*/ 0 60000 65536"/>
+                <ns1:gd name="T138" fmla="*/ 0 60000 65536"/>
+                <ns1:gd name="T139" fmla="*/ 0 60000 65536"/>
+                <ns1:gd name="T140" fmla="*/ 0 60000 65536"/>
+                <ns1:gd name="T141" fmla="*/ 0 60000 65536"/>
+                <ns1:gd name="T142" fmla="*/ 0 60000 65536"/>
+                <ns1:gd name="T143" fmla="*/ 0 60000 65536"/>
+                <ns1:gd name="T144" fmla="*/ 0 60000 65536"/>
+                <ns1:gd name="T145" fmla="*/ 0 60000 65536"/>
+                <ns1:gd name="T146" fmla="*/ 0 60000 65536"/>
+                <ns1:gd name="T147" fmla="*/ 0 60000 65536"/>
+                <ns1:gd name="T148" fmla="*/ 0 60000 65536"/>
+                <ns1:gd name="T149" fmla="*/ 0 60000 65536"/>
+                <ns1:gd name="T150" fmla="*/ 0 60000 65536"/>
+                <ns1:gd name="T151" fmla="*/ 0 60000 65536"/>
+                <ns1:gd name="T152" fmla="*/ 0 60000 65536"/>
+                <ns1:gd name="T153" fmla="*/ 0 60000 65536"/>
+                <ns1:gd name="T154" fmla="*/ 0 60000 65536"/>
+                <ns1:gd name="T155" fmla="*/ 0 60000 65536"/>
+                <ns1:gd name="T156" fmla="*/ 0 60000 65536"/>
+                <ns1:gd name="T157" fmla="*/ 0 60000 65536"/>
+                <ns1:gd name="T158" fmla="*/ 0 60000 65536"/>
+                <ns1:gd name="T159" fmla="*/ 0 60000 65536"/>
+                <ns1:gd name="T160" fmla="*/ 0 60000 65536"/>
+                <ns1:gd name="T161" fmla="*/ 0 60000 65536"/>
+                <ns1:gd name="T162" fmla="*/ 0 60000 65536"/>
+                <ns1:gd name="T163" fmla="*/ 0 60000 65536"/>
+                <ns1:gd name="T164" fmla="*/ 0 60000 65536"/>
+                <ns1:gd name="T165" fmla="*/ 0 60000 65536"/>
+                <ns1:gd name="T166" fmla="*/ 0 60000 65536"/>
+                <ns1:gd name="T167" fmla="*/ 0 60000 65536"/>
+                <ns1:gd name="T168" fmla="*/ 0 60000 65536"/>
+                <ns1:gd name="T169" fmla="*/ 0 60000 65536"/>
+                <ns1:gd name="T170" fmla="*/ 0 60000 65536"/>
+                <ns1:gd name="T171" fmla="*/ 0 60000 65536"/>
+                <ns1:gd name="T172" fmla="*/ 0 60000 65536"/>
+                <ns1:gd name="T173" fmla="*/ 0 60000 65536"/>
+                <ns1:gd name="T174" fmla="*/ 0 60000 65536"/>
+                <ns1:gd name="T175" fmla="*/ 0 60000 65536"/>
+                <ns1:gd name="T176" fmla="*/ 0 60000 65536"/>
+                <ns1:gd name="T177" fmla="*/ 0 60000 65536"/>
+                <ns1:gd name="T178" fmla="*/ 0 60000 65536"/>
+                <ns1:gd name="T179" fmla="*/ 0 60000 65536"/>
+                <ns1:gd name="T180" fmla="*/ 0 60000 65536"/>
+                <ns1:gd name="T181" fmla="*/ 0 60000 65536"/>
+                <ns1:gd name="T182" fmla="*/ 0 60000 65536"/>
+                <ns1:gd name="T183" fmla="*/ 0 60000 65536"/>
+                <ns1:gd name="T184" fmla="*/ 0 60000 65536"/>
+                <ns1:gd name="T185" fmla="*/ 0 60000 65536"/>
+              </ns1:gdLst>
+              <ns1:ahLst/>
+              <ns1:cxnLst>
+                <ns1:cxn ang="T124">
+                  <ns1:pos x="T0" y="T1"/>
+                </ns1:cxn>
+                <ns1:cxn ang="T125">
+                  <ns1:pos x="T2" y="T3"/>
+                </ns1:cxn>
+                <ns1:cxn ang="T126">
+                  <ns1:pos x="T4" y="T5"/>
+                </ns1:cxn>
+                <ns1:cxn ang="T127">
+                  <ns1:pos x="T6" y="T7"/>
+                </ns1:cxn>
+                <ns1:cxn ang="T128">
+                  <ns1:pos x="T8" y="T9"/>
+                </ns1:cxn>
+                <ns1:cxn ang="T129">
+                  <ns1:pos x="T10" y="T11"/>
+                </ns1:cxn>
+                <ns1:cxn ang="T130">
+                  <ns1:pos x="T12" y="T13"/>
+                </ns1:cxn>
+                <ns1:cxn ang="T131">
+                  <ns1:pos x="T14" y="T15"/>
+                </ns1:cxn>
+                <ns1:cxn ang="T132">
+                  <ns1:pos x="T16" y="T17"/>
+                </ns1:cxn>
+                <ns1:cxn ang="T133">
+                  <ns1:pos x="T18" y="T19"/>
+                </ns1:cxn>
+                <ns1:cxn ang="T134">
+                  <ns1:pos x="T20" y="T21"/>
+                </ns1:cxn>
+                <ns1:cxn ang="T135">
+                  <ns1:pos x="T22" y="T23"/>
+                </ns1:cxn>
+                <ns1:cxn ang="T136">
+                  <ns1:pos x="T24" y="T25"/>
+                </ns1:cxn>
+                <ns1:cxn ang="T137">
+                  <ns1:pos x="T26" y="T27"/>
+                </ns1:cxn>
+                <ns1:cxn ang="T138">
+                  <ns1:pos x="T28" y="T29"/>
+                </ns1:cxn>
+                <ns1:cxn ang="T139">
+                  <ns1:pos x="T30" y="T31"/>
+                </ns1:cxn>
+                <ns1:cxn ang="T140">
+                  <ns1:pos x="T32" y="T33"/>
+                </ns1:cxn>
+                <ns1:cxn ang="T141">
+                  <ns1:pos x="T34" y="T35"/>
+                </ns1:cxn>
+                <ns1:cxn ang="T142">
+                  <ns1:pos x="T36" y="T37"/>
+                </ns1:cxn>
+                <ns1:cxn ang="T143">
+                  <ns1:pos x="T38" y="T39"/>
+                </ns1:cxn>
+                <ns1:cxn ang="T144">
+                  <ns1:pos x="T40" y="T41"/>
+                </ns1:cxn>
+                <ns1:cxn ang="T145">
+                  <ns1:pos x="T42" y="T43"/>
+                </ns1:cxn>
+                <ns1:cxn ang="T146">
+                  <ns1:pos x="T44" y="T45"/>
+                </ns1:cxn>
+                <ns1:cxn ang="T147">
+                  <ns1:pos x="T46" y="T47"/>
+                </ns1:cxn>
+                <ns1:cxn ang="T148">
+                  <ns1:pos x="T48" y="T49"/>
+                </ns1:cxn>
+                <ns1:cxn ang="T149">
+                  <ns1:pos x="T50" y="T51"/>
+                </ns1:cxn>
+                <ns1:cxn ang="T150">
+                  <ns1:pos x="T52" y="T53"/>
+                </ns1:cxn>
+                <ns1:cxn ang="T151">
+                  <ns1:pos x="T54" y="T55"/>
+                </ns1:cxn>
+                <ns1:cxn ang="T152">
+                  <ns1:pos x="T56" y="T57"/>
+                </ns1:cxn>
+                <ns1:cxn ang="T153">
+                  <ns1:pos x="T58" y="T59"/>
+                </ns1:cxn>
+                <ns1:cxn ang="T154">
+                  <ns1:pos x="T60" y="T61"/>
+                </ns1:cxn>
+                <ns1:cxn ang="T155">
+                  <ns1:pos x="T62" y="T63"/>
+                </ns1:cxn>
+                <ns1:cxn ang="T156">
+                  <ns1:pos x="T64" y="T65"/>
+                </ns1:cxn>
+                <ns1:cxn ang="T157">
+                  <ns1:pos x="T66" y="T67"/>
+                </ns1:cxn>
+                <ns1:cxn ang="T158">
+                  <ns1:pos x="T68" y="T69"/>
+                </ns1:cxn>
+                <ns1:cxn ang="T159">
+                  <ns1:pos x="T70" y="T71"/>
+                </ns1:cxn>
+                <ns1:cxn ang="T160">
+                  <ns1:pos x="T72" y="T73"/>
+                </ns1:cxn>
+                <ns1:cxn ang="T161">
+                  <ns1:pos x="T74" y="T75"/>
+                </ns1:cxn>
+                <ns1:cxn ang="T162">
+                  <ns1:pos x="T76" y="T77"/>
+                </ns1:cxn>
+                <ns1:cxn ang="T163">
+                  <ns1:pos x="T78" y="T79"/>
+                </ns1:cxn>
+                <ns1:cxn ang="T164">
+                  <ns1:pos x="T80" y="T81"/>
+                </ns1:cxn>
+                <ns1:cxn ang="T165">
+                  <ns1:pos x="T82" y="T83"/>
+                </ns1:cxn>
+                <ns1:cxn ang="T166">
+                  <ns1:pos x="T84" y="T85"/>
+                </ns1:cxn>
+                <ns1:cxn ang="T167">
+                  <ns1:pos x="T86" y="T87"/>
+                </ns1:cxn>
+                <ns1:cxn ang="T168">
+                  <ns1:pos x="T88" y="T89"/>
+                </ns1:cxn>
+                <ns1:cxn ang="T169">
+                  <ns1:pos x="T90" y="T91"/>
+                </ns1:cxn>
+                <ns1:cxn ang="T170">
+                  <ns1:pos x="T92" y="T93"/>
+                </ns1:cxn>
+                <ns1:cxn ang="T171">
+                  <ns1:pos x="T94" y="T95"/>
+                </ns1:cxn>
+                <ns1:cxn ang="T172">
+                  <ns1:pos x="T96" y="T97"/>
+                </ns1:cxn>
+                <ns1:cxn ang="T173">
+                  <ns1:pos x="T98" y="T99"/>
+                </ns1:cxn>
+                <ns1:cxn ang="T174">
+                  <ns1:pos x="T100" y="T101"/>
+                </ns1:cxn>
+                <ns1:cxn ang="T175">
+                  <ns1:pos x="T102" y="T103"/>
+                </ns1:cxn>
+                <ns1:cxn ang="T176">
+                  <ns1:pos x="T104" y="T105"/>
+                </ns1:cxn>
+                <ns1:cxn ang="T177">
+                  <ns1:pos x="T106" y="T107"/>
+                </ns1:cxn>
+                <ns1:cxn ang="T178">
+                  <ns1:pos x="T108" y="T109"/>
+                </ns1:cxn>
+                <ns1:cxn ang="T179">
+                  <ns1:pos x="T110" y="T111"/>
+                </ns1:cxn>
+                <ns1:cxn ang="T180">
+                  <ns1:pos x="T112" y="T113"/>
+                </ns1:cxn>
+                <ns1:cxn ang="T181">
+                  <ns1:pos x="T114" y="T115"/>
+                </ns1:cxn>
+                <ns1:cxn ang="T182">
+                  <ns1:pos x="T116" y="T117"/>
+                </ns1:cxn>
+                <ns1:cxn ang="T183">
+                  <ns1:pos x="T118" y="T119"/>
+                </ns1:cxn>
+                <ns1:cxn ang="T184">
+                  <ns1:pos x="T120" y="T121"/>
+                </ns1:cxn>
+                <ns1:cxn ang="T185">
+                  <ns1:pos x="T122" y="T123"/>
+                </ns1:cxn>
+              </ns1:cxnLst>
+              <ns1:rect l="0" t="0" r="r" b="b"/>
+              <ns1:pathLst>
+                <ns1:path w="293329" h="293332">
+                  <ns1:moveTo>
+                    <ns1:pt x="208355" y="263416"/>
+                  </ns1:moveTo>
+                  <ns1:cubicBezTo>
+                    <ns1:pt x="210511" y="261937"/>
+                    <ns1:pt x="213385" y="262677"/>
+                    <ns1:pt x="214822" y="264895"/>
+                  </ns1:cubicBezTo>
+                  <ns1:cubicBezTo>
+                    <ns1:pt x="215541" y="267483"/>
+                    <ns1:pt x="214822" y="270071"/>
+                    <ns1:pt x="212667" y="271180"/>
+                  </ns1:cubicBezTo>
+                  <ns1:cubicBezTo>
+                    <ns1:pt x="192188" y="282640"/>
+                    <ns1:pt x="169194" y="288556"/>
+                    <ns1:pt x="146201" y="288556"/>
+                  </ns1:cubicBezTo>
+                  <ns1:cubicBezTo>
+                    <ns1:pt x="124284" y="288556"/>
+                    <ns1:pt x="102728" y="283010"/>
+                    <ns1:pt x="82608" y="272659"/>
+                  </ns1:cubicBezTo>
+                  <ns1:cubicBezTo>
+                    <ns1:pt x="80093" y="271549"/>
+                    <ns1:pt x="79375" y="268592"/>
+                    <ns1:pt x="80812" y="266374"/>
+                  </ns1:cubicBezTo>
+                  <ns1:cubicBezTo>
+                    <ns1:pt x="81530" y="264155"/>
+                    <ns1:pt x="84405" y="263416"/>
+                    <ns1:pt x="86560" y="264525"/>
+                  </ns1:cubicBezTo>
+                  <ns1:cubicBezTo>
+                    <ns1:pt x="125003" y="284859"/>
+                    <ns1:pt x="170631" y="284119"/>
+                    <ns1:pt x="208355" y="263416"/>
+                  </ns1:cubicBezTo>
+                  <ns1:close/>
+                  <ns1:moveTo>
+                    <ns1:pt x="237641" y="244663"/>
+                  </ns1:moveTo>
+                  <ns1:cubicBezTo>
+                    <ns1:pt x="239437" y="246084"/>
+                    <ns1:pt x="239796" y="248926"/>
+                    <ns1:pt x="238000" y="250703"/>
+                  </ns1:cubicBezTo>
+                  <ns1:cubicBezTo>
+                    <ns1:pt x="235485" y="253900"/>
+                    <ns1:pt x="234048" y="257808"/>
+                    <ns1:pt x="234048" y="261715"/>
+                  </ns1:cubicBezTo>
+                  <ns1:lnTo>
+                    <ns1:pt x="234048" y="284451"/>
+                  </ns1:lnTo>
+                  <ns1:lnTo>
+                    <ns1:pt x="284347" y="284451"/>
+                  </ns1:lnTo>
+                  <ns1:lnTo>
+                    <ns1:pt x="284347" y="261715"/>
+                  </ns1:lnTo>
+                  <ns1:cubicBezTo>
+                    <ns1:pt x="284347" y="257808"/>
+                    <ns1:pt x="283269" y="253900"/>
+                    <ns1:pt x="280395" y="250703"/>
+                  </ns1:cubicBezTo>
+                  <ns1:cubicBezTo>
+                    <ns1:pt x="278958" y="248926"/>
+                    <ns1:pt x="278958" y="246084"/>
+                    <ns1:pt x="281113" y="244663"/>
+                  </ns1:cubicBezTo>
+                  <ns1:cubicBezTo>
+                    <ns1:pt x="282910" y="242887"/>
+                    <ns1:pt x="285784" y="243242"/>
+                    <ns1:pt x="287221" y="245019"/>
+                  </ns1:cubicBezTo>
+                  <ns1:cubicBezTo>
+                    <ns1:pt x="291173" y="249992"/>
+                    <ns1:pt x="293329" y="255676"/>
+                    <ns1:pt x="293329" y="261715"/>
+                  </ns1:cubicBezTo>
+                  <ns1:lnTo>
+                    <ns1:pt x="293329" y="289069"/>
+                  </ns1:lnTo>
+                  <ns1:cubicBezTo>
+                    <ns1:pt x="293329" y="291201"/>
+                    <ns1:pt x="291533" y="293332"/>
+                    <ns1:pt x="288658" y="293332"/>
+                  </ns1:cubicBezTo>
+                  <ns1:lnTo>
+                    <ns1:pt x="229737" y="293332"/>
+                  </ns1:lnTo>
+                  <ns1:cubicBezTo>
+                    <ns1:pt x="227222" y="293332"/>
+                    <ns1:pt x="225425" y="291201"/>
+                    <ns1:pt x="225425" y="289069"/>
+                  </ns1:cubicBezTo>
+                  <ns1:lnTo>
+                    <ns1:pt x="225425" y="261715"/>
+                  </ns1:lnTo>
+                  <ns1:cubicBezTo>
+                    <ns1:pt x="225425" y="255676"/>
+                    <ns1:pt x="227222" y="249992"/>
+                    <ns1:pt x="231174" y="245019"/>
+                  </ns1:cubicBezTo>
+                  <ns1:cubicBezTo>
+                    <ns1:pt x="232611" y="243242"/>
+                    <ns1:pt x="235844" y="242887"/>
+                    <ns1:pt x="237641" y="244663"/>
+                  </ns1:cubicBezTo>
+                  <ns1:close/>
+                  <ns1:moveTo>
+                    <ns1:pt x="12215" y="244663"/>
+                  </ns1:moveTo>
+                  <ns1:cubicBezTo>
+                    <ns1:pt x="14012" y="246084"/>
+                    <ns1:pt x="14371" y="248926"/>
+                    <ns1:pt x="12575" y="250703"/>
+                  </ns1:cubicBezTo>
+                  <ns1:cubicBezTo>
+                    <ns1:pt x="10419" y="253900"/>
+                    <ns1:pt x="8622" y="257808"/>
+                    <ns1:pt x="8622" y="261715"/>
+                  </ns1:cubicBezTo>
+                  <ns1:lnTo>
+                    <ns1:pt x="8622" y="284451"/>
+                  </ns1:lnTo>
+                  <ns1:lnTo>
+                    <ns1:pt x="59281" y="284451"/>
+                  </ns1:lnTo>
+                  <ns1:lnTo>
+                    <ns1:pt x="59281" y="261715"/>
+                  </ns1:lnTo>
+                  <ns1:cubicBezTo>
+                    <ns1:pt x="59281" y="257808"/>
+                    <ns1:pt x="57844" y="253900"/>
+                    <ns1:pt x="54969" y="250703"/>
+                  </ns1:cubicBezTo>
+                  <ns1:cubicBezTo>
+                    <ns1:pt x="53532" y="248926"/>
+                    <ns1:pt x="53892" y="246084"/>
+                    <ns1:pt x="55688" y="244663"/>
+                  </ns1:cubicBezTo>
+                  <ns1:cubicBezTo>
+                    <ns1:pt x="57844" y="242887"/>
+                    <ns1:pt x="60359" y="243242"/>
+                    <ns1:pt x="61796" y="245019"/>
+                  </ns1:cubicBezTo>
+                  <ns1:cubicBezTo>
+                    <ns1:pt x="65748" y="249992"/>
+                    <ns1:pt x="67903" y="255676"/>
+                    <ns1:pt x="67903" y="261715"/>
+                  </ns1:cubicBezTo>
+                  <ns1:lnTo>
+                    <ns1:pt x="67903" y="289069"/>
+                  </ns1:lnTo>
+                  <ns1:cubicBezTo>
+                    <ns1:pt x="67903" y="291201"/>
+                    <ns1:pt x="65748" y="293332"/>
+                    <ns1:pt x="63592" y="293332"/>
+                  </ns1:cubicBezTo>
+                  <ns1:lnTo>
+                    <ns1:pt x="4311" y="293332"/>
+                  </ns1:lnTo>
+                  <ns1:cubicBezTo>
+                    <ns1:pt x="1796" y="293332"/>
+                    <ns1:pt x="0" y="291201"/>
+                    <ns1:pt x="0" y="289069"/>
+                  </ns1:cubicBezTo>
+                  <ns1:lnTo>
+                    <ns1:pt x="0" y="261715"/>
+                  </ns1:lnTo>
+                  <ns1:cubicBezTo>
+                    <ns1:pt x="0" y="255676"/>
+                    <ns1:pt x="1796" y="249992"/>
+                    <ns1:pt x="6107" y="245019"/>
+                  </ns1:cubicBezTo>
+                  <ns1:cubicBezTo>
+                    <ns1:pt x="7545" y="243242"/>
+                    <ns1:pt x="10419" y="242887"/>
+                    <ns1:pt x="12215" y="244663"/>
+                  </ns1:cubicBezTo>
+                  <ns1:close/>
+                  <ns1:moveTo>
+                    <ns1:pt x="258410" y="216782"/>
+                  </ns1:moveTo>
+                  <ns1:cubicBezTo>
+                    <ns1:pt x="252766" y="216782"/>
+                    <ns1:pt x="248180" y="221368"/>
+                    <ns1:pt x="248180" y="226659"/>
+                  </ns1:cubicBezTo>
+                  <ns1:cubicBezTo>
+                    <ns1:pt x="248180" y="232304"/>
+                    <ns1:pt x="252766" y="236890"/>
+                    <ns1:pt x="258410" y="236890"/>
+                  </ns1:cubicBezTo>
+                  <ns1:cubicBezTo>
+                    <ns1:pt x="264055" y="236890"/>
+                    <ns1:pt x="268641" y="232304"/>
+                    <ns1:pt x="268641" y="226659"/>
+                  </ns1:cubicBezTo>
+                  <ns1:cubicBezTo>
+                    <ns1:pt x="268641" y="221368"/>
+                    <ns1:pt x="264055" y="216782"/>
+                    <ns1:pt x="258410" y="216782"/>
+                  </ns1:cubicBezTo>
+                  <ns1:close/>
+                  <ns1:moveTo>
+                    <ns1:pt x="32985" y="216782"/>
+                  </ns1:moveTo>
+                  <ns1:cubicBezTo>
+                    <ns1:pt x="27341" y="216782"/>
+                    <ns1:pt x="22754" y="221368"/>
+                    <ns1:pt x="22754" y="226659"/>
+                  </ns1:cubicBezTo>
+                  <ns1:cubicBezTo>
+                    <ns1:pt x="22754" y="232304"/>
+                    <ns1:pt x="27341" y="236890"/>
+                    <ns1:pt x="32985" y="236890"/>
+                  </ns1:cubicBezTo>
+                  <ns1:cubicBezTo>
+                    <ns1:pt x="38629" y="236890"/>
+                    <ns1:pt x="43216" y="232304"/>
+                    <ns1:pt x="43216" y="226659"/>
+                  </ns1:cubicBezTo>
+                  <ns1:cubicBezTo>
+                    <ns1:pt x="43216" y="221368"/>
+                    <ns1:pt x="38629" y="216782"/>
+                    <ns1:pt x="32985" y="216782"/>
+                  </ns1:cubicBezTo>
+                  <ns1:close/>
+                  <ns1:moveTo>
+                    <ns1:pt x="258410" y="207962"/>
+                  </ns1:moveTo>
+                  <ns1:cubicBezTo>
+                    <ns1:pt x="268994" y="207962"/>
+                    <ns1:pt x="277460" y="216429"/>
+                    <ns1:pt x="277460" y="226659"/>
+                  </ns1:cubicBezTo>
+                  <ns1:cubicBezTo>
+                    <ns1:pt x="277460" y="237243"/>
+                    <ns1:pt x="268994" y="245709"/>
+                    <ns1:pt x="258410" y="245709"/>
+                  </ns1:cubicBezTo>
+                  <ns1:cubicBezTo>
+                    <ns1:pt x="248180" y="245709"/>
+                    <ns1:pt x="239713" y="237243"/>
+                    <ns1:pt x="239713" y="226659"/>
+                  </ns1:cubicBezTo>
+                  <ns1:cubicBezTo>
+                    <ns1:pt x="239713" y="216429"/>
+                    <ns1:pt x="248180" y="207962"/>
+                    <ns1:pt x="258410" y="207962"/>
+                  </ns1:cubicBezTo>
+                  <ns1:close/>
+                  <ns1:moveTo>
+                    <ns1:pt x="32985" y="207962"/>
+                  </ns1:moveTo>
+                  <ns1:cubicBezTo>
+                    <ns1:pt x="43568" y="207962"/>
+                    <ns1:pt x="52035" y="216429"/>
+                    <ns1:pt x="52035" y="226659"/>
+                  </ns1:cubicBezTo>
+                  <ns1:cubicBezTo>
+                    <ns1:pt x="52035" y="237243"/>
+                    <ns1:pt x="43568" y="245709"/>
+                    <ns1:pt x="32985" y="245709"/>
+                  </ns1:cubicBezTo>
+                  <ns1:cubicBezTo>
+                    <ns1:pt x="22754" y="245709"/>
+                    <ns1:pt x="14288" y="237243"/>
+                    <ns1:pt x="14288" y="226659"/>
+                  </ns1:cubicBezTo>
+                  <ns1:cubicBezTo>
+                    <ns1:pt x="14288" y="216429"/>
+                    <ns1:pt x="22754" y="207962"/>
+                    <ns1:pt x="32985" y="207962"/>
+                  </ns1:cubicBezTo>
+                  <ns1:close/>
+                  <ns1:moveTo>
+                    <ns1:pt x="141209" y="184150"/>
+                  </ns1:moveTo>
+                  <ns1:lnTo>
+                    <ns1:pt x="182642" y="184150"/>
+                  </ns1:lnTo>
+                  <ns1:cubicBezTo>
+                    <ns1:pt x="185164" y="184150"/>
+                    <ns1:pt x="186965" y="186348"/>
+                    <ns1:pt x="186965" y="188913"/>
+                  </ns1:cubicBezTo>
+                  <ns1:cubicBezTo>
+                    <ns1:pt x="186965" y="191477"/>
+                    <ns1:pt x="185164" y="193309"/>
+                    <ns1:pt x="182642" y="193309"/>
+                  </ns1:cubicBezTo>
+                  <ns1:lnTo>
+                    <ns1:pt x="141209" y="193309"/>
+                  </ns1:lnTo>
+                  <ns1:cubicBezTo>
+                    <ns1:pt x="138687" y="193309"/>
+                    <ns1:pt x="136525" y="191477"/>
+                    <ns1:pt x="136525" y="188913"/>
+                  </ns1:cubicBezTo>
+                  <ns1:cubicBezTo>
+                    <ns1:pt x="136525" y="186348"/>
+                    <ns1:pt x="138687" y="184150"/>
+                    <ns1:pt x="141209" y="184150"/>
+                  </ns1:cubicBezTo>
+                  <ns1:close/>
+                  <ns1:moveTo>
+                    <ns1:pt x="141209" y="153987"/>
+                  </ns1:moveTo>
+                  <ns1:lnTo>
+                    <ns1:pt x="182642" y="153987"/>
+                  </ns1:lnTo>
+                  <ns1:cubicBezTo>
+                    <ns1:pt x="185164" y="153987"/>
+                    <ns1:pt x="186965" y="155818"/>
+                    <ns1:pt x="186965" y="158383"/>
+                  </ns1:cubicBezTo>
+                  <ns1:cubicBezTo>
+                    <ns1:pt x="186965" y="160947"/>
+                    <ns1:pt x="185164" y="163145"/>
+                    <ns1:pt x="182642" y="163145"/>
+                  </ns1:cubicBezTo>
+                  <ns1:lnTo>
+                    <ns1:pt x="141209" y="163145"/>
+                  </ns1:lnTo>
+                  <ns1:cubicBezTo>
+                    <ns1:pt x="138687" y="163145"/>
+                    <ns1:pt x="136525" y="160947"/>
+                    <ns1:pt x="136525" y="158383"/>
+                  </ns1:cubicBezTo>
+                  <ns1:cubicBezTo>
+                    <ns1:pt x="136525" y="155818"/>
+                    <ns1:pt x="138687" y="153987"/>
+                    <ns1:pt x="141209" y="153987"/>
+                  </ns1:cubicBezTo>
+                  <ns1:close/>
+                  <ns1:moveTo>
+                    <ns1:pt x="120945" y="122087"/>
+                  </ns1:moveTo>
+                  <ns1:lnTo>
+                    <ns1:pt x="120945" y="231936"/>
+                  </ns1:lnTo>
+                  <ns1:lnTo>
+                    <ns1:pt x="201721" y="231936"/>
+                  </ns1:lnTo>
+                  <ns1:lnTo>
+                    <ns1:pt x="201721" y="122087"/>
+                  </ns1:lnTo>
+                  <ns1:lnTo>
+                    <ns1:pt x="120945" y="122087"/>
+                  </ns1:lnTo>
+                  <ns1:close/>
+                  <ns1:moveTo>
+                    <ns1:pt x="91243" y="117765"/>
+                  </ns1:moveTo>
+                  <ns1:lnTo>
+                    <ns1:pt x="91243" y="218610"/>
+                  </ns1:lnTo>
+                  <ns1:cubicBezTo>
+                    <ns1:pt x="91243" y="225813"/>
+                    <ns1:pt x="97401" y="231936"/>
+                    <ns1:pt x="104645" y="231936"/>
+                  </ns1:cubicBezTo>
+                  <ns1:lnTo>
+                    <ns1:pt x="112252" y="231936"/>
+                  </ns1:lnTo>
+                  <ns1:lnTo>
+                    <ns1:pt x="112252" y="122087"/>
+                  </ns1:lnTo>
+                  <ns1:lnTo>
+                    <ns1:pt x="104645" y="122087"/>
+                  </ns1:lnTo>
+                  <ns1:cubicBezTo>
+                    <ns1:pt x="99574" y="122087"/>
+                    <ns1:pt x="94865" y="120286"/>
+                    <ns1:pt x="91243" y="117765"/>
+                  </ns1:cubicBezTo>
+                  <ns1:close/>
+                  <ns1:moveTo>
+                    <ns1:pt x="274150" y="97555"/>
+                  </ns1:moveTo>
+                  <ns1:cubicBezTo>
+                    <ns1:pt x="276714" y="96837"/>
+                    <ns1:pt x="279278" y="98274"/>
+                    <ns1:pt x="280011" y="100430"/>
+                  </ns1:cubicBezTo>
+                  <ns1:cubicBezTo>
+                    <ns1:pt x="291734" y="132770"/>
+                    <ns1:pt x="291001" y="168344"/>
+                    <ns1:pt x="277813" y="199966"/>
+                  </ns1:cubicBezTo>
+                  <ns1:cubicBezTo>
+                    <ns1:pt x="277080" y="201763"/>
+                    <ns1:pt x="275249" y="202841"/>
+                    <ns1:pt x="273783" y="202841"/>
+                  </ns1:cubicBezTo>
+                  <ns1:cubicBezTo>
+                    <ns1:pt x="273051" y="202841"/>
+                    <ns1:pt x="272684" y="202841"/>
+                    <ns1:pt x="271952" y="202482"/>
+                  </ns1:cubicBezTo>
+                  <ns1:cubicBezTo>
+                    <ns1:pt x="269387" y="201404"/>
+                    <ns1:pt x="268288" y="198888"/>
+                    <ns1:pt x="269387" y="196732"/>
+                  </ns1:cubicBezTo>
+                  <ns1:cubicBezTo>
+                    <ns1:pt x="281843" y="166907"/>
+                    <ns1:pt x="282209" y="133848"/>
+                    <ns1:pt x="271585" y="103305"/>
+                  </ns1:cubicBezTo>
+                  <ns1:cubicBezTo>
+                    <ns1:pt x="270853" y="101149"/>
+                    <ns1:pt x="271952" y="98633"/>
+                    <ns1:pt x="274150" y="97555"/>
+                  </ns1:cubicBezTo>
+                  <ns1:close/>
+                  <ns1:moveTo>
+                    <ns1:pt x="20584" y="95972"/>
+                  </ns1:moveTo>
+                  <ns1:cubicBezTo>
+                    <ns1:pt x="22807" y="96695"/>
+                    <ns1:pt x="24289" y="99224"/>
+                    <ns1:pt x="23177" y="101753"/>
+                  </ns1:cubicBezTo>
+                  <ns1:cubicBezTo>
+                    <ns1:pt x="12435" y="131379"/>
+                    <ns1:pt x="12806" y="164257"/>
+                    <ns1:pt x="24289" y="193883"/>
+                  </ns1:cubicBezTo>
+                  <ns1:cubicBezTo>
+                    <ns1:pt x="25029" y="196051"/>
+                    <ns1:pt x="23918" y="198580"/>
+                    <ns1:pt x="21696" y="199664"/>
+                  </ns1:cubicBezTo>
+                  <ns1:cubicBezTo>
+                    <ns1:pt x="20955" y="199664"/>
+                    <ns1:pt x="20584" y="199664"/>
+                    <ns1:pt x="19844" y="199664"/>
+                  </ns1:cubicBezTo>
+                  <ns1:cubicBezTo>
+                    <ns1:pt x="17991" y="199664"/>
+                    <ns1:pt x="16510" y="198580"/>
+                    <ns1:pt x="15769" y="197135"/>
+                  </ns1:cubicBezTo>
+                  <ns1:cubicBezTo>
+                    <ns1:pt x="3545" y="165341"/>
+                    <ns1:pt x="3175" y="130656"/>
+                    <ns1:pt x="14658" y="98863"/>
+                  </ns1:cubicBezTo>
+                  <ns1:cubicBezTo>
+                    <ns1:pt x="15399" y="96334"/>
+                    <ns1:pt x="17991" y="95250"/>
+                    <ns1:pt x="20584" y="95972"/>
+                  </ns1:cubicBezTo>
+                  <ns1:close/>
+                  <ns1:moveTo>
+                    <ns1:pt x="104645" y="86431"/>
+                  </ns1:moveTo>
+                  <ns1:cubicBezTo>
+                    <ns1:pt x="97401" y="86431"/>
+                    <ns1:pt x="91243" y="92553"/>
+                    <ns1:pt x="91243" y="99757"/>
+                  </ns1:cubicBezTo>
+                  <ns1:cubicBezTo>
+                    <ns1:pt x="91243" y="107320"/>
+                    <ns1:pt x="97401" y="113443"/>
+                    <ns1:pt x="104645" y="113443"/>
+                  </ns1:cubicBezTo>
+                  <ns1:lnTo>
+                    <ns1:pt x="192665" y="113443"/>
+                  </ns1:lnTo>
+                  <ns1:cubicBezTo>
+                    <ns1:pt x="189405" y="104799"/>
+                    <ns1:pt x="189405" y="95435"/>
+                    <ns1:pt x="192665" y="86431"/>
+                  </ns1:cubicBezTo>
+                  <ns1:lnTo>
+                    <ns1:pt x="104645" y="86431"/>
+                  </ns1:lnTo>
+                  <ns1:close/>
+                  <ns1:moveTo>
+                    <ns1:pt x="104645" y="77787"/>
+                  </ns1:moveTo>
+                  <ns1:lnTo>
+                    <ns1:pt x="206067" y="77787"/>
+                  </ns1:lnTo>
+                  <ns1:cubicBezTo>
+                    <ns1:pt x="208603" y="77787"/>
+                    <ns1:pt x="210776" y="79948"/>
+                    <ns1:pt x="210776" y="82109"/>
+                  </ns1:cubicBezTo>
+                  <ns1:cubicBezTo>
+                    <ns1:pt x="210776" y="84630"/>
+                    <ns1:pt x="208603" y="86431"/>
+                    <ns1:pt x="206067" y="86431"/>
+                  </ns1:cubicBezTo>
+                  <ns1:lnTo>
+                    <ns1:pt x="202807" y="86431"/>
+                  </ns1:lnTo>
+                  <ns1:cubicBezTo>
+                    <ns1:pt x="198098" y="95074"/>
+                    <ns1:pt x="198098" y="104799"/>
+                    <ns1:pt x="202807" y="113443"/>
+                  </ns1:cubicBezTo>
+                  <ns1:lnTo>
+                    <ns1:pt x="206067" y="113443"/>
+                  </ns1:lnTo>
+                  <ns1:cubicBezTo>
+                    <ns1:pt x="208603" y="113443"/>
+                    <ns1:pt x="210776" y="115243"/>
+                    <ns1:pt x="210776" y="117765"/>
+                  </ns1:cubicBezTo>
+                  <ns1:lnTo>
+                    <ns1:pt x="210776" y="236258"/>
+                  </ns1:lnTo>
+                  <ns1:cubicBezTo>
+                    <ns1:pt x="210776" y="238779"/>
+                    <ns1:pt x="208603" y="240940"/>
+                    <ns1:pt x="206067" y="240940"/>
+                  </ns1:cubicBezTo>
+                  <ns1:lnTo>
+                    <ns1:pt x="104645" y="240940"/>
+                  </ns1:lnTo>
+                  <ns1:cubicBezTo>
+                    <ns1:pt x="92330" y="240940"/>
+                    <ns1:pt x="82550" y="230856"/>
+                    <ns1:pt x="82550" y="218610"/>
+                  </ns1:cubicBezTo>
+                  <ns1:lnTo>
+                    <ns1:pt x="82550" y="99757"/>
+                  </ns1:lnTo>
+                  <ns1:cubicBezTo>
+                    <ns1:pt x="82550" y="87511"/>
+                    <ns1:pt x="92330" y="77787"/>
+                    <ns1:pt x="104645" y="77787"/>
+                  </ns1:cubicBezTo>
+                  <ns1:close/>
+                  <ns1:moveTo>
+                    <ns1:pt x="237641" y="36713"/>
+                  </ns1:moveTo>
+                  <ns1:cubicBezTo>
+                    <ns1:pt x="239437" y="37787"/>
+                    <ns1:pt x="239796" y="40649"/>
+                    <ns1:pt x="238000" y="42795"/>
+                  </ns1:cubicBezTo>
+                  <ns1:cubicBezTo>
+                    <ns1:pt x="235485" y="45657"/>
+                    <ns1:pt x="234048" y="49950"/>
+                    <ns1:pt x="234048" y="53885"/>
+                  </ns1:cubicBezTo>
+                  <ns1:lnTo>
+                    <ns1:pt x="234048" y="76781"/>
+                  </ns1:lnTo>
+                  <ns1:lnTo>
+                    <ns1:pt x="284347" y="76781"/>
+                  </ns1:lnTo>
+                  <ns1:lnTo>
+                    <ns1:pt x="284347" y="53885"/>
+                  </ns1:lnTo>
+                  <ns1:cubicBezTo>
+                    <ns1:pt x="284347" y="49950"/>
+                    <ns1:pt x="282910" y="45657"/>
+                    <ns1:pt x="280395" y="42795"/>
+                  </ns1:cubicBezTo>
+                  <ns1:cubicBezTo>
+                    <ns1:pt x="278958" y="40649"/>
+                    <ns1:pt x="278958" y="37787"/>
+                    <ns1:pt x="281113" y="36713"/>
+                  </ns1:cubicBezTo>
+                  <ns1:cubicBezTo>
+                    <ns1:pt x="282910" y="34925"/>
+                    <ns1:pt x="285784" y="35282"/>
+                    <ns1:pt x="287221" y="37071"/>
+                  </ns1:cubicBezTo>
+                  <ns1:cubicBezTo>
+                    <ns1:pt x="291173" y="41722"/>
+                    <ns1:pt x="293329" y="47804"/>
+                    <ns1:pt x="293329" y="53885"/>
+                  </ns1:cubicBezTo>
+                  <ns1:lnTo>
+                    <ns1:pt x="293329" y="81074"/>
+                  </ns1:lnTo>
+                  <ns1:cubicBezTo>
+                    <ns1:pt x="293329" y="83578"/>
+                    <ns1:pt x="291533" y="85367"/>
+                    <ns1:pt x="288658" y="85367"/>
+                  </ns1:cubicBezTo>
+                  <ns1:lnTo>
+                    <ns1:pt x="229737" y="85367"/>
+                  </ns1:lnTo>
+                  <ns1:cubicBezTo>
+                    <ns1:pt x="227222" y="85367"/>
+                    <ns1:pt x="225425" y="83578"/>
+                    <ns1:pt x="225425" y="81074"/>
+                  </ns1:cubicBezTo>
+                  <ns1:lnTo>
+                    <ns1:pt x="225425" y="53885"/>
+                  </ns1:lnTo>
+                  <ns1:cubicBezTo>
+                    <ns1:pt x="225425" y="47804"/>
+                    <ns1:pt x="227222" y="41722"/>
+                    <ns1:pt x="231174" y="37071"/>
+                  </ns1:cubicBezTo>
+                  <ns1:cubicBezTo>
+                    <ns1:pt x="232970" y="35282"/>
+                    <ns1:pt x="235844" y="34925"/>
+                    <ns1:pt x="237641" y="36713"/>
+                  </ns1:cubicBezTo>
+                  <ns1:close/>
+                  <ns1:moveTo>
+                    <ns1:pt x="12215" y="36713"/>
+                  </ns1:moveTo>
+                  <ns1:cubicBezTo>
+                    <ns1:pt x="14012" y="37787"/>
+                    <ns1:pt x="14371" y="40649"/>
+                    <ns1:pt x="12575" y="42795"/>
+                  </ns1:cubicBezTo>
+                  <ns1:cubicBezTo>
+                    <ns1:pt x="10419" y="45657"/>
+                    <ns1:pt x="8622" y="49950"/>
+                    <ns1:pt x="8622" y="53885"/>
+                  </ns1:cubicBezTo>
+                  <ns1:lnTo>
+                    <ns1:pt x="8622" y="76781"/>
+                  </ns1:lnTo>
+                  <ns1:lnTo>
+                    <ns1:pt x="59281" y="76781"/>
+                  </ns1:lnTo>
+                  <ns1:lnTo>
+                    <ns1:pt x="59281" y="53885"/>
+                  </ns1:lnTo>
+                  <ns1:cubicBezTo>
+                    <ns1:pt x="59281" y="49950"/>
+                    <ns1:pt x="57844" y="45657"/>
+                    <ns1:pt x="54969" y="42795"/>
+                  </ns1:cubicBezTo>
+                  <ns1:cubicBezTo>
+                    <ns1:pt x="53532" y="40649"/>
+                    <ns1:pt x="53892" y="37787"/>
+                    <ns1:pt x="55688" y="36713"/>
+                  </ns1:cubicBezTo>
+                  <ns1:cubicBezTo>
+                    <ns1:pt x="57844" y="34925"/>
+                    <ns1:pt x="60359" y="35282"/>
+                    <ns1:pt x="61796" y="37071"/>
+                  </ns1:cubicBezTo>
+                  <ns1:cubicBezTo>
+                    <ns1:pt x="65748" y="41722"/>
+                    <ns1:pt x="67903" y="47804"/>
+                    <ns1:pt x="67903" y="53885"/>
+                  </ns1:cubicBezTo>
+                  <ns1:lnTo>
+                    <ns1:pt x="67903" y="81074"/>
+                  </ns1:lnTo>
+                  <ns1:cubicBezTo>
+                    <ns1:pt x="67903" y="83578"/>
+                    <ns1:pt x="65748" y="85367"/>
+                    <ns1:pt x="63592" y="85367"/>
+                  </ns1:cubicBezTo>
+                  <ns1:lnTo>
+                    <ns1:pt x="4311" y="85367"/>
+                  </ns1:lnTo>
+                  <ns1:cubicBezTo>
+                    <ns1:pt x="1796" y="85367"/>
+                    <ns1:pt x="0" y="83578"/>
+                    <ns1:pt x="0" y="81074"/>
+                  </ns1:cubicBezTo>
+                  <ns1:lnTo>
+                    <ns1:pt x="0" y="53885"/>
+                  </ns1:lnTo>
+                  <ns1:cubicBezTo>
+                    <ns1:pt x="0" y="47804"/>
+                    <ns1:pt x="1796" y="41722"/>
+                    <ns1:pt x="6107" y="37071"/>
+                  </ns1:cubicBezTo>
+                  <ns1:cubicBezTo>
+                    <ns1:pt x="7545" y="35282"/>
+                    <ns1:pt x="10419" y="34925"/>
+                    <ns1:pt x="12215" y="36713"/>
+                  </ns1:cubicBezTo>
+                  <ns1:close/>
+                  <ns1:moveTo>
+                    <ns1:pt x="258410" y="8466"/>
+                  </ns1:moveTo>
+                  <ns1:cubicBezTo>
+                    <ns1:pt x="252766" y="8466"/>
+                    <ns1:pt x="248180" y="13405"/>
+                    <ns1:pt x="248180" y="18697"/>
+                  </ns1:cubicBezTo>
+                  <ns1:cubicBezTo>
+                    <ns1:pt x="248180" y="24341"/>
+                    <ns1:pt x="252766" y="28928"/>
+                    <ns1:pt x="258410" y="28928"/>
+                  </ns1:cubicBezTo>
+                  <ns1:cubicBezTo>
+                    <ns1:pt x="264055" y="28928"/>
+                    <ns1:pt x="268641" y="24341"/>
+                    <ns1:pt x="268641" y="18697"/>
+                  </ns1:cubicBezTo>
+                  <ns1:cubicBezTo>
+                    <ns1:pt x="268641" y="13405"/>
+                    <ns1:pt x="264055" y="8466"/>
+                    <ns1:pt x="258410" y="8466"/>
+                  </ns1:cubicBezTo>
+                  <ns1:close/>
+                  <ns1:moveTo>
+                    <ns1:pt x="32985" y="8466"/>
+                  </ns1:moveTo>
+                  <ns1:cubicBezTo>
+                    <ns1:pt x="27341" y="8466"/>
+                    <ns1:pt x="22754" y="13405"/>
+                    <ns1:pt x="22754" y="18697"/>
+                  </ns1:cubicBezTo>
+                  <ns1:cubicBezTo>
+                    <ns1:pt x="22754" y="24341"/>
+                    <ns1:pt x="27341" y="28928"/>
+                    <ns1:pt x="32985" y="28928"/>
+                  </ns1:cubicBezTo>
+                  <ns1:cubicBezTo>
+                    <ns1:pt x="38629" y="28928"/>
+                    <ns1:pt x="43216" y="24341"/>
+                    <ns1:pt x="43216" y="18697"/>
+                  </ns1:cubicBezTo>
+                  <ns1:cubicBezTo>
+                    <ns1:pt x="43216" y="13405"/>
+                    <ns1:pt x="38629" y="8466"/>
+                    <ns1:pt x="32985" y="8466"/>
+                  </ns1:cubicBezTo>
+                  <ns1:close/>
+                  <ns1:moveTo>
+                    <ns1:pt x="145691" y="6778"/>
+                  </ns1:moveTo>
+                  <ns1:cubicBezTo>
+                    <ns1:pt x="171211" y="6778"/>
+                    <ns1:pt x="196731" y="13556"/>
+                    <ns1:pt x="219015" y="27113"/>
+                  </ns1:cubicBezTo>
+                  <ns1:cubicBezTo>
+                    <ns1:pt x="221531" y="28559"/>
+                    <ns1:pt x="221891" y="31089"/>
+                    <ns1:pt x="220813" y="33258"/>
+                  </ns1:cubicBezTo>
+                  <ns1:cubicBezTo>
+                    <ns1:pt x="219015" y="35427"/>
+                    <ns1:pt x="216499" y="36150"/>
+                    <ns1:pt x="214702" y="34704"/>
+                  </ns1:cubicBezTo>
+                  <ns1:cubicBezTo>
+                    <ns1:pt x="172648" y="9037"/>
+                    <ns1:pt x="118733" y="9037"/>
+                    <ns1:pt x="77038" y="34704"/>
+                  </ns1:cubicBezTo>
+                  <ns1:cubicBezTo>
+                    <ns1:pt x="76320" y="35427"/>
+                    <ns1:pt x="75601" y="35427"/>
+                    <ns1:pt x="74882" y="35427"/>
+                  </ns1:cubicBezTo>
+                  <ns1:cubicBezTo>
+                    <ns1:pt x="73444" y="35427"/>
+                    <ns1:pt x="72006" y="34704"/>
+                    <ns1:pt x="70928" y="33258"/>
+                  </ns1:cubicBezTo>
+                  <ns1:cubicBezTo>
+                    <ns1:pt x="69850" y="31089"/>
+                    <ns1:pt x="70209" y="28559"/>
+                    <ns1:pt x="72366" y="27113"/>
+                  </ns1:cubicBezTo>
+                  <ns1:cubicBezTo>
+                    <ns1:pt x="94651" y="13556"/>
+                    <ns1:pt x="120171" y="6778"/>
+                    <ns1:pt x="145691" y="6778"/>
+                  </ns1:cubicBezTo>
+                  <ns1:close/>
+                  <ns1:moveTo>
+                    <ns1:pt x="258410" y="0"/>
+                  </ns1:moveTo>
+                  <ns1:cubicBezTo>
+                    <ns1:pt x="268994" y="0"/>
+                    <ns1:pt x="277460" y="8466"/>
+                    <ns1:pt x="277460" y="18697"/>
+                  </ns1:cubicBezTo>
+                  <ns1:cubicBezTo>
+                    <ns1:pt x="277460" y="29280"/>
+                    <ns1:pt x="268994" y="37747"/>
+                    <ns1:pt x="258410" y="37747"/>
+                  </ns1:cubicBezTo>
+                  <ns1:cubicBezTo>
+                    <ns1:pt x="248180" y="37747"/>
+                    <ns1:pt x="239713" y="29280"/>
+                    <ns1:pt x="239713" y="18697"/>
+                  </ns1:cubicBezTo>
+                  <ns1:cubicBezTo>
+                    <ns1:pt x="239713" y="8466"/>
+                    <ns1:pt x="248180" y="0"/>
+                    <ns1:pt x="258410" y="0"/>
+                  </ns1:cubicBezTo>
+                  <ns1:close/>
+                  <ns1:moveTo>
+                    <ns1:pt x="32985" y="0"/>
+                  </ns1:moveTo>
+                  <ns1:cubicBezTo>
+                    <ns1:pt x="43568" y="0"/>
+                    <ns1:pt x="52035" y="8466"/>
+                    <ns1:pt x="52035" y="18697"/>
+                  </ns1:cubicBezTo>
+                  <ns1:cubicBezTo>
+                    <ns1:pt x="52035" y="29280"/>
+                    <ns1:pt x="43568" y="37747"/>
+                    <ns1:pt x="32985" y="37747"/>
+                  </ns1:cubicBezTo>
+                  <ns1:cubicBezTo>
+                    <ns1:pt x="22754" y="37747"/>
+                    <ns1:pt x="14288" y="29280"/>
+                    <ns1:pt x="14288" y="18697"/>
+                  </ns1:cubicBezTo>
+                  <ns1:cubicBezTo>
+                    <ns1:pt x="14288" y="8466"/>
+                    <ns1:pt x="22754" y="0"/>
+                    <ns1:pt x="32985" y="0"/>
+                  </ns1:cubicBezTo>
+                  <ns1:close/>
+                </ns1:path>
+              </ns1:pathLst>
+            </ns1:custGeom>
+            <ns1:solidFill>
+              <ns1:srgbClr val="ED8B00"/>
+            </ns1:solidFill>
+            <ns1:ln>
+              <ns1:noFill/>
+            </ns1:ln>
+          </ns0:spPr>
+          <ns0:txBody>
+            <ns1:bodyPr anchor="ctr"/>
+            <ns1:lstStyle/>
+            <ns1:p>
+              <ns1:endParaRPr lang="en-US" sz="900"/>
+            </ns1:p>
+          </ns0:txBody>
+        </ns0:sp>
+        <ns0:sp>
+          <ns0:nvSpPr>
+            <ns0:cNvPr id="19" name="Freeform 50">
+              <ns1:extLst>
+                <ns1:ext uri="{FF2B5EF4-FFF2-40B4-BE49-F238E27FC236}">
+                  <ns2:creationId id="{37A97CCD-C015-E1E9-40B7-A97B59A03B2B}"/>
+                </ns1:ext>
+              </ns1:extLst>
+            </ns0:cNvPr>
+            <ns0:cNvSpPr/>
+            <ns0:nvPr/>
+          </ns0:nvSpPr>
+          <ns0:spPr>
+            <ns1:xfrm rot="10800000">
+              <ns1:off x="3024842" y="2149813"/>
+              <ns1:ext cx="1951578" cy="2971025"/>
+            </ns1:xfrm>
+            <ns1:custGeom>
+              <ns1:avLst/>
+              <ns1:gdLst>
+                <ns1:gd name="connsiteX0" fmla="*/ 0 w 4855912"/>
+                <ns1:gd name="connsiteY0" fmla="*/ 9143998 h 9144000"/>
+                <ns1:gd name="connsiteX1" fmla="*/ 4855912 w 4855912"/>
+                <ns1:gd name="connsiteY1" fmla="*/ 9143998 h 9144000"/>
+                <ns1:gd name="connsiteX2" fmla="*/ 4855912 w 4855912"/>
+                <ns1:gd name="connsiteY2" fmla="*/ 9144000 h 9144000"/>
+                <ns1:gd name="connsiteX3" fmla="*/ 0 w 4855912"/>
+                <ns1:gd name="connsiteY3" fmla="*/ 9144000 h 9144000"/>
+                <ns1:gd name="connsiteX4" fmla="*/ 0 w 4855912"/>
+                <ns1:gd name="connsiteY4" fmla="*/ 0 h 9144000"/>
+                <ns1:gd name="connsiteX5" fmla="*/ 4855912 w 4855912"/>
+                <ns1:gd name="connsiteY5" fmla="*/ 0 h 9144000"/>
+                <ns1:gd name="connsiteX6" fmla="*/ 4855912 w 4855912"/>
+                <ns1:gd name="connsiteY6" fmla="*/ 4215866 h 9144000"/>
+                <ns1:gd name="connsiteX7" fmla="*/ 2427956 w 4855912"/>
+                <ns1:gd name="connsiteY7" fmla="*/ 2983833 h 9144000"/>
+                <ns1:gd name="connsiteX8" fmla="*/ 0 w 4855912"/>
+                <ns1:gd name="connsiteY8" fmla="*/ 4215866 h 9144000"/>
+                <ns1:gd name="connsiteX0" fmla="*/ 0 w 4855912"/>
+                <ns1:gd name="connsiteY0" fmla="*/ 9143998 h 9144000"/>
+                <ns1:gd name="connsiteX1" fmla="*/ 4855912 w 4855912"/>
+                <ns1:gd name="connsiteY1" fmla="*/ 9143998 h 9144000"/>
+                <ns1:gd name="connsiteX2" fmla="*/ 4855912 w 4855912"/>
+                <ns1:gd name="connsiteY2" fmla="*/ 9144000 h 9144000"/>
+                <ns1:gd name="connsiteX3" fmla="*/ 0 w 4855912"/>
+                <ns1:gd name="connsiteY3" fmla="*/ 9144000 h 9144000"/>
+                <ns1:gd name="connsiteX4" fmla="*/ 0 w 4855912"/>
+                <ns1:gd name="connsiteY4" fmla="*/ 9143998 h 9144000"/>
+                <ns1:gd name="connsiteX5" fmla="*/ 0 w 4855912"/>
+                <ns1:gd name="connsiteY5" fmla="*/ 794048 h 9144000"/>
+                <ns1:gd name="connsiteX6" fmla="*/ 4855912 w 4855912"/>
+                <ns1:gd name="connsiteY6" fmla="*/ 0 h 9144000"/>
+                <ns1:gd name="connsiteX7" fmla="*/ 4855912 w 4855912"/>
+                <ns1:gd name="connsiteY7" fmla="*/ 4215866 h 9144000"/>
+                <ns1:gd name="connsiteX8" fmla="*/ 2427956 w 4855912"/>
+                <ns1:gd name="connsiteY8" fmla="*/ 2983833 h 9144000"/>
+                <ns1:gd name="connsiteX9" fmla="*/ 0 w 4855912"/>
+                <ns1:gd name="connsiteY9" fmla="*/ 4215866 h 9144000"/>
+                <ns1:gd name="connsiteX10" fmla="*/ 0 w 4855912"/>
+                <ns1:gd name="connsiteY10" fmla="*/ 794048 h 9144000"/>
+                <ns1:gd name="connsiteX0" fmla="*/ 0 w 4855912"/>
+                <ns1:gd name="connsiteY0" fmla="*/ 8366845 h 8366847"/>
+                <ns1:gd name="connsiteX1" fmla="*/ 4855912 w 4855912"/>
+                <ns1:gd name="connsiteY1" fmla="*/ 8366845 h 8366847"/>
+                <ns1:gd name="connsiteX2" fmla="*/ 4855912 w 4855912"/>
+                <ns1:gd name="connsiteY2" fmla="*/ 8366847 h 8366847"/>
+                <ns1:gd name="connsiteX3" fmla="*/ 0 w 4855912"/>
+                <ns1:gd name="connsiteY3" fmla="*/ 8366847 h 8366847"/>
+                <ns1:gd name="connsiteX4" fmla="*/ 0 w 4855912"/>
+                <ns1:gd name="connsiteY4" fmla="*/ 8366845 h 8366847"/>
+                <ns1:gd name="connsiteX5" fmla="*/ 0 w 4855912"/>
+                <ns1:gd name="connsiteY5" fmla="*/ 16895 h 8366847"/>
+                <ns1:gd name="connsiteX6" fmla="*/ 4839134 w 4855912"/>
+                <ns1:gd name="connsiteY6" fmla="*/ 0 h 8366847"/>
+                <ns1:gd name="connsiteX7" fmla="*/ 4855912 w 4855912"/>
+                <ns1:gd name="connsiteY7" fmla="*/ 3438713 h 8366847"/>
+                <ns1:gd name="connsiteX8" fmla="*/ 2427956 w 4855912"/>
+                <ns1:gd name="connsiteY8" fmla="*/ 2206680 h 8366847"/>
+                <ns1:gd name="connsiteX9" fmla="*/ 0 w 4855912"/>
+                <ns1:gd name="connsiteY9" fmla="*/ 3438713 h 8366847"/>
+                <ns1:gd name="connsiteX10" fmla="*/ 0 w 4855912"/>
+                <ns1:gd name="connsiteY10" fmla="*/ 16895 h 8366847"/>
+                <ns1:gd name="connsiteX0" fmla="*/ 0 w 4857526"/>
+                <ns1:gd name="connsiteY0" fmla="*/ 8349950 h 8349952"/>
+                <ns1:gd name="connsiteX1" fmla="*/ 4855912 w 4857526"/>
+                <ns1:gd name="connsiteY1" fmla="*/ 8349950 h 8349952"/>
+                <ns1:gd name="connsiteX2" fmla="*/ 4855912 w 4857526"/>
+                <ns1:gd name="connsiteY2" fmla="*/ 8349952 h 8349952"/>
+                <ns1:gd name="connsiteX3" fmla="*/ 0 w 4857526"/>
+                <ns1:gd name="connsiteY3" fmla="*/ 8349952 h 8349952"/>
+                <ns1:gd name="connsiteX4" fmla="*/ 0 w 4857526"/>
+                <ns1:gd name="connsiteY4" fmla="*/ 8349950 h 8349952"/>
+                <ns1:gd name="connsiteX5" fmla="*/ 0 w 4857526"/>
+                <ns1:gd name="connsiteY5" fmla="*/ 0 h 8349952"/>
+                <ns1:gd name="connsiteX6" fmla="*/ 4855912 w 4857526"/>
+                <ns1:gd name="connsiteY6" fmla="*/ 0 h 8349952"/>
+                <ns1:gd name="connsiteX7" fmla="*/ 4855912 w 4857526"/>
+                <ns1:gd name="connsiteY7" fmla="*/ 3421818 h 8349952"/>
+                <ns1:gd name="connsiteX8" fmla="*/ 2427956 w 4857526"/>
+                <ns1:gd name="connsiteY8" fmla="*/ 2189785 h 8349952"/>
+                <ns1:gd name="connsiteX9" fmla="*/ 0 w 4857526"/>
+                <ns1:gd name="connsiteY9" fmla="*/ 3421818 h 8349952"/>
+                <ns1:gd name="connsiteX10" fmla="*/ 0 w 4857526"/>
+                <ns1:gd name="connsiteY10" fmla="*/ 0 h 8349952"/>
+              </ns1:gdLst>
+              <ns1:ahLst/>
+              <ns1:cxnLst>
+                <ns1:cxn ang="0">
+                  <ns1:pos x="connsiteX0" y="connsiteY0"/>
+                </ns1:cxn>
+                <ns1:cxn ang="0">
+                  <ns1:pos x="connsiteX1" y="connsiteY1"/>
+                </ns1:cxn>
+                <ns1:cxn ang="0">
+                  <ns1:pos x="connsiteX2" y="connsiteY2"/>
+                </ns1:cxn>
+                <ns1:cxn ang="0">
+                  <ns1:pos x="connsiteX3" y="connsiteY3"/>
+                </ns1:cxn>
+                <ns1:cxn ang="0">
+                  <ns1:pos x="connsiteX4" y="connsiteY4"/>
+                </ns1:cxn>
+                <ns1:cxn ang="0">
+                  <ns1:pos x="connsiteX5" y="connsiteY5"/>
+                </ns1:cxn>
+                <ns1:cxn ang="0">
+                  <ns1:pos x="connsiteX6" y="connsiteY6"/>
+                </ns1:cxn>
+                <ns1:cxn ang="0">
+                  <ns1:pos x="connsiteX7" y="connsiteY7"/>
+                </ns1:cxn>
+                <ns1:cxn ang="0">
+                  <ns1:pos x="connsiteX8" y="connsiteY8"/>
+                </ns1:cxn>
+                <ns1:cxn ang="0">
+                  <ns1:pos x="connsiteX9" y="connsiteY9"/>
+                </ns1:cxn>
+                <ns1:cxn ang="0">
+                  <ns1:pos x="connsiteX10" y="connsiteY10"/>
+                </ns1:cxn>
+              </ns1:cxnLst>
+              <ns1:rect l="l" t="t" r="r" b="b"/>
+              <ns1:pathLst>
+                <ns1:path w="4857526" h="8349952">
+                  <ns1:moveTo>
+                    <ns1:pt x="0" y="8349950"/>
+                  </ns1:moveTo>
+                  <ns1:lnTo>
+                    <ns1:pt x="4855912" y="8349950"/>
+                  </ns1:lnTo>
+                  <ns1:lnTo>
+                    <ns1:pt x="4855912" y="8349952"/>
+                  </ns1:lnTo>
+                  <ns1:lnTo>
+                    <ns1:pt x="0" y="8349952"/>
+                  </ns1:lnTo>
+                  <ns1:lnTo>
+                    <ns1:pt x="0" y="8349950"/>
+                  </ns1:lnTo>
+                  <ns1:close/>
+                  <ns1:moveTo>
+                    <ns1:pt x="0" y="0"/>
+                  </ns1:moveTo>
+                  <ns1:lnTo>
+                    <ns1:pt x="4855912" y="0"/>
+                  </ns1:lnTo>
+                  <ns1:cubicBezTo>
+                    <ns1:pt x="4861505" y="1146238"/>
+                    <ns1:pt x="4850319" y="2275580"/>
+                    <ns1:pt x="4855912" y="3421818"/>
+                  </ns1:cubicBezTo>
+                  <ns1:lnTo>
+                    <ns1:pt x="2427956" y="2189785"/>
+                  </ns1:lnTo>
+                  <ns1:lnTo>
+                    <ns1:pt x="0" y="3421818"/>
+                  </ns1:lnTo>
+                  <ns1:lnTo>
+                    <ns1:pt x="0" y="0"/>
+                  </ns1:lnTo>
+                  <ns1:close/>
+                </ns1:path>
+              </ns1:pathLst>
+            </ns1:custGeom>
+            <ns1:solidFill>
+              <ns1:schemeClr val="accent2"/>
+            </ns1:solidFill>
+            <ns1:ln>
+              <ns1:noFill/>
+            </ns1:ln>
+          </ns0:spPr>
+          <ns0:style>
+            <ns1:lnRef idx="2">
+              <ns1:schemeClr val="accent1">
+                <ns1:shade val="50000"/>
+              </ns1:schemeClr>
+            </ns1:lnRef>
+            <ns1:fillRef idx="1">
+              <ns1:schemeClr val="accent1"/>
+            </ns1:fillRef>
+            <ns1:effectRef idx="0">
+              <ns1:schemeClr val="accent1"/>
+            </ns1:effectRef>
+            <ns1:fontRef idx="minor">
+              <ns1:schemeClr val="lt1"/>
+            </ns1:fontRef>
+          </ns0:style>
+          <ns0:txBody>
+            <ns1:bodyPr rtlCol="0" anchor="ctr"/>
+            <ns1:lstStyle/>
+            <ns1:p>
+              <ns1:pPr algn="ctr"/>
+              <ns1:endParaRPr lang="en-US" sz="900"/>
+            </ns1:p>
+          </ns0:txBody>
+        </ns0:sp>
+        <ns0:sp>
+          <ns0:nvSpPr>
+            <ns0:cNvPr id="20" name="TextBox 14">
+              <ns1:extLst>
+                <ns1:ext uri="{FF2B5EF4-FFF2-40B4-BE49-F238E27FC236}">
+                  <ns2:creationId id="{78087AEC-86F9-E8B2-C10B-A49DA1E431AE}"/>
+                </ns1:ext>
+              </ns1:extLst>
+            </ns0:cNvPr>
+            <ns0:cNvSpPr txBox="1"/>
+            <ns0:nvPr/>
+          </ns0:nvSpPr>
+          <ns0:spPr>
+            <ns1:xfrm>
+              <ns1:off x="3054308" y="4357403"/>
+              <ns1:ext cx="1914319" cy="477951"/>
+            </ns1:xfrm>
+            <ns1:prstGeom prst="rect">
+              <ns1:avLst/>
+            </ns1:prstGeom>
             <ns1:noFill/>
-          </ns1:ln>
-        </ns0:spPr>
-        <ns0:txBody>
-          <ns1:bodyPr anchor="ctr"/>
-          <ns1:lstStyle/>
-          <ns1:p>
-            <ns1:endParaRPr lang="en-US" sz="900"/>
-          </ns1:p>
-        </ns0:txBody>
-      </ns0:sp>
-      <ns0:sp>
-        <ns0:nvSpPr>
-          <ns0:cNvPr id="19" name="Freeform 50">
-            <ns1:extLst>
-              <ns1:ext uri="{FF2B5EF4-FFF2-40B4-BE49-F238E27FC236}">
-                <ns2:creationId id="{37A97CCD-C015-E1E9-40B7-A97B59A03B2B}"/>
-              </ns1:ext>
-            </ns1:extLst>
-          </ns0:cNvPr>
-          <ns0:cNvSpPr/>
-          <ns0:nvPr/>
-        </ns0:nvSpPr>
-        <ns0:spPr>
-          <ns1:xfrm rot="10800000">
-            <ns1:off x="727516" y="2132805"/>
-            <ns1:ext cx="1951578" cy="2971025"/>
-          </ns1:xfrm>
-          <ns1:custGeom>
-            <ns1:avLst/>
-            <ns1:gdLst>
-              <ns1:gd name="connsiteX0" fmla="*/ 0 w 4855912"/>
-              <ns1:gd name="connsiteY0" fmla="*/ 9143998 h 9144000"/>
-              <ns1:gd name="connsiteX1" fmla="*/ 4855912 w 4855912"/>
-              <ns1:gd name="connsiteY1" fmla="*/ 9143998 h 9144000"/>
-              <ns1:gd name="connsiteX2" fmla="*/ 4855912 w 4855912"/>
-              <ns1:gd name="connsiteY2" fmla="*/ 9144000 h 9144000"/>
-              <ns1:gd name="connsiteX3" fmla="*/ 0 w 4855912"/>
-              <ns1:gd name="connsiteY3" fmla="*/ 9144000 h 9144000"/>
-              <ns1:gd name="connsiteX4" fmla="*/ 0 w 4855912"/>
-              <ns1:gd name="connsiteY4" fmla="*/ 0 h 9144000"/>
-              <ns1:gd name="connsiteX5" fmla="*/ 4855912 w 4855912"/>
-              <ns1:gd name="connsiteY5" fmla="*/ 0 h 9144000"/>
-              <ns1:gd name="connsiteX6" fmla="*/ 4855912 w 4855912"/>
-              <ns1:gd name="connsiteY6" fmla="*/ 4215866 h 9144000"/>
-              <ns1:gd name="connsiteX7" fmla="*/ 2427956 w 4855912"/>
-              <ns1:gd name="connsiteY7" fmla="*/ 2983833 h 9144000"/>
-              <ns1:gd name="connsiteX8" fmla="*/ 0 w 4855912"/>
-              <ns1:gd name="connsiteY8" fmla="*/ 4215866 h 9144000"/>
-              <ns1:gd name="connsiteX0" fmla="*/ 0 w 4855912"/>
-              <ns1:gd name="connsiteY0" fmla="*/ 9143998 h 9144000"/>
-              <ns1:gd name="connsiteX1" fmla="*/ 4855912 w 4855912"/>
-              <ns1:gd name="connsiteY1" fmla="*/ 9143998 h 9144000"/>
-              <ns1:gd name="connsiteX2" fmla="*/ 4855912 w 4855912"/>
-              <ns1:gd name="connsiteY2" fmla="*/ 9144000 h 9144000"/>
-              <ns1:gd name="connsiteX3" fmla="*/ 0 w 4855912"/>
-              <ns1:gd name="connsiteY3" fmla="*/ 9144000 h 9144000"/>
-              <ns1:gd name="connsiteX4" fmla="*/ 0 w 4855912"/>
-              <ns1:gd name="connsiteY4" fmla="*/ 9143998 h 9144000"/>
-              <ns1:gd name="connsiteX5" fmla="*/ 0 w 4855912"/>
-              <ns1:gd name="connsiteY5" fmla="*/ 794048 h 9144000"/>
-              <ns1:gd name="connsiteX6" fmla="*/ 4855912 w 4855912"/>
-              <ns1:gd name="connsiteY6" fmla="*/ 0 h 9144000"/>
-              <ns1:gd name="connsiteX7" fmla="*/ 4855912 w 4855912"/>
-              <ns1:gd name="connsiteY7" fmla="*/ 4215866 h 9144000"/>
-              <ns1:gd name="connsiteX8" fmla="*/ 2427956 w 4855912"/>
-              <ns1:gd name="connsiteY8" fmla="*/ 2983833 h 9144000"/>
-              <ns1:gd name="connsiteX9" fmla="*/ 0 w 4855912"/>
-              <ns1:gd name="connsiteY9" fmla="*/ 4215866 h 9144000"/>
-              <ns1:gd name="connsiteX10" fmla="*/ 0 w 4855912"/>
-              <ns1:gd name="connsiteY10" fmla="*/ 794048 h 9144000"/>
-              <ns1:gd name="connsiteX0" fmla="*/ 0 w 4855912"/>
-              <ns1:gd name="connsiteY0" fmla="*/ 8366845 h 8366847"/>
-              <ns1:gd name="connsiteX1" fmla="*/ 4855912 w 4855912"/>
-              <ns1:gd name="connsiteY1" fmla="*/ 8366845 h 8366847"/>
-              <ns1:gd name="connsiteX2" fmla="*/ 4855912 w 4855912"/>
-              <ns1:gd name="connsiteY2" fmla="*/ 8366847 h 8366847"/>
-              <ns1:gd name="connsiteX3" fmla="*/ 0 w 4855912"/>
-              <ns1:gd name="connsiteY3" fmla="*/ 8366847 h 8366847"/>
-              <ns1:gd name="connsiteX4" fmla="*/ 0 w 4855912"/>
-              <ns1:gd name="connsiteY4" fmla="*/ 8366845 h 8366847"/>
-              <ns1:gd name="connsiteX5" fmla="*/ 0 w 4855912"/>
-              <ns1:gd name="connsiteY5" fmla="*/ 16895 h 8366847"/>
-              <ns1:gd name="connsiteX6" fmla="*/ 4839134 w 4855912"/>
-              <ns1:gd name="connsiteY6" fmla="*/ 0 h 8366847"/>
-              <ns1:gd name="connsiteX7" fmla="*/ 4855912 w 4855912"/>
-              <ns1:gd name="connsiteY7" fmla="*/ 3438713 h 8366847"/>
-              <ns1:gd name="connsiteX8" fmla="*/ 2427956 w 4855912"/>
-              <ns1:gd name="connsiteY8" fmla="*/ 2206680 h 8366847"/>
-              <ns1:gd name="connsiteX9" fmla="*/ 0 w 4855912"/>
-              <ns1:gd name="connsiteY9" fmla="*/ 3438713 h 8366847"/>
-              <ns1:gd name="connsiteX10" fmla="*/ 0 w 4855912"/>
-              <ns1:gd name="connsiteY10" fmla="*/ 16895 h 8366847"/>
-              <ns1:gd name="connsiteX0" fmla="*/ 0 w 4857526"/>
-              <ns1:gd name="connsiteY0" fmla="*/ 8349950 h 8349952"/>
-              <ns1:gd name="connsiteX1" fmla="*/ 4855912 w 4857526"/>
-              <ns1:gd name="connsiteY1" fmla="*/ 8349950 h 8349952"/>
-              <ns1:gd name="connsiteX2" fmla="*/ 4855912 w 4857526"/>
-              <ns1:gd name="connsiteY2" fmla="*/ 8349952 h 8349952"/>
-              <ns1:gd name="connsiteX3" fmla="*/ 0 w 4857526"/>
-              <ns1:gd name="connsiteY3" fmla="*/ 8349952 h 8349952"/>
-              <ns1:gd name="connsiteX4" fmla="*/ 0 w 4857526"/>
-              <ns1:gd name="connsiteY4" fmla="*/ 8349950 h 8349952"/>
-              <ns1:gd name="connsiteX5" fmla="*/ 0 w 4857526"/>
-              <ns1:gd name="connsiteY5" fmla="*/ 0 h 8349952"/>
-              <ns1:gd name="connsiteX6" fmla="*/ 4855912 w 4857526"/>
-              <ns1:gd name="connsiteY6" fmla="*/ 0 h 8349952"/>
-              <ns1:gd name="connsiteX7" fmla="*/ 4855912 w 4857526"/>
-              <ns1:gd name="connsiteY7" fmla="*/ 3421818 h 8349952"/>
-              <ns1:gd name="connsiteX8" fmla="*/ 2427956 w 4857526"/>
-              <ns1:gd name="connsiteY8" fmla="*/ 2189785 h 8349952"/>
-              <ns1:gd name="connsiteX9" fmla="*/ 0 w 4857526"/>
-              <ns1:gd name="connsiteY9" fmla="*/ 3421818 h 8349952"/>
-              <ns1:gd name="connsiteX10" fmla="*/ 0 w 4857526"/>
-              <ns1:gd name="connsiteY10" fmla="*/ 0 h 8349952"/>
-            </ns1:gdLst>
-            <ns1:ahLst/>
-            <ns1:cxnLst>
-              <ns1:cxn ang="0">
-                <ns1:pos x="connsiteX0" y="connsiteY0"/>
-              </ns1:cxn>
-              <ns1:cxn ang="0">
-                <ns1:pos x="connsiteX1" y="connsiteY1"/>
-              </ns1:cxn>
-              <ns1:cxn ang="0">
-                <ns1:pos x="connsiteX2" y="connsiteY2"/>
-              </ns1:cxn>
-              <ns1:cxn ang="0">
-                <ns1:pos x="connsiteX3" y="connsiteY3"/>
-              </ns1:cxn>
-              <ns1:cxn ang="0">
-                <ns1:pos x="connsiteX4" y="connsiteY4"/>
-              </ns1:cxn>
-              <ns1:cxn ang="0">
-                <ns1:pos x="connsiteX5" y="connsiteY5"/>
-              </ns1:cxn>
-              <ns1:cxn ang="0">
-                <ns1:pos x="connsiteX6" y="connsiteY6"/>
-              </ns1:cxn>
-              <ns1:cxn ang="0">
-                <ns1:pos x="connsiteX7" y="connsiteY7"/>
-              </ns1:cxn>
-              <ns1:cxn ang="0">
-                <ns1:pos x="connsiteX8" y="connsiteY8"/>
-              </ns1:cxn>
-              <ns1:cxn ang="0">
-                <ns1:pos x="connsiteX9" y="connsiteY9"/>
-              </ns1:cxn>
-              <ns1:cxn ang="0">
-                <ns1:pos x="connsiteX10" y="connsiteY10"/>
-              </ns1:cxn>
-            </ns1:cxnLst>
-            <ns1:rect l="l" t="t" r="r" b="b"/>
-            <ns1:pathLst>
-              <ns1:path w="4857526" h="8349952">
-                <ns1:moveTo>
-                  <ns1:pt x="0" y="8349950"/>
-                </ns1:moveTo>
-                <ns1:lnTo>
-                  <ns1:pt x="4855912" y="8349950"/>
-                </ns1:lnTo>
-                <ns1:lnTo>
-                  <ns1:pt x="4855912" y="8349952"/>
-                </ns1:lnTo>
-                <ns1:lnTo>
-                  <ns1:pt x="0" y="8349952"/>
-                </ns1:lnTo>
-                <ns1:lnTo>
-                  <ns1:pt x="0" y="8349950"/>
-                </ns1:lnTo>
-                <ns1:close/>
-                <ns1:moveTo>
-                  <ns1:pt x="0" y="0"/>
-                </ns1:moveTo>
-                <ns1:lnTo>
-                  <ns1:pt x="4855912" y="0"/>
-                </ns1:lnTo>
-                <ns1:cubicBezTo>
-                  <ns1:pt x="4861505" y="1146238"/>
-                  <ns1:pt x="4850319" y="2275580"/>
-                  <ns1:pt x="4855912" y="3421818"/>
-                </ns1:cubicBezTo>
-                <ns1:lnTo>
-                  <ns1:pt x="2427956" y="2189785"/>
-                </ns1:lnTo>
-                <ns1:lnTo>
-                  <ns1:pt x="0" y="3421818"/>
-                </ns1:lnTo>
-                <ns1:lnTo>
-                  <ns1:pt x="0" y="0"/>
-                </ns1:lnTo>
-                <ns1:close/>
-              </ns1:path>
-            </ns1:pathLst>
-          </ns1:custGeom>
-          <ns1:solidFill>
-            <ns1:schemeClr val="accent2"/>
-          </ns1:solidFill>
-          <ns1:ln>
+          </ns0:spPr>
+          <ns0:txBody>
+            <ns1:bodyPr wrap="square" rtlCol="0">
+              <ns1:spAutoFit/>
+            </ns1:bodyPr>
+            <ns1:lstStyle/>
+            <ns1:p>
+              <ns1:pPr algn="ctr">
+                <ns1:lnSpc>
+                  <ns1:spcPct val="107000"/>
+                </ns1:lnSpc>
+                <ns1:spcAft>
+                  <ns1:spcPts val="800"/>
+                </ns1:spcAft>
+              </ns1:pPr>
+              <ns1:r>
+                <ns1:rPr lang="en-GB" sz="1200" dirty="0">
+                  <ns1:solidFill>
+                    <ns1:schemeClr val="bg1"/>
+                  </ns1:solidFill>
+                  <ns1:latin typeface="Open Sans" panose="020B0606030504020204" pitchFamily="34" charset="0"/>
+                  <ns1:ea typeface="Open Sans" panose="020B0606030504020204" pitchFamily="34" charset="0"/>
+                  <ns1:cs typeface="Open Sans" panose="020B0606030504020204" pitchFamily="34" charset="0"/>
+                </ns1:rPr>
+                <ns1:t>Supplier management could be costing you</ns1:t>
+              </ns1:r>
+            </ns1:p>
+          </ns0:txBody>
+        </ns0:sp>
+        <ns0:sp>
+          <ns0:nvSpPr>
+            <ns0:cNvPr id="21" name="TextBox 15">
+              <ns1:extLst>
+                <ns1:ext uri="{FF2B5EF4-FFF2-40B4-BE49-F238E27FC236}">
+                  <ns2:creationId id="{758C2988-077F-715B-4765-2E7B0D4C1F34}"/>
+                </ns1:ext>
+              </ns1:extLst>
+            </ns0:cNvPr>
+            <ns0:cNvSpPr txBox="1"/>
+            <ns0:nvPr/>
+          </ns0:nvSpPr>
+          <ns0:spPr>
+            <ns1:xfrm>
+              <ns1:off x="3080009" y="5103746"/>
+              <ns1:ext cx="1892974" cy="600164"/>
+            </ns1:xfrm>
+            <ns1:prstGeom prst="rect">
+              <ns1:avLst/>
+            </ns1:prstGeom>
             <ns1:noFill/>
-          </ns1:ln>
-        </ns0:spPr>
-        <ns0:style>
-          <ns1:lnRef idx="2">
-            <ns1:schemeClr val="accent1">
-              <ns1:shade val="50000"/>
-            </ns1:schemeClr>
-          </ns1:lnRef>
-          <ns1:fillRef idx="1">
-            <ns1:schemeClr val="accent1"/>
-          </ns1:fillRef>
-          <ns1:effectRef idx="0">
-            <ns1:schemeClr val="accent1"/>
-          </ns1:effectRef>
-          <ns1:fontRef idx="minor">
-            <ns1:schemeClr val="lt1"/>
-          </ns1:fontRef>
-        </ns0:style>
-        <ns0:txBody>
-          <ns1:bodyPr rtlCol="0" anchor="ctr"/>
-          <ns1:lstStyle/>
-          <ns1:p>
-            <ns1:pPr algn="ctr"/>
-            <ns1:endParaRPr lang="en-US" sz="900"/>
-          </ns1:p>
-        </ns0:txBody>
-      </ns0:sp>
-      <ns0:sp>
-        <ns0:nvSpPr>
-          <ns0:cNvPr id="20" name="TextBox 14">
-            <ns1:extLst>
-              <ns1:ext uri="{FF2B5EF4-FFF2-40B4-BE49-F238E27FC236}">
-                <ns2:creationId id="{78087AEC-86F9-E8B2-C10B-A49DA1E431AE}"/>
-              </ns1:ext>
-            </ns1:extLst>
-          </ns0:cNvPr>
-          <ns0:cNvSpPr txBox="1"/>
-          <ns0:nvPr/>
-        </ns0:nvSpPr>
-        <ns0:spPr>
-          <ns1:xfrm>
-            <ns1:off x="756982" y="4340395"/>
-            <ns1:ext cx="1914319" cy="477951"/>
-          </ns1:xfrm>
-          <ns1:prstGeom prst="rect">
-            <ns1:avLst/>
-          </ns1:prstGeom>
-          <ns1:noFill/>
-        </ns0:spPr>
-        <ns0:txBody>
-          <ns1:bodyPr wrap="square" rtlCol="0">
-            <ns1:spAutoFit/>
-          </ns1:bodyPr>
-          <ns1:lstStyle/>
-          <ns1:p>
-            <ns1:pPr algn="ctr">
-              <ns1:lnSpc>
-                <ns1:spcPct val="107000"/>
-              </ns1:lnSpc>
-              <ns1:spcAft>
-                <ns1:spcPts val="800"/>
-              </ns1:spcAft>
-            </ns1:pPr>
-            <ns1:r>
-              <ns1:rPr lang="en-GB" sz="1200" dirty="0">
-                <ns1:solidFill>
-                  <ns1:schemeClr val="bg1"/>
-                </ns1:solidFill>
-                <ns1:latin typeface="Open Sans" panose="020B0606030504020204" pitchFamily="34" charset="0"/>
-                <ns1:ea typeface="Open Sans" panose="020B0606030504020204" pitchFamily="34" charset="0"/>
-                <ns1:cs typeface="Open Sans" panose="020B0606030504020204" pitchFamily="34" charset="0"/>
-              </ns1:rPr>
-              <ns1:t>Supplier management could be costing you</ns1:t>
-            </ns1:r>
-          </ns1:p>
-        </ns0:txBody>
-      </ns0:sp>
-      <ns0:sp>
-        <ns0:nvSpPr>
-          <ns0:cNvPr id="21" name="TextBox 15">
-            <ns1:extLst>
-              <ns1:ext uri="{FF2B5EF4-FFF2-40B4-BE49-F238E27FC236}">
-                <ns2:creationId id="{758C2988-077F-715B-4765-2E7B0D4C1F34}"/>
-              </ns1:ext>
-            </ns1:extLst>
-          </ns0:cNvPr>
-          <ns0:cNvSpPr txBox="1"/>
-          <ns0:nvPr/>
-        </ns0:nvSpPr>
-        <ns0:spPr>
-          <ns1:xfrm>
-            <ns1:off x="782683" y="5086738"/>
-            <ns1:ext cx="1892974" cy="600164"/>
-          </ns1:xfrm>
-          <ns1:prstGeom prst="rect">
-            <ns1:avLst/>
-          </ns1:prstGeom>
-          <ns1:noFill/>
-        </ns0:spPr>
-        <ns0:txBody>
-          <ns1:bodyPr wrap="square" rtlCol="0">
-            <ns1:spAutoFit/>
-          </ns1:bodyPr>
-          <ns1:lstStyle/>
-          <ns1:p>
-            <ns1:pPr algn="ctr"/>
-            <ns1:r>
-              <ns1:rPr lang="en-GB" sz="2400" dirty="0">
-                <ns1:solidFill>
-                  <ns1:schemeClr val="accent2"/>
-                </ns1:solidFill>
-                <ns1:latin typeface="Open Sans" panose="020B0606030504020204" pitchFamily="34" charset="0"/>
-                <ns1:ea typeface="Open Sans" panose="020B0606030504020204" pitchFamily="34" charset="0"/>
-                <ns1:cs typeface="Open Sans" panose="020B0606030504020204" pitchFamily="34" charset="0"/>
-              </ns1:rPr>
-              <ns1:t>£</ns1:t>
-            </ns1:r>
-            <ns1:r>
-              <ns1:rPr lang="tr-TR" sz="2400" dirty="0" err="1">
-                <ns1:solidFill>
-                  <ns1:schemeClr val="accent2"/>
-                </ns1:solidFill>
-                <ns1:latin typeface="Open Sans" panose="020B0606030504020204" pitchFamily="34" charset="0"/>
-                <ns1:ea typeface="Open Sans" panose="020B0606030504020204" pitchFamily="34" charset="0"/>
-                <ns1:cs typeface="Open Sans" panose="020B0606030504020204" pitchFamily="34" charset="0"/>
-              </ns1:rPr>
-              <ns1:t>90,741</ns1:t>
-            </ns1:r>
-            <ns1:r>
-              <ns1:rPr lang="en-GB" sz="2400" dirty="0">
-                <ns1:solidFill>
-                  <ns1:schemeClr val="accent2"/>
-                </ns1:solidFill>
-                <ns1:latin typeface="Open Sans" panose="020B0606030504020204" pitchFamily="34" charset="0"/>
-                <ns1:ea typeface="Open Sans" panose="020B0606030504020204" pitchFamily="34" charset="0"/>
-                <ns1:cs typeface="Open Sans" panose="020B0606030504020204" pitchFamily="34" charset="0"/>
-              </ns1:rPr>
-              <ns1:t> </ns1:t>
-            </ns1:r>
-            <ns1:r>
-              <ns1:rPr lang="en-GB" sz="900" dirty="0">
-                <ns1:solidFill>
-                  <ns1:schemeClr val="accent2"/>
-                </ns1:solidFill>
-                <ns1:latin typeface="Open Sans" panose="020B0606030504020204" pitchFamily="34" charset="0"/>
-                <ns1:ea typeface="Open Sans" panose="020B0606030504020204" pitchFamily="34" charset="0"/>
-                <ns1:cs typeface="Open Sans" panose="020B0606030504020204" pitchFamily="34" charset="0"/>
-              </ns1:rPr>
-              <ns1:t>annually</ns1:t>
-            </ns1:r>
-          </ns1:p>
-        </ns0:txBody>
-      </ns0:sp>
+          </ns0:spPr>
+          <ns0:txBody>
+            <ns1:bodyPr wrap="square" rtlCol="0">
+              <ns1:spAutoFit/>
+            </ns1:bodyPr>
+            <ns1:lstStyle/>
+            <ns1:p>
+              <ns1:pPr algn="ctr"/>
+              <ns1:r>
+                <ns1:rPr lang="en-GB" sz="2400" dirty="0">
+                  <ns1:solidFill>
+                    <ns1:schemeClr val="accent2"/>
+                  </ns1:solidFill>
+                  <ns1:latin typeface="Open Sans" panose="020B0606030504020204" pitchFamily="34" charset="0"/>
+                  <ns1:ea typeface="Open Sans" panose="020B0606030504020204" pitchFamily="34" charset="0"/>
+                  <ns1:cs typeface="Open Sans" panose="020B0606030504020204" pitchFamily="34" charset="0"/>
+                </ns1:rPr>
+                <ns1:t>£</ns1:t>
+              </ns1:r>
+              <ns1:r>
+                <ns1:rPr lang="tr-TR" sz="2400" dirty="0" err="1">
+                  <ns1:solidFill>
+                    <ns1:schemeClr val="accent2"/>
+                  </ns1:solidFill>
+                  <ns1:latin typeface="Open Sans" panose="020B0606030504020204" pitchFamily="34" charset="0"/>
+                  <ns1:ea typeface="Open Sans" panose="020B0606030504020204" pitchFamily="34" charset="0"/>
+                  <ns1:cs typeface="Open Sans" panose="020B0606030504020204" pitchFamily="34" charset="0"/>
+                </ns1:rPr>
+                <ns1:t>90,741</ns1:t>
+              </ns1:r>
+              <ns1:r>
+                <ns1:rPr lang="en-GB" sz="2400" dirty="0">
+                  <ns1:solidFill>
+                    <ns1:schemeClr val="accent2"/>
+                  </ns1:solidFill>
+                  <ns1:latin typeface="Open Sans" panose="020B0606030504020204" pitchFamily="34" charset="0"/>
+                  <ns1:ea typeface="Open Sans" panose="020B0606030504020204" pitchFamily="34" charset="0"/>
+                  <ns1:cs typeface="Open Sans" panose="020B0606030504020204" pitchFamily="34" charset="0"/>
+                </ns1:rPr>
+                <ns1:t> </ns1:t>
+              </ns1:r>
+              <ns1:r>
+                <ns1:rPr lang="en-GB" sz="900" dirty="0">
+                  <ns1:solidFill>
+                    <ns1:schemeClr val="accent2"/>
+                  </ns1:solidFill>
+                  <ns1:latin typeface="Open Sans" panose="020B0606030504020204" pitchFamily="34" charset="0"/>
+                  <ns1:ea typeface="Open Sans" panose="020B0606030504020204" pitchFamily="34" charset="0"/>
+                  <ns1:cs typeface="Open Sans" panose="020B0606030504020204" pitchFamily="34" charset="0"/>
+                </ns1:rPr>
+                <ns1:t>annually</ns1:t>
+              </ns1:r>
+            </ns1:p>
+          </ns0:txBody>
+        </ns0:sp>
+      </ns0:grpSp>
     </ns0:spTree>
     <ns0:extLst>
       <ns0:ext uri="{BB962C8B-B14F-4D97-AF65-F5344CB8AC3E}">
@@ -45520,712 +45456,6 @@
           </ns1:p>
         </ns0:txBody>
       </ns0:sp>
-      <ns0:sp>
-        <ns0:nvSpPr>
-          <ns0:cNvPr id="22" name="Text Placeholder 3">
-            <ns1:extLst>
-              <ns1:ext uri="{FF2B5EF4-FFF2-40B4-BE49-F238E27FC236}">
-                <ns2:creationId id="{3288951C-C3BA-1397-36A8-DA901F93F551}"/>
-              </ns1:ext>
-            </ns1:extLst>
-          </ns0:cNvPr>
-          <ns0:cNvSpPr txBox="1">
-            <ns1:spLocks/>
-          </ns0:cNvSpPr>
-          <ns0:nvPr/>
-        </ns0:nvSpPr>
-        <ns0:spPr>
-          <ns1:xfrm>
-            <ns1:off x="6223817" y="1087908"/>
-            <ns1:ext cx="1656189" cy="392923"/>
-          </ns1:xfrm>
-          <ns1:prstGeom prst="rect">
-            <ns1:avLst/>
-          </ns1:prstGeom>
-        </ns0:spPr>
-        <ns0:txBody>
-          <ns1:bodyPr vert="horz" lIns="0" tIns="0" rIns="0" bIns="0" rtlCol="0" anchor="t">
-            <ns1:noAutofit/>
-          </ns1:bodyPr>
-          <ns1:lstStyle>
-            <ns1:lvl1pPr marL="342000" indent="-252000" algn="l" defTabSz="914400" rtl="0" eaLnBrk="1" latinLnBrk="0" hangingPunct="1">
-              <ns1:lnSpc>
-                <ns1:spcPct val="120000"/>
-              </ns1:lnSpc>
-              <ns1:spcBef>
-                <ns1:spcPts val="800"/>
-              </ns1:spcBef>
-              <ns1:spcAft>
-                <ns1:spcPts val="300"/>
-              </ns1:spcAft>
-              <ns1:buSzPct val="120000"/>
-              <ns1:buFont typeface="Arial" panose="020B0604020202020204" pitchFamily="34" charset="0"/>
-              <ns1:buChar char="•"/>
-              <ns1:defRPr sz="2000" kern="1200">
-                <ns1:solidFill>
-                  <ns1:schemeClr val="tx1">
-                    <ns1:lumMod val="75000"/>
-                    <ns1:lumOff val="25000"/>
-                  </ns1:schemeClr>
-                </ns1:solidFill>
-                <ns1:latin typeface="Open Sans" panose="020B0606030504020204" pitchFamily="34" charset="0"/>
-                <ns1:ea typeface="Open Sans" panose="020B0606030504020204" pitchFamily="34" charset="0"/>
-                <ns1:cs typeface="Open Sans" panose="020B0606030504020204" pitchFamily="34" charset="0"/>
-              </ns1:defRPr>
-            </ns1:lvl1pPr>
-            <ns1:lvl2pPr marL="720000" indent="-216000" algn="l" defTabSz="914400" rtl="0" eaLnBrk="1" latinLnBrk="0" hangingPunct="1">
-              <ns1:lnSpc>
-                <ns1:spcPct val="120000"/>
-              </ns1:lnSpc>
-              <ns1:spcBef>
-                <ns1:spcPts val="200"/>
-              </ns1:spcBef>
-              <ns1:spcAft>
-                <ns1:spcPts val="0"/>
-              </ns1:spcAft>
-              <ns1:buClr>
-                <ns1:schemeClr val="tx2"/>
-              </ns1:buClr>
-              <ns1:buSzPct val="110000"/>
-              <ns1:buFont typeface="Arial" panose="020B0604020202020204" pitchFamily="34" charset="0"/>
-              <ns1:buChar char="•"/>
-              <ns1:defRPr sz="1800" kern="1200">
-                <ns1:solidFill>
-                  <ns1:schemeClr val="tx1">
-                    <ns1:lumMod val="75000"/>
-                    <ns1:lumOff val="25000"/>
-                  </ns1:schemeClr>
-                </ns1:solidFill>
-                <ns1:latin typeface="Open Sans" panose="020B0606030504020204" pitchFamily="34" charset="0"/>
-                <ns1:ea typeface="Open Sans" panose="020B0606030504020204" pitchFamily="34" charset="0"/>
-                <ns1:cs typeface="Open Sans" panose="020B0606030504020204" pitchFamily="34" charset="0"/>
-              </ns1:defRPr>
-            </ns1:lvl2pPr>
-            <ns1:lvl3pPr marL="1152000" indent="-180000" algn="l" defTabSz="914400" rtl="0" eaLnBrk="1" latinLnBrk="0" hangingPunct="1">
-              <ns1:lnSpc>
-                <ns1:spcPct val="120000"/>
-              </ns1:lnSpc>
-              <ns1:spcBef>
-                <ns1:spcPts val="100"/>
-              </ns1:spcBef>
-              <ns1:spcAft>
-                <ns1:spcPts val="0"/>
-              </ns1:spcAft>
-              <ns1:buClr>
-                <ns1:schemeClr val="tx1">
-                  <ns1:lumMod val="75000"/>
-                  <ns1:lumOff val="25000"/>
-                </ns1:schemeClr>
-              </ns1:buClr>
-              <ns1:buSzPct val="130000"/>
-              <ns1:buFont typeface="Open Sans" panose="020B0606030504020204" pitchFamily="34" charset="0"/>
-              <ns1:buChar char="›"/>
-              <ns1:defRPr sz="1600" kern="1200">
-                <ns1:solidFill>
-                  <ns1:schemeClr val="tx1">
-                    <ns1:lumMod val="75000"/>
-                    <ns1:lumOff val="25000"/>
-                  </ns1:schemeClr>
-                </ns1:solidFill>
-                <ns1:latin typeface="Open Sans" panose="020B0606030504020204" pitchFamily="34" charset="0"/>
-                <ns1:ea typeface="Open Sans" panose="020B0606030504020204" pitchFamily="34" charset="0"/>
-                <ns1:cs typeface="Open Sans" panose="020B0606030504020204" pitchFamily="34" charset="0"/>
-              </ns1:defRPr>
-            </ns1:lvl3pPr>
-            <ns1:lvl4pPr marL="1512000" indent="-144000" algn="l" defTabSz="914400" rtl="0" eaLnBrk="1" latinLnBrk="0" hangingPunct="1">
-              <ns1:lnSpc>
-                <ns1:spcPct val="120000"/>
-              </ns1:lnSpc>
-              <ns1:spcBef>
-                <ns1:spcPts val="100"/>
-              </ns1:spcBef>
-              <ns1:spcAft>
-                <ns1:spcPts val="0"/>
-              </ns1:spcAft>
-              <ns1:buClr>
-                <ns1:schemeClr val="tx2"/>
-              </ns1:buClr>
-              <ns1:buSzPct val="120000"/>
-              <ns1:buFont typeface="Open Sans" panose="020B0606030504020204" pitchFamily="34" charset="0"/>
-              <ns1:buChar char="›"/>
-              <ns1:defRPr sz="1400" kern="1200">
-                <ns1:solidFill>
-                  <ns1:schemeClr val="tx1">
-                    <ns1:lumMod val="75000"/>
-                    <ns1:lumOff val="25000"/>
-                  </ns1:schemeClr>
-                </ns1:solidFill>
-                <ns1:latin typeface="Open Sans" panose="020B0606030504020204" pitchFamily="34" charset="0"/>
-                <ns1:ea typeface="Open Sans" panose="020B0606030504020204" pitchFamily="34" charset="0"/>
-                <ns1:cs typeface="Open Sans" panose="020B0606030504020204" pitchFamily="34" charset="0"/>
-              </ns1:defRPr>
-            </ns1:lvl4pPr>
-            <ns1:lvl5pPr marL="1872000" indent="-108000" algn="l" defTabSz="914400" rtl="0" eaLnBrk="1" latinLnBrk="0" hangingPunct="1">
-              <ns1:lnSpc>
-                <ns1:spcPct val="120000"/>
-              </ns1:lnSpc>
-              <ns1:spcBef>
-                <ns1:spcPts val="100"/>
-              </ns1:spcBef>
-              <ns1:spcAft>
-                <ns1:spcPts val="0"/>
-              </ns1:spcAft>
-              <ns1:buClr>
-                <ns1:schemeClr val="tx1">
-                  <ns1:lumMod val="50000"/>
-                  <ns1:lumOff val="50000"/>
-                </ns1:schemeClr>
-              </ns1:buClr>
-              <ns1:buFont typeface="Open Sans" panose="020B0606030504020204" pitchFamily="34" charset="0"/>
-              <ns1:buChar char="›"/>
-              <ns1:defRPr sz="1200" kern="1200">
-                <ns1:solidFill>
-                  <ns1:schemeClr val="tx1">
-                    <ns1:lumMod val="75000"/>
-                    <ns1:lumOff val="25000"/>
-                  </ns1:schemeClr>
-                </ns1:solidFill>
-                <ns1:latin typeface="Open Sans" panose="020B0606030504020204" pitchFamily="34" charset="0"/>
-                <ns1:ea typeface="Open Sans" panose="020B0606030504020204" pitchFamily="34" charset="0"/>
-                <ns1:cs typeface="Open Sans" panose="020B0606030504020204" pitchFamily="34" charset="0"/>
-              </ns1:defRPr>
-            </ns1:lvl5pPr>
-            <ns1:lvl6pPr marL="2514600" indent="-228600" algn="l" defTabSz="914400" rtl="0" eaLnBrk="1" latinLnBrk="0" hangingPunct="1">
-              <ns1:lnSpc>
-                <ns1:spcPct val="90000"/>
-              </ns1:lnSpc>
-              <ns1:spcBef>
-                <ns1:spcPts val="500"/>
-              </ns1:spcBef>
-              <ns1:buFont typeface="Arial" panose="020B0604020202020204" pitchFamily="34" charset="0"/>
-              <ns1:buChar char="•"/>
-              <ns1:defRPr sz="1800" kern="1200">
-                <ns1:solidFill>
-                  <ns1:schemeClr val="tx1"/>
-                </ns1:solidFill>
-                <ns1:latin typeface="+mn-lt"/>
-                <ns1:ea typeface="+mn-ea"/>
-                <ns1:cs typeface="+mn-cs"/>
-              </ns1:defRPr>
-            </ns1:lvl6pPr>
-            <ns1:lvl7pPr marL="2971800" indent="-228600" algn="l" defTabSz="914400" rtl="0" eaLnBrk="1" latinLnBrk="0" hangingPunct="1">
-              <ns1:lnSpc>
-                <ns1:spcPct val="90000"/>
-              </ns1:lnSpc>
-              <ns1:spcBef>
-                <ns1:spcPts val="500"/>
-              </ns1:spcBef>
-              <ns1:buFont typeface="Arial" panose="020B0604020202020204" pitchFamily="34" charset="0"/>
-              <ns1:buChar char="•"/>
-              <ns1:defRPr sz="1800" kern="1200">
-                <ns1:solidFill>
-                  <ns1:schemeClr val="tx1"/>
-                </ns1:solidFill>
-                <ns1:latin typeface="+mn-lt"/>
-                <ns1:ea typeface="+mn-ea"/>
-                <ns1:cs typeface="+mn-cs"/>
-              </ns1:defRPr>
-            </ns1:lvl7pPr>
-            <ns1:lvl8pPr marL="3429000" indent="-228600" algn="l" defTabSz="914400" rtl="0" eaLnBrk="1" latinLnBrk="0" hangingPunct="1">
-              <ns1:lnSpc>
-                <ns1:spcPct val="90000"/>
-              </ns1:lnSpc>
-              <ns1:spcBef>
-                <ns1:spcPts val="500"/>
-              </ns1:spcBef>
-              <ns1:buFont typeface="Arial" panose="020B0604020202020204" pitchFamily="34" charset="0"/>
-              <ns1:buChar char="•"/>
-              <ns1:defRPr sz="1800" kern="1200">
-                <ns1:solidFill>
-                  <ns1:schemeClr val="tx1"/>
-                </ns1:solidFill>
-                <ns1:latin typeface="+mn-lt"/>
-                <ns1:ea typeface="+mn-ea"/>
-                <ns1:cs typeface="+mn-cs"/>
-              </ns1:defRPr>
-            </ns1:lvl8pPr>
-            <ns1:lvl9pPr marL="3886200" indent="-228600" algn="l" defTabSz="914400" rtl="0" eaLnBrk="1" latinLnBrk="0" hangingPunct="1">
-              <ns1:lnSpc>
-                <ns1:spcPct val="90000"/>
-              </ns1:lnSpc>
-              <ns1:spcBef>
-                <ns1:spcPts val="500"/>
-              </ns1:spcBef>
-              <ns1:buFont typeface="Arial" panose="020B0604020202020204" pitchFamily="34" charset="0"/>
-              <ns1:buChar char="•"/>
-              <ns1:defRPr sz="1800" kern="1200">
-                <ns1:solidFill>
-                  <ns1:schemeClr val="tx1"/>
-                </ns1:solidFill>
-                <ns1:latin typeface="+mn-lt"/>
-                <ns1:ea typeface="+mn-ea"/>
-                <ns1:cs typeface="+mn-cs"/>
-              </ns1:defRPr>
-            </ns1:lvl9pPr>
-          </ns1:lstStyle>
-          <ns1:p>
-            <ns1:pPr marL="90170" indent="0" algn="ctr">
-              <ns1:spcAft>
-                <ns1:spcPts val="800"/>
-              </ns1:spcAft>
-              <ns1:buFont typeface="Arial" panose="020B0604020202020204" pitchFamily="34" charset="0"/>
-              <ns1:buNone/>
-            </ns1:pPr>
-            <ns1:r>
-              <ns1:rPr lang="en-GB" dirty="0">
-                <ns1:latin typeface="Open Sans"/>
-                <ns1:ea typeface="Open Sans"/>
-                <ns1:cs typeface="Open Sans"/>
-              </ns1:rPr>
-              <ns1:t>PAIN POINTS</ns1:t>
-            </ns1:r>
-          </ns1:p>
-        </ns0:txBody>
-      </ns0:sp>
-      <ns0:sp>
-        <ns0:nvSpPr>
-          <ns0:cNvPr id="10" name="Metin kutusu 9">
-            <ns1:extLst>
-              <ns1:ext uri="{FF2B5EF4-FFF2-40B4-BE49-F238E27FC236}">
-                <ns2:creationId id="{13E7FD9A-35EC-E555-4DF5-08B0049F9F6D}"/>
-              </ns1:ext>
-            </ns1:extLst>
-          </ns0:cNvPr>
-          <ns0:cNvSpPr txBox="1"/>
-          <ns0:nvPr/>
-        </ns0:nvSpPr>
-        <ns0:spPr>
-          <ns1:xfrm>
-            <ns1:off x="6235704" y="1661242"/>
-            <ns1:ext cx="1456593" cy="307777"/>
-          </ns1:xfrm>
-          <ns1:prstGeom prst="rect">
-            <ns1:avLst/>
-          </ns1:prstGeom>
-          <ns1:noFill/>
-        </ns0:spPr>
-        <ns0:txBody>
-          <ns1:bodyPr wrap="square">
-            <ns1:spAutoFit/>
-          </ns1:bodyPr>
-          <ns1:lstStyle/>
-          <ns1:p>
-            <ns1:r>
-              <ns1:rPr lang="tr-TR" sz="1200" b="1" i="0" dirty="0">
-                <ns1:solidFill>
-                  <ns1:srgbClr val="F15D22"/>
-                </ns1:solidFill>
-                <ns1:effectLst/>
-                <ns1:highlight>
-                  <ns1:srgbClr val="FFFFFF"/>
-                </ns1:highlight>
-                <ns1:latin typeface="Montserrat SemiBold" panose="00000700000000000000" pitchFamily="2" charset="0"/>
-              </ns1:rPr>
-              <ns1:t>74.4</ns1:t>
-            </ns1:r>
-            <ns1:r>
-              <ns1:rPr lang="tr-TR" sz="1400" b="1" i="0" dirty="0">
-                <ns1:solidFill>
-                  <ns1:srgbClr val="F15D22"/>
-                </ns1:solidFill>
-                <ns1:effectLst/>
-                <ns1:highlight>
-                  <ns1:srgbClr val="FFFFFF"/>
-                </ns1:highlight>
-                <ns1:latin typeface="Montserrat SemiBold" panose="00000700000000000000" pitchFamily="2" charset="0"/>
-              </ns1:rPr>
-              <ns1:t>%</ns1:t>
-            </ns1:r>
-            <ns1:endParaRPr lang="tr-TR" sz="1400" dirty="0">
-              <ns1:solidFill>
-                <ns1:srgbClr val="F15D22"/>
-              </ns1:solidFill>
-              <ns1:latin typeface="Montserrat SemiBold" panose="00000700000000000000" pitchFamily="2" charset="0"/>
-            </ns1:endParaRPr>
-          </ns1:p>
-        </ns0:txBody>
-      </ns0:sp>
-      <ns0:sp>
-        <ns0:nvSpPr>
-          <ns0:cNvPr id="11" name="Metin kutusu 10">
-            <ns1:extLst>
-              <ns1:ext uri="{FF2B5EF4-FFF2-40B4-BE49-F238E27FC236}">
-                <ns2:creationId id="{6CA06CED-FE75-4967-D0A1-C1C89359F233}"/>
-              </ns1:ext>
-            </ns1:extLst>
-          </ns0:cNvPr>
-          <ns0:cNvSpPr txBox="1"/>
-          <ns0:nvPr/>
-        </ns0:nvSpPr>
-        <ns0:spPr>
-          <ns1:xfrm>
-            <ns1:off x="7157473" y="1597426"/>
-            <ns1:ext cx="2895478" cy="646331"/>
-          </ns1:xfrm>
-          <ns1:prstGeom prst="rect">
-            <ns1:avLst/>
-          </ns1:prstGeom>
-          <ns1:noFill/>
-        </ns0:spPr>
-        <ns0:txBody>
-          <ns1:bodyPr wrap="square">
-            <ns1:spAutoFit/>
-          </ns1:bodyPr>
-          <ns1:lstStyle/>
-          <ns1:p>
-            <ns1:r>
-              <ns1:rPr lang="en-US" sz="1200" b="0" i="0" cap="all" dirty="0">
-                <ns1:solidFill>
-                  <ns1:srgbClr val="25252C"/>
-                </ns1:solidFill>
-                <ns1:effectLst/>
-                <ns1:highlight>
-                  <ns1:srgbClr val="FFFFFF"/>
-                </ns1:highlight>
-                <ns1:latin typeface="+mj-lt"/>
-              </ns1:rPr>
-              <ns1:t>Management of supplier and purchase invoices</ns1:t>
-            </ns1:r>
-            <ns1:endParaRPr lang="tr-TR" sz="1200" dirty="0">
-              <ns1:latin typeface="+mj-lt"/>
-            </ns1:endParaRPr>
-          </ns1:p>
-        </ns0:txBody>
-      </ns0:sp>
-      <ns0:cxnSp>
-        <ns0:nvCxnSpPr>
-          <ns0:cNvPr id="12" name="Düz Bağlayıcı 11">
-            <ns1:extLst>
-              <ns1:ext uri="{FF2B5EF4-FFF2-40B4-BE49-F238E27FC236}">
-                <ns2:creationId id="{B958F7CD-010C-C1DF-8A9D-47EA81947EF5}"/>
-              </ns1:ext>
-            </ns1:extLst>
-          </ns0:cNvPr>
-          <ns0:cNvCxnSpPr>
-            <ns1:cxnSpLocks/>
-          </ns0:cNvCxnSpPr>
-          <ns0:nvPr/>
-        </ns0:nvCxnSpPr>
-        <ns0:spPr>
-          <ns1:xfrm>
-            <ns1:off x="6324069" y="2186858"/>
-            <ns1:ext cx="3606511" cy="0"/>
-          </ns1:xfrm>
-          <ns1:prstGeom prst="line">
-            <ns1:avLst/>
-          </ns1:prstGeom>
-        </ns0:spPr>
-        <ns0:style>
-          <ns1:lnRef idx="1">
-            <ns1:schemeClr val="dk1"/>
-          </ns1:lnRef>
-          <ns1:fillRef idx="0">
-            <ns1:schemeClr val="dk1"/>
-          </ns1:fillRef>
-          <ns1:effectRef idx="0">
-            <ns1:schemeClr val="dk1"/>
-          </ns1:effectRef>
-          <ns1:fontRef idx="minor">
-            <ns1:schemeClr val="tx1"/>
-          </ns1:fontRef>
-        </ns0:style>
-      </ns0:cxnSp>
-      <ns0:sp>
-        <ns0:nvSpPr>
-          <ns0:cNvPr id="14" name="Metin kutusu 13">
-            <ns1:extLst>
-              <ns1:ext uri="{FF2B5EF4-FFF2-40B4-BE49-F238E27FC236}">
-                <ns2:creationId id="{DAB3ADBA-809E-E5D2-DAE4-3B5093A639E7}"/>
-              </ns1:ext>
-            </ns1:extLst>
-          </ns0:cNvPr>
-          <ns0:cNvSpPr txBox="1"/>
-          <ns0:nvPr/>
-        </ns0:nvSpPr>
-        <ns0:spPr>
-          <ns1:xfrm>
-            <ns1:off x="6235704" y="2675778"/>
-            <ns1:ext cx="1214089" cy="307777"/>
-          </ns1:xfrm>
-          <ns1:prstGeom prst="rect">
-            <ns1:avLst/>
-          </ns1:prstGeom>
-          <ns1:noFill/>
-        </ns0:spPr>
-        <ns0:txBody>
-          <ns1:bodyPr wrap="square">
-            <ns1:spAutoFit/>
-          </ns1:bodyPr>
-          <ns1:lstStyle/>
-          <ns1:p>
-            <ns1:r>
-              <ns1:rPr lang="tr-TR" sz="1200" b="1" i="0" dirty="0">
-                <ns1:solidFill>
-                  <ns1:srgbClr val="616173"/>
-                </ns1:solidFill>
-                <ns1:effectLst/>
-                <ns1:highlight>
-                  <ns1:srgbClr val="FFFFFF"/>
-                </ns1:highlight>
-                <ns1:latin typeface="Montserrat SemiBold" panose="00000700000000000000" pitchFamily="2" charset="0"/>
-              </ns1:rPr>
-              <ns1:t>2.0</ns1:t>
-            </ns1:r>
-            <ns1:r>
-              <ns1:rPr lang="tr-TR" sz="1400" b="1" i="0" dirty="0">
-                <ns1:solidFill>
-                  <ns1:srgbClr val="616173"/>
-                </ns1:solidFill>
-                <ns1:effectLst/>
-                <ns1:highlight>
-                  <ns1:srgbClr val="FFFFFF"/>
-                </ns1:highlight>
-                <ns1:latin typeface="Montserrat SemiBold" panose="00000700000000000000" pitchFamily="2" charset="0"/>
-              </ns1:rPr>
-              <ns1:t>%</ns1:t>
-            </ns1:r>
-            <ns1:endParaRPr lang="tr-TR" sz="1400" dirty="0">
-              <ns1:solidFill>
-                <ns1:srgbClr val="616173"/>
-              </ns1:solidFill>
-              <ns1:latin typeface="Montserrat SemiBold" panose="00000700000000000000" pitchFamily="2" charset="0"/>
-            </ns1:endParaRPr>
-          </ns1:p>
-        </ns0:txBody>
-      </ns0:sp>
-      <ns0:sp>
-        <ns0:nvSpPr>
-          <ns0:cNvPr id="15" name="Metin kutusu 14">
-            <ns1:extLst>
-              <ns1:ext uri="{FF2B5EF4-FFF2-40B4-BE49-F238E27FC236}">
-                <ns2:creationId id="{6554B224-FE3E-D0C6-C720-D705CCE8629C}"/>
-              </ns1:ext>
-            </ns1:extLst>
-          </ns0:cNvPr>
-          <ns0:cNvSpPr txBox="1"/>
-          <ns0:nvPr/>
-        </ns0:nvSpPr>
-        <ns0:spPr>
-          <ns1:xfrm>
-            <ns1:off x="7157473" y="2600515"/>
-            <ns1:ext cx="2712255" cy="461665"/>
-          </ns1:xfrm>
-          <ns1:prstGeom prst="rect">
-            <ns1:avLst/>
-          </ns1:prstGeom>
-          <ns1:noFill/>
-        </ns0:spPr>
-        <ns0:txBody>
-          <ns1:bodyPr wrap="square">
-            <ns1:spAutoFit/>
-          </ns1:bodyPr>
-          <ns1:lstStyle/>
-          <ns1:p>
-            <ns1:r>
-              <ns1:rPr lang="en-US" sz="1200" b="0" i="0" cap="all" dirty="0">
-                <ns1:solidFill>
-                  <ns1:srgbClr val="25252C"/>
-                </ns1:solidFill>
-                <ns1:effectLst/>
-                <ns1:highlight>
-                  <ns1:srgbClr val="FFFFFF"/>
-                </ns1:highlight>
-                <ns1:latin typeface="+mj-lt"/>
-              </ns1:rPr>
-              <ns1:t>Finance query management and dashboard reporting</ns1:t>
-            </ns1:r>
-            <ns1:endParaRPr lang="tr-TR" sz="1200" dirty="0">
-              <ns1:latin typeface="+mj-lt"/>
-            </ns1:endParaRPr>
-          </ns1:p>
-        </ns0:txBody>
-      </ns0:sp>
-      <ns0:cxnSp>
-        <ns0:nvCxnSpPr>
-          <ns0:cNvPr id="16" name="Düz Bağlayıcı 15">
-            <ns1:extLst>
-              <ns1:ext uri="{FF2B5EF4-FFF2-40B4-BE49-F238E27FC236}">
-                <ns2:creationId id="{9FA200D9-42C7-7ED5-42BE-A8C50F06FF75}"/>
-              </ns1:ext>
-            </ns1:extLst>
-          </ns0:cNvPr>
-          <ns0:cNvCxnSpPr>
-            <ns1:cxnSpLocks/>
-          </ns0:cNvCxnSpPr>
-          <ns0:nvPr/>
-        </ns0:nvCxnSpPr>
-        <ns0:spPr>
-          <ns1:xfrm>
-            <ns1:off x="6327029" y="3215547"/>
-            <ns1:ext cx="3607200" cy="0"/>
-          </ns1:xfrm>
-          <ns1:prstGeom prst="line">
-            <ns1:avLst/>
-          </ns1:prstGeom>
-        </ns0:spPr>
-        <ns0:style>
-          <ns1:lnRef idx="1">
-            <ns1:schemeClr val="dk1"/>
-          </ns1:lnRef>
-          <ns1:fillRef idx="0">
-            <ns1:schemeClr val="dk1"/>
-          </ns1:fillRef>
-          <ns1:effectRef idx="0">
-            <ns1:schemeClr val="dk1"/>
-          </ns1:effectRef>
-          <ns1:fontRef idx="minor">
-            <ns1:schemeClr val="tx1"/>
-          </ns1:fontRef>
-        </ns0:style>
-      </ns0:cxnSp>
-      <ns0:sp>
-        <ns0:nvSpPr>
-          <ns0:cNvPr id="18" name="Metin kutusu 17">
-            <ns1:extLst>
-              <ns1:ext uri="{FF2B5EF4-FFF2-40B4-BE49-F238E27FC236}">
-                <ns2:creationId id="{F5B56B55-628B-3DA3-96B2-535DE0111B67}"/>
-              </ns1:ext>
-            </ns1:extLst>
-          </ns0:cNvPr>
-          <ns0:cNvSpPr txBox="1"/>
-          <ns0:nvPr/>
-        </ns0:nvSpPr>
-        <ns0:spPr>
-          <ns1:xfrm>
-            <ns1:off x="6255890" y="3576370"/>
-            <ns1:ext cx="1337016" cy="307777"/>
-          </ns1:xfrm>
-          <ns1:prstGeom prst="rect">
-            <ns1:avLst/>
-          </ns1:prstGeom>
-          <ns1:noFill/>
-        </ns0:spPr>
-        <ns0:txBody>
-          <ns1:bodyPr wrap="square">
-            <ns1:spAutoFit/>
-          </ns1:bodyPr>
-          <ns1:lstStyle/>
-          <ns1:p>
-            <ns1:r>
-              <ns1:rPr lang="tr-TR" sz="1200" b="1" i="0" dirty="0">
-                <ns1:solidFill>
-                  <ns1:srgbClr val="F6911E"/>
-                </ns1:solidFill>
-                <ns1:effectLst/>
-                <ns1:highlight>
-                  <ns1:srgbClr val="FFFFFF"/>
-                </ns1:highlight>
-                <ns1:latin typeface="Montserrat SemiBold" panose="00000700000000000000" pitchFamily="2" charset="0"/>
-              </ns1:rPr>
-              <ns1:t>23.6</ns1:t>
-            </ns1:r>
-            <ns1:r>
-              <ns1:rPr lang="tr-TR" sz="1400" b="1" i="0" dirty="0">
-                <ns1:solidFill>
-                  <ns1:srgbClr val="F6911E"/>
-                </ns1:solidFill>
-                <ns1:effectLst/>
-                <ns1:highlight>
-                  <ns1:srgbClr val="FFFFFF"/>
-                </ns1:highlight>
-                <ns1:latin typeface="Montserrat SemiBold" panose="00000700000000000000" pitchFamily="2" charset="0"/>
-              </ns1:rPr>
-              <ns1:t>%</ns1:t>
-            </ns1:r>
-            <ns1:endParaRPr lang="tr-TR" sz="1400" dirty="0">
-              <ns1:solidFill>
-                <ns1:srgbClr val="F6911E"/>
-              </ns1:solidFill>
-              <ns1:latin typeface="Montserrat SemiBold" panose="00000700000000000000" pitchFamily="2" charset="0"/>
-            </ns1:endParaRPr>
-          </ns1:p>
-        </ns0:txBody>
-      </ns0:sp>
-      <ns0:sp>
-        <ns0:nvSpPr>
-          <ns0:cNvPr id="19" name="Metin kutusu 18">
-            <ns1:extLst>
-              <ns1:ext uri="{FF2B5EF4-FFF2-40B4-BE49-F238E27FC236}">
-                <ns2:creationId id="{5A1931FD-3DE3-56DF-A0C7-6A857636496F}"/>
-              </ns1:ext>
-            </ns1:extLst>
-          </ns0:cNvPr>
-          <ns0:cNvSpPr txBox="1"/>
-          <ns0:nvPr/>
-        </ns0:nvSpPr>
-        <ns0:spPr>
-          <ns1:xfrm>
-            <ns1:off x="7157473" y="3472474"/>
-            <ns1:ext cx="2657777" cy="646331"/>
-          </ns1:xfrm>
-          <ns1:prstGeom prst="rect">
-            <ns1:avLst/>
-          </ns1:prstGeom>
-          <ns1:noFill/>
-        </ns0:spPr>
-        <ns0:txBody>
-          <ns1:bodyPr wrap="square">
-            <ns1:spAutoFit/>
-          </ns1:bodyPr>
-          <ns1:lstStyle/>
-          <ns1:p>
-            <ns1:r>
-              <ns1:rPr lang="tr-TR" sz="1200" b="0" i="0" cap="all" dirty="0">
-                <ns1:solidFill>
-                  <ns1:srgbClr val="25252C"/>
-                </ns1:solidFill>
-                <ns1:effectLst/>
-                <ns1:highlight>
-                  <ns1:srgbClr val="FFFFFF"/>
-                </ns1:highlight>
-                <ns1:latin typeface="+mj-lt"/>
-              </ns1:rPr>
-              <ns1:t>DEBT COLLECTION ADMINISTRATION PROCESSES</ns1:t>
-            </ns1:r>
-            <ns1:endParaRPr lang="tr-TR" sz="1200" dirty="0">
-              <ns1:latin typeface="+mj-lt"/>
-            </ns1:endParaRPr>
-          </ns1:p>
-        </ns0:txBody>
-      </ns0:sp>
-      <ns0:cxnSp>
-        <ns0:nvCxnSpPr>
-          <ns0:cNvPr id="20" name="Düz Bağlayıcı 19">
-            <ns1:extLst>
-              <ns1:ext uri="{FF2B5EF4-FFF2-40B4-BE49-F238E27FC236}">
-                <ns2:creationId id="{B2C9EFC7-5934-A281-9CA9-5BF4B2674D99}"/>
-              </ns1:ext>
-            </ns1:extLst>
-          </ns0:cNvPr>
-          <ns0:cNvCxnSpPr>
-            <ns1:cxnSpLocks/>
-          </ns0:cNvCxnSpPr>
-          <ns0:nvPr/>
-        </ns0:nvCxnSpPr>
-        <ns0:spPr>
-          <ns1:xfrm>
-            <ns1:off x="6311174" y="4059227"/>
-            <ns1:ext cx="3607200" cy="0"/>
-          </ns1:xfrm>
-          <ns1:prstGeom prst="line">
-            <ns1:avLst/>
-          </ns1:prstGeom>
-        </ns0:spPr>
-        <ns0:style>
-          <ns1:lnRef idx="1">
-            <ns1:schemeClr val="dk1"/>
-          </ns1:lnRef>
-          <ns1:fillRef idx="0">
-            <ns1:schemeClr val="dk1"/>
-          </ns1:fillRef>
-          <ns1:effectRef idx="0">
-            <ns1:schemeClr val="dk1"/>
-          </ns1:effectRef>
-          <ns1:fontRef idx="minor">
-            <ns1:schemeClr val="tx1"/>
-          </ns1:fontRef>
-        </ns0:style>
-      </ns0:cxnSp>
       <ns0:graphicFrame>
         <ns0:nvGraphicFramePr>
           <ns0:cNvPr id="4" name="Chart 9">
@@ -46551,149 +45781,274 @@
           </ns1:p>
         </ns0:txBody>
       </ns0:sp>
-    </ns0:spTree>
-    <ns0:extLst>
-      <ns0:ext uri="{BB962C8B-B14F-4D97-AF65-F5344CB8AC3E}">
-        <ns3:creationId val="657890998"/>
-      </ns0:ext>
-    </ns0:extLst>
-  </ns0:cSld>
-  <ns0:clrMapOvr>
-    <ns1:masterClrMapping/>
-  </ns0:clrMapOvr>
-</ns0:sld>
-</file>
-
-<file path=ppt/slides/slide4.xml><?xml version="1.0" encoding="utf-8"?>
-<ns0:sld xmlns:ns0="http://schemas.openxmlformats.org/presentationml/2006/main" xmlns:ns1="http://schemas.openxmlformats.org/drawingml/2006/main" xmlns:ns2="http://schemas.microsoft.com/office/drawing/2014/main" xmlns:ns3="http://schemas.microsoft.com/office/powerpoint/2010/main">
-  <ns0:cSld>
-    <ns0:spTree>
-      <ns0:nvGrpSpPr>
-        <ns0:cNvPr id="1" name=""/>
-        <ns0:cNvGrpSpPr/>
-        <ns0:nvPr/>
-      </ns0:nvGrpSpPr>
-      <ns0:grpSpPr>
-        <ns1:xfrm>
-          <ns1:off x="0" y="0"/>
-          <ns1:ext cx="0" cy="0"/>
-          <ns1:chOff x="0" y="0"/>
-          <ns1:chExt cx="0" cy="0"/>
-        </ns1:xfrm>
-      </ns0:grpSpPr>
       <ns0:sp>
         <ns0:nvSpPr>
-          <ns0:cNvPr id="2" name="Slide Number Placeholder 1">
+          <ns0:cNvPr id="5" name="Text Placeholder 3">
             <ns1:extLst>
               <ns1:ext uri="{FF2B5EF4-FFF2-40B4-BE49-F238E27FC236}">
-                <ns2:creationId id="{7AF9B21B-0DB0-4A3B-2A56-3222E861E382}"/>
+                <ns2:creationId id="{910555E3-8C48-4464-64DA-8F9B731C52BF}"/>
               </ns1:ext>
             </ns1:extLst>
           </ns0:cNvPr>
-          <ns0:cNvSpPr>
-            <ns1:spLocks noGrp="1"/>
+          <ns0:cNvSpPr txBox="1">
+            <ns1:spLocks/>
           </ns0:cNvSpPr>
-          <ns0:nvPr>
-            <ns0:ph type="sldNum" sz="quarter" idx="12"/>
-          </ns0:nvPr>
-        </ns0:nvSpPr>
-        <ns0:spPr/>
-        <ns0:txBody>
-          <ns1:bodyPr/>
-          <ns1:lstStyle/>
-          <ns1:p>
-            <ns1:fld id="{3531A8E9-B4CF-5643-AF96-CB4C768DAD63}" type="slidenum">
-              <ns1:rPr lang="en-US" smtClean="0"/>
-              <ns1:t>4</ns1:t>
-            </ns1:fld>
-            <ns1:endParaRPr lang="en-US"/>
-          </ns1:p>
-        </ns0:txBody>
-      </ns0:sp>
-      <ns0:sp>
-        <ns0:nvSpPr>
-          <ns0:cNvPr id="3" name="Title 2">
-            <ns1:extLst>
-              <ns1:ext uri="{FF2B5EF4-FFF2-40B4-BE49-F238E27FC236}">
-                <ns2:creationId id="{982CBA69-C11A-8CE4-B582-EF16D83B80A8}"/>
-              </ns1:ext>
-            </ns1:extLst>
-          </ns0:cNvPr>
-          <ns0:cNvSpPr>
-            <ns1:spLocks noGrp="1"/>
-          </ns0:cNvSpPr>
-          <ns0:nvPr>
-            <ns0:ph type="title"/>
-          </ns0:nvPr>
-        </ns0:nvSpPr>
-        <ns0:spPr>
-          <ns1:xfrm>
-            <ns1:off x="695326" y="428400"/>
-            <ns1:ext cx="10801349" cy="388773"/>
-          </ns1:xfrm>
-        </ns0:spPr>
-        <ns0:txBody>
-          <ns1:bodyPr/>
-          <ns1:lstStyle/>
-          <ns1:p>
-            <ns1:r>
-              <ns1:rPr lang="en-GB" dirty="0"/>
-              <ns1:t>ANNUAL COST OF DELAY: BREAKDOWN</ns1:t>
-            </ns1:r>
-          </ns1:p>
-        </ns0:txBody>
-      </ns0:sp>
-      <ns0:sp>
-        <ns0:nvSpPr>
-          <ns0:cNvPr id="74" name="TextBox 73">
-            <ns1:extLst>
-              <ns1:ext uri="{FF2B5EF4-FFF2-40B4-BE49-F238E27FC236}">
-                <ns2:creationId id="{4B237159-5595-B234-5E4A-043EFFCA2AED}"/>
-              </ns1:ext>
-            </ns1:extLst>
-          </ns0:cNvPr>
-          <ns0:cNvSpPr txBox="1"/>
           <ns0:nvPr/>
         </ns0:nvSpPr>
         <ns0:spPr>
           <ns1:xfrm>
-            <ns1:off x="635504" y="823804"/>
-            <ns1:ext cx="2297326" cy="200055"/>
+            <ns1:off x="6223817" y="1087908"/>
+            <ns1:ext cx="1656189" cy="392923"/>
           </ns1:xfrm>
           <ns1:prstGeom prst="rect">
             <ns1:avLst/>
           </ns1:prstGeom>
-          <ns1:noFill/>
         </ns0:spPr>
         <ns0:txBody>
-          <ns1:bodyPr wrap="square" rtlCol="0">
-            <ns1:spAutoFit/>
+          <ns1:bodyPr vert="horz" lIns="0" tIns="0" rIns="0" bIns="0" rtlCol="0" anchor="t">
+            <ns1:noAutofit/>
           </ns1:bodyPr>
-          <ns1:lstStyle/>
-          <ns1:p>
-            <ns1:r>
-              <ns1:rPr lang="en-GB" sz="700">
+          <ns1:lstStyle>
+            <ns1:lvl1pPr marL="342000" indent="-252000" algn="l" defTabSz="914400" rtl="0" eaLnBrk="1" latinLnBrk="0" hangingPunct="1">
+              <ns1:lnSpc>
+                <ns1:spcPct val="120000"/>
+              </ns1:lnSpc>
+              <ns1:spcBef>
+                <ns1:spcPts val="800"/>
+              </ns1:spcBef>
+              <ns1:spcAft>
+                <ns1:spcPts val="300"/>
+              </ns1:spcAft>
+              <ns1:buSzPct val="120000"/>
+              <ns1:buFont typeface="Arial" panose="020B0604020202020204" pitchFamily="34" charset="0"/>
+              <ns1:buChar char="•"/>
+              <ns1:defRPr sz="2000" kern="1200">
                 <ns1:solidFill>
                   <ns1:schemeClr val="tx1">
-                    <ns1:lumMod val="50000"/>
-                    <ns1:lumOff val="50000"/>
+                    <ns1:lumMod val="75000"/>
+                    <ns1:lumOff val="25000"/>
                   </ns1:schemeClr>
                 </ns1:solidFill>
-                <ns1:latin typeface="Montserrat Medium" panose="00000600000000000000" pitchFamily="2" charset="0"/>
+                <ns1:latin typeface="Open Sans" panose="020B0606030504020204" pitchFamily="34" charset="0"/>
                 <ns1:ea typeface="Open Sans" panose="020B0606030504020204" pitchFamily="34" charset="0"/>
                 <ns1:cs typeface="Open Sans" panose="020B0606030504020204" pitchFamily="34" charset="0"/>
+              </ns1:defRPr>
+            </ns1:lvl1pPr>
+            <ns1:lvl2pPr marL="720000" indent="-216000" algn="l" defTabSz="914400" rtl="0" eaLnBrk="1" latinLnBrk="0" hangingPunct="1">
+              <ns1:lnSpc>
+                <ns1:spcPct val="120000"/>
+              </ns1:lnSpc>
+              <ns1:spcBef>
+                <ns1:spcPts val="200"/>
+              </ns1:spcBef>
+              <ns1:spcAft>
+                <ns1:spcPts val="0"/>
+              </ns1:spcAft>
+              <ns1:buClr>
+                <ns1:schemeClr val="tx2"/>
+              </ns1:buClr>
+              <ns1:buSzPct val="110000"/>
+              <ns1:buFont typeface="Arial" panose="020B0604020202020204" pitchFamily="34" charset="0"/>
+              <ns1:buChar char="•"/>
+              <ns1:defRPr sz="1800" kern="1200">
+                <ns1:solidFill>
+                  <ns1:schemeClr val="tx1">
+                    <ns1:lumMod val="75000"/>
+                    <ns1:lumOff val="25000"/>
+                  </ns1:schemeClr>
+                </ns1:solidFill>
+                <ns1:latin typeface="Open Sans" panose="020B0606030504020204" pitchFamily="34" charset="0"/>
+                <ns1:ea typeface="Open Sans" panose="020B0606030504020204" pitchFamily="34" charset="0"/>
+                <ns1:cs typeface="Open Sans" panose="020B0606030504020204" pitchFamily="34" charset="0"/>
+              </ns1:defRPr>
+            </ns1:lvl2pPr>
+            <ns1:lvl3pPr marL="1152000" indent="-180000" algn="l" defTabSz="914400" rtl="0" eaLnBrk="1" latinLnBrk="0" hangingPunct="1">
+              <ns1:lnSpc>
+                <ns1:spcPct val="120000"/>
+              </ns1:lnSpc>
+              <ns1:spcBef>
+                <ns1:spcPts val="100"/>
+              </ns1:spcBef>
+              <ns1:spcAft>
+                <ns1:spcPts val="0"/>
+              </ns1:spcAft>
+              <ns1:buClr>
+                <ns1:schemeClr val="tx1">
+                  <ns1:lumMod val="75000"/>
+                  <ns1:lumOff val="25000"/>
+                </ns1:schemeClr>
+              </ns1:buClr>
+              <ns1:buSzPct val="130000"/>
+              <ns1:buFont typeface="Open Sans" panose="020B0606030504020204" pitchFamily="34" charset="0"/>
+              <ns1:buChar char="›"/>
+              <ns1:defRPr sz="1600" kern="1200">
+                <ns1:solidFill>
+                  <ns1:schemeClr val="tx1">
+                    <ns1:lumMod val="75000"/>
+                    <ns1:lumOff val="25000"/>
+                  </ns1:schemeClr>
+                </ns1:solidFill>
+                <ns1:latin typeface="Open Sans" panose="020B0606030504020204" pitchFamily="34" charset="0"/>
+                <ns1:ea typeface="Open Sans" panose="020B0606030504020204" pitchFamily="34" charset="0"/>
+                <ns1:cs typeface="Open Sans" panose="020B0606030504020204" pitchFamily="34" charset="0"/>
+              </ns1:defRPr>
+            </ns1:lvl3pPr>
+            <ns1:lvl4pPr marL="1512000" indent="-144000" algn="l" defTabSz="914400" rtl="0" eaLnBrk="1" latinLnBrk="0" hangingPunct="1">
+              <ns1:lnSpc>
+                <ns1:spcPct val="120000"/>
+              </ns1:lnSpc>
+              <ns1:spcBef>
+                <ns1:spcPts val="100"/>
+              </ns1:spcBef>
+              <ns1:spcAft>
+                <ns1:spcPts val="0"/>
+              </ns1:spcAft>
+              <ns1:buClr>
+                <ns1:schemeClr val="tx2"/>
+              </ns1:buClr>
+              <ns1:buSzPct val="120000"/>
+              <ns1:buFont typeface="Open Sans" panose="020B0606030504020204" pitchFamily="34" charset="0"/>
+              <ns1:buChar char="›"/>
+              <ns1:defRPr sz="1400" kern="1200">
+                <ns1:solidFill>
+                  <ns1:schemeClr val="tx1">
+                    <ns1:lumMod val="75000"/>
+                    <ns1:lumOff val="25000"/>
+                  </ns1:schemeClr>
+                </ns1:solidFill>
+                <ns1:latin typeface="Open Sans" panose="020B0606030504020204" pitchFamily="34" charset="0"/>
+                <ns1:ea typeface="Open Sans" panose="020B0606030504020204" pitchFamily="34" charset="0"/>
+                <ns1:cs typeface="Open Sans" panose="020B0606030504020204" pitchFamily="34" charset="0"/>
+              </ns1:defRPr>
+            </ns1:lvl4pPr>
+            <ns1:lvl5pPr marL="1872000" indent="-108000" algn="l" defTabSz="914400" rtl="0" eaLnBrk="1" latinLnBrk="0" hangingPunct="1">
+              <ns1:lnSpc>
+                <ns1:spcPct val="120000"/>
+              </ns1:lnSpc>
+              <ns1:spcBef>
+                <ns1:spcPts val="100"/>
+              </ns1:spcBef>
+              <ns1:spcAft>
+                <ns1:spcPts val="0"/>
+              </ns1:spcAft>
+              <ns1:buClr>
+                <ns1:schemeClr val="tx1">
+                  <ns1:lumMod val="50000"/>
+                  <ns1:lumOff val="50000"/>
+                </ns1:schemeClr>
+              </ns1:buClr>
+              <ns1:buFont typeface="Open Sans" panose="020B0606030504020204" pitchFamily="34" charset="0"/>
+              <ns1:buChar char="›"/>
+              <ns1:defRPr sz="1200" kern="1200">
+                <ns1:solidFill>
+                  <ns1:schemeClr val="tx1">
+                    <ns1:lumMod val="75000"/>
+                    <ns1:lumOff val="25000"/>
+                  </ns1:schemeClr>
+                </ns1:solidFill>
+                <ns1:latin typeface="Open Sans" panose="020B0606030504020204" pitchFamily="34" charset="0"/>
+                <ns1:ea typeface="Open Sans" panose="020B0606030504020204" pitchFamily="34" charset="0"/>
+                <ns1:cs typeface="Open Sans" panose="020B0606030504020204" pitchFamily="34" charset="0"/>
+              </ns1:defRPr>
+            </ns1:lvl5pPr>
+            <ns1:lvl6pPr marL="2514600" indent="-228600" algn="l" defTabSz="914400" rtl="0" eaLnBrk="1" latinLnBrk="0" hangingPunct="1">
+              <ns1:lnSpc>
+                <ns1:spcPct val="90000"/>
+              </ns1:lnSpc>
+              <ns1:spcBef>
+                <ns1:spcPts val="500"/>
+              </ns1:spcBef>
+              <ns1:buFont typeface="Arial" panose="020B0604020202020204" pitchFamily="34" charset="0"/>
+              <ns1:buChar char="•"/>
+              <ns1:defRPr sz="1800" kern="1200">
+                <ns1:solidFill>
+                  <ns1:schemeClr val="tx1"/>
+                </ns1:solidFill>
+                <ns1:latin typeface="+mn-lt"/>
+                <ns1:ea typeface="+mn-ea"/>
+                <ns1:cs typeface="+mn-cs"/>
+              </ns1:defRPr>
+            </ns1:lvl6pPr>
+            <ns1:lvl7pPr marL="2971800" indent="-228600" algn="l" defTabSz="914400" rtl="0" eaLnBrk="1" latinLnBrk="0" hangingPunct="1">
+              <ns1:lnSpc>
+                <ns1:spcPct val="90000"/>
+              </ns1:lnSpc>
+              <ns1:spcBef>
+                <ns1:spcPts val="500"/>
+              </ns1:spcBef>
+              <ns1:buFont typeface="Arial" panose="020B0604020202020204" pitchFamily="34" charset="0"/>
+              <ns1:buChar char="•"/>
+              <ns1:defRPr sz="1800" kern="1200">
+                <ns1:solidFill>
+                  <ns1:schemeClr val="tx1"/>
+                </ns1:solidFill>
+                <ns1:latin typeface="+mn-lt"/>
+                <ns1:ea typeface="+mn-ea"/>
+                <ns1:cs typeface="+mn-cs"/>
+              </ns1:defRPr>
+            </ns1:lvl7pPr>
+            <ns1:lvl8pPr marL="3429000" indent="-228600" algn="l" defTabSz="914400" rtl="0" eaLnBrk="1" latinLnBrk="0" hangingPunct="1">
+              <ns1:lnSpc>
+                <ns1:spcPct val="90000"/>
+              </ns1:lnSpc>
+              <ns1:spcBef>
+                <ns1:spcPts val="500"/>
+              </ns1:spcBef>
+              <ns1:buFont typeface="Arial" panose="020B0604020202020204" pitchFamily="34" charset="0"/>
+              <ns1:buChar char="•"/>
+              <ns1:defRPr sz="1800" kern="1200">
+                <ns1:solidFill>
+                  <ns1:schemeClr val="tx1"/>
+                </ns1:solidFill>
+                <ns1:latin typeface="+mn-lt"/>
+                <ns1:ea typeface="+mn-ea"/>
+                <ns1:cs typeface="+mn-cs"/>
+              </ns1:defRPr>
+            </ns1:lvl8pPr>
+            <ns1:lvl9pPr marL="3886200" indent="-228600" algn="l" defTabSz="914400" rtl="0" eaLnBrk="1" latinLnBrk="0" hangingPunct="1">
+              <ns1:lnSpc>
+                <ns1:spcPct val="90000"/>
+              </ns1:lnSpc>
+              <ns1:spcBef>
+                <ns1:spcPts val="500"/>
+              </ns1:spcBef>
+              <ns1:buFont typeface="Arial" panose="020B0604020202020204" pitchFamily="34" charset="0"/>
+              <ns1:buChar char="•"/>
+              <ns1:defRPr sz="1800" kern="1200">
+                <ns1:solidFill>
+                  <ns1:schemeClr val="tx1"/>
+                </ns1:solidFill>
+                <ns1:latin typeface="+mn-lt"/>
+                <ns1:ea typeface="+mn-ea"/>
+                <ns1:cs typeface="+mn-cs"/>
+              </ns1:defRPr>
+            </ns1:lvl9pPr>
+          </ns1:lstStyle>
+          <ns1:p>
+            <ns1:pPr marL="90170" indent="0" algn="ctr">
+              <ns1:spcAft>
+                <ns1:spcPts val="800"/>
+              </ns1:spcAft>
+              <ns1:buFont typeface="Arial" panose="020B0604020202020204" pitchFamily="34" charset="0"/>
+              <ns1:buNone/>
+            </ns1:pPr>
+            <ns1:r>
+              <ns1:rPr lang="en-GB" dirty="0">
+                <ns1:latin typeface="Open Sans"/>
+                <ns1:ea typeface="Open Sans"/>
+                <ns1:cs typeface="Open Sans"/>
               </ns1:rPr>
-              <ns1:t>PLEASE NOTE THESE ARE ESTIMATIONS ONLY</ns1:t>
+              <ns1:t>PAIN POINTS</ns1:t>
             </ns1:r>
           </ns1:p>
         </ns0:txBody>
       </ns0:sp>
       <ns0:grpSp>
         <ns0:nvGrpSpPr>
-          <ns0:cNvPr id="64" name="Grup 63">
+          <ns0:cNvPr id="6" name="Grup 63">
             <ns1:extLst>
               <ns1:ext uri="{FF2B5EF4-FFF2-40B4-BE49-F238E27FC236}">
-                <ns2:creationId id="{6AF20278-DABA-0C7C-4D0E-4147D3D7E6B8}"/>
+                <ns2:creationId id="{696D51A8-E96A-481B-F106-BAA07AD04CFD}"/>
               </ns1:ext>
             </ns1:extLst>
           </ns0:cNvPr>
@@ -46702,18 +46057,18 @@
         </ns0:nvGrpSpPr>
         <ns0:grpSpPr>
           <ns1:xfrm>
-            <ns1:off x="3299663" y="1406662"/>
-            <ns1:ext cx="2711169" cy="1830692"/>
+            <ns1:off x="6223817" y="3281940"/>
+            <ns1:ext cx="4516445" cy="1565426"/>
             <ns1:chOff x="356496" y="683777"/>
-            <ns1:chExt cx="3362632" cy="1938903"/>
+            <ns1:chExt cx="3362632" cy="1657959"/>
           </ns1:xfrm>
         </ns0:grpSpPr>
         <ns0:sp>
           <ns0:nvSpPr>
-            <ns0:cNvPr id="65" name="TextBox 41">
+            <ns0:cNvPr id="7" name="TextBox 41">
               <ns1:extLst>
                 <ns1:ext uri="{FF2B5EF4-FFF2-40B4-BE49-F238E27FC236}">
-                  <ns2:creationId id="{B2556D3A-AC3B-8D09-5713-97DC59AB5654}"/>
+                  <ns2:creationId id="{3244B739-172F-065F-6BD7-C667E69F7CC5}"/>
                 </ns1:ext>
               </ns1:extLst>
             </ns0:cNvPr>
@@ -46744,26 +46099,17 @@
                   <ns1:effectLst/>
                   <ns1:latin typeface="Open Sans" panose="020B0606030504020204" pitchFamily="34" charset="0"/>
                 </ns1:rPr>
-                <ns1:t>£ </ns1:t>
+                <ns1:t>£</ns1:t>
               </ns1:r>
               <ns1:r>
-                <ns1:rPr lang="tr-TR" b="1" i="0" dirty="0">
+                <ns1:rPr lang="tr-TR" b="1" i="0" dirty="0" err="1">
                   <ns1:solidFill>
                     <ns1:srgbClr val="616173"/>
                   </ns1:solidFill>
                   <ns1:effectLst/>
                   <ns1:latin typeface="Montserrat SemiBold" panose="00000700000000000000" pitchFamily="2" charset="0"/>
                 </ns1:rPr>
-                <ns1:t> </ns1:t>
-              </ns1:r>
-              <ns1:r>
-                <ns1:rPr lang="tr-TR" b="1" dirty="0" err="1">
-                  <ns1:solidFill>
-                    <ns1:srgbClr val="616173"/>
-                  </ns1:solidFill>
-                  <ns1:latin typeface="Montserrat SemiBold" panose="00000700000000000000" pitchFamily="2" charset="0"/>
-                </ns1:rPr>
-                <ns1:t> 11,213</ns1:t>
+                <ns1:t>11,213</ns1:t>
               </ns1:r>
               <ns1:endParaRPr lang="en-US" b="1" dirty="0">
                 <ns1:solidFill>
@@ -46778,10 +46124,10 @@
         </ns0:sp>
         <ns0:sp>
           <ns0:nvSpPr>
-            <ns0:cNvPr id="66" name="Metin kutusu 65">
+            <ns0:cNvPr id="8" name="Metin kutusu 65">
               <ns1:extLst>
                 <ns1:ext uri="{FF2B5EF4-FFF2-40B4-BE49-F238E27FC236}">
-                  <ns2:creationId id="{B8F406CF-5F18-AF63-2970-CA01A48E7788}"/>
+                  <ns2:creationId id="{52AEE00D-E1B1-D9A5-F908-C344A0146A84}"/>
                 </ns1:ext>
               </ns1:extLst>
             </ns0:cNvPr>
@@ -46791,7 +46137,7 @@
           <ns0:spPr>
             <ns1:xfrm>
               <ns1:off x="356496" y="1035612"/>
-              <ns1:ext cx="3362632" cy="456357"/>
+              <ns1:ext cx="3362632" cy="554147"/>
             </ns1:xfrm>
             <ns1:prstGeom prst="rect">
               <ns1:avLst/>
@@ -46806,7 +46152,7 @@
             <ns1:p>
               <ns1:pPr algn="l"/>
               <ns1:r>
-                <ns1:rPr lang="en-US" sz="1100" b="1" cap="all" dirty="0">
+                <ns1:rPr lang="en-US" sz="1400" b="1" cap="all" dirty="0">
                   <ns1:solidFill>
                     <ns1:srgbClr val="555555"/>
                   </ns1:solidFill>
@@ -46814,7 +46160,7 @@
                 </ns1:rPr>
                 <ns1:t>Finance query management and dashboard reporting</ns1:t>
               </ns1:r>
-              <ns1:endParaRPr lang="tr-TR" sz="1100" b="1" cap="all" dirty="0">
+              <ns1:endParaRPr lang="tr-TR" sz="1400" b="1" cap="all" dirty="0">
                 <ns1:solidFill>
                   <ns1:srgbClr val="555555"/>
                 </ns1:solidFill>
@@ -46825,10 +46171,10 @@
         </ns0:sp>
         <ns0:sp>
           <ns0:nvSpPr>
-            <ns0:cNvPr id="67" name="Metin kutusu 66">
+            <ns0:cNvPr id="9" name="Metin kutusu 66">
               <ns1:extLst>
                 <ns1:ext uri="{FF2B5EF4-FFF2-40B4-BE49-F238E27FC236}">
-                  <ns2:creationId id="{6416CA2F-9B70-6498-5803-6C65B8E1BBEF}"/>
+                  <ns2:creationId id="{A34982A3-9209-878E-4003-305A7F7065FD}"/>
                 </ns1:ext>
               </ns1:extLst>
             </ns0:cNvPr>
@@ -46837,8 +46183,8 @@
           </ns0:nvSpPr>
           <ns0:spPr>
             <ns1:xfrm>
-              <ns1:off x="356496" y="1441042"/>
-              <ns1:ext cx="3261775" cy="1181638"/>
+              <ns1:off x="356496" y="1559409"/>
+              <ns1:ext cx="3261775" cy="782327"/>
             </ns1:xfrm>
             <ns1:prstGeom prst="rect">
               <ns1:avLst/>
@@ -46852,7 +46198,7 @@
             <ns1:lstStyle/>
             <ns1:p>
               <ns1:r>
-                <ns1:rPr lang="en-US" sz="950" dirty="0">
+                <ns1:rPr lang="en-US" sz="1050" dirty="0">
                   <ns1:solidFill>
                     <ns1:srgbClr val="555555"/>
                   </ns1:solidFill>
@@ -46861,7 +46207,7 @@
                 <ns1:t>Make due diligence and compliance reviews a seamless part of your procurement process. Get dynamic compliance profiles for each supplier, automated reviews and approvals prompts, and </ns1:t>
               </ns1:r>
               <ns1:r>
-                <ns1:rPr lang="en-US" sz="950" dirty="0" err="1">
+                <ns1:rPr lang="en-US" sz="1050" dirty="0" err="1">
                   <ns1:solidFill>
                     <ns1:srgbClr val="555555"/>
                   </ns1:solidFill>
@@ -46870,7 +46216,7 @@
                 <ns1:t>standardised</ns1:t>
               </ns1:r>
               <ns1:r>
-                <ns1:rPr lang="en-US" sz="950" dirty="0">
+                <ns1:rPr lang="en-US" sz="1050" dirty="0">
                   <ns1:solidFill>
                     <ns1:srgbClr val="555555"/>
                   </ns1:solidFill>
@@ -46878,7 +46224,7 @@
                 </ns1:rPr>
                 <ns1:t> supplier data for thorough compliance management.</ns1:t>
               </ns1:r>
-              <ns1:endParaRPr lang="tr-TR" sz="950" dirty="0">
+              <ns1:endParaRPr lang="tr-TR" sz="1050" dirty="0">
                 <ns1:solidFill>
                   <ns1:srgbClr val="555555"/>
                 </ns1:solidFill>
@@ -46890,10 +46236,10 @@
       </ns0:grpSp>
       <ns0:grpSp>
         <ns0:nvGrpSpPr>
-          <ns0:cNvPr id="68" name="Grup 67">
+          <ns0:cNvPr id="13" name="Grup 67">
             <ns1:extLst>
               <ns1:ext uri="{FF2B5EF4-FFF2-40B4-BE49-F238E27FC236}">
-                <ns2:creationId id="{6C29EE48-DA87-A63C-4F74-04D310B2BF79}"/>
+                <ns2:creationId id="{C589ED89-B62E-346D-D652-630B74573970}"/>
               </ns1:ext>
             </ns1:extLst>
           </ns0:cNvPr>
@@ -46902,18 +46248,18 @@
         </ns0:nvGrpSpPr>
         <ns0:grpSpPr>
           <ns1:xfrm>
-            <ns1:off x="482639" y="1406662"/>
-            <ns1:ext cx="2817024" cy="1528809"/>
+            <ns1:off x="6223817" y="1597982"/>
+            <ns1:ext cx="4808512" cy="1566090"/>
             <ns1:chOff x="356496" y="683777"/>
-            <ns1:chExt cx="3362632" cy="1619177"/>
+            <ns1:chExt cx="3362632" cy="1658664"/>
           </ns1:xfrm>
         </ns0:grpSpPr>
         <ns0:sp>
           <ns0:nvSpPr>
-            <ns0:cNvPr id="69" name="TextBox 41">
+            <ns0:cNvPr id="17" name="TextBox 41">
               <ns1:extLst>
                 <ns1:ext uri="{FF2B5EF4-FFF2-40B4-BE49-F238E27FC236}">
-                  <ns2:creationId id="{DD2A6AC1-1163-D2DC-2067-F28700102A24}"/>
+                  <ns2:creationId id="{D2B1565B-D878-B45E-5BBE-D697BB999252}"/>
                 </ns1:ext>
               </ns1:extLst>
             </ns0:cNvPr>
@@ -46944,17 +46290,7 @@
                   <ns1:effectLst/>
                   <ns1:latin typeface="Open Sans" panose="020B0606030504020204" pitchFamily="34" charset="0"/>
                 </ns1:rPr>
-                <ns1:t>£ </ns1:t>
-              </ns1:r>
-              <ns1:r>
-                <ns1:rPr lang="tr-TR" b="1" i="0" dirty="0">
-                  <ns1:solidFill>
-                    <ns1:srgbClr val="F15D22"/>
-                  </ns1:solidFill>
-                  <ns1:effectLst/>
-                  <ns1:latin typeface="Montserrat SemiBold" panose="00000700000000000000" pitchFamily="2" charset="0"/>
-                </ns1:rPr>
-                <ns1:t> </ns1:t>
+                <ns1:t>£</ns1:t>
               </ns1:r>
               <ns1:r>
                 <ns1:rPr lang="tr-TR" b="1" dirty="0" err="1">
@@ -46963,7 +46299,7 @@
                   </ns1:solidFill>
                   <ns1:latin typeface="Montserrat SemiBold" panose="00000700000000000000" pitchFamily="2" charset="0"/>
                 </ns1:rPr>
-                <ns1:t> 44,463</ns1:t>
+                <ns1:t>44,463</ns1:t>
               </ns1:r>
               <ns1:endParaRPr lang="en-US" b="1" dirty="0">
                 <ns1:solidFill>
@@ -46978,10 +46314,10 @@
         </ns0:sp>
         <ns0:sp>
           <ns0:nvSpPr>
-            <ns0:cNvPr id="70" name="Metin kutusu 69">
+            <ns0:cNvPr id="21" name="Metin kutusu 69">
               <ns1:extLst>
                 <ns1:ext uri="{FF2B5EF4-FFF2-40B4-BE49-F238E27FC236}">
-                  <ns2:creationId id="{F0AE9D7C-E0F8-09B9-3C5B-4E08B6D30B7F}"/>
+                  <ns2:creationId id="{6ECFDDDB-05EB-3C48-6918-3CAECF67437F}"/>
                 </ns1:ext>
               </ns1:extLst>
             </ns0:cNvPr>
@@ -46991,7 +46327,7 @@
           <ns0:spPr>
             <ns1:xfrm>
               <ns1:off x="356496" y="1035612"/>
-              <ns1:ext cx="3362632" cy="456357"/>
+              <ns1:ext cx="3362632" cy="554147"/>
             </ns1:xfrm>
             <ns1:prstGeom prst="rect">
               <ns1:avLst/>
@@ -47006,7 +46342,7 @@
             <ns1:p>
               <ns1:pPr algn="l"/>
               <ns1:r>
-                <ns1:rPr lang="en-US" sz="1100" b="1" cap="all" dirty="0">
+                <ns1:rPr lang="en-US" sz="1400" b="1" cap="all" dirty="0">
                   <ns1:solidFill>
                     <ns1:srgbClr val="555555"/>
                   </ns1:solidFill>
@@ -47014,7 +46350,7 @@
                 </ns1:rPr>
                 <ns1:t>Management of supplier and purchase invoices</ns1:t>
               </ns1:r>
-              <ns1:endParaRPr lang="tr-TR" sz="1100" b="1" cap="all" dirty="0">
+              <ns1:endParaRPr lang="tr-TR" sz="1400" b="1" cap="all" dirty="0">
                 <ns1:solidFill>
                   <ns1:srgbClr val="555555"/>
                 </ns1:solidFill>
@@ -47025,10 +46361,10 @@
         </ns0:sp>
         <ns0:sp>
           <ns0:nvSpPr>
-            <ns0:cNvPr id="71" name="Metin kutusu 70">
+            <ns0:cNvPr id="23" name="Metin kutusu 70">
               <ns1:extLst>
                 <ns1:ext uri="{FF2B5EF4-FFF2-40B4-BE49-F238E27FC236}">
-                  <ns2:creationId id="{4EDEA638-80B5-79AD-5A5B-11A315EA89EE}"/>
+                  <ns2:creationId id="{52BE5C30-3C08-3C04-90FF-A38C417A7FF5}"/>
                 </ns1:ext>
               </ns1:extLst>
             </ns0:cNvPr>
@@ -47037,8 +46373,8 @@
           </ns0:nvSpPr>
           <ns0:spPr>
             <ns1:xfrm>
-              <ns1:off x="356496" y="1430987"/>
-              <ns1:ext cx="3261775" cy="871967"/>
+              <ns1:off x="356496" y="1560114"/>
+              <ns1:ext cx="3261775" cy="782327"/>
             </ns1:xfrm>
             <ns1:prstGeom prst="rect">
               <ns1:avLst/>
@@ -47052,7 +46388,7 @@
             <ns1:lstStyle/>
             <ns1:p>
               <ns1:r>
-                <ns1:rPr lang="en-US" sz="950" dirty="0">
+                <ns1:rPr lang="en-US" sz="1050" dirty="0">
                   <ns1:solidFill>
                     <ns1:srgbClr val="555555"/>
                   </ns1:solidFill>
@@ -47060,7 +46396,7 @@
                 </ns1:rPr>
                 <ns1:t>Automate activity, streamline approval and management flow, and capture rich data with our industry-leading, user-friendly contract lifecycle management software. Suitable for all contracts, basic or complex.</ns1:t>
               </ns1:r>
-              <ns1:endParaRPr lang="tr-TR" sz="950" dirty="0">
+              <ns1:endParaRPr lang="tr-TR" sz="1050" dirty="0">
                 <ns1:solidFill>
                   <ns1:srgbClr val="555555"/>
                 </ns1:solidFill>
@@ -47072,10 +46408,10 @@
       </ns0:grpSp>
       <ns0:grpSp>
         <ns0:nvGrpSpPr>
-          <ns0:cNvPr id="4" name="Grup 3">
+          <ns0:cNvPr id="24" name="Grup 3">
             <ns1:extLst>
               <ns1:ext uri="{FF2B5EF4-FFF2-40B4-BE49-F238E27FC236}">
-                <ns2:creationId id="{30E1EE20-4C83-C89F-797E-C0EC6739EE79}"/>
+                <ns2:creationId id="{20972701-6F6C-6943-A4AA-518B8321563D}"/>
               </ns1:ext>
             </ns1:extLst>
           </ns0:cNvPr>
@@ -47084,18 +46420,18 @@
         </ns0:nvGrpSpPr>
         <ns0:grpSpPr>
           <ns1:xfrm>
-            <ns1:off x="6095324" y="1406662"/>
-            <ns1:ext cx="2711169" cy="1397126"/>
+            <ns1:off x="6223817" y="4960232"/>
+            <ns1:ext cx="4556307" cy="1419018"/>
             <ns1:chOff x="356496" y="683777"/>
-            <ns1:chExt cx="3362632" cy="1479709"/>
+            <ns1:chExt cx="3362632" cy="1502898"/>
           </ns1:xfrm>
         </ns0:grpSpPr>
         <ns0:sp>
           <ns0:nvSpPr>
-            <ns0:cNvPr id="5" name="TextBox 41">
+            <ns0:cNvPr id="25" name="TextBox 41">
               <ns1:extLst>
                 <ns1:ext uri="{FF2B5EF4-FFF2-40B4-BE49-F238E27FC236}">
-                  <ns2:creationId id="{079E3BA4-8852-84C8-1D32-B7349F030FDE}"/>
+                  <ns2:creationId id="{036214D1-7919-E287-4C54-F415E9475989}"/>
                 </ns1:ext>
               </ns1:extLst>
             </ns0:cNvPr>
@@ -47126,26 +46462,17 @@
                   <ns1:effectLst/>
                   <ns1:latin typeface="Open Sans" panose="020B0606030504020204" pitchFamily="34" charset="0"/>
                 </ns1:rPr>
-                <ns1:t>£ </ns1:t>
+                <ns1:t>£</ns1:t>
               </ns1:r>
               <ns1:r>
-                <ns1:rPr lang="tr-TR" b="1" i="0" dirty="0">
+                <ns1:rPr lang="tr-TR" b="1" i="0" dirty="0" err="1">
                   <ns1:solidFill>
                     <ns1:srgbClr val="F6911E"/>
                   </ns1:solidFill>
                   <ns1:effectLst/>
                   <ns1:latin typeface="Montserrat SemiBold" panose="00000700000000000000" pitchFamily="2" charset="0"/>
                 </ns1:rPr>
-                <ns1:t> </ns1:t>
-              </ns1:r>
-              <ns1:r>
-                <ns1:rPr lang="tr-TR" b="1" dirty="0" err="1">
-                  <ns1:solidFill>
-                    <ns1:srgbClr val="F6911E"/>
-                  </ns1:solidFill>
-                  <ns1:latin typeface="Montserrat SemiBold" panose="00000700000000000000" pitchFamily="2" charset="0"/>
-                </ns1:rPr>
-                <ns1:t> 14,085</ns1:t>
+                <ns1:t>14,085</ns1:t>
               </ns1:r>
               <ns1:endParaRPr lang="en-US" b="1" dirty="0">
                 <ns1:solidFill>
@@ -47160,10 +46487,10 @@
         </ns0:sp>
         <ns0:sp>
           <ns0:nvSpPr>
-            <ns0:cNvPr id="6" name="Metin kutusu 5">
+            <ns0:cNvPr id="27" name="Metin kutusu 5">
               <ns1:extLst>
                 <ns1:ext uri="{FF2B5EF4-FFF2-40B4-BE49-F238E27FC236}">
-                  <ns2:creationId id="{FDF74FBB-B19C-774B-0CB3-961407AD3231}"/>
+                  <ns2:creationId id="{021A9A1E-4593-5BB3-7962-CE34A137AA76}"/>
                 </ns1:ext>
               </ns1:extLst>
             </ns0:cNvPr>
@@ -47173,7 +46500,7 @@
           <ns0:spPr>
             <ns1:xfrm>
               <ns1:off x="356496" y="1035612"/>
-              <ns1:ext cx="3362632" cy="456357"/>
+              <ns1:ext cx="3362632" cy="554147"/>
             </ns1:xfrm>
             <ns1:prstGeom prst="rect">
               <ns1:avLst/>
@@ -47187,7 +46514,7 @@
             <ns1:lstStyle/>
             <ns1:p>
               <ns1:r>
-                <ns1:rPr lang="tr-TR" sz="1100" b="1" cap="all" dirty="0" err="1">
+                <ns1:rPr lang="tr-TR" sz="1400" b="1" cap="all" dirty="0" err="1">
                   <ns1:solidFill>
                     <ns1:srgbClr val="555555"/>
                   </ns1:solidFill>
@@ -47196,7 +46523,7 @@
                 <ns1:t>Debt</ns1:t>
               </ns1:r>
               <ns1:r>
-                <ns1:rPr lang="tr-TR" sz="1100" b="1" cap="all" dirty="0">
+                <ns1:rPr lang="tr-TR" sz="1400" b="1" cap="all" dirty="0">
                   <ns1:solidFill>
                     <ns1:srgbClr val="555555"/>
                   </ns1:solidFill>
@@ -47205,7 +46532,7 @@
                 <ns1:t> </ns1:t>
               </ns1:r>
               <ns1:r>
-                <ns1:rPr lang="tr-TR" sz="1100" b="1" cap="all" dirty="0" err="1">
+                <ns1:rPr lang="tr-TR" sz="1400" b="1" cap="all" dirty="0" err="1">
                   <ns1:solidFill>
                     <ns1:srgbClr val="555555"/>
                   </ns1:solidFill>
@@ -47214,7 +46541,7 @@
                 <ns1:t>collectIon</ns1:t>
               </ns1:r>
               <ns1:r>
-                <ns1:rPr lang="tr-TR" sz="1100" b="1" cap="all" dirty="0">
+                <ns1:rPr lang="tr-TR" sz="1400" b="1" cap="all" dirty="0">
                   <ns1:solidFill>
                     <ns1:srgbClr val="555555"/>
                   </ns1:solidFill>
@@ -47223,7 +46550,7 @@
                 <ns1:t> </ns1:t>
               </ns1:r>
               <ns1:r>
-                <ns1:rPr lang="tr-TR" sz="1100" b="1" cap="all" dirty="0" err="1">
+                <ns1:rPr lang="tr-TR" sz="1400" b="1" cap="all" dirty="0" err="1">
                   <ns1:solidFill>
                     <ns1:srgbClr val="555555"/>
                   </ns1:solidFill>
@@ -47232,7 +46559,7 @@
                 <ns1:t>adm</ns1:t>
               </ns1:r>
               <ns1:r>
-                <ns1:rPr lang="tr-TR" sz="1100" b="1" i="0" cap="all" dirty="0" err="1">
+                <ns1:rPr lang="tr-TR" sz="1400" b="1" i="0" cap="all" dirty="0" err="1">
                   <ns1:solidFill>
                     <ns1:srgbClr val="555555"/>
                   </ns1:solidFill>
@@ -47242,7 +46569,7 @@
                 <ns1:t>I</ns1:t>
               </ns1:r>
               <ns1:r>
-                <ns1:rPr lang="tr-TR" sz="1100" b="1" cap="all" dirty="0" err="1">
+                <ns1:rPr lang="tr-TR" sz="1400" b="1" cap="all" dirty="0" err="1">
                   <ns1:solidFill>
                     <ns1:srgbClr val="555555"/>
                   </ns1:solidFill>
@@ -47251,7 +46578,7 @@
                 <ns1:t>n</ns1:t>
               </ns1:r>
               <ns1:r>
-                <ns1:rPr lang="tr-TR" sz="1100" b="1" i="0" cap="all" dirty="0" err="1">
+                <ns1:rPr lang="tr-TR" sz="1400" b="1" i="0" cap="all" dirty="0" err="1">
                   <ns1:solidFill>
                     <ns1:srgbClr val="555555"/>
                   </ns1:solidFill>
@@ -47261,7 +46588,7 @@
                 <ns1:t>I</ns1:t>
               </ns1:r>
               <ns1:r>
-                <ns1:rPr lang="tr-TR" sz="1100" b="1" cap="all" dirty="0" err="1">
+                <ns1:rPr lang="tr-TR" sz="1400" b="1" cap="all" dirty="0" err="1">
                   <ns1:solidFill>
                     <ns1:srgbClr val="555555"/>
                   </ns1:solidFill>
@@ -47270,7 +46597,7 @@
                 <ns1:t>strat</ns1:t>
               </ns1:r>
               <ns1:r>
-                <ns1:rPr lang="tr-TR" sz="1100" b="1" i="0" cap="all" dirty="0" err="1">
+                <ns1:rPr lang="tr-TR" sz="1400" b="1" i="0" cap="all" dirty="0" err="1">
                   <ns1:solidFill>
                     <ns1:srgbClr val="555555"/>
                   </ns1:solidFill>
@@ -47280,7 +46607,7 @@
                 <ns1:t>I</ns1:t>
               </ns1:r>
               <ns1:r>
-                <ns1:rPr lang="tr-TR" sz="1100" b="1" cap="all" dirty="0" err="1">
+                <ns1:rPr lang="tr-TR" sz="1400" b="1" cap="all" dirty="0" err="1">
                   <ns1:solidFill>
                     <ns1:srgbClr val="555555"/>
                   </ns1:solidFill>
@@ -47289,7 +46616,7 @@
                 <ns1:t>on</ns1:t>
               </ns1:r>
               <ns1:r>
-                <ns1:rPr lang="tr-TR" sz="1100" b="1" cap="all" dirty="0">
+                <ns1:rPr lang="tr-TR" sz="1400" b="1" cap="all" dirty="0">
                   <ns1:solidFill>
                     <ns1:srgbClr val="555555"/>
                   </ns1:solidFill>
@@ -47298,7 +46625,7 @@
                 <ns1:t> </ns1:t>
               </ns1:r>
               <ns1:r>
-                <ns1:rPr lang="tr-TR" sz="1100" b="1" cap="all" dirty="0" err="1">
+                <ns1:rPr lang="tr-TR" sz="1400" b="1" cap="all" dirty="0" err="1">
                   <ns1:solidFill>
                     <ns1:srgbClr val="555555"/>
                   </ns1:solidFill>
@@ -47306,7 +46633,7 @@
                 </ns1:rPr>
                 <ns1:t>processes</ns1:t>
               </ns1:r>
-              <ns1:endParaRPr lang="tr-TR" sz="1100" b="1" cap="all" dirty="0">
+              <ns1:endParaRPr lang="tr-TR" sz="1400" b="1" cap="all" dirty="0">
                 <ns1:solidFill>
                   <ns1:srgbClr val="555555"/>
                 </ns1:solidFill>
@@ -47317,10 +46644,10 @@
         </ns0:sp>
         <ns0:sp>
           <ns0:nvSpPr>
-            <ns0:cNvPr id="7" name="Metin kutusu 6">
+            <ns0:cNvPr id="28" name="Metin kutusu 6">
               <ns1:extLst>
                 <ns1:ext uri="{FF2B5EF4-FFF2-40B4-BE49-F238E27FC236}">
-                  <ns2:creationId id="{C834B9B2-905C-D9FA-A31B-7E3DCE800DCA}"/>
+                  <ns2:creationId id="{7D234B86-C37A-10C2-AD03-3D24C8A226E3}"/>
                 </ns1:ext>
               </ns1:extLst>
             </ns0:cNvPr>
@@ -47329,8 +46656,8 @@
           </ns0:nvSpPr>
           <ns0:spPr>
             <ns1:xfrm>
-              <ns1:off x="356496" y="1446355"/>
-              <ns1:ext cx="3261775" cy="717131"/>
+              <ns1:off x="356496" y="1575482"/>
+              <ns1:ext cx="3261775" cy="611193"/>
             </ns1:xfrm>
             <ns1:prstGeom prst="rect">
               <ns1:avLst/>
@@ -47344,7 +46671,7 @@
             <ns1:lstStyle/>
             <ns1:p>
               <ns1:r>
-                <ns1:rPr lang="en-US" sz="950" dirty="0">
+                <ns1:rPr lang="en-US" sz="1050" dirty="0">
                   <ns1:solidFill>
                     <ns1:srgbClr val="555555"/>
                   </ns1:solidFill>
@@ -47353,7 +46680,7 @@
                 <ns1:t>Mitigate third-party risk, keep data safe, and consistently monitor health using powerful insights to </ns1:t>
               </ns1:r>
               <ns1:r>
-                <ns1:rPr lang="en-US" sz="950" dirty="0" err="1">
+                <ns1:rPr lang="en-US" sz="1050" dirty="0" err="1">
                   <ns1:solidFill>
                     <ns1:srgbClr val="555555"/>
                   </ns1:solidFill>
@@ -47362,7 +46689,7 @@
                 <ns1:t>optimise</ns1:t>
               </ns1:r>
               <ns1:r>
-                <ns1:rPr lang="en-US" sz="950" dirty="0">
+                <ns1:rPr lang="en-US" sz="1050" dirty="0">
                   <ns1:solidFill>
                     <ns1:srgbClr val="555555"/>
                   </ns1:solidFill>
@@ -47370,7 +46697,7 @@
                 </ns1:rPr>
                 <ns1:t> your supplier partnerships.</ns1:t>
               </ns1:r>
-              <ns1:endParaRPr lang="tr-TR" sz="950" dirty="0">
+              <ns1:endParaRPr lang="tr-TR" sz="1050" dirty="0">
                 <ns1:solidFill>
                   <ns1:srgbClr val="555555"/>
                 </ns1:solidFill>
@@ -47383,7 +46710,7 @@
     </ns0:spTree>
     <ns0:extLst>
       <ns0:ext uri="{BB962C8B-B14F-4D97-AF65-F5344CB8AC3E}">
-        <ns3:creationId val="4177962054"/>
+        <ns3:creationId val="657890998"/>
       </ns0:ext>
     </ns0:extLst>
   </ns0:cSld>
@@ -47393,7 +46720,7 @@
 </ns0:sld>
 </file>
 
-<file path=ppt/slides/slide5.xml><?xml version="1.0" encoding="utf-8"?>
+<file path=ppt/slides/slide4.xml><?xml version="1.0" encoding="utf-8"?>
 <ns0:sld xmlns:ns0="http://schemas.openxmlformats.org/presentationml/2006/main" xmlns:ns1="http://schemas.openxmlformats.org/drawingml/2006/main" xmlns:ns2="http://schemas.microsoft.com/office/drawing/2014/main" xmlns:ns3="http://schemas.microsoft.com/office/powerpoint/2010/main">
   <ns0:cSld>
     <ns0:bg>
@@ -47441,7 +46768,7 @@
           <ns1:p>
             <ns1:fld id="{3531A8E9-B4CF-5643-AF96-CB4C768DAD63}" type="slidenum">
               <ns1:rPr lang="en-US" smtClean="0"/>
-              <ns1:t>5</ns1:t>
+              <ns1:t>4</ns1:t>
             </ns1:fld>
             <ns1:endParaRPr lang="en-US"/>
           </ns1:p>
@@ -48371,15 +47698,6 @@
 </file>
 
 <file path=customXml/item1.xml><?xml version="1.0" encoding="utf-8"?>
-<?mso-contentType ?>
-<FormTemplates xmlns="http://schemas.microsoft.com/sharepoint/v3/contenttype/forms">
-  <Display>DocumentLibraryForm</Display>
-  <Edit>DocumentLibraryForm</Edit>
-  <New>DocumentLibraryForm</New>
-</FormTemplates>
-</file>
-
-<file path=customXml/item2.xml><?xml version="1.0" encoding="utf-8"?>
 <p:properties xmlns:p="http://schemas.microsoft.com/office/2006/metadata/properties" xmlns:xsi="http://www.w3.org/2001/XMLSchema-instance" xmlns:pc="http://schemas.microsoft.com/office/infopath/2007/PartnerControls">
   <documentManagement>
     <lcf76f155ced4ddcb4097134ff3c332f xmlns="8a969d1d-647f-4e4c-97f9-a5143e71e435">
@@ -48390,7 +47708,7 @@
 </p:properties>
 </file>
 
-<file path=customXml/item3.xml><?xml version="1.0" encoding="utf-8"?>
+<file path=customXml/item2.xml><?xml version="1.0" encoding="utf-8"?>
 <ct:contentTypeSchema xmlns:ct="http://schemas.microsoft.com/office/2006/metadata/contentType" xmlns:ma="http://schemas.microsoft.com/office/2006/metadata/properties/metaAttributes" ct:_="" ma:_="" ma:contentTypeName="Belge" ma:contentTypeID="0x010100FC2ADAF580B8A648AEA7FF4A5F3D65E6" ma:contentTypeVersion="11" ma:contentTypeDescription="Yeni belge oluşturun." ma:contentTypeScope="" ma:versionID="56f870f08e2d08b2b10344f12fd261be">
   <xsd:schema xmlns:xsd="http://www.w3.org/2001/XMLSchema" xmlns:xs="http://www.w3.org/2001/XMLSchema" xmlns:p="http://schemas.microsoft.com/office/2006/metadata/properties" xmlns:ns2="8a969d1d-647f-4e4c-97f9-a5143e71e435" xmlns:ns3="eb37a4e0-bf89-419d-8b31-963a97458fb1" targetNamespace="http://schemas.microsoft.com/office/2006/metadata/properties" ma:root="true" ma:fieldsID="699557ddf8cd53ad766f89e119cd6fad" ns2:_="" ns3:_="">
     <xsd:import namespace="8a969d1d-647f-4e4c-97f9-a5143e71e435"/>
@@ -48585,15 +47903,16 @@
 </ct:contentTypeSchema>
 </file>
 
-<file path=customXml/itemProps1.xml><?xml version="1.0" encoding="utf-8"?>
-<ds:datastoreItem xmlns:ds="http://schemas.openxmlformats.org/officeDocument/2006/customXml" ds:itemID="{953B4D23-82FF-4812-9F4E-BB600331C634}">
-  <ds:schemaRefs>
-    <ds:schemaRef ds:uri="http://schemas.microsoft.com/sharepoint/v3/contenttype/forms"/>
-  </ds:schemaRefs>
-</ds:datastoreItem>
+<file path=customXml/item3.xml><?xml version="1.0" encoding="utf-8"?>
+<?mso-contentType ?>
+<FormTemplates xmlns="http://schemas.microsoft.com/sharepoint/v3/contenttype/forms">
+  <Display>DocumentLibraryForm</Display>
+  <Edit>DocumentLibraryForm</Edit>
+  <New>DocumentLibraryForm</New>
+</FormTemplates>
 </file>
 
-<file path=customXml/itemProps2.xml><?xml version="1.0" encoding="utf-8"?>
+<file path=customXml/itemProps1.xml><?xml version="1.0" encoding="utf-8"?>
 <ds:datastoreItem xmlns:ds="http://schemas.openxmlformats.org/officeDocument/2006/customXml" ds:itemID="{8140E5F8-1399-4596-AA73-4BD79D26AFFD}">
   <ds:schemaRefs>
     <ds:schemaRef ds:uri="http://schemas.microsoft.com/office/2006/metadata/properties"/>
@@ -48611,7 +47930,7 @@
 </ds:datastoreItem>
 </file>
 
-<file path=customXml/itemProps3.xml><?xml version="1.0" encoding="utf-8"?>
+<file path=customXml/itemProps2.xml><?xml version="1.0" encoding="utf-8"?>
 <ds:datastoreItem xmlns:ds="http://schemas.openxmlformats.org/officeDocument/2006/customXml" ds:itemID="{40976E10-D540-4F0D-B7ED-DE660C408BCB}">
   <ds:schemaRefs>
     <ds:schemaRef ds:uri="http://schemas.microsoft.com/office/2006/metadata/contentType"/>
@@ -48630,6 +47949,14 @@
 </ds:datastoreItem>
 </file>
 
+<file path=customXml/itemProps3.xml><?xml version="1.0" encoding="utf-8"?>
+<ds:datastoreItem xmlns:ds="http://schemas.openxmlformats.org/officeDocument/2006/customXml" ds:itemID="{953B4D23-82FF-4812-9F4E-BB600331C634}">
+  <ds:schemaRefs>
+    <ds:schemaRef ds:uri="http://schemas.microsoft.com/sharepoint/v3/contenttype/forms"/>
+  </ds:schemaRefs>
+</ds:datastoreItem>
+</file>
+
 <file path=docMetadata/LabelInfo.xml><?xml version="1.0" encoding="utf-8"?>
 <clbl:labelList xmlns:clbl="http://schemas.microsoft.com/office/2020/mipLabelMetadata">
   <clbl:label id="{2b5a89e7-01bf-42ed-9da1-669d82eec17a}" enabled="0" method="" siteId="{2b5a89e7-01bf-42ed-9da1-669d82eec17a}" removed="1"/>

--- a/client_output.pptx
+++ b/client_output.pptx
@@ -758,7 +758,7 @@
                   <c:v>44463</c:v>
                 </c:pt>
                 <c:pt idx="5">
-                  <c:v>1213</c:v>
+                  <c:v>31213</c:v>
                 </c:pt>
                 <c:pt idx="6">
                   <c:v>14085</c:v>
@@ -39257,7 +39257,7 @@
               <ns1:rPr lang="tr-TR" dirty="0" err="1">
                 <ns1:latin typeface="Montserrat SemiBold"/>
               </ns1:rPr>
-              <ns1:t>Digiblu Surname</ns1:t>
+              <ns1:t>Murat Ozdemir</ns1:t>
             </ns1:r>
             <ns1:r>
               <ns1:rPr lang="en-US" dirty="0">
@@ -43425,7 +43425,7 @@
                 <ns1:ea typeface="Open Sans" panose="020B0606030504020204" pitchFamily="34" charset="0"/>
                 <ns1:cs typeface="Open Sans" panose="020B0606030504020204" pitchFamily="34" charset="0"/>
               </ns1:rPr>
-              <ns1:t/>
+              <ns1:t>175,347</ns1:t>
             </ns1:r>
             <ns1:r>
               <ns1:rPr lang="en-GB" sz="2400" dirty="0">
@@ -45757,7 +45757,7 @@
                 <ns1:ea typeface="Open Sans"/>
                 <ns1:cs typeface="Open Sans"/>
               </ns1:rPr>
-              <ns1:t>59,761</ns1:t>
+              <ns1:t>89,761</ns1:t>
             </ns1:r>
             <ns1:r>
               <ns1:rPr lang="tr-TR" dirty="0">
@@ -46109,7 +46109,7 @@
                   <ns1:effectLst/>
                   <ns1:latin typeface="Montserrat SemiBold" panose="00000700000000000000" pitchFamily="2" charset="0"/>
                 </ns1:rPr>
-                <ns1:t>11,213</ns1:t>
+                <ns1:t>31,213</ns1:t>
               </ns1:r>
               <ns1:endParaRPr lang="en-US" b="1" dirty="0">
                 <ns1:solidFill>
